--- a/vOpen2019/vOpen19-UY-FelipeSchneider.pptx
+++ b/vOpen2019/vOpen19-UY-FelipeSchneider.pptx
@@ -5,7 +5,7 @@
     <p:sldMasterId id="2147483659" r:id="rId1"/>
   </p:sldMasterIdLst>
   <p:notesMasterIdLst>
-    <p:notesMasterId r:id="rId12"/>
+    <p:notesMasterId r:id="rId19"/>
   </p:notesMasterIdLst>
   <p:sldIdLst>
     <p:sldId id="256" r:id="rId2"/>
@@ -13,21 +13,28 @@
     <p:sldId id="259" r:id="rId4"/>
     <p:sldId id="258" r:id="rId5"/>
     <p:sldId id="263" r:id="rId6"/>
-    <p:sldId id="261" r:id="rId7"/>
-    <p:sldId id="262" r:id="rId8"/>
-    <p:sldId id="264" r:id="rId9"/>
-    <p:sldId id="265" r:id="rId10"/>
-    <p:sldId id="260" r:id="rId11"/>
+    <p:sldId id="267" r:id="rId7"/>
+    <p:sldId id="268" r:id="rId8"/>
+    <p:sldId id="269" r:id="rId9"/>
+    <p:sldId id="270" r:id="rId10"/>
+    <p:sldId id="271" r:id="rId11"/>
+    <p:sldId id="272" r:id="rId12"/>
+    <p:sldId id="273" r:id="rId13"/>
+    <p:sldId id="262" r:id="rId14"/>
+    <p:sldId id="264" r:id="rId15"/>
+    <p:sldId id="265" r:id="rId16"/>
+    <p:sldId id="266" r:id="rId17"/>
+    <p:sldId id="260" r:id="rId18"/>
   </p:sldIdLst>
   <p:sldSz cx="9144000" cy="5143500" type="screen16x9"/>
   <p:notesSz cx="6858000" cy="9144000"/>
   <p:embeddedFontLst>
     <p:embeddedFont>
       <p:font typeface="Rubik" panose="020B0604020202020204" charset="-79"/>
-      <p:regular r:id="rId13"/>
-      <p:bold r:id="rId14"/>
-      <p:italic r:id="rId15"/>
-      <p:boldItalic r:id="rId16"/>
+      <p:regular r:id="rId20"/>
+      <p:bold r:id="rId21"/>
+      <p:italic r:id="rId22"/>
+      <p:boldItalic r:id="rId23"/>
     </p:embeddedFont>
   </p:embeddedFontLst>
   <p:defaultTextStyle>
@@ -748,8 +755,8 @@
         </p:nvSpPr>
         <p:spPr>
           <a:xfrm>
-            <a:off x="381300" y="685800"/>
-            <a:ext cx="6096075" cy="3429000"/>
+            <a:off x="381000" y="685800"/>
+            <a:ext cx="6096000" cy="3429000"/>
           </a:xfrm>
           <a:custGeom>
             <a:avLst/>
@@ -811,7 +818,11 @@
               </a:spcAft>
               <a:buNone/>
             </a:pPr>
-            <a:endParaRPr/>
+            <a:r>
+              <a:rPr lang="es-UY" dirty="0"/>
+              <a:t>Deberían ser las 11.25</a:t>
+            </a:r>
+            <a:endParaRPr dirty="0"/>
           </a:p>
         </p:txBody>
       </p:sp>
@@ -824,6 +835,823 @@
 </file>
 
 <file path=ppt/notesSlides/notesSlide10.xml><?xml version="1.0" encoding="utf-8"?>
+<p:notes xmlns:a="http://schemas.openxmlformats.org/drawingml/2006/main" xmlns:r="http://schemas.openxmlformats.org/officeDocument/2006/relationships" xmlns:p="http://schemas.openxmlformats.org/presentationml/2006/main" showMasterSp="0" showMasterPhAnim="0">
+  <p:cSld>
+    <p:spTree>
+      <p:nvGrpSpPr>
+        <p:cNvPr id="1" name="Shape 67"/>
+        <p:cNvGrpSpPr/>
+        <p:nvPr/>
+      </p:nvGrpSpPr>
+      <p:grpSpPr>
+        <a:xfrm>
+          <a:off x="0" y="0"/>
+          <a:ext cx="0" cy="0"/>
+          <a:chOff x="0" y="0"/>
+          <a:chExt cx="0" cy="0"/>
+        </a:xfrm>
+      </p:grpSpPr>
+      <p:sp>
+        <p:nvSpPr>
+          <p:cNvPr id="68" name="Google Shape;68;g6320b2cc91_0_8:notes"/>
+          <p:cNvSpPr>
+            <a:spLocks noGrp="1" noRot="1" noChangeAspect="1"/>
+          </p:cNvSpPr>
+          <p:nvPr>
+            <p:ph type="sldImg" idx="2"/>
+          </p:nvPr>
+        </p:nvSpPr>
+        <p:spPr>
+          <a:xfrm>
+            <a:off x="381000" y="685800"/>
+            <a:ext cx="6096000" cy="3429000"/>
+          </a:xfrm>
+          <a:custGeom>
+            <a:avLst/>
+            <a:gdLst/>
+            <a:ahLst/>
+            <a:cxnLst/>
+            <a:rect l="l" t="t" r="r" b="b"/>
+            <a:pathLst>
+              <a:path w="120000" h="120000" extrusionOk="0">
+                <a:moveTo>
+                  <a:pt x="0" y="0"/>
+                </a:moveTo>
+                <a:lnTo>
+                  <a:pt x="120000" y="0"/>
+                </a:lnTo>
+                <a:lnTo>
+                  <a:pt x="120000" y="120000"/>
+                </a:lnTo>
+                <a:lnTo>
+                  <a:pt x="0" y="120000"/>
+                </a:lnTo>
+                <a:close/>
+              </a:path>
+            </a:pathLst>
+          </a:custGeom>
+        </p:spPr>
+      </p:sp>
+      <p:sp>
+        <p:nvSpPr>
+          <p:cNvPr id="69" name="Google Shape;69;g6320b2cc91_0_8:notes"/>
+          <p:cNvSpPr txBox="1">
+            <a:spLocks noGrp="1"/>
+          </p:cNvSpPr>
+          <p:nvPr>
+            <p:ph type="body" idx="1"/>
+          </p:nvPr>
+        </p:nvSpPr>
+        <p:spPr>
+          <a:xfrm>
+            <a:off x="685800" y="4343400"/>
+            <a:ext cx="5486400" cy="4114800"/>
+          </a:xfrm>
+          <a:prstGeom prst="rect">
+            <a:avLst/>
+          </a:prstGeom>
+        </p:spPr>
+        <p:txBody>
+          <a:bodyPr spcFirstLastPara="1" wrap="square" lIns="91425" tIns="91425" rIns="91425" bIns="91425" anchor="t" anchorCtr="0">
+            <a:noAutofit/>
+          </a:bodyPr>
+          <a:lstStyle/>
+          <a:p>
+            <a:pPr marL="0" lvl="0" indent="0" algn="l" rtl="0">
+              <a:spcBef>
+                <a:spcPts val="0"/>
+              </a:spcBef>
+              <a:spcAft>
+                <a:spcPts val="0"/>
+              </a:spcAft>
+              <a:buNone/>
+            </a:pPr>
+            <a:endParaRPr/>
+          </a:p>
+        </p:txBody>
+      </p:sp>
+    </p:spTree>
+    <p:extLst>
+      <p:ext uri="{BB962C8B-B14F-4D97-AF65-F5344CB8AC3E}">
+        <p14:creationId xmlns:p14="http://schemas.microsoft.com/office/powerpoint/2010/main" val="3012563928"/>
+      </p:ext>
+    </p:extLst>
+  </p:cSld>
+  <p:clrMapOvr>
+    <a:masterClrMapping/>
+  </p:clrMapOvr>
+</p:notes>
+</file>
+
+<file path=ppt/notesSlides/notesSlide11.xml><?xml version="1.0" encoding="utf-8"?>
+<p:notes xmlns:a="http://schemas.openxmlformats.org/drawingml/2006/main" xmlns:r="http://schemas.openxmlformats.org/officeDocument/2006/relationships" xmlns:p="http://schemas.openxmlformats.org/presentationml/2006/main" showMasterSp="0" showMasterPhAnim="0">
+  <p:cSld>
+    <p:spTree>
+      <p:nvGrpSpPr>
+        <p:cNvPr id="1" name="Shape 67"/>
+        <p:cNvGrpSpPr/>
+        <p:nvPr/>
+      </p:nvGrpSpPr>
+      <p:grpSpPr>
+        <a:xfrm>
+          <a:off x="0" y="0"/>
+          <a:ext cx="0" cy="0"/>
+          <a:chOff x="0" y="0"/>
+          <a:chExt cx="0" cy="0"/>
+        </a:xfrm>
+      </p:grpSpPr>
+      <p:sp>
+        <p:nvSpPr>
+          <p:cNvPr id="68" name="Google Shape;68;g6320b2cc91_0_8:notes"/>
+          <p:cNvSpPr>
+            <a:spLocks noGrp="1" noRot="1" noChangeAspect="1"/>
+          </p:cNvSpPr>
+          <p:nvPr>
+            <p:ph type="sldImg" idx="2"/>
+          </p:nvPr>
+        </p:nvSpPr>
+        <p:spPr>
+          <a:xfrm>
+            <a:off x="381000" y="685800"/>
+            <a:ext cx="6096000" cy="3429000"/>
+          </a:xfrm>
+          <a:custGeom>
+            <a:avLst/>
+            <a:gdLst/>
+            <a:ahLst/>
+            <a:cxnLst/>
+            <a:rect l="l" t="t" r="r" b="b"/>
+            <a:pathLst>
+              <a:path w="120000" h="120000" extrusionOk="0">
+                <a:moveTo>
+                  <a:pt x="0" y="0"/>
+                </a:moveTo>
+                <a:lnTo>
+                  <a:pt x="120000" y="0"/>
+                </a:lnTo>
+                <a:lnTo>
+                  <a:pt x="120000" y="120000"/>
+                </a:lnTo>
+                <a:lnTo>
+                  <a:pt x="0" y="120000"/>
+                </a:lnTo>
+                <a:close/>
+              </a:path>
+            </a:pathLst>
+          </a:custGeom>
+        </p:spPr>
+      </p:sp>
+      <p:sp>
+        <p:nvSpPr>
+          <p:cNvPr id="69" name="Google Shape;69;g6320b2cc91_0_8:notes"/>
+          <p:cNvSpPr txBox="1">
+            <a:spLocks noGrp="1"/>
+          </p:cNvSpPr>
+          <p:nvPr>
+            <p:ph type="body" idx="1"/>
+          </p:nvPr>
+        </p:nvSpPr>
+        <p:spPr>
+          <a:xfrm>
+            <a:off x="685800" y="4343400"/>
+            <a:ext cx="5486400" cy="4114800"/>
+          </a:xfrm>
+          <a:prstGeom prst="rect">
+            <a:avLst/>
+          </a:prstGeom>
+        </p:spPr>
+        <p:txBody>
+          <a:bodyPr spcFirstLastPara="1" wrap="square" lIns="91425" tIns="91425" rIns="91425" bIns="91425" anchor="t" anchorCtr="0">
+            <a:noAutofit/>
+          </a:bodyPr>
+          <a:lstStyle/>
+          <a:p>
+            <a:pPr marL="0" lvl="0" indent="0" algn="l" rtl="0">
+              <a:spcBef>
+                <a:spcPts val="0"/>
+              </a:spcBef>
+              <a:spcAft>
+                <a:spcPts val="0"/>
+              </a:spcAft>
+              <a:buNone/>
+            </a:pPr>
+            <a:endParaRPr/>
+          </a:p>
+        </p:txBody>
+      </p:sp>
+    </p:spTree>
+    <p:extLst>
+      <p:ext uri="{BB962C8B-B14F-4D97-AF65-F5344CB8AC3E}">
+        <p14:creationId xmlns:p14="http://schemas.microsoft.com/office/powerpoint/2010/main" val="941763709"/>
+      </p:ext>
+    </p:extLst>
+  </p:cSld>
+  <p:clrMapOvr>
+    <a:masterClrMapping/>
+  </p:clrMapOvr>
+</p:notes>
+</file>
+
+<file path=ppt/notesSlides/notesSlide12.xml><?xml version="1.0" encoding="utf-8"?>
+<p:notes xmlns:a="http://schemas.openxmlformats.org/drawingml/2006/main" xmlns:r="http://schemas.openxmlformats.org/officeDocument/2006/relationships" xmlns:p="http://schemas.openxmlformats.org/presentationml/2006/main" showMasterSp="0" showMasterPhAnim="0">
+  <p:cSld>
+    <p:spTree>
+      <p:nvGrpSpPr>
+        <p:cNvPr id="1" name="Shape 67"/>
+        <p:cNvGrpSpPr/>
+        <p:nvPr/>
+      </p:nvGrpSpPr>
+      <p:grpSpPr>
+        <a:xfrm>
+          <a:off x="0" y="0"/>
+          <a:ext cx="0" cy="0"/>
+          <a:chOff x="0" y="0"/>
+          <a:chExt cx="0" cy="0"/>
+        </a:xfrm>
+      </p:grpSpPr>
+      <p:sp>
+        <p:nvSpPr>
+          <p:cNvPr id="68" name="Google Shape;68;g6320b2cc91_0_8:notes"/>
+          <p:cNvSpPr>
+            <a:spLocks noGrp="1" noRot="1" noChangeAspect="1"/>
+          </p:cNvSpPr>
+          <p:nvPr>
+            <p:ph type="sldImg" idx="2"/>
+          </p:nvPr>
+        </p:nvSpPr>
+        <p:spPr>
+          <a:xfrm>
+            <a:off x="381000" y="685800"/>
+            <a:ext cx="6096000" cy="3429000"/>
+          </a:xfrm>
+          <a:custGeom>
+            <a:avLst/>
+            <a:gdLst/>
+            <a:ahLst/>
+            <a:cxnLst/>
+            <a:rect l="l" t="t" r="r" b="b"/>
+            <a:pathLst>
+              <a:path w="120000" h="120000" extrusionOk="0">
+                <a:moveTo>
+                  <a:pt x="0" y="0"/>
+                </a:moveTo>
+                <a:lnTo>
+                  <a:pt x="120000" y="0"/>
+                </a:lnTo>
+                <a:lnTo>
+                  <a:pt x="120000" y="120000"/>
+                </a:lnTo>
+                <a:lnTo>
+                  <a:pt x="0" y="120000"/>
+                </a:lnTo>
+                <a:close/>
+              </a:path>
+            </a:pathLst>
+          </a:custGeom>
+        </p:spPr>
+      </p:sp>
+      <p:sp>
+        <p:nvSpPr>
+          <p:cNvPr id="69" name="Google Shape;69;g6320b2cc91_0_8:notes"/>
+          <p:cNvSpPr txBox="1">
+            <a:spLocks noGrp="1"/>
+          </p:cNvSpPr>
+          <p:nvPr>
+            <p:ph type="body" idx="1"/>
+          </p:nvPr>
+        </p:nvSpPr>
+        <p:spPr>
+          <a:xfrm>
+            <a:off x="685800" y="4343400"/>
+            <a:ext cx="5486400" cy="4114800"/>
+          </a:xfrm>
+          <a:prstGeom prst="rect">
+            <a:avLst/>
+          </a:prstGeom>
+        </p:spPr>
+        <p:txBody>
+          <a:bodyPr spcFirstLastPara="1" wrap="square" lIns="91425" tIns="91425" rIns="91425" bIns="91425" anchor="t" anchorCtr="0">
+            <a:noAutofit/>
+          </a:bodyPr>
+          <a:lstStyle/>
+          <a:p>
+            <a:pPr marL="0" lvl="0" indent="0" algn="l" rtl="0">
+              <a:spcBef>
+                <a:spcPts val="0"/>
+              </a:spcBef>
+              <a:spcAft>
+                <a:spcPts val="0"/>
+              </a:spcAft>
+              <a:buNone/>
+            </a:pPr>
+            <a:r>
+              <a:rPr lang="es-UY" dirty="0"/>
+              <a:t>Antes de irte, tendrían que ser las 11.48</a:t>
+            </a:r>
+            <a:endParaRPr dirty="0"/>
+          </a:p>
+        </p:txBody>
+      </p:sp>
+    </p:spTree>
+    <p:extLst>
+      <p:ext uri="{BB962C8B-B14F-4D97-AF65-F5344CB8AC3E}">
+        <p14:creationId xmlns:p14="http://schemas.microsoft.com/office/powerpoint/2010/main" val="3130153125"/>
+      </p:ext>
+    </p:extLst>
+  </p:cSld>
+  <p:clrMapOvr>
+    <a:masterClrMapping/>
+  </p:clrMapOvr>
+</p:notes>
+</file>
+
+<file path=ppt/notesSlides/notesSlide13.xml><?xml version="1.0" encoding="utf-8"?>
+<p:notes xmlns:a="http://schemas.openxmlformats.org/drawingml/2006/main" xmlns:r="http://schemas.openxmlformats.org/officeDocument/2006/relationships" xmlns:p="http://schemas.openxmlformats.org/presentationml/2006/main" showMasterSp="0" showMasterPhAnim="0">
+  <p:cSld>
+    <p:spTree>
+      <p:nvGrpSpPr>
+        <p:cNvPr id="1" name="Shape 67"/>
+        <p:cNvGrpSpPr/>
+        <p:nvPr/>
+      </p:nvGrpSpPr>
+      <p:grpSpPr>
+        <a:xfrm>
+          <a:off x="0" y="0"/>
+          <a:ext cx="0" cy="0"/>
+          <a:chOff x="0" y="0"/>
+          <a:chExt cx="0" cy="0"/>
+        </a:xfrm>
+      </p:grpSpPr>
+      <p:sp>
+        <p:nvSpPr>
+          <p:cNvPr id="68" name="Google Shape;68;g6320b2cc91_0_8:notes"/>
+          <p:cNvSpPr>
+            <a:spLocks noGrp="1" noRot="1" noChangeAspect="1"/>
+          </p:cNvSpPr>
+          <p:nvPr>
+            <p:ph type="sldImg" idx="2"/>
+          </p:nvPr>
+        </p:nvSpPr>
+        <p:spPr>
+          <a:xfrm>
+            <a:off x="381000" y="685800"/>
+            <a:ext cx="6096000" cy="3429000"/>
+          </a:xfrm>
+          <a:custGeom>
+            <a:avLst/>
+            <a:gdLst/>
+            <a:ahLst/>
+            <a:cxnLst/>
+            <a:rect l="l" t="t" r="r" b="b"/>
+            <a:pathLst>
+              <a:path w="120000" h="120000" extrusionOk="0">
+                <a:moveTo>
+                  <a:pt x="0" y="0"/>
+                </a:moveTo>
+                <a:lnTo>
+                  <a:pt x="120000" y="0"/>
+                </a:lnTo>
+                <a:lnTo>
+                  <a:pt x="120000" y="120000"/>
+                </a:lnTo>
+                <a:lnTo>
+                  <a:pt x="0" y="120000"/>
+                </a:lnTo>
+                <a:close/>
+              </a:path>
+            </a:pathLst>
+          </a:custGeom>
+        </p:spPr>
+      </p:sp>
+      <p:sp>
+        <p:nvSpPr>
+          <p:cNvPr id="69" name="Google Shape;69;g6320b2cc91_0_8:notes"/>
+          <p:cNvSpPr txBox="1">
+            <a:spLocks noGrp="1"/>
+          </p:cNvSpPr>
+          <p:nvPr>
+            <p:ph type="body" idx="1"/>
+          </p:nvPr>
+        </p:nvSpPr>
+        <p:spPr>
+          <a:xfrm>
+            <a:off x="685800" y="4343400"/>
+            <a:ext cx="5486400" cy="4114800"/>
+          </a:xfrm>
+          <a:prstGeom prst="rect">
+            <a:avLst/>
+          </a:prstGeom>
+        </p:spPr>
+        <p:txBody>
+          <a:bodyPr spcFirstLastPara="1" wrap="square" lIns="91425" tIns="91425" rIns="91425" bIns="91425" anchor="t" anchorCtr="0">
+            <a:noAutofit/>
+          </a:bodyPr>
+          <a:lstStyle/>
+          <a:p>
+            <a:pPr marL="0" lvl="0" indent="0" algn="l" rtl="0">
+              <a:spcBef>
+                <a:spcPts val="0"/>
+              </a:spcBef>
+              <a:spcAft>
+                <a:spcPts val="0"/>
+              </a:spcAft>
+              <a:buNone/>
+            </a:pPr>
+            <a:r>
+              <a:rPr lang="es-UY" dirty="0"/>
+              <a:t>Hacer todo el recorrido con los scripts 2 </a:t>
+            </a:r>
+          </a:p>
+          <a:p>
+            <a:pPr marL="0" lvl="0" indent="0" algn="l" rtl="0">
+              <a:spcBef>
+                <a:spcPts val="0"/>
+              </a:spcBef>
+              <a:spcAft>
+                <a:spcPts val="0"/>
+              </a:spcAft>
+              <a:buNone/>
+            </a:pPr>
+            <a:r>
+              <a:rPr lang="es-UY" dirty="0"/>
+              <a:t>Al terminar el 2 tendrían que ser las 12</a:t>
+            </a:r>
+          </a:p>
+          <a:p>
+            <a:pPr marL="0" lvl="0" indent="0" algn="l" rtl="0">
+              <a:spcBef>
+                <a:spcPts val="0"/>
+              </a:spcBef>
+              <a:spcAft>
+                <a:spcPts val="0"/>
+              </a:spcAft>
+              <a:buNone/>
+            </a:pPr>
+            <a:r>
+              <a:rPr lang="es-UY" dirty="0"/>
+              <a:t>Hacer los </a:t>
+            </a:r>
+            <a:r>
+              <a:rPr lang="es-UY" dirty="0" err="1"/>
+              <a:t>scrips</a:t>
+            </a:r>
+            <a:r>
+              <a:rPr lang="es-UY" dirty="0"/>
+              <a:t> del 3</a:t>
+            </a:r>
+            <a:endParaRPr dirty="0"/>
+          </a:p>
+        </p:txBody>
+      </p:sp>
+    </p:spTree>
+    <p:extLst>
+      <p:ext uri="{BB962C8B-B14F-4D97-AF65-F5344CB8AC3E}">
+        <p14:creationId xmlns:p14="http://schemas.microsoft.com/office/powerpoint/2010/main" val="4159735051"/>
+      </p:ext>
+    </p:extLst>
+  </p:cSld>
+  <p:clrMapOvr>
+    <a:masterClrMapping/>
+  </p:clrMapOvr>
+</p:notes>
+</file>
+
+<file path=ppt/notesSlides/notesSlide14.xml><?xml version="1.0" encoding="utf-8"?>
+<p:notes xmlns:a="http://schemas.openxmlformats.org/drawingml/2006/main" xmlns:r="http://schemas.openxmlformats.org/officeDocument/2006/relationships" xmlns:p="http://schemas.openxmlformats.org/presentationml/2006/main" showMasterSp="0" showMasterPhAnim="0">
+  <p:cSld>
+    <p:spTree>
+      <p:nvGrpSpPr>
+        <p:cNvPr id="1" name="Shape 67"/>
+        <p:cNvGrpSpPr/>
+        <p:nvPr/>
+      </p:nvGrpSpPr>
+      <p:grpSpPr>
+        <a:xfrm>
+          <a:off x="0" y="0"/>
+          <a:ext cx="0" cy="0"/>
+          <a:chOff x="0" y="0"/>
+          <a:chExt cx="0" cy="0"/>
+        </a:xfrm>
+      </p:grpSpPr>
+      <p:sp>
+        <p:nvSpPr>
+          <p:cNvPr id="68" name="Google Shape;68;g6320b2cc91_0_8:notes"/>
+          <p:cNvSpPr>
+            <a:spLocks noGrp="1" noRot="1" noChangeAspect="1"/>
+          </p:cNvSpPr>
+          <p:nvPr>
+            <p:ph type="sldImg" idx="2"/>
+          </p:nvPr>
+        </p:nvSpPr>
+        <p:spPr>
+          <a:xfrm>
+            <a:off x="381000" y="685800"/>
+            <a:ext cx="6096000" cy="3429000"/>
+          </a:xfrm>
+          <a:custGeom>
+            <a:avLst/>
+            <a:gdLst/>
+            <a:ahLst/>
+            <a:cxnLst/>
+            <a:rect l="l" t="t" r="r" b="b"/>
+            <a:pathLst>
+              <a:path w="120000" h="120000" extrusionOk="0">
+                <a:moveTo>
+                  <a:pt x="0" y="0"/>
+                </a:moveTo>
+                <a:lnTo>
+                  <a:pt x="120000" y="0"/>
+                </a:lnTo>
+                <a:lnTo>
+                  <a:pt x="120000" y="120000"/>
+                </a:lnTo>
+                <a:lnTo>
+                  <a:pt x="0" y="120000"/>
+                </a:lnTo>
+                <a:close/>
+              </a:path>
+            </a:pathLst>
+          </a:custGeom>
+        </p:spPr>
+      </p:sp>
+      <p:sp>
+        <p:nvSpPr>
+          <p:cNvPr id="69" name="Google Shape;69;g6320b2cc91_0_8:notes"/>
+          <p:cNvSpPr txBox="1">
+            <a:spLocks noGrp="1"/>
+          </p:cNvSpPr>
+          <p:nvPr>
+            <p:ph type="body" idx="1"/>
+          </p:nvPr>
+        </p:nvSpPr>
+        <p:spPr>
+          <a:xfrm>
+            <a:off x="685800" y="4343400"/>
+            <a:ext cx="5486400" cy="4114800"/>
+          </a:xfrm>
+          <a:prstGeom prst="rect">
+            <a:avLst/>
+          </a:prstGeom>
+        </p:spPr>
+        <p:txBody>
+          <a:bodyPr spcFirstLastPara="1" wrap="square" lIns="91425" tIns="91425" rIns="91425" bIns="91425" anchor="t" anchorCtr="0">
+            <a:noAutofit/>
+          </a:bodyPr>
+          <a:lstStyle/>
+          <a:p>
+            <a:pPr marL="0" lvl="0" indent="0" algn="l" rtl="0">
+              <a:spcBef>
+                <a:spcPts val="0"/>
+              </a:spcBef>
+              <a:spcAft>
+                <a:spcPts val="0"/>
+              </a:spcAft>
+              <a:buNone/>
+            </a:pPr>
+            <a:endParaRPr dirty="0"/>
+          </a:p>
+        </p:txBody>
+      </p:sp>
+    </p:spTree>
+    <p:extLst>
+      <p:ext uri="{BB962C8B-B14F-4D97-AF65-F5344CB8AC3E}">
+        <p14:creationId xmlns:p14="http://schemas.microsoft.com/office/powerpoint/2010/main" val="1951912922"/>
+      </p:ext>
+    </p:extLst>
+  </p:cSld>
+  <p:clrMapOvr>
+    <a:masterClrMapping/>
+  </p:clrMapOvr>
+</p:notes>
+</file>
+
+<file path=ppt/notesSlides/notesSlide15.xml><?xml version="1.0" encoding="utf-8"?>
+<p:notes xmlns:a="http://schemas.openxmlformats.org/drawingml/2006/main" xmlns:r="http://schemas.openxmlformats.org/officeDocument/2006/relationships" xmlns:p="http://schemas.openxmlformats.org/presentationml/2006/main" showMasterSp="0" showMasterPhAnim="0">
+  <p:cSld>
+    <p:spTree>
+      <p:nvGrpSpPr>
+        <p:cNvPr id="1" name="Shape 67"/>
+        <p:cNvGrpSpPr/>
+        <p:nvPr/>
+      </p:nvGrpSpPr>
+      <p:grpSpPr>
+        <a:xfrm>
+          <a:off x="0" y="0"/>
+          <a:ext cx="0" cy="0"/>
+          <a:chOff x="0" y="0"/>
+          <a:chExt cx="0" cy="0"/>
+        </a:xfrm>
+      </p:grpSpPr>
+      <p:sp>
+        <p:nvSpPr>
+          <p:cNvPr id="68" name="Google Shape;68;g6320b2cc91_0_8:notes"/>
+          <p:cNvSpPr>
+            <a:spLocks noGrp="1" noRot="1" noChangeAspect="1"/>
+          </p:cNvSpPr>
+          <p:nvPr>
+            <p:ph type="sldImg" idx="2"/>
+          </p:nvPr>
+        </p:nvSpPr>
+        <p:spPr>
+          <a:xfrm>
+            <a:off x="381000" y="685800"/>
+            <a:ext cx="6096000" cy="3429000"/>
+          </a:xfrm>
+          <a:custGeom>
+            <a:avLst/>
+            <a:gdLst/>
+            <a:ahLst/>
+            <a:cxnLst/>
+            <a:rect l="l" t="t" r="r" b="b"/>
+            <a:pathLst>
+              <a:path w="120000" h="120000" extrusionOk="0">
+                <a:moveTo>
+                  <a:pt x="0" y="0"/>
+                </a:moveTo>
+                <a:lnTo>
+                  <a:pt x="120000" y="0"/>
+                </a:lnTo>
+                <a:lnTo>
+                  <a:pt x="120000" y="120000"/>
+                </a:lnTo>
+                <a:lnTo>
+                  <a:pt x="0" y="120000"/>
+                </a:lnTo>
+                <a:close/>
+              </a:path>
+            </a:pathLst>
+          </a:custGeom>
+        </p:spPr>
+      </p:sp>
+      <p:sp>
+        <p:nvSpPr>
+          <p:cNvPr id="69" name="Google Shape;69;g6320b2cc91_0_8:notes"/>
+          <p:cNvSpPr txBox="1">
+            <a:spLocks noGrp="1"/>
+          </p:cNvSpPr>
+          <p:nvPr>
+            <p:ph type="body" idx="1"/>
+          </p:nvPr>
+        </p:nvSpPr>
+        <p:spPr>
+          <a:xfrm>
+            <a:off x="685800" y="4343400"/>
+            <a:ext cx="5486400" cy="4114800"/>
+          </a:xfrm>
+          <a:prstGeom prst="rect">
+            <a:avLst/>
+          </a:prstGeom>
+        </p:spPr>
+        <p:txBody>
+          <a:bodyPr spcFirstLastPara="1" wrap="square" lIns="91425" tIns="91425" rIns="91425" bIns="91425" anchor="t" anchorCtr="0">
+            <a:noAutofit/>
+          </a:bodyPr>
+          <a:lstStyle/>
+          <a:p>
+            <a:pPr marL="0" lvl="0" indent="0" algn="l" rtl="0">
+              <a:spcBef>
+                <a:spcPts val="0"/>
+              </a:spcBef>
+              <a:spcAft>
+                <a:spcPts val="0"/>
+              </a:spcAft>
+              <a:buNone/>
+            </a:pPr>
+            <a:r>
+              <a:rPr lang="es-UY" dirty="0"/>
+              <a:t>Ejecutar del 4.1 al 4.3</a:t>
+            </a:r>
+            <a:endParaRPr dirty="0"/>
+          </a:p>
+        </p:txBody>
+      </p:sp>
+    </p:spTree>
+    <p:extLst>
+      <p:ext uri="{BB962C8B-B14F-4D97-AF65-F5344CB8AC3E}">
+        <p14:creationId xmlns:p14="http://schemas.microsoft.com/office/powerpoint/2010/main" val="637639281"/>
+      </p:ext>
+    </p:extLst>
+  </p:cSld>
+  <p:clrMapOvr>
+    <a:masterClrMapping/>
+  </p:clrMapOvr>
+</p:notes>
+</file>
+
+<file path=ppt/notesSlides/notesSlide16.xml><?xml version="1.0" encoding="utf-8"?>
+<p:notes xmlns:a="http://schemas.openxmlformats.org/drawingml/2006/main" xmlns:r="http://schemas.openxmlformats.org/officeDocument/2006/relationships" xmlns:p="http://schemas.openxmlformats.org/presentationml/2006/main" showMasterSp="0" showMasterPhAnim="0">
+  <p:cSld>
+    <p:spTree>
+      <p:nvGrpSpPr>
+        <p:cNvPr id="1" name="Shape 67"/>
+        <p:cNvGrpSpPr/>
+        <p:nvPr/>
+      </p:nvGrpSpPr>
+      <p:grpSpPr>
+        <a:xfrm>
+          <a:off x="0" y="0"/>
+          <a:ext cx="0" cy="0"/>
+          <a:chOff x="0" y="0"/>
+          <a:chExt cx="0" cy="0"/>
+        </a:xfrm>
+      </p:grpSpPr>
+      <p:sp>
+        <p:nvSpPr>
+          <p:cNvPr id="68" name="Google Shape;68;g6320b2cc91_0_8:notes"/>
+          <p:cNvSpPr>
+            <a:spLocks noGrp="1" noRot="1" noChangeAspect="1"/>
+          </p:cNvSpPr>
+          <p:nvPr>
+            <p:ph type="sldImg" idx="2"/>
+          </p:nvPr>
+        </p:nvSpPr>
+        <p:spPr>
+          <a:xfrm>
+            <a:off x="381000" y="685800"/>
+            <a:ext cx="6096000" cy="3429000"/>
+          </a:xfrm>
+          <a:custGeom>
+            <a:avLst/>
+            <a:gdLst/>
+            <a:ahLst/>
+            <a:cxnLst/>
+            <a:rect l="l" t="t" r="r" b="b"/>
+            <a:pathLst>
+              <a:path w="120000" h="120000" extrusionOk="0">
+                <a:moveTo>
+                  <a:pt x="0" y="0"/>
+                </a:moveTo>
+                <a:lnTo>
+                  <a:pt x="120000" y="0"/>
+                </a:lnTo>
+                <a:lnTo>
+                  <a:pt x="120000" y="120000"/>
+                </a:lnTo>
+                <a:lnTo>
+                  <a:pt x="0" y="120000"/>
+                </a:lnTo>
+                <a:close/>
+              </a:path>
+            </a:pathLst>
+          </a:custGeom>
+        </p:spPr>
+      </p:sp>
+      <p:sp>
+        <p:nvSpPr>
+          <p:cNvPr id="69" name="Google Shape;69;g6320b2cc91_0_8:notes"/>
+          <p:cNvSpPr txBox="1">
+            <a:spLocks noGrp="1"/>
+          </p:cNvSpPr>
+          <p:nvPr>
+            <p:ph type="body" idx="1"/>
+          </p:nvPr>
+        </p:nvSpPr>
+        <p:spPr>
+          <a:xfrm>
+            <a:off x="685800" y="4343400"/>
+            <a:ext cx="5486400" cy="4114800"/>
+          </a:xfrm>
+          <a:prstGeom prst="rect">
+            <a:avLst/>
+          </a:prstGeom>
+        </p:spPr>
+        <p:txBody>
+          <a:bodyPr spcFirstLastPara="1" wrap="square" lIns="91425" tIns="91425" rIns="91425" bIns="91425" anchor="t" anchorCtr="0">
+            <a:noAutofit/>
+          </a:bodyPr>
+          <a:lstStyle/>
+          <a:p>
+            <a:pPr marL="0" lvl="0" indent="0" algn="l" rtl="0">
+              <a:spcBef>
+                <a:spcPts val="0"/>
+              </a:spcBef>
+              <a:spcAft>
+                <a:spcPts val="0"/>
+              </a:spcAft>
+              <a:buNone/>
+            </a:pPr>
+            <a:r>
+              <a:rPr lang="es-UY" dirty="0"/>
+              <a:t>Ejecutar 4.4</a:t>
+            </a:r>
+            <a:endParaRPr dirty="0"/>
+          </a:p>
+        </p:txBody>
+      </p:sp>
+    </p:spTree>
+    <p:extLst>
+      <p:ext uri="{BB962C8B-B14F-4D97-AF65-F5344CB8AC3E}">
+        <p14:creationId xmlns:p14="http://schemas.microsoft.com/office/powerpoint/2010/main" val="1086489946"/>
+      </p:ext>
+    </p:extLst>
+  </p:cSld>
+  <p:clrMapOvr>
+    <a:masterClrMapping/>
+  </p:clrMapOvr>
+</p:notes>
+</file>
+
+<file path=ppt/notesSlides/notesSlide17.xml><?xml version="1.0" encoding="utf-8"?>
 <p:notes xmlns:a="http://schemas.openxmlformats.org/drawingml/2006/main" xmlns:r="http://schemas.openxmlformats.org/officeDocument/2006/relationships" xmlns:p="http://schemas.openxmlformats.org/presentationml/2006/main" showMasterSp="0" showMasterPhAnim="0">
   <p:cSld>
     <p:spTree>
@@ -1260,7 +2088,7 @@
               </a:spcAft>
               <a:buNone/>
             </a:pPr>
-            <a:endParaRPr/>
+            <a:endParaRPr dirty="0"/>
           </a:p>
         </p:txBody>
       </p:sp>
@@ -1355,6 +2183,32 @@
           </a:bodyPr>
           <a:lstStyle/>
           <a:p>
+            <a:pPr marL="0" marR="0" lvl="0" indent="0" algn="l" defTabSz="914400" rtl="0" eaLnBrk="1" fontAlgn="auto" latinLnBrk="0" hangingPunct="1">
+              <a:lnSpc>
+                <a:spcPct val="100000"/>
+              </a:lnSpc>
+              <a:spcBef>
+                <a:spcPts val="0"/>
+              </a:spcBef>
+              <a:spcAft>
+                <a:spcPts val="0"/>
+              </a:spcAft>
+              <a:buClr>
+                <a:srgbClr val="000000"/>
+              </a:buClr>
+              <a:buSzPts val="1100"/>
+              <a:buFont typeface="Arial"/>
+              <a:buNone/>
+              <a:tabLst/>
+              <a:defRPr/>
+            </a:pPr>
+            <a:r>
+              <a:rPr lang="es-ES" dirty="0"/>
+              <a:t>Tendrían que ser las 11.37</a:t>
+            </a:r>
+            <a:endParaRPr lang="es-UY" dirty="0"/>
+          </a:p>
+          <a:p>
             <a:pPr marL="0" lvl="0" indent="0" algn="l" rtl="0">
               <a:spcBef>
                 <a:spcPts val="0"/>
@@ -1364,7 +2218,11 @@
               </a:spcAft>
               <a:buNone/>
             </a:pPr>
-            <a:endParaRPr/>
+            <a:r>
+              <a:rPr lang="es-UY" dirty="0"/>
+              <a:t>Hacer los scripts 1</a:t>
+            </a:r>
+            <a:endParaRPr dirty="0"/>
           </a:p>
         </p:txBody>
       </p:sp>
@@ -1473,14 +2331,18 @@
               </a:spcAft>
               <a:buNone/>
             </a:pPr>
-            <a:endParaRPr/>
+            <a:r>
+              <a:rPr lang="es-UY" dirty="0"/>
+              <a:t>Tendrían que ser las 11.42</a:t>
+            </a:r>
+            <a:endParaRPr dirty="0"/>
           </a:p>
         </p:txBody>
       </p:sp>
     </p:spTree>
     <p:extLst>
       <p:ext uri="{BB962C8B-B14F-4D97-AF65-F5344CB8AC3E}">
-        <p14:creationId xmlns:p14="http://schemas.microsoft.com/office/powerpoint/2010/main" val="3618363868"/>
+        <p14:creationId xmlns:p14="http://schemas.microsoft.com/office/powerpoint/2010/main" val="2085438383"/>
       </p:ext>
     </p:extLst>
   </p:cSld>
@@ -1589,7 +2451,7 @@
     </p:spTree>
     <p:extLst>
       <p:ext uri="{BB962C8B-B14F-4D97-AF65-F5344CB8AC3E}">
-        <p14:creationId xmlns:p14="http://schemas.microsoft.com/office/powerpoint/2010/main" val="4159735051"/>
+        <p14:creationId xmlns:p14="http://schemas.microsoft.com/office/powerpoint/2010/main" val="2162253365"/>
       </p:ext>
     </p:extLst>
   </p:cSld>
@@ -1698,7 +2560,7 @@
     </p:spTree>
     <p:extLst>
       <p:ext uri="{BB962C8B-B14F-4D97-AF65-F5344CB8AC3E}">
-        <p14:creationId xmlns:p14="http://schemas.microsoft.com/office/powerpoint/2010/main" val="1951912922"/>
+        <p14:creationId xmlns:p14="http://schemas.microsoft.com/office/powerpoint/2010/main" val="1904549452"/>
       </p:ext>
     </p:extLst>
   </p:cSld>
@@ -1807,7 +2669,7 @@
     </p:spTree>
     <p:extLst>
       <p:ext uri="{BB962C8B-B14F-4D97-AF65-F5344CB8AC3E}">
-        <p14:creationId xmlns:p14="http://schemas.microsoft.com/office/powerpoint/2010/main" val="1388452616"/>
+        <p14:creationId xmlns:p14="http://schemas.microsoft.com/office/powerpoint/2010/main" val="3606199835"/>
       </p:ext>
     </p:extLst>
   </p:cSld>
@@ -6768,6 +7630,2317 @@
 <file path=ppt/slides/slide10.xml><?xml version="1.0" encoding="utf-8"?>
 <p:sld xmlns:a="http://schemas.openxmlformats.org/drawingml/2006/main" xmlns:r="http://schemas.openxmlformats.org/officeDocument/2006/relationships" xmlns:p="http://schemas.openxmlformats.org/presentationml/2006/main">
   <p:cSld>
+    <p:spTree>
+      <p:nvGrpSpPr>
+        <p:cNvPr id="1" name="Shape 70"/>
+        <p:cNvGrpSpPr/>
+        <p:nvPr/>
+      </p:nvGrpSpPr>
+      <p:grpSpPr>
+        <a:xfrm>
+          <a:off x="0" y="0"/>
+          <a:ext cx="0" cy="0"/>
+          <a:chOff x="0" y="0"/>
+          <a:chExt cx="0" cy="0"/>
+        </a:xfrm>
+      </p:grpSpPr>
+      <p:sp>
+        <p:nvSpPr>
+          <p:cNvPr id="71" name="Google Shape;71;p15"/>
+          <p:cNvSpPr/>
+          <p:nvPr/>
+        </p:nvSpPr>
+        <p:spPr>
+          <a:xfrm rot="10800000">
+            <a:off x="5606100" y="100"/>
+            <a:ext cx="3537900" cy="1449600"/>
+          </a:xfrm>
+          <a:prstGeom prst="rtTriangle">
+            <a:avLst/>
+          </a:prstGeom>
+          <a:solidFill>
+            <a:srgbClr val="4883F6"/>
+          </a:solidFill>
+          <a:ln>
+            <a:noFill/>
+          </a:ln>
+        </p:spPr>
+        <p:txBody>
+          <a:bodyPr spcFirstLastPara="1" wrap="square" lIns="91425" tIns="91425" rIns="91425" bIns="91425" anchor="ctr" anchorCtr="0">
+            <a:noAutofit/>
+          </a:bodyPr>
+          <a:lstStyle/>
+          <a:p>
+            <a:pPr marL="0" lvl="0" indent="0" algn="l" rtl="0">
+              <a:spcBef>
+                <a:spcPts val="0"/>
+              </a:spcBef>
+              <a:spcAft>
+                <a:spcPts val="0"/>
+              </a:spcAft>
+              <a:buNone/>
+            </a:pPr>
+            <a:endParaRPr/>
+          </a:p>
+        </p:txBody>
+      </p:sp>
+      <p:pic>
+        <p:nvPicPr>
+          <p:cNvPr id="72" name="Google Shape;72;p15"/>
+          <p:cNvPicPr preferRelativeResize="0"/>
+          <p:nvPr/>
+        </p:nvPicPr>
+        <p:blipFill>
+          <a:blip r:embed="rId3">
+            <a:alphaModFix/>
+          </a:blip>
+          <a:stretch>
+            <a:fillRect/>
+          </a:stretch>
+        </p:blipFill>
+        <p:spPr>
+          <a:xfrm>
+            <a:off x="7467000" y="228400"/>
+            <a:ext cx="1403875" cy="588001"/>
+          </a:xfrm>
+          <a:prstGeom prst="rect">
+            <a:avLst/>
+          </a:prstGeom>
+          <a:noFill/>
+          <a:ln>
+            <a:noFill/>
+          </a:ln>
+        </p:spPr>
+      </p:pic>
+      <p:sp>
+        <p:nvSpPr>
+          <p:cNvPr id="5" name="Google Shape;63;p14">
+            <a:extLst>
+              <a:ext uri="{FF2B5EF4-FFF2-40B4-BE49-F238E27FC236}">
+                <a16:creationId xmlns:a16="http://schemas.microsoft.com/office/drawing/2014/main" id="{9BD71C27-8A6F-4A61-93B7-6C48B6CD1C83}"/>
+              </a:ext>
+            </a:extLst>
+          </p:cNvPr>
+          <p:cNvSpPr txBox="1"/>
+          <p:nvPr/>
+        </p:nvSpPr>
+        <p:spPr>
+          <a:xfrm>
+            <a:off x="898050" y="305377"/>
+            <a:ext cx="7347900" cy="1449600"/>
+          </a:xfrm>
+          <a:prstGeom prst="rect">
+            <a:avLst/>
+          </a:prstGeom>
+          <a:noFill/>
+          <a:ln>
+            <a:noFill/>
+          </a:ln>
+        </p:spPr>
+        <p:txBody>
+          <a:bodyPr spcFirstLastPara="1" wrap="square" lIns="91425" tIns="91425" rIns="91425" bIns="91425" anchor="t" anchorCtr="0">
+            <a:noAutofit/>
+          </a:bodyPr>
+          <a:lstStyle/>
+          <a:p>
+            <a:r>
+              <a:rPr lang="es-ES" sz="3600" dirty="0">
+                <a:solidFill>
+                  <a:schemeClr val="tx1"/>
+                </a:solidFill>
+                <a:latin typeface="Rubik"/>
+                <a:ea typeface="Rubik"/>
+                <a:cs typeface="Rubik"/>
+                <a:sym typeface="Rubik"/>
+              </a:rPr>
+              <a:t>Arquitectura y componentes</a:t>
+            </a:r>
+          </a:p>
+          <a:p>
+            <a:pPr lvl="0"/>
+            <a:endParaRPr lang="es-ES" sz="3600" dirty="0">
+              <a:solidFill>
+                <a:schemeClr val="tx1"/>
+              </a:solidFill>
+              <a:latin typeface="Rubik"/>
+              <a:ea typeface="Rubik"/>
+              <a:cs typeface="Rubik"/>
+              <a:sym typeface="Rubik"/>
+            </a:endParaRPr>
+          </a:p>
+        </p:txBody>
+      </p:sp>
+      <p:sp>
+        <p:nvSpPr>
+          <p:cNvPr id="3" name="Rectangle 2">
+            <a:extLst>
+              <a:ext uri="{FF2B5EF4-FFF2-40B4-BE49-F238E27FC236}">
+                <a16:creationId xmlns:a16="http://schemas.microsoft.com/office/drawing/2014/main" id="{9319EC8B-A2B9-450A-8D6F-D4A4096CDD00}"/>
+              </a:ext>
+            </a:extLst>
+          </p:cNvPr>
+          <p:cNvSpPr/>
+          <p:nvPr/>
+        </p:nvSpPr>
+        <p:spPr>
+          <a:xfrm>
+            <a:off x="898050" y="1631899"/>
+            <a:ext cx="8122382" cy="2554545"/>
+          </a:xfrm>
+          <a:prstGeom prst="rect">
+            <a:avLst/>
+          </a:prstGeom>
+        </p:spPr>
+        <p:txBody>
+          <a:bodyPr wrap="square">
+            <a:spAutoFit/>
+          </a:bodyPr>
+          <a:lstStyle/>
+          <a:p>
+            <a:r>
+              <a:rPr lang="es-UY" sz="2000" b="1" dirty="0" err="1">
+                <a:latin typeface="Rubik" panose="020B0604020202020204" charset="-79"/>
+                <a:cs typeface="Rubik" panose="020B0604020202020204" charset="-79"/>
+              </a:rPr>
+              <a:t>Queue</a:t>
+            </a:r>
+            <a:r>
+              <a:rPr lang="es-UY" sz="2000" b="1" dirty="0">
+                <a:latin typeface="Rubik" panose="020B0604020202020204" charset="-79"/>
+                <a:cs typeface="Rubik" panose="020B0604020202020204" charset="-79"/>
+              </a:rPr>
+              <a:t> </a:t>
+            </a:r>
+            <a:r>
+              <a:rPr lang="es-UY" sz="2000" b="1" dirty="0" err="1">
+                <a:latin typeface="Rubik" panose="020B0604020202020204" charset="-79"/>
+                <a:cs typeface="Rubik" panose="020B0604020202020204" charset="-79"/>
+              </a:rPr>
+              <a:t>internals</a:t>
+            </a:r>
+            <a:endParaRPr lang="es-UY" sz="2000" b="1" dirty="0">
+              <a:latin typeface="Rubik" panose="020B0604020202020204" charset="-79"/>
+              <a:cs typeface="Rubik" panose="020B0604020202020204" charset="-79"/>
+            </a:endParaRPr>
+          </a:p>
+          <a:p>
+            <a:pPr marL="457200" indent="-457200">
+              <a:buFont typeface="+mj-lt"/>
+              <a:buAutoNum type="arabicPeriod"/>
+            </a:pPr>
+            <a:r>
+              <a:rPr lang="es-UY" sz="2000" dirty="0">
+                <a:latin typeface="Rubik" panose="020B0604020202020204" charset="-79"/>
+                <a:cs typeface="Rubik" panose="020B0604020202020204" charset="-79"/>
+              </a:rPr>
+              <a:t>Cada mensajes es una fila de la tabla, contiene varias columnas</a:t>
+            </a:r>
+          </a:p>
+          <a:p>
+            <a:pPr marL="457200" lvl="1" indent="-457200">
+              <a:buFont typeface="Arial" panose="020B0604020202020204" pitchFamily="34" charset="0"/>
+              <a:buChar char="•"/>
+            </a:pPr>
+            <a:r>
+              <a:rPr lang="es-UY" sz="2000" dirty="0">
+                <a:latin typeface="Rubik" panose="020B0604020202020204" charset="-79"/>
+                <a:cs typeface="Rubik" panose="020B0604020202020204" charset="-79"/>
+              </a:rPr>
+              <a:t>El contenido del mensaje y su tipo</a:t>
+            </a:r>
+          </a:p>
+          <a:p>
+            <a:pPr marL="457200" lvl="1" indent="-457200">
+              <a:buFont typeface="Arial" panose="020B0604020202020204" pitchFamily="34" charset="0"/>
+              <a:buChar char="•"/>
+            </a:pPr>
+            <a:r>
+              <a:rPr lang="es-UY" sz="2000" dirty="0">
+                <a:latin typeface="Rubik" panose="020B0604020202020204" charset="-79"/>
+                <a:cs typeface="Rubik" panose="020B0604020202020204" charset="-79"/>
+              </a:rPr>
+              <a:t>Datos sobre su estado de validez</a:t>
+            </a:r>
+          </a:p>
+          <a:p>
+            <a:pPr marL="457200" lvl="1" indent="-457200">
+              <a:buFont typeface="Arial" panose="020B0604020202020204" pitchFamily="34" charset="0"/>
+              <a:buChar char="•"/>
+            </a:pPr>
+            <a:r>
+              <a:rPr lang="es-UY" sz="2000" dirty="0">
+                <a:latin typeface="Rubik" panose="020B0604020202020204" charset="-79"/>
+                <a:cs typeface="Rubik" panose="020B0604020202020204" charset="-79"/>
+              </a:rPr>
+              <a:t>Conversación a la que el mensaje pertenece</a:t>
+            </a:r>
+          </a:p>
+          <a:p>
+            <a:pPr marL="457200" lvl="1" indent="-457200">
+              <a:buFont typeface="Arial" panose="020B0604020202020204" pitchFamily="34" charset="0"/>
+              <a:buChar char="•"/>
+            </a:pPr>
+            <a:r>
+              <a:rPr lang="es-UY" sz="2000" dirty="0" err="1">
+                <a:latin typeface="Rubik" panose="020B0604020202020204" charset="-79"/>
+                <a:cs typeface="Rubik" panose="020B0604020202020204" charset="-79"/>
+              </a:rPr>
+              <a:t>Servicioy</a:t>
+            </a:r>
+            <a:r>
+              <a:rPr lang="es-UY" sz="2000" dirty="0">
+                <a:latin typeface="Rubik" panose="020B0604020202020204" charset="-79"/>
+                <a:cs typeface="Rubik" panose="020B0604020202020204" charset="-79"/>
+              </a:rPr>
+              <a:t> contrato vinculados con el mensaje</a:t>
+            </a:r>
+          </a:p>
+          <a:p>
+            <a:pPr marL="457200" lvl="1" indent="-457200">
+              <a:buFont typeface="Arial" panose="020B0604020202020204" pitchFamily="34" charset="0"/>
+              <a:buChar char="•"/>
+            </a:pPr>
+            <a:r>
+              <a:rPr lang="es-UY" sz="2000" dirty="0">
+                <a:latin typeface="Rubik" panose="020B0604020202020204" charset="-79"/>
+                <a:cs typeface="Rubik" panose="020B0604020202020204" charset="-79"/>
+              </a:rPr>
+              <a:t>Información interna de la </a:t>
+            </a:r>
+            <a:r>
+              <a:rPr lang="es-UY" sz="2000" dirty="0" err="1">
+                <a:latin typeface="Rubik" panose="020B0604020202020204" charset="-79"/>
+                <a:cs typeface="Rubik" panose="020B0604020202020204" charset="-79"/>
+              </a:rPr>
+              <a:t>la</a:t>
+            </a:r>
+            <a:r>
+              <a:rPr lang="es-UY" sz="2000" dirty="0">
+                <a:latin typeface="Rubik" panose="020B0604020202020204" charset="-79"/>
+                <a:cs typeface="Rubik" panose="020B0604020202020204" charset="-79"/>
+              </a:rPr>
+              <a:t> </a:t>
+            </a:r>
+            <a:r>
+              <a:rPr lang="es-UY" sz="2000" dirty="0" err="1">
+                <a:latin typeface="Rubik" panose="020B0604020202020204" charset="-79"/>
+                <a:cs typeface="Rubik" panose="020B0604020202020204" charset="-79"/>
+              </a:rPr>
+              <a:t>queue</a:t>
+            </a:r>
+            <a:endParaRPr lang="es-UY" sz="2000" dirty="0">
+              <a:latin typeface="Rubik" panose="020B0604020202020204" charset="-79"/>
+              <a:cs typeface="Rubik" panose="020B0604020202020204" charset="-79"/>
+            </a:endParaRPr>
+          </a:p>
+          <a:p>
+            <a:pPr marL="342900" indent="-342900">
+              <a:buFont typeface="Arial" panose="020B0604020202020204" pitchFamily="34" charset="0"/>
+              <a:buChar char="•"/>
+            </a:pPr>
+            <a:endParaRPr lang="es-UY" sz="2000" dirty="0">
+              <a:latin typeface="Rubik" panose="020B0604020202020204" charset="-79"/>
+              <a:cs typeface="Rubik" panose="020B0604020202020204" charset="-79"/>
+            </a:endParaRPr>
+          </a:p>
+        </p:txBody>
+      </p:sp>
+    </p:spTree>
+    <p:extLst>
+      <p:ext uri="{BB962C8B-B14F-4D97-AF65-F5344CB8AC3E}">
+        <p14:creationId xmlns:p14="http://schemas.microsoft.com/office/powerpoint/2010/main" val="1918279518"/>
+      </p:ext>
+    </p:extLst>
+  </p:cSld>
+  <p:clrMapOvr>
+    <a:masterClrMapping/>
+  </p:clrMapOvr>
+</p:sld>
+</file>
+
+<file path=ppt/slides/slide11.xml><?xml version="1.0" encoding="utf-8"?>
+<p:sld xmlns:a="http://schemas.openxmlformats.org/drawingml/2006/main" xmlns:r="http://schemas.openxmlformats.org/officeDocument/2006/relationships" xmlns:p="http://schemas.openxmlformats.org/presentationml/2006/main">
+  <p:cSld>
+    <p:spTree>
+      <p:nvGrpSpPr>
+        <p:cNvPr id="1" name="Shape 70"/>
+        <p:cNvGrpSpPr/>
+        <p:nvPr/>
+      </p:nvGrpSpPr>
+      <p:grpSpPr>
+        <a:xfrm>
+          <a:off x="0" y="0"/>
+          <a:ext cx="0" cy="0"/>
+          <a:chOff x="0" y="0"/>
+          <a:chExt cx="0" cy="0"/>
+        </a:xfrm>
+      </p:grpSpPr>
+      <p:sp>
+        <p:nvSpPr>
+          <p:cNvPr id="71" name="Google Shape;71;p15"/>
+          <p:cNvSpPr/>
+          <p:nvPr/>
+        </p:nvSpPr>
+        <p:spPr>
+          <a:xfrm rot="10800000">
+            <a:off x="5606100" y="100"/>
+            <a:ext cx="3537900" cy="1449600"/>
+          </a:xfrm>
+          <a:prstGeom prst="rtTriangle">
+            <a:avLst/>
+          </a:prstGeom>
+          <a:solidFill>
+            <a:srgbClr val="4883F6"/>
+          </a:solidFill>
+          <a:ln>
+            <a:noFill/>
+          </a:ln>
+        </p:spPr>
+        <p:txBody>
+          <a:bodyPr spcFirstLastPara="1" wrap="square" lIns="91425" tIns="91425" rIns="91425" bIns="91425" anchor="ctr" anchorCtr="0">
+            <a:noAutofit/>
+          </a:bodyPr>
+          <a:lstStyle/>
+          <a:p>
+            <a:pPr marL="0" lvl="0" indent="0" algn="l" rtl="0">
+              <a:spcBef>
+                <a:spcPts val="0"/>
+              </a:spcBef>
+              <a:spcAft>
+                <a:spcPts val="0"/>
+              </a:spcAft>
+              <a:buNone/>
+            </a:pPr>
+            <a:endParaRPr/>
+          </a:p>
+        </p:txBody>
+      </p:sp>
+      <p:pic>
+        <p:nvPicPr>
+          <p:cNvPr id="72" name="Google Shape;72;p15"/>
+          <p:cNvPicPr preferRelativeResize="0"/>
+          <p:nvPr/>
+        </p:nvPicPr>
+        <p:blipFill>
+          <a:blip r:embed="rId3">
+            <a:alphaModFix/>
+          </a:blip>
+          <a:stretch>
+            <a:fillRect/>
+          </a:stretch>
+        </p:blipFill>
+        <p:spPr>
+          <a:xfrm>
+            <a:off x="7467000" y="228400"/>
+            <a:ext cx="1403875" cy="588001"/>
+          </a:xfrm>
+          <a:prstGeom prst="rect">
+            <a:avLst/>
+          </a:prstGeom>
+          <a:noFill/>
+          <a:ln>
+            <a:noFill/>
+          </a:ln>
+        </p:spPr>
+      </p:pic>
+      <p:sp>
+        <p:nvSpPr>
+          <p:cNvPr id="5" name="Google Shape;63;p14">
+            <a:extLst>
+              <a:ext uri="{FF2B5EF4-FFF2-40B4-BE49-F238E27FC236}">
+                <a16:creationId xmlns:a16="http://schemas.microsoft.com/office/drawing/2014/main" id="{9BD71C27-8A6F-4A61-93B7-6C48B6CD1C83}"/>
+              </a:ext>
+            </a:extLst>
+          </p:cNvPr>
+          <p:cNvSpPr txBox="1"/>
+          <p:nvPr/>
+        </p:nvSpPr>
+        <p:spPr>
+          <a:xfrm>
+            <a:off x="898050" y="305377"/>
+            <a:ext cx="7347900" cy="1449600"/>
+          </a:xfrm>
+          <a:prstGeom prst="rect">
+            <a:avLst/>
+          </a:prstGeom>
+          <a:noFill/>
+          <a:ln>
+            <a:noFill/>
+          </a:ln>
+        </p:spPr>
+        <p:txBody>
+          <a:bodyPr spcFirstLastPara="1" wrap="square" lIns="91425" tIns="91425" rIns="91425" bIns="91425" anchor="t" anchorCtr="0">
+            <a:noAutofit/>
+          </a:bodyPr>
+          <a:lstStyle/>
+          <a:p>
+            <a:r>
+              <a:rPr lang="es-ES" sz="3600" dirty="0">
+                <a:solidFill>
+                  <a:schemeClr val="tx1"/>
+                </a:solidFill>
+                <a:latin typeface="Rubik"/>
+                <a:ea typeface="Rubik"/>
+                <a:cs typeface="Rubik"/>
+                <a:sym typeface="Rubik"/>
+              </a:rPr>
+              <a:t>Arquitectura y componentes</a:t>
+            </a:r>
+          </a:p>
+          <a:p>
+            <a:pPr lvl="0"/>
+            <a:endParaRPr lang="es-ES" sz="3600" dirty="0">
+              <a:solidFill>
+                <a:schemeClr val="tx1"/>
+              </a:solidFill>
+              <a:latin typeface="Rubik"/>
+              <a:ea typeface="Rubik"/>
+              <a:cs typeface="Rubik"/>
+              <a:sym typeface="Rubik"/>
+            </a:endParaRPr>
+          </a:p>
+        </p:txBody>
+      </p:sp>
+      <p:sp>
+        <p:nvSpPr>
+          <p:cNvPr id="3" name="Rectangle 2">
+            <a:extLst>
+              <a:ext uri="{FF2B5EF4-FFF2-40B4-BE49-F238E27FC236}">
+                <a16:creationId xmlns:a16="http://schemas.microsoft.com/office/drawing/2014/main" id="{9319EC8B-A2B9-450A-8D6F-D4A4096CDD00}"/>
+              </a:ext>
+            </a:extLst>
+          </p:cNvPr>
+          <p:cNvSpPr/>
+          <p:nvPr/>
+        </p:nvSpPr>
+        <p:spPr>
+          <a:xfrm>
+            <a:off x="898050" y="1631899"/>
+            <a:ext cx="8122382" cy="2862322"/>
+          </a:xfrm>
+          <a:prstGeom prst="rect">
+            <a:avLst/>
+          </a:prstGeom>
+        </p:spPr>
+        <p:txBody>
+          <a:bodyPr wrap="square">
+            <a:spAutoFit/>
+          </a:bodyPr>
+          <a:lstStyle/>
+          <a:p>
+            <a:r>
+              <a:rPr lang="es-UY" sz="2000" b="1" dirty="0">
+                <a:latin typeface="Rubik" panose="020B0604020202020204" charset="-79"/>
+                <a:cs typeface="Rubik" panose="020B0604020202020204" charset="-79"/>
+              </a:rPr>
+              <a:t>Procesando mensajes</a:t>
+            </a:r>
+            <a:endParaRPr lang="es-UY" sz="2000" dirty="0">
+              <a:latin typeface="Rubik" panose="020B0604020202020204" charset="-79"/>
+              <a:cs typeface="Rubik" panose="020B0604020202020204" charset="-79"/>
+            </a:endParaRPr>
+          </a:p>
+          <a:p>
+            <a:r>
+              <a:rPr lang="es-UY" sz="2000" dirty="0">
+                <a:latin typeface="Rubik" panose="020B0604020202020204" charset="-79"/>
+                <a:cs typeface="Rubik" panose="020B0604020202020204" charset="-79"/>
+              </a:rPr>
+              <a:t>Se reciben con el comando RECIVE los mensajes de la cola para procesar transaccionalmente</a:t>
+            </a:r>
+          </a:p>
+          <a:p>
+            <a:r>
+              <a:rPr lang="es-UY" sz="2000" dirty="0">
+                <a:latin typeface="Rubik" panose="020B0604020202020204" charset="-79"/>
+                <a:cs typeface="Rubik" panose="020B0604020202020204" charset="-79"/>
+              </a:rPr>
+              <a:t>Todos los mensajes de una conversación pueden ser procesados a la vez</a:t>
+            </a:r>
+          </a:p>
+          <a:p>
+            <a:r>
+              <a:rPr lang="es-UY" sz="2000" dirty="0">
+                <a:latin typeface="Rubik" panose="020B0604020202020204" charset="-79"/>
+                <a:cs typeface="Rubik" panose="020B0604020202020204" charset="-79"/>
+              </a:rPr>
+              <a:t>La cola entrega los mensajes en el mismo orden que fueron recibidos</a:t>
+            </a:r>
+          </a:p>
+          <a:p>
+            <a:r>
+              <a:rPr lang="es-UY" sz="2000" dirty="0">
+                <a:latin typeface="Rubik" panose="020B0604020202020204" charset="-79"/>
+                <a:cs typeface="Rubik" panose="020B0604020202020204" charset="-79"/>
+              </a:rPr>
+              <a:t>Se puede usar un store </a:t>
+            </a:r>
+            <a:r>
+              <a:rPr lang="es-UY" sz="2000" dirty="0" err="1">
+                <a:latin typeface="Rubik" panose="020B0604020202020204" charset="-79"/>
+                <a:cs typeface="Rubik" panose="020B0604020202020204" charset="-79"/>
+              </a:rPr>
+              <a:t>procedure</a:t>
+            </a:r>
+            <a:r>
+              <a:rPr lang="es-UY" sz="2000" dirty="0">
+                <a:latin typeface="Rubik" panose="020B0604020202020204" charset="-79"/>
+                <a:cs typeface="Rubik" panose="020B0604020202020204" charset="-79"/>
+              </a:rPr>
+              <a:t> para la activación </a:t>
+            </a:r>
+            <a:r>
+              <a:rPr lang="es-UY" sz="2000" dirty="0" err="1">
+                <a:latin typeface="Rubik" panose="020B0604020202020204" charset="-79"/>
+                <a:cs typeface="Rubik" panose="020B0604020202020204" charset="-79"/>
+              </a:rPr>
+              <a:t>intera</a:t>
+            </a:r>
+            <a:r>
+              <a:rPr lang="es-UY" sz="2000" dirty="0">
+                <a:latin typeface="Rubik" panose="020B0604020202020204" charset="-79"/>
+                <a:cs typeface="Rubik" panose="020B0604020202020204" charset="-79"/>
+              </a:rPr>
+              <a:t> (procesado automático)</a:t>
+            </a:r>
+          </a:p>
+        </p:txBody>
+      </p:sp>
+    </p:spTree>
+    <p:extLst>
+      <p:ext uri="{BB962C8B-B14F-4D97-AF65-F5344CB8AC3E}">
+        <p14:creationId xmlns:p14="http://schemas.microsoft.com/office/powerpoint/2010/main" val="3562383942"/>
+      </p:ext>
+    </p:extLst>
+  </p:cSld>
+  <p:clrMapOvr>
+    <a:masterClrMapping/>
+  </p:clrMapOvr>
+</p:sld>
+</file>
+
+<file path=ppt/slides/slide12.xml><?xml version="1.0" encoding="utf-8"?>
+<p:sld xmlns:a="http://schemas.openxmlformats.org/drawingml/2006/main" xmlns:r="http://schemas.openxmlformats.org/officeDocument/2006/relationships" xmlns:p="http://schemas.openxmlformats.org/presentationml/2006/main">
+  <p:cSld>
+    <p:spTree>
+      <p:nvGrpSpPr>
+        <p:cNvPr id="1" name="Shape 70"/>
+        <p:cNvGrpSpPr/>
+        <p:nvPr/>
+      </p:nvGrpSpPr>
+      <p:grpSpPr>
+        <a:xfrm>
+          <a:off x="0" y="0"/>
+          <a:ext cx="0" cy="0"/>
+          <a:chOff x="0" y="0"/>
+          <a:chExt cx="0" cy="0"/>
+        </a:xfrm>
+      </p:grpSpPr>
+      <p:sp>
+        <p:nvSpPr>
+          <p:cNvPr id="71" name="Google Shape;71;p15"/>
+          <p:cNvSpPr/>
+          <p:nvPr/>
+        </p:nvSpPr>
+        <p:spPr>
+          <a:xfrm rot="10800000">
+            <a:off x="5606100" y="100"/>
+            <a:ext cx="3537900" cy="1449600"/>
+          </a:xfrm>
+          <a:prstGeom prst="rtTriangle">
+            <a:avLst/>
+          </a:prstGeom>
+          <a:solidFill>
+            <a:srgbClr val="4883F6"/>
+          </a:solidFill>
+          <a:ln>
+            <a:noFill/>
+          </a:ln>
+        </p:spPr>
+        <p:txBody>
+          <a:bodyPr spcFirstLastPara="1" wrap="square" lIns="91425" tIns="91425" rIns="91425" bIns="91425" anchor="ctr" anchorCtr="0">
+            <a:noAutofit/>
+          </a:bodyPr>
+          <a:lstStyle/>
+          <a:p>
+            <a:pPr marL="0" lvl="0" indent="0" algn="l" rtl="0">
+              <a:spcBef>
+                <a:spcPts val="0"/>
+              </a:spcBef>
+              <a:spcAft>
+                <a:spcPts val="0"/>
+              </a:spcAft>
+              <a:buNone/>
+            </a:pPr>
+            <a:endParaRPr/>
+          </a:p>
+        </p:txBody>
+      </p:sp>
+      <p:pic>
+        <p:nvPicPr>
+          <p:cNvPr id="72" name="Google Shape;72;p15"/>
+          <p:cNvPicPr preferRelativeResize="0"/>
+          <p:nvPr/>
+        </p:nvPicPr>
+        <p:blipFill>
+          <a:blip r:embed="rId3">
+            <a:alphaModFix/>
+          </a:blip>
+          <a:stretch>
+            <a:fillRect/>
+          </a:stretch>
+        </p:blipFill>
+        <p:spPr>
+          <a:xfrm>
+            <a:off x="7467000" y="228400"/>
+            <a:ext cx="1403875" cy="588001"/>
+          </a:xfrm>
+          <a:prstGeom prst="rect">
+            <a:avLst/>
+          </a:prstGeom>
+          <a:noFill/>
+          <a:ln>
+            <a:noFill/>
+          </a:ln>
+        </p:spPr>
+      </p:pic>
+      <p:sp>
+        <p:nvSpPr>
+          <p:cNvPr id="5" name="Google Shape;63;p14">
+            <a:extLst>
+              <a:ext uri="{FF2B5EF4-FFF2-40B4-BE49-F238E27FC236}">
+                <a16:creationId xmlns:a16="http://schemas.microsoft.com/office/drawing/2014/main" id="{9BD71C27-8A6F-4A61-93B7-6C48B6CD1C83}"/>
+              </a:ext>
+            </a:extLst>
+          </p:cNvPr>
+          <p:cNvSpPr txBox="1"/>
+          <p:nvPr/>
+        </p:nvSpPr>
+        <p:spPr>
+          <a:xfrm>
+            <a:off x="898050" y="305377"/>
+            <a:ext cx="7347900" cy="1449600"/>
+          </a:xfrm>
+          <a:prstGeom prst="rect">
+            <a:avLst/>
+          </a:prstGeom>
+          <a:noFill/>
+          <a:ln>
+            <a:noFill/>
+          </a:ln>
+        </p:spPr>
+        <p:txBody>
+          <a:bodyPr spcFirstLastPara="1" wrap="square" lIns="91425" tIns="91425" rIns="91425" bIns="91425" anchor="t" anchorCtr="0">
+            <a:noAutofit/>
+          </a:bodyPr>
+          <a:lstStyle/>
+          <a:p>
+            <a:r>
+              <a:rPr lang="es-ES" sz="3600" dirty="0">
+                <a:solidFill>
+                  <a:schemeClr val="tx1"/>
+                </a:solidFill>
+                <a:latin typeface="Rubik"/>
+                <a:ea typeface="Rubik"/>
+                <a:cs typeface="Rubik"/>
+                <a:sym typeface="Rubik"/>
+              </a:rPr>
+              <a:t>Arquitectura y componentes</a:t>
+            </a:r>
+          </a:p>
+          <a:p>
+            <a:pPr lvl="0"/>
+            <a:endParaRPr lang="es-ES" sz="3600" dirty="0">
+              <a:solidFill>
+                <a:schemeClr val="tx1"/>
+              </a:solidFill>
+              <a:latin typeface="Rubik"/>
+              <a:ea typeface="Rubik"/>
+              <a:cs typeface="Rubik"/>
+              <a:sym typeface="Rubik"/>
+            </a:endParaRPr>
+          </a:p>
+        </p:txBody>
+      </p:sp>
+      <p:sp>
+        <p:nvSpPr>
+          <p:cNvPr id="3" name="Rectangle 2">
+            <a:extLst>
+              <a:ext uri="{FF2B5EF4-FFF2-40B4-BE49-F238E27FC236}">
+                <a16:creationId xmlns:a16="http://schemas.microsoft.com/office/drawing/2014/main" id="{9319EC8B-A2B9-450A-8D6F-D4A4096CDD00}"/>
+              </a:ext>
+            </a:extLst>
+          </p:cNvPr>
+          <p:cNvSpPr/>
+          <p:nvPr/>
+        </p:nvSpPr>
+        <p:spPr>
+          <a:xfrm>
+            <a:off x="898050" y="1631899"/>
+            <a:ext cx="8122382" cy="2246769"/>
+          </a:xfrm>
+          <a:prstGeom prst="rect">
+            <a:avLst/>
+          </a:prstGeom>
+        </p:spPr>
+        <p:txBody>
+          <a:bodyPr wrap="square">
+            <a:spAutoFit/>
+          </a:bodyPr>
+          <a:lstStyle/>
+          <a:p>
+            <a:r>
+              <a:rPr lang="es-UY" sz="2000" b="1" dirty="0">
+                <a:latin typeface="Rubik" panose="020B0604020202020204" charset="-79"/>
+                <a:cs typeface="Rubik" panose="020B0604020202020204" charset="-79"/>
+              </a:rPr>
+              <a:t>Servicios (SERVICE)</a:t>
+            </a:r>
+            <a:endParaRPr lang="es-UY" sz="2000" dirty="0">
+              <a:latin typeface="Rubik" panose="020B0604020202020204" charset="-79"/>
+              <a:cs typeface="Rubik" panose="020B0604020202020204" charset="-79"/>
+            </a:endParaRPr>
+          </a:p>
+          <a:p>
+            <a:r>
+              <a:rPr lang="es-UY" sz="2000" dirty="0">
+                <a:latin typeface="Rubik" panose="020B0604020202020204" charset="-79"/>
+                <a:cs typeface="Rubik" panose="020B0604020202020204" charset="-79"/>
+              </a:rPr>
+              <a:t>Es el nombre de una operación que queremos que SSB resuelva</a:t>
+            </a:r>
+          </a:p>
+          <a:p>
+            <a:r>
+              <a:rPr lang="es-UY" sz="2000" dirty="0">
+                <a:latin typeface="Rubik" panose="020B0604020202020204" charset="-79"/>
+                <a:cs typeface="Rubik" panose="020B0604020202020204" charset="-79"/>
+              </a:rPr>
+              <a:t>Entregan mensajes a la cola correcta dentro de la base de datos</a:t>
+            </a:r>
+          </a:p>
+          <a:p>
+            <a:r>
+              <a:rPr lang="es-UY" sz="2000" dirty="0">
+                <a:latin typeface="Rubik" panose="020B0604020202020204" charset="-79"/>
+                <a:cs typeface="Rubik" panose="020B0604020202020204" charset="-79"/>
+              </a:rPr>
+              <a:t>Rutea mensajes entre el INICIATOR y el TARGET</a:t>
+            </a:r>
+          </a:p>
+          <a:p>
+            <a:r>
+              <a:rPr lang="es-UY" sz="2000" dirty="0">
+                <a:latin typeface="Rubik" panose="020B0604020202020204" charset="-79"/>
+                <a:cs typeface="Rubik" panose="020B0604020202020204" charset="-79"/>
+              </a:rPr>
+              <a:t>Determina los requisitos de seguridad para las conversaciones</a:t>
+            </a:r>
+          </a:p>
+          <a:p>
+            <a:r>
+              <a:rPr lang="es-UY" sz="2000" dirty="0">
+                <a:latin typeface="Rubik" panose="020B0604020202020204" charset="-79"/>
+                <a:cs typeface="Rubik" panose="020B0604020202020204" charset="-79"/>
+              </a:rPr>
+              <a:t>Cumple los contratos definidos para cada conversación </a:t>
+            </a:r>
+          </a:p>
+          <a:p>
+            <a:r>
+              <a:rPr lang="es-UY" sz="2000" dirty="0">
+                <a:latin typeface="Rubik" panose="020B0604020202020204" charset="-79"/>
+                <a:cs typeface="Rubik" panose="020B0604020202020204" charset="-79"/>
+              </a:rPr>
+              <a:t>Se vincula con colas especificas para almacenar los mensajes</a:t>
+            </a:r>
+          </a:p>
+        </p:txBody>
+      </p:sp>
+    </p:spTree>
+    <p:extLst>
+      <p:ext uri="{BB962C8B-B14F-4D97-AF65-F5344CB8AC3E}">
+        <p14:creationId xmlns:p14="http://schemas.microsoft.com/office/powerpoint/2010/main" val="2799744423"/>
+      </p:ext>
+    </p:extLst>
+  </p:cSld>
+  <p:clrMapOvr>
+    <a:masterClrMapping/>
+  </p:clrMapOvr>
+</p:sld>
+</file>
+
+<file path=ppt/slides/slide13.xml><?xml version="1.0" encoding="utf-8"?>
+<p:sld xmlns:a="http://schemas.openxmlformats.org/drawingml/2006/main" xmlns:r="http://schemas.openxmlformats.org/officeDocument/2006/relationships" xmlns:p="http://schemas.openxmlformats.org/presentationml/2006/main">
+  <p:cSld>
+    <p:spTree>
+      <p:nvGrpSpPr>
+        <p:cNvPr id="1" name="Shape 70"/>
+        <p:cNvGrpSpPr/>
+        <p:nvPr/>
+      </p:nvGrpSpPr>
+      <p:grpSpPr>
+        <a:xfrm>
+          <a:off x="0" y="0"/>
+          <a:ext cx="0" cy="0"/>
+          <a:chOff x="0" y="0"/>
+          <a:chExt cx="0" cy="0"/>
+        </a:xfrm>
+      </p:grpSpPr>
+      <p:sp>
+        <p:nvSpPr>
+          <p:cNvPr id="71" name="Google Shape;71;p15"/>
+          <p:cNvSpPr/>
+          <p:nvPr/>
+        </p:nvSpPr>
+        <p:spPr>
+          <a:xfrm rot="10800000">
+            <a:off x="5606100" y="100"/>
+            <a:ext cx="3537900" cy="1449600"/>
+          </a:xfrm>
+          <a:prstGeom prst="rtTriangle">
+            <a:avLst/>
+          </a:prstGeom>
+          <a:solidFill>
+            <a:srgbClr val="4883F6"/>
+          </a:solidFill>
+          <a:ln>
+            <a:noFill/>
+          </a:ln>
+        </p:spPr>
+        <p:txBody>
+          <a:bodyPr spcFirstLastPara="1" wrap="square" lIns="91425" tIns="91425" rIns="91425" bIns="91425" anchor="ctr" anchorCtr="0">
+            <a:noAutofit/>
+          </a:bodyPr>
+          <a:lstStyle/>
+          <a:p>
+            <a:pPr marL="0" lvl="0" indent="0" algn="l" rtl="0">
+              <a:spcBef>
+                <a:spcPts val="0"/>
+              </a:spcBef>
+              <a:spcAft>
+                <a:spcPts val="0"/>
+              </a:spcAft>
+              <a:buNone/>
+            </a:pPr>
+            <a:endParaRPr/>
+          </a:p>
+        </p:txBody>
+      </p:sp>
+      <p:pic>
+        <p:nvPicPr>
+          <p:cNvPr id="72" name="Google Shape;72;p15"/>
+          <p:cNvPicPr preferRelativeResize="0"/>
+          <p:nvPr/>
+        </p:nvPicPr>
+        <p:blipFill>
+          <a:blip r:embed="rId3">
+            <a:alphaModFix/>
+          </a:blip>
+          <a:stretch>
+            <a:fillRect/>
+          </a:stretch>
+        </p:blipFill>
+        <p:spPr>
+          <a:xfrm>
+            <a:off x="7467000" y="228400"/>
+            <a:ext cx="1403875" cy="588001"/>
+          </a:xfrm>
+          <a:prstGeom prst="rect">
+            <a:avLst/>
+          </a:prstGeom>
+          <a:noFill/>
+          <a:ln>
+            <a:noFill/>
+          </a:ln>
+        </p:spPr>
+      </p:pic>
+      <p:sp>
+        <p:nvSpPr>
+          <p:cNvPr id="5" name="Google Shape;63;p14">
+            <a:extLst>
+              <a:ext uri="{FF2B5EF4-FFF2-40B4-BE49-F238E27FC236}">
+                <a16:creationId xmlns:a16="http://schemas.microsoft.com/office/drawing/2014/main" id="{C4CC480C-2534-4FC5-80F0-7093791A6BBF}"/>
+              </a:ext>
+            </a:extLst>
+          </p:cNvPr>
+          <p:cNvSpPr txBox="1"/>
+          <p:nvPr/>
+        </p:nvSpPr>
+        <p:spPr>
+          <a:xfrm>
+            <a:off x="898050" y="305377"/>
+            <a:ext cx="7347900" cy="1449600"/>
+          </a:xfrm>
+          <a:prstGeom prst="rect">
+            <a:avLst/>
+          </a:prstGeom>
+          <a:noFill/>
+          <a:ln>
+            <a:noFill/>
+          </a:ln>
+        </p:spPr>
+        <p:txBody>
+          <a:bodyPr spcFirstLastPara="1" wrap="square" lIns="91425" tIns="91425" rIns="91425" bIns="91425" anchor="t" anchorCtr="0">
+            <a:noAutofit/>
+          </a:bodyPr>
+          <a:lstStyle/>
+          <a:p>
+            <a:pPr lvl="0"/>
+            <a:r>
+              <a:rPr lang="es-ES" sz="3600" dirty="0">
+                <a:solidFill>
+                  <a:schemeClr val="tx1"/>
+                </a:solidFill>
+                <a:latin typeface="Rubik"/>
+                <a:ea typeface="Rubik"/>
+                <a:cs typeface="Rubik"/>
+                <a:sym typeface="Rubik"/>
+              </a:rPr>
+              <a:t>Probando todas las partes</a:t>
+            </a:r>
+          </a:p>
+        </p:txBody>
+      </p:sp>
+    </p:spTree>
+    <p:extLst>
+      <p:ext uri="{BB962C8B-B14F-4D97-AF65-F5344CB8AC3E}">
+        <p14:creationId xmlns:p14="http://schemas.microsoft.com/office/powerpoint/2010/main" val="4238796120"/>
+      </p:ext>
+    </p:extLst>
+  </p:cSld>
+  <p:clrMapOvr>
+    <a:masterClrMapping/>
+  </p:clrMapOvr>
+</p:sld>
+</file>
+
+<file path=ppt/slides/slide14.xml><?xml version="1.0" encoding="utf-8"?>
+<p:sld xmlns:a="http://schemas.openxmlformats.org/drawingml/2006/main" xmlns:r="http://schemas.openxmlformats.org/officeDocument/2006/relationships" xmlns:p="http://schemas.openxmlformats.org/presentationml/2006/main">
+  <p:cSld>
+    <p:spTree>
+      <p:nvGrpSpPr>
+        <p:cNvPr id="1" name="Shape 70"/>
+        <p:cNvGrpSpPr/>
+        <p:nvPr/>
+      </p:nvGrpSpPr>
+      <p:grpSpPr>
+        <a:xfrm>
+          <a:off x="0" y="0"/>
+          <a:ext cx="0" cy="0"/>
+          <a:chOff x="0" y="0"/>
+          <a:chExt cx="0" cy="0"/>
+        </a:xfrm>
+      </p:grpSpPr>
+      <p:sp>
+        <p:nvSpPr>
+          <p:cNvPr id="71" name="Google Shape;71;p15"/>
+          <p:cNvSpPr/>
+          <p:nvPr/>
+        </p:nvSpPr>
+        <p:spPr>
+          <a:xfrm rot="10800000">
+            <a:off x="5606100" y="100"/>
+            <a:ext cx="3537900" cy="1449600"/>
+          </a:xfrm>
+          <a:prstGeom prst="rtTriangle">
+            <a:avLst/>
+          </a:prstGeom>
+          <a:solidFill>
+            <a:srgbClr val="4883F6"/>
+          </a:solidFill>
+          <a:ln>
+            <a:noFill/>
+          </a:ln>
+        </p:spPr>
+        <p:txBody>
+          <a:bodyPr spcFirstLastPara="1" wrap="square" lIns="91425" tIns="91425" rIns="91425" bIns="91425" anchor="ctr" anchorCtr="0">
+            <a:noAutofit/>
+          </a:bodyPr>
+          <a:lstStyle/>
+          <a:p>
+            <a:pPr marL="0" lvl="0" indent="0" algn="l" rtl="0">
+              <a:spcBef>
+                <a:spcPts val="0"/>
+              </a:spcBef>
+              <a:spcAft>
+                <a:spcPts val="0"/>
+              </a:spcAft>
+              <a:buNone/>
+            </a:pPr>
+            <a:endParaRPr dirty="0"/>
+          </a:p>
+        </p:txBody>
+      </p:sp>
+      <p:pic>
+        <p:nvPicPr>
+          <p:cNvPr id="72" name="Google Shape;72;p15"/>
+          <p:cNvPicPr preferRelativeResize="0"/>
+          <p:nvPr/>
+        </p:nvPicPr>
+        <p:blipFill>
+          <a:blip r:embed="rId3">
+            <a:alphaModFix/>
+          </a:blip>
+          <a:stretch>
+            <a:fillRect/>
+          </a:stretch>
+        </p:blipFill>
+        <p:spPr>
+          <a:xfrm>
+            <a:off x="7467000" y="228400"/>
+            <a:ext cx="1403875" cy="588001"/>
+          </a:xfrm>
+          <a:prstGeom prst="rect">
+            <a:avLst/>
+          </a:prstGeom>
+          <a:noFill/>
+          <a:ln>
+            <a:noFill/>
+          </a:ln>
+        </p:spPr>
+      </p:pic>
+      <p:sp>
+        <p:nvSpPr>
+          <p:cNvPr id="2" name="Rectangle: Rounded Corners 1">
+            <a:extLst>
+              <a:ext uri="{FF2B5EF4-FFF2-40B4-BE49-F238E27FC236}">
+                <a16:creationId xmlns:a16="http://schemas.microsoft.com/office/drawing/2014/main" id="{10B86F81-E85F-48CF-8E84-98CC4F723D40}"/>
+              </a:ext>
+            </a:extLst>
+          </p:cNvPr>
+          <p:cNvSpPr/>
+          <p:nvPr/>
+        </p:nvSpPr>
+        <p:spPr>
+          <a:xfrm>
+            <a:off x="948134" y="3388524"/>
+            <a:ext cx="2279809" cy="1085573"/>
+          </a:xfrm>
+          <a:prstGeom prst="roundRect">
+            <a:avLst/>
+          </a:prstGeom>
+          <a:solidFill>
+            <a:srgbClr val="4883F6"/>
+          </a:solidFill>
+          <a:ln>
+            <a:solidFill>
+              <a:srgbClr val="1D116E"/>
+            </a:solidFill>
+          </a:ln>
+        </p:spPr>
+        <p:style>
+          <a:lnRef idx="2">
+            <a:schemeClr val="accent1">
+              <a:shade val="50000"/>
+            </a:schemeClr>
+          </a:lnRef>
+          <a:fillRef idx="1">
+            <a:schemeClr val="accent1"/>
+          </a:fillRef>
+          <a:effectRef idx="0">
+            <a:schemeClr val="accent1"/>
+          </a:effectRef>
+          <a:fontRef idx="minor">
+            <a:schemeClr val="lt1"/>
+          </a:fontRef>
+        </p:style>
+        <p:txBody>
+          <a:bodyPr rtlCol="0" anchor="ctr"/>
+          <a:lstStyle/>
+          <a:p>
+            <a:pPr algn="ctr"/>
+            <a:r>
+              <a:rPr lang="es-UY" sz="1800" dirty="0"/>
+              <a:t>Están las colas habilitadas?</a:t>
+            </a:r>
+            <a:endParaRPr lang="en-US" sz="1800" dirty="0"/>
+          </a:p>
+        </p:txBody>
+      </p:sp>
+      <p:sp>
+        <p:nvSpPr>
+          <p:cNvPr id="6" name="Rectangle: Rounded Corners 5">
+            <a:extLst>
+              <a:ext uri="{FF2B5EF4-FFF2-40B4-BE49-F238E27FC236}">
+                <a16:creationId xmlns:a16="http://schemas.microsoft.com/office/drawing/2014/main" id="{54555EAA-BB18-4FA6-93C8-9DDC2683EF65}"/>
+              </a:ext>
+            </a:extLst>
+          </p:cNvPr>
+          <p:cNvSpPr/>
+          <p:nvPr/>
+        </p:nvSpPr>
+        <p:spPr>
+          <a:xfrm>
+            <a:off x="948133" y="1517468"/>
+            <a:ext cx="2279810" cy="1085573"/>
+          </a:xfrm>
+          <a:prstGeom prst="roundRect">
+            <a:avLst/>
+          </a:prstGeom>
+          <a:solidFill>
+            <a:srgbClr val="4883F6"/>
+          </a:solidFill>
+          <a:ln>
+            <a:solidFill>
+              <a:srgbClr val="1D116E"/>
+            </a:solidFill>
+          </a:ln>
+        </p:spPr>
+        <p:style>
+          <a:lnRef idx="2">
+            <a:schemeClr val="accent1">
+              <a:shade val="50000"/>
+            </a:schemeClr>
+          </a:lnRef>
+          <a:fillRef idx="1">
+            <a:schemeClr val="accent1"/>
+          </a:fillRef>
+          <a:effectRef idx="0">
+            <a:schemeClr val="accent1"/>
+          </a:effectRef>
+          <a:fontRef idx="minor">
+            <a:schemeClr val="lt1"/>
+          </a:fontRef>
+        </p:style>
+        <p:txBody>
+          <a:bodyPr rtlCol="0" anchor="ctr"/>
+          <a:lstStyle/>
+          <a:p>
+            <a:pPr algn="ctr"/>
+            <a:r>
+              <a:rPr lang="es-UY" sz="1800" dirty="0"/>
+              <a:t>Hay algún error en el log?</a:t>
+            </a:r>
+            <a:endParaRPr lang="en-US" sz="1800" dirty="0"/>
+          </a:p>
+        </p:txBody>
+      </p:sp>
+      <p:sp>
+        <p:nvSpPr>
+          <p:cNvPr id="7" name="Rectangle: Rounded Corners 6">
+            <a:extLst>
+              <a:ext uri="{FF2B5EF4-FFF2-40B4-BE49-F238E27FC236}">
+                <a16:creationId xmlns:a16="http://schemas.microsoft.com/office/drawing/2014/main" id="{CFA94ED0-4B81-4ED2-B7A8-2F092A76E97E}"/>
+              </a:ext>
+            </a:extLst>
+          </p:cNvPr>
+          <p:cNvSpPr/>
+          <p:nvPr/>
+        </p:nvSpPr>
+        <p:spPr>
+          <a:xfrm>
+            <a:off x="4776150" y="3388523"/>
+            <a:ext cx="2279810" cy="1085573"/>
+          </a:xfrm>
+          <a:prstGeom prst="roundRect">
+            <a:avLst/>
+          </a:prstGeom>
+          <a:solidFill>
+            <a:srgbClr val="4883F6"/>
+          </a:solidFill>
+          <a:ln>
+            <a:solidFill>
+              <a:srgbClr val="1D116E"/>
+            </a:solidFill>
+          </a:ln>
+        </p:spPr>
+        <p:style>
+          <a:lnRef idx="2">
+            <a:schemeClr val="accent1">
+              <a:shade val="50000"/>
+            </a:schemeClr>
+          </a:lnRef>
+          <a:fillRef idx="1">
+            <a:schemeClr val="accent1"/>
+          </a:fillRef>
+          <a:effectRef idx="0">
+            <a:schemeClr val="accent1"/>
+          </a:effectRef>
+          <a:fontRef idx="minor">
+            <a:schemeClr val="lt1"/>
+          </a:fontRef>
+        </p:style>
+        <p:txBody>
+          <a:bodyPr rtlCol="0" anchor="ctr"/>
+          <a:lstStyle/>
+          <a:p>
+            <a:pPr algn="ctr"/>
+            <a:r>
+              <a:rPr lang="es-UY" sz="1800" dirty="0"/>
+              <a:t>Está habilitada la activación?</a:t>
+            </a:r>
+            <a:endParaRPr lang="en-US" sz="1800" dirty="0"/>
+          </a:p>
+        </p:txBody>
+      </p:sp>
+      <p:sp>
+        <p:nvSpPr>
+          <p:cNvPr id="8" name="Rectangle: Rounded Corners 7">
+            <a:extLst>
+              <a:ext uri="{FF2B5EF4-FFF2-40B4-BE49-F238E27FC236}">
+                <a16:creationId xmlns:a16="http://schemas.microsoft.com/office/drawing/2014/main" id="{445413CF-3098-4655-BF70-36696F3430D0}"/>
+              </a:ext>
+            </a:extLst>
+          </p:cNvPr>
+          <p:cNvSpPr/>
+          <p:nvPr/>
+        </p:nvSpPr>
+        <p:spPr>
+          <a:xfrm>
+            <a:off x="4776150" y="1517467"/>
+            <a:ext cx="2279810" cy="1085573"/>
+          </a:xfrm>
+          <a:prstGeom prst="roundRect">
+            <a:avLst/>
+          </a:prstGeom>
+          <a:solidFill>
+            <a:srgbClr val="4883F6"/>
+          </a:solidFill>
+          <a:ln>
+            <a:solidFill>
+              <a:srgbClr val="1D116E"/>
+            </a:solidFill>
+          </a:ln>
+        </p:spPr>
+        <p:style>
+          <a:lnRef idx="2">
+            <a:schemeClr val="accent1">
+              <a:shade val="50000"/>
+            </a:schemeClr>
+          </a:lnRef>
+          <a:fillRef idx="1">
+            <a:schemeClr val="accent1"/>
+          </a:fillRef>
+          <a:effectRef idx="0">
+            <a:schemeClr val="accent1"/>
+          </a:effectRef>
+          <a:fontRef idx="minor">
+            <a:schemeClr val="lt1"/>
+          </a:fontRef>
+        </p:style>
+        <p:txBody>
+          <a:bodyPr rtlCol="0" anchor="ctr"/>
+          <a:lstStyle/>
+          <a:p>
+            <a:pPr algn="ctr"/>
+            <a:r>
+              <a:rPr lang="es-UY" sz="1800" dirty="0"/>
+              <a:t>Llego el mensaje a ser enviado?</a:t>
+            </a:r>
+            <a:endParaRPr lang="en-US" sz="1800" dirty="0"/>
+          </a:p>
+        </p:txBody>
+      </p:sp>
+      <p:sp>
+        <p:nvSpPr>
+          <p:cNvPr id="10" name="Google Shape;63;p14">
+            <a:extLst>
+              <a:ext uri="{FF2B5EF4-FFF2-40B4-BE49-F238E27FC236}">
+                <a16:creationId xmlns:a16="http://schemas.microsoft.com/office/drawing/2014/main" id="{2E7D160A-BFB4-4C01-8898-41BD5C78323B}"/>
+              </a:ext>
+            </a:extLst>
+          </p:cNvPr>
+          <p:cNvSpPr txBox="1"/>
+          <p:nvPr/>
+        </p:nvSpPr>
+        <p:spPr>
+          <a:xfrm>
+            <a:off x="898050" y="305377"/>
+            <a:ext cx="7347900" cy="1449600"/>
+          </a:xfrm>
+          <a:prstGeom prst="rect">
+            <a:avLst/>
+          </a:prstGeom>
+          <a:noFill/>
+          <a:ln>
+            <a:noFill/>
+          </a:ln>
+        </p:spPr>
+        <p:txBody>
+          <a:bodyPr spcFirstLastPara="1" wrap="square" lIns="91425" tIns="91425" rIns="91425" bIns="91425" anchor="t" anchorCtr="0">
+            <a:noAutofit/>
+          </a:bodyPr>
+          <a:lstStyle/>
+          <a:p>
+            <a:pPr lvl="0"/>
+            <a:r>
+              <a:rPr lang="es-ES" sz="3600" dirty="0" err="1">
+                <a:solidFill>
+                  <a:schemeClr val="tx1"/>
+                </a:solidFill>
+                <a:latin typeface="Rubik"/>
+                <a:ea typeface="Rubik"/>
+                <a:cs typeface="Rubik"/>
+                <a:sym typeface="Rubik"/>
+              </a:rPr>
+              <a:t>Troubleshooting</a:t>
+            </a:r>
+            <a:endParaRPr lang="es-ES" sz="3600" dirty="0">
+              <a:solidFill>
+                <a:schemeClr val="tx1"/>
+              </a:solidFill>
+              <a:latin typeface="Rubik"/>
+              <a:ea typeface="Rubik"/>
+              <a:cs typeface="Rubik"/>
+              <a:sym typeface="Rubik"/>
+            </a:endParaRPr>
+          </a:p>
+        </p:txBody>
+      </p:sp>
+    </p:spTree>
+    <p:extLst>
+      <p:ext uri="{BB962C8B-B14F-4D97-AF65-F5344CB8AC3E}">
+        <p14:creationId xmlns:p14="http://schemas.microsoft.com/office/powerpoint/2010/main" val="1767019369"/>
+      </p:ext>
+    </p:extLst>
+  </p:cSld>
+  <p:clrMapOvr>
+    <a:masterClrMapping/>
+  </p:clrMapOvr>
+</p:sld>
+</file>
+
+<file path=ppt/slides/slide15.xml><?xml version="1.0" encoding="utf-8"?>
+<p:sld xmlns:a="http://schemas.openxmlformats.org/drawingml/2006/main" xmlns:r="http://schemas.openxmlformats.org/officeDocument/2006/relationships" xmlns:p="http://schemas.openxmlformats.org/presentationml/2006/main">
+  <p:cSld>
+    <p:spTree>
+      <p:nvGrpSpPr>
+        <p:cNvPr id="1" name="Shape 70"/>
+        <p:cNvGrpSpPr/>
+        <p:nvPr/>
+      </p:nvGrpSpPr>
+      <p:grpSpPr>
+        <a:xfrm>
+          <a:off x="0" y="0"/>
+          <a:ext cx="0" cy="0"/>
+          <a:chOff x="0" y="0"/>
+          <a:chExt cx="0" cy="0"/>
+        </a:xfrm>
+      </p:grpSpPr>
+      <p:sp>
+        <p:nvSpPr>
+          <p:cNvPr id="12" name="Rectangle 11">
+            <a:extLst>
+              <a:ext uri="{FF2B5EF4-FFF2-40B4-BE49-F238E27FC236}">
+                <a16:creationId xmlns:a16="http://schemas.microsoft.com/office/drawing/2014/main" id="{C589486D-DAC8-4560-95F3-D3352C933776}"/>
+              </a:ext>
+            </a:extLst>
+          </p:cNvPr>
+          <p:cNvSpPr/>
+          <p:nvPr/>
+        </p:nvSpPr>
+        <p:spPr>
+          <a:xfrm>
+            <a:off x="511386" y="1367738"/>
+            <a:ext cx="7586409" cy="3477875"/>
+          </a:xfrm>
+          <a:prstGeom prst="rect">
+            <a:avLst/>
+          </a:prstGeom>
+        </p:spPr>
+        <p:txBody>
+          <a:bodyPr wrap="square">
+            <a:spAutoFit/>
+          </a:bodyPr>
+          <a:lstStyle/>
+          <a:p>
+            <a:pPr marL="285750" indent="-285750">
+              <a:buFont typeface="Arial" panose="020B0604020202020204" pitchFamily="34" charset="0"/>
+              <a:buChar char="•"/>
+            </a:pPr>
+            <a:r>
+              <a:rPr lang="es-UY" sz="2000" dirty="0">
+                <a:solidFill>
+                  <a:srgbClr val="58595B"/>
+                </a:solidFill>
+                <a:latin typeface="Rubik" panose="020B0604020202020204" charset="-79"/>
+                <a:cs typeface="Rubik" panose="020B0604020202020204" charset="-79"/>
+              </a:rPr>
+              <a:t>Remover/deshabilitar la activación de la cola</a:t>
+            </a:r>
+          </a:p>
+          <a:p>
+            <a:pPr marL="285750" indent="-285750">
+              <a:buFont typeface="Arial" panose="020B0604020202020204" pitchFamily="34" charset="0"/>
+              <a:buChar char="•"/>
+            </a:pPr>
+            <a:r>
+              <a:rPr lang="es-UY" sz="2000" dirty="0">
+                <a:solidFill>
+                  <a:srgbClr val="58595B"/>
+                </a:solidFill>
+                <a:latin typeface="Rubik" panose="020B0604020202020204" charset="-79"/>
+                <a:cs typeface="Rubik" panose="020B0604020202020204" charset="-79"/>
+              </a:rPr>
+              <a:t>Enviar un mensaje valido manualmente</a:t>
+            </a:r>
+          </a:p>
+          <a:p>
+            <a:pPr marL="285750" indent="-285750">
+              <a:buFont typeface="Arial" panose="020B0604020202020204" pitchFamily="34" charset="0"/>
+              <a:buChar char="•"/>
+            </a:pPr>
+            <a:r>
+              <a:rPr lang="es-UY" sz="2000" dirty="0">
+                <a:solidFill>
+                  <a:srgbClr val="58595B"/>
+                </a:solidFill>
+                <a:latin typeface="Rubik" panose="020B0604020202020204" charset="-79"/>
+                <a:cs typeface="Rubik" panose="020B0604020202020204" charset="-79"/>
+              </a:rPr>
+              <a:t>Consultar la cola de destino para verificar la entrega del mensaje</a:t>
+            </a:r>
+          </a:p>
+          <a:p>
+            <a:pPr marL="285750" indent="-285750">
+              <a:buFont typeface="Arial" panose="020B0604020202020204" pitchFamily="34" charset="0"/>
+              <a:buChar char="•"/>
+            </a:pPr>
+            <a:r>
+              <a:rPr lang="es-UY" sz="2000" dirty="0">
+                <a:solidFill>
+                  <a:srgbClr val="58595B"/>
+                </a:solidFill>
+                <a:latin typeface="Rubik" panose="020B0604020202020204" charset="-79"/>
+                <a:cs typeface="Rubik" panose="020B0604020202020204" charset="-79"/>
+              </a:rPr>
+              <a:t>Consultar </a:t>
+            </a:r>
+            <a:r>
+              <a:rPr lang="es-UY" sz="2000" dirty="0" err="1">
+                <a:solidFill>
+                  <a:srgbClr val="58595B"/>
+                </a:solidFill>
+                <a:latin typeface="Rubik" panose="020B0604020202020204" charset="-79"/>
+                <a:cs typeface="Rubik" panose="020B0604020202020204" charset="-79"/>
+              </a:rPr>
+              <a:t>sys.transmission_queue</a:t>
+            </a:r>
+            <a:r>
+              <a:rPr lang="es-UY" sz="2000" dirty="0">
+                <a:solidFill>
+                  <a:srgbClr val="58595B"/>
+                </a:solidFill>
+                <a:latin typeface="Rubik" panose="020B0604020202020204" charset="-79"/>
+                <a:cs typeface="Rubik" panose="020B0604020202020204" charset="-79"/>
+              </a:rPr>
+              <a:t> si el mensaje no fue entregado</a:t>
+            </a:r>
+          </a:p>
+          <a:p>
+            <a:pPr marL="285750" indent="-285750">
+              <a:buFont typeface="Arial" panose="020B0604020202020204" pitchFamily="34" charset="0"/>
+              <a:buChar char="•"/>
+            </a:pPr>
+            <a:r>
+              <a:rPr lang="es-UY" sz="2000" dirty="0">
+                <a:solidFill>
+                  <a:srgbClr val="58595B"/>
+                </a:solidFill>
+                <a:latin typeface="Rubik" panose="020B0604020202020204" charset="-79"/>
+                <a:cs typeface="Rubik" panose="020B0604020202020204" charset="-79"/>
+              </a:rPr>
+              <a:t>Ejecutar la activación manual de la cola destino</a:t>
+            </a:r>
+          </a:p>
+          <a:p>
+            <a:pPr marL="285750" indent="-285750">
+              <a:buFont typeface="Arial" panose="020B0604020202020204" pitchFamily="34" charset="0"/>
+              <a:buChar char="•"/>
+            </a:pPr>
+            <a:r>
+              <a:rPr lang="es-UY" sz="2000" dirty="0">
+                <a:solidFill>
+                  <a:srgbClr val="58595B"/>
+                </a:solidFill>
+                <a:latin typeface="Rubik" panose="020B0604020202020204" charset="-79"/>
+                <a:cs typeface="Rubik" panose="020B0604020202020204" charset="-79"/>
+              </a:rPr>
+              <a:t>Ejecutar la activación del destino de forma manual</a:t>
+            </a:r>
+          </a:p>
+          <a:p>
+            <a:pPr marL="285750" indent="-285750">
+              <a:buFont typeface="Arial" panose="020B0604020202020204" pitchFamily="34" charset="0"/>
+              <a:buChar char="•"/>
+            </a:pPr>
+            <a:r>
+              <a:rPr lang="es-UY" sz="2000" dirty="0">
+                <a:solidFill>
+                  <a:srgbClr val="58595B"/>
+                </a:solidFill>
+                <a:latin typeface="Rubik" panose="020B0604020202020204" charset="-79"/>
+                <a:cs typeface="Rubik" panose="020B0604020202020204" charset="-79"/>
+              </a:rPr>
+              <a:t>Consultar la cola de origen para verificar la entrega de mensajes de respuestas</a:t>
+            </a:r>
+          </a:p>
+          <a:p>
+            <a:pPr marL="285750" indent="-285750">
+              <a:buFont typeface="Arial" panose="020B0604020202020204" pitchFamily="34" charset="0"/>
+              <a:buChar char="•"/>
+            </a:pPr>
+            <a:r>
+              <a:rPr lang="es-UY" sz="2000" dirty="0">
+                <a:solidFill>
+                  <a:srgbClr val="58595B"/>
+                </a:solidFill>
+                <a:latin typeface="Rubik" panose="020B0604020202020204" charset="-79"/>
+                <a:cs typeface="Rubik" panose="020B0604020202020204" charset="-79"/>
+              </a:rPr>
+              <a:t>Ejecutar la activación manual de la cola de origen</a:t>
+            </a:r>
+            <a:endParaRPr lang="es-UY" sz="2000" dirty="0">
+              <a:latin typeface="Rubik" panose="020B0604020202020204" charset="-79"/>
+              <a:cs typeface="Rubik" panose="020B0604020202020204" charset="-79"/>
+            </a:endParaRPr>
+          </a:p>
+        </p:txBody>
+      </p:sp>
+      <p:sp>
+        <p:nvSpPr>
+          <p:cNvPr id="71" name="Google Shape;71;p15"/>
+          <p:cNvSpPr/>
+          <p:nvPr/>
+        </p:nvSpPr>
+        <p:spPr>
+          <a:xfrm rot="10800000">
+            <a:off x="5606100" y="100"/>
+            <a:ext cx="3537900" cy="1449600"/>
+          </a:xfrm>
+          <a:prstGeom prst="rtTriangle">
+            <a:avLst/>
+          </a:prstGeom>
+          <a:solidFill>
+            <a:srgbClr val="4883F6"/>
+          </a:solidFill>
+          <a:ln>
+            <a:noFill/>
+          </a:ln>
+        </p:spPr>
+        <p:txBody>
+          <a:bodyPr spcFirstLastPara="1" wrap="square" lIns="91425" tIns="91425" rIns="91425" bIns="91425" anchor="ctr" anchorCtr="0">
+            <a:noAutofit/>
+          </a:bodyPr>
+          <a:lstStyle/>
+          <a:p>
+            <a:pPr marL="0" lvl="0" indent="0" algn="l" rtl="0">
+              <a:spcBef>
+                <a:spcPts val="0"/>
+              </a:spcBef>
+              <a:spcAft>
+                <a:spcPts val="0"/>
+              </a:spcAft>
+              <a:buNone/>
+            </a:pPr>
+            <a:endParaRPr/>
+          </a:p>
+        </p:txBody>
+      </p:sp>
+      <p:pic>
+        <p:nvPicPr>
+          <p:cNvPr id="72" name="Google Shape;72;p15"/>
+          <p:cNvPicPr preferRelativeResize="0"/>
+          <p:nvPr/>
+        </p:nvPicPr>
+        <p:blipFill>
+          <a:blip r:embed="rId3">
+            <a:alphaModFix/>
+          </a:blip>
+          <a:stretch>
+            <a:fillRect/>
+          </a:stretch>
+        </p:blipFill>
+        <p:spPr>
+          <a:xfrm>
+            <a:off x="7467000" y="228400"/>
+            <a:ext cx="1403875" cy="588001"/>
+          </a:xfrm>
+          <a:prstGeom prst="rect">
+            <a:avLst/>
+          </a:prstGeom>
+          <a:noFill/>
+          <a:ln>
+            <a:noFill/>
+          </a:ln>
+        </p:spPr>
+      </p:pic>
+      <p:sp>
+        <p:nvSpPr>
+          <p:cNvPr id="11" name="Google Shape;63;p14">
+            <a:extLst>
+              <a:ext uri="{FF2B5EF4-FFF2-40B4-BE49-F238E27FC236}">
+                <a16:creationId xmlns:a16="http://schemas.microsoft.com/office/drawing/2014/main" id="{8106FAA9-D584-4BE4-AC4D-09AB82886489}"/>
+              </a:ext>
+            </a:extLst>
+          </p:cNvPr>
+          <p:cNvSpPr txBox="1"/>
+          <p:nvPr/>
+        </p:nvSpPr>
+        <p:spPr>
+          <a:xfrm>
+            <a:off x="898050" y="305377"/>
+            <a:ext cx="7347900" cy="1449600"/>
+          </a:xfrm>
+          <a:prstGeom prst="rect">
+            <a:avLst/>
+          </a:prstGeom>
+          <a:noFill/>
+          <a:ln>
+            <a:noFill/>
+          </a:ln>
+        </p:spPr>
+        <p:txBody>
+          <a:bodyPr spcFirstLastPara="1" wrap="square" lIns="91425" tIns="91425" rIns="91425" bIns="91425" anchor="t" anchorCtr="0">
+            <a:noAutofit/>
+          </a:bodyPr>
+          <a:lstStyle/>
+          <a:p>
+            <a:pPr lvl="0"/>
+            <a:r>
+              <a:rPr lang="es-ES" sz="3600" dirty="0" err="1">
+                <a:solidFill>
+                  <a:schemeClr val="tx1"/>
+                </a:solidFill>
+                <a:latin typeface="Rubik"/>
+                <a:ea typeface="Rubik"/>
+                <a:cs typeface="Rubik"/>
+                <a:sym typeface="Rubik"/>
+              </a:rPr>
+              <a:t>Troubleshooting</a:t>
+            </a:r>
+            <a:endParaRPr lang="es-ES" sz="3600" dirty="0">
+              <a:solidFill>
+                <a:schemeClr val="tx1"/>
+              </a:solidFill>
+              <a:latin typeface="Rubik"/>
+              <a:ea typeface="Rubik"/>
+              <a:cs typeface="Rubik"/>
+              <a:sym typeface="Rubik"/>
+            </a:endParaRPr>
+          </a:p>
+        </p:txBody>
+      </p:sp>
+    </p:spTree>
+    <p:extLst>
+      <p:ext uri="{BB962C8B-B14F-4D97-AF65-F5344CB8AC3E}">
+        <p14:creationId xmlns:p14="http://schemas.microsoft.com/office/powerpoint/2010/main" val="4284639037"/>
+      </p:ext>
+    </p:extLst>
+  </p:cSld>
+  <p:clrMapOvr>
+    <a:masterClrMapping/>
+  </p:clrMapOvr>
+</p:sld>
+</file>
+
+<file path=ppt/slides/slide16.xml><?xml version="1.0" encoding="utf-8"?>
+<p:sld xmlns:a="http://schemas.openxmlformats.org/drawingml/2006/main" xmlns:r="http://schemas.openxmlformats.org/officeDocument/2006/relationships" xmlns:p="http://schemas.openxmlformats.org/presentationml/2006/main">
+  <p:cSld>
+    <p:spTree>
+      <p:nvGrpSpPr>
+        <p:cNvPr id="1" name="Shape 70"/>
+        <p:cNvGrpSpPr/>
+        <p:nvPr/>
+      </p:nvGrpSpPr>
+      <p:grpSpPr>
+        <a:xfrm>
+          <a:off x="0" y="0"/>
+          <a:ext cx="0" cy="0"/>
+          <a:chOff x="0" y="0"/>
+          <a:chExt cx="0" cy="0"/>
+        </a:xfrm>
+      </p:grpSpPr>
+      <p:sp>
+        <p:nvSpPr>
+          <p:cNvPr id="71" name="Google Shape;71;p15"/>
+          <p:cNvSpPr/>
+          <p:nvPr/>
+        </p:nvSpPr>
+        <p:spPr>
+          <a:xfrm rot="10800000">
+            <a:off x="5606100" y="100"/>
+            <a:ext cx="3537900" cy="1449600"/>
+          </a:xfrm>
+          <a:prstGeom prst="rtTriangle">
+            <a:avLst/>
+          </a:prstGeom>
+          <a:solidFill>
+            <a:srgbClr val="4883F6"/>
+          </a:solidFill>
+          <a:ln>
+            <a:noFill/>
+          </a:ln>
+        </p:spPr>
+        <p:txBody>
+          <a:bodyPr spcFirstLastPara="1" wrap="square" lIns="91425" tIns="91425" rIns="91425" bIns="91425" anchor="ctr" anchorCtr="0">
+            <a:noAutofit/>
+          </a:bodyPr>
+          <a:lstStyle/>
+          <a:p>
+            <a:pPr marL="0" lvl="0" indent="0" algn="l" rtl="0">
+              <a:spcBef>
+                <a:spcPts val="0"/>
+              </a:spcBef>
+              <a:spcAft>
+                <a:spcPts val="0"/>
+              </a:spcAft>
+              <a:buNone/>
+            </a:pPr>
+            <a:endParaRPr/>
+          </a:p>
+        </p:txBody>
+      </p:sp>
+      <p:pic>
+        <p:nvPicPr>
+          <p:cNvPr id="72" name="Google Shape;72;p15"/>
+          <p:cNvPicPr preferRelativeResize="0"/>
+          <p:nvPr/>
+        </p:nvPicPr>
+        <p:blipFill>
+          <a:blip r:embed="rId3">
+            <a:alphaModFix/>
+          </a:blip>
+          <a:stretch>
+            <a:fillRect/>
+          </a:stretch>
+        </p:blipFill>
+        <p:spPr>
+          <a:xfrm>
+            <a:off x="7467000" y="228400"/>
+            <a:ext cx="1403875" cy="588001"/>
+          </a:xfrm>
+          <a:prstGeom prst="rect">
+            <a:avLst/>
+          </a:prstGeom>
+          <a:noFill/>
+          <a:ln>
+            <a:noFill/>
+          </a:ln>
+        </p:spPr>
+      </p:pic>
+      <p:sp>
+        <p:nvSpPr>
+          <p:cNvPr id="4" name="Google Shape;63;p14">
+            <a:extLst>
+              <a:ext uri="{FF2B5EF4-FFF2-40B4-BE49-F238E27FC236}">
+                <a16:creationId xmlns:a16="http://schemas.microsoft.com/office/drawing/2014/main" id="{B5944793-9F46-4541-BADC-6293210C0795}"/>
+              </a:ext>
+            </a:extLst>
+          </p:cNvPr>
+          <p:cNvSpPr txBox="1"/>
+          <p:nvPr/>
+        </p:nvSpPr>
+        <p:spPr>
+          <a:xfrm>
+            <a:off x="898050" y="305377"/>
+            <a:ext cx="7347900" cy="1449600"/>
+          </a:xfrm>
+          <a:prstGeom prst="rect">
+            <a:avLst/>
+          </a:prstGeom>
+          <a:noFill/>
+          <a:ln>
+            <a:noFill/>
+          </a:ln>
+        </p:spPr>
+        <p:txBody>
+          <a:bodyPr spcFirstLastPara="1" wrap="square" lIns="91425" tIns="91425" rIns="91425" bIns="91425" anchor="t" anchorCtr="0">
+            <a:noAutofit/>
+          </a:bodyPr>
+          <a:lstStyle/>
+          <a:p>
+            <a:pPr lvl="0"/>
+            <a:r>
+              <a:rPr lang="es-ES" sz="3600" dirty="0" err="1">
+                <a:solidFill>
+                  <a:schemeClr val="tx1"/>
+                </a:solidFill>
+                <a:latin typeface="Rubik"/>
+                <a:ea typeface="Rubik"/>
+                <a:cs typeface="Rubik"/>
+                <a:sym typeface="Rubik"/>
+              </a:rPr>
+              <a:t>Posion</a:t>
+            </a:r>
+            <a:r>
+              <a:rPr lang="es-ES" sz="3600" dirty="0">
+                <a:solidFill>
+                  <a:schemeClr val="tx1"/>
+                </a:solidFill>
+                <a:latin typeface="Rubik"/>
+                <a:ea typeface="Rubik"/>
+                <a:cs typeface="Rubik"/>
+                <a:sym typeface="Rubik"/>
+              </a:rPr>
+              <a:t> </a:t>
+            </a:r>
+            <a:r>
+              <a:rPr lang="es-ES" sz="3600" dirty="0" err="1">
+                <a:solidFill>
+                  <a:schemeClr val="tx1"/>
+                </a:solidFill>
+                <a:latin typeface="Rubik"/>
+                <a:ea typeface="Rubik"/>
+                <a:cs typeface="Rubik"/>
+                <a:sym typeface="Rubik"/>
+              </a:rPr>
+              <a:t>messages</a:t>
+            </a:r>
+            <a:endParaRPr lang="es-ES" sz="3600" dirty="0">
+              <a:solidFill>
+                <a:schemeClr val="tx1"/>
+              </a:solidFill>
+              <a:latin typeface="Rubik"/>
+              <a:ea typeface="Rubik"/>
+              <a:cs typeface="Rubik"/>
+              <a:sym typeface="Rubik"/>
+            </a:endParaRPr>
+          </a:p>
+        </p:txBody>
+      </p:sp>
+      <p:sp>
+        <p:nvSpPr>
+          <p:cNvPr id="3" name="Rectangle 2">
+            <a:extLst>
+              <a:ext uri="{FF2B5EF4-FFF2-40B4-BE49-F238E27FC236}">
+                <a16:creationId xmlns:a16="http://schemas.microsoft.com/office/drawing/2014/main" id="{3FEAD9AC-25D9-4275-A5E2-E187F7736A97}"/>
+              </a:ext>
+            </a:extLst>
+          </p:cNvPr>
+          <p:cNvSpPr/>
+          <p:nvPr/>
+        </p:nvSpPr>
+        <p:spPr>
+          <a:xfrm>
+            <a:off x="511386" y="1367738"/>
+            <a:ext cx="7586409" cy="2862322"/>
+          </a:xfrm>
+          <a:prstGeom prst="rect">
+            <a:avLst/>
+          </a:prstGeom>
+        </p:spPr>
+        <p:txBody>
+          <a:bodyPr wrap="square">
+            <a:spAutoFit/>
+          </a:bodyPr>
+          <a:lstStyle/>
+          <a:p>
+            <a:pPr marL="285750" indent="-285750">
+              <a:buFont typeface="Arial" panose="020B0604020202020204" pitchFamily="34" charset="0"/>
+              <a:buChar char="•"/>
+            </a:pPr>
+            <a:r>
+              <a:rPr lang="en-US" sz="2000" dirty="0" err="1">
+                <a:solidFill>
+                  <a:srgbClr val="58595B"/>
+                </a:solidFill>
+                <a:latin typeface="Rubik" panose="020B0604020202020204" charset="-79"/>
+                <a:cs typeface="Rubik" panose="020B0604020202020204" charset="-79"/>
+              </a:rPr>
+              <a:t>Todas</a:t>
+            </a:r>
+            <a:r>
+              <a:rPr lang="en-US" sz="2000" dirty="0">
+                <a:solidFill>
+                  <a:srgbClr val="58595B"/>
+                </a:solidFill>
+                <a:latin typeface="Rubik" panose="020B0604020202020204" charset="-79"/>
+                <a:cs typeface="Rubik" panose="020B0604020202020204" charset="-79"/>
+              </a:rPr>
+              <a:t> las </a:t>
+            </a:r>
+            <a:r>
+              <a:rPr lang="en-US" sz="2000" dirty="0" err="1">
+                <a:solidFill>
+                  <a:srgbClr val="58595B"/>
+                </a:solidFill>
+                <a:latin typeface="Rubik" panose="020B0604020202020204" charset="-79"/>
+                <a:cs typeface="Rubik" panose="020B0604020202020204" charset="-79"/>
+              </a:rPr>
+              <a:t>declaraciones</a:t>
+            </a:r>
+            <a:r>
+              <a:rPr lang="en-US" sz="2000" dirty="0">
+                <a:solidFill>
+                  <a:srgbClr val="58595B"/>
+                </a:solidFill>
+                <a:latin typeface="Rubik" panose="020B0604020202020204" charset="-79"/>
+                <a:cs typeface="Rubik" panose="020B0604020202020204" charset="-79"/>
+              </a:rPr>
+              <a:t> RECEIVE son </a:t>
+            </a:r>
+            <a:r>
+              <a:rPr lang="en-US" sz="2000" dirty="0" err="1">
+                <a:solidFill>
+                  <a:srgbClr val="58595B"/>
+                </a:solidFill>
+                <a:latin typeface="Rubik" panose="020B0604020202020204" charset="-79"/>
+                <a:cs typeface="Rubik" panose="020B0604020202020204" charset="-79"/>
+              </a:rPr>
+              <a:t>transaccionales</a:t>
+            </a:r>
+            <a:r>
+              <a:rPr lang="en-US" sz="2000" dirty="0">
+                <a:solidFill>
+                  <a:srgbClr val="58595B"/>
+                </a:solidFill>
+                <a:latin typeface="Rubik" panose="020B0604020202020204" charset="-79"/>
+                <a:cs typeface="Rubik" panose="020B0604020202020204" charset="-79"/>
+              </a:rPr>
+              <a:t>, </a:t>
+            </a:r>
+            <a:r>
+              <a:rPr lang="en-US" sz="2000" dirty="0" err="1">
+                <a:solidFill>
+                  <a:srgbClr val="58595B"/>
+                </a:solidFill>
+                <a:latin typeface="Rubik" panose="020B0604020202020204" charset="-79"/>
+                <a:cs typeface="Rubik" panose="020B0604020202020204" charset="-79"/>
+              </a:rPr>
+              <a:t>si</a:t>
+            </a:r>
+            <a:r>
+              <a:rPr lang="en-US" sz="2000" dirty="0">
+                <a:solidFill>
+                  <a:srgbClr val="58595B"/>
+                </a:solidFill>
+                <a:latin typeface="Rubik" panose="020B0604020202020204" charset="-79"/>
+                <a:cs typeface="Rubik" panose="020B0604020202020204" charset="-79"/>
+              </a:rPr>
+              <a:t> </a:t>
+            </a:r>
+            <a:r>
+              <a:rPr lang="en-US" sz="2000" dirty="0" err="1">
+                <a:solidFill>
+                  <a:srgbClr val="58595B"/>
+                </a:solidFill>
+                <a:latin typeface="Rubik" panose="020B0604020202020204" charset="-79"/>
+                <a:cs typeface="Rubik" panose="020B0604020202020204" charset="-79"/>
+              </a:rPr>
+              <a:t>falla</a:t>
+            </a:r>
+            <a:r>
+              <a:rPr lang="en-US" sz="2000" dirty="0">
+                <a:solidFill>
+                  <a:srgbClr val="58595B"/>
+                </a:solidFill>
+                <a:latin typeface="Rubik" panose="020B0604020202020204" charset="-79"/>
+                <a:cs typeface="Rubik" panose="020B0604020202020204" charset="-79"/>
+              </a:rPr>
+              <a:t> se </a:t>
+            </a:r>
+            <a:r>
+              <a:rPr lang="en-US" sz="2000" dirty="0" err="1">
+                <a:solidFill>
+                  <a:srgbClr val="58595B"/>
+                </a:solidFill>
+                <a:latin typeface="Rubik" panose="020B0604020202020204" charset="-79"/>
+                <a:cs typeface="Rubik" panose="020B0604020202020204" charset="-79"/>
+              </a:rPr>
+              <a:t>hace</a:t>
+            </a:r>
+            <a:r>
+              <a:rPr lang="en-US" sz="2000" dirty="0">
+                <a:solidFill>
+                  <a:srgbClr val="58595B"/>
+                </a:solidFill>
+                <a:latin typeface="Rubik" panose="020B0604020202020204" charset="-79"/>
+                <a:cs typeface="Rubik" panose="020B0604020202020204" charset="-79"/>
+              </a:rPr>
+              <a:t> ROLLBACK o </a:t>
+            </a:r>
+            <a:r>
+              <a:rPr lang="en-US" sz="2000" dirty="0" err="1">
+                <a:solidFill>
+                  <a:srgbClr val="58595B"/>
+                </a:solidFill>
+                <a:latin typeface="Rubik" panose="020B0604020202020204" charset="-79"/>
+                <a:cs typeface="Rubik" panose="020B0604020202020204" charset="-79"/>
+              </a:rPr>
+              <a:t>falla</a:t>
+            </a:r>
+            <a:r>
+              <a:rPr lang="en-US" sz="2000" dirty="0">
+                <a:solidFill>
+                  <a:srgbClr val="58595B"/>
+                </a:solidFill>
+                <a:latin typeface="Rubik" panose="020B0604020202020204" charset="-79"/>
+                <a:cs typeface="Rubik" panose="020B0604020202020204" charset="-79"/>
+              </a:rPr>
+              <a:t> el </a:t>
+            </a:r>
+            <a:r>
+              <a:rPr lang="en-US" sz="2000" dirty="0" err="1">
+                <a:solidFill>
+                  <a:srgbClr val="58595B"/>
+                </a:solidFill>
+                <a:latin typeface="Rubik" panose="020B0604020202020204" charset="-79"/>
+                <a:cs typeface="Rubik" panose="020B0604020202020204" charset="-79"/>
+              </a:rPr>
+              <a:t>mensaje</a:t>
+            </a:r>
+            <a:r>
+              <a:rPr lang="en-US" sz="2000" dirty="0">
+                <a:solidFill>
+                  <a:srgbClr val="58595B"/>
+                </a:solidFill>
+                <a:latin typeface="Rubik" panose="020B0604020202020204" charset="-79"/>
+                <a:cs typeface="Rubik" panose="020B0604020202020204" charset="-79"/>
+              </a:rPr>
+              <a:t> se </a:t>
+            </a:r>
+            <a:r>
+              <a:rPr lang="en-US" sz="2000" dirty="0" err="1">
+                <a:solidFill>
+                  <a:srgbClr val="58595B"/>
+                </a:solidFill>
+                <a:latin typeface="Rubik" panose="020B0604020202020204" charset="-79"/>
+                <a:cs typeface="Rubik" panose="020B0604020202020204" charset="-79"/>
+              </a:rPr>
+              <a:t>devuelve</a:t>
+            </a:r>
+            <a:r>
+              <a:rPr lang="en-US" sz="2000" dirty="0">
+                <a:solidFill>
+                  <a:srgbClr val="58595B"/>
+                </a:solidFill>
+                <a:latin typeface="Rubik" panose="020B0604020202020204" charset="-79"/>
+                <a:cs typeface="Rubik" panose="020B0604020202020204" charset="-79"/>
+              </a:rPr>
+              <a:t> a la cola</a:t>
+            </a:r>
+          </a:p>
+          <a:p>
+            <a:pPr marL="285750" indent="-285750">
+              <a:buFont typeface="Arial" panose="020B0604020202020204" pitchFamily="34" charset="0"/>
+              <a:buChar char="•"/>
+            </a:pPr>
+            <a:r>
+              <a:rPr lang="en-US" sz="2000" dirty="0">
+                <a:solidFill>
+                  <a:srgbClr val="58595B"/>
+                </a:solidFill>
+                <a:latin typeface="Rubik" panose="020B0604020202020204" charset="-79"/>
+                <a:cs typeface="Rubik" panose="020B0604020202020204" charset="-79"/>
+              </a:rPr>
+              <a:t>Un </a:t>
+            </a:r>
+            <a:r>
+              <a:rPr lang="en-US" sz="2000" b="1" dirty="0">
+                <a:solidFill>
+                  <a:srgbClr val="58595B"/>
+                </a:solidFill>
+                <a:latin typeface="Rubik" panose="020B0604020202020204" charset="-79"/>
+                <a:cs typeface="Rubik" panose="020B0604020202020204" charset="-79"/>
+              </a:rPr>
+              <a:t>poison message</a:t>
+            </a:r>
+            <a:r>
+              <a:rPr lang="en-US" sz="2000" dirty="0">
+                <a:solidFill>
+                  <a:srgbClr val="58595B"/>
+                </a:solidFill>
+                <a:latin typeface="Rubik" panose="020B0604020202020204" charset="-79"/>
+                <a:cs typeface="Rubik" panose="020B0604020202020204" charset="-79"/>
+              </a:rPr>
+              <a:t> es </a:t>
+            </a:r>
+            <a:r>
+              <a:rPr lang="en-US" sz="2000" dirty="0" err="1">
+                <a:solidFill>
+                  <a:srgbClr val="58595B"/>
+                </a:solidFill>
+                <a:latin typeface="Rubik" panose="020B0604020202020204" charset="-79"/>
+                <a:cs typeface="Rubik" panose="020B0604020202020204" charset="-79"/>
+              </a:rPr>
+              <a:t>causado</a:t>
+            </a:r>
+            <a:r>
+              <a:rPr lang="en-US" sz="2000" dirty="0">
+                <a:solidFill>
+                  <a:srgbClr val="58595B"/>
+                </a:solidFill>
+                <a:latin typeface="Rubik" panose="020B0604020202020204" charset="-79"/>
+                <a:cs typeface="Rubik" panose="020B0604020202020204" charset="-79"/>
+              </a:rPr>
+              <a:t> por un loop de RECIVE y ROLLBACK para el </a:t>
+            </a:r>
+            <a:r>
+              <a:rPr lang="en-US" sz="2000" dirty="0" err="1">
+                <a:solidFill>
+                  <a:srgbClr val="58595B"/>
+                </a:solidFill>
+                <a:latin typeface="Rubik" panose="020B0604020202020204" charset="-79"/>
+                <a:cs typeface="Rubik" panose="020B0604020202020204" charset="-79"/>
+              </a:rPr>
+              <a:t>mismo</a:t>
+            </a:r>
+            <a:r>
+              <a:rPr lang="en-US" sz="2000" dirty="0">
+                <a:solidFill>
+                  <a:srgbClr val="58595B"/>
+                </a:solidFill>
+                <a:latin typeface="Rubik" panose="020B0604020202020204" charset="-79"/>
+                <a:cs typeface="Rubik" panose="020B0604020202020204" charset="-79"/>
+              </a:rPr>
+              <a:t> </a:t>
+            </a:r>
+            <a:r>
+              <a:rPr lang="en-US" sz="2000" dirty="0" err="1">
+                <a:solidFill>
+                  <a:srgbClr val="58595B"/>
+                </a:solidFill>
+                <a:latin typeface="Rubik" panose="020B0604020202020204" charset="-79"/>
+                <a:cs typeface="Rubik" panose="020B0604020202020204" charset="-79"/>
+              </a:rPr>
+              <a:t>mensaje</a:t>
+            </a:r>
+            <a:endParaRPr lang="en-US" sz="2000" dirty="0">
+              <a:solidFill>
+                <a:srgbClr val="58595B"/>
+              </a:solidFill>
+              <a:latin typeface="Rubik" panose="020B0604020202020204" charset="-79"/>
+              <a:cs typeface="Rubik" panose="020B0604020202020204" charset="-79"/>
+            </a:endParaRPr>
+          </a:p>
+          <a:p>
+            <a:pPr marL="285750" lvl="2" indent="-285750">
+              <a:buFont typeface="Arial" panose="020B0604020202020204" pitchFamily="34" charset="0"/>
+              <a:buChar char="•"/>
+            </a:pPr>
+            <a:r>
+              <a:rPr lang="en-US" sz="2000" dirty="0">
+                <a:solidFill>
+                  <a:srgbClr val="58595B"/>
+                </a:solidFill>
+                <a:latin typeface="Rubik" panose="020B0604020202020204" charset="-79"/>
+                <a:cs typeface="Rubik" panose="020B0604020202020204" charset="-79"/>
+              </a:rPr>
+              <a:t>Service Broker will deactivate the queue after five times</a:t>
+            </a:r>
+          </a:p>
+          <a:p>
+            <a:pPr marL="285750" indent="-285750">
+              <a:buFont typeface="Arial" panose="020B0604020202020204" pitchFamily="34" charset="0"/>
+              <a:buChar char="•"/>
+            </a:pPr>
+            <a:r>
+              <a:rPr lang="en-US" sz="2000" dirty="0">
+                <a:solidFill>
+                  <a:srgbClr val="58595B"/>
+                </a:solidFill>
+                <a:latin typeface="Rubik" panose="020B0604020202020204" charset="-79"/>
+                <a:cs typeface="Rubik" panose="020B0604020202020204" charset="-79"/>
+              </a:rPr>
+              <a:t>QUEUE_DEACTIVATION Event Notification can monitor this</a:t>
+            </a:r>
+          </a:p>
+          <a:p>
+            <a:pPr marL="285750" indent="-285750">
+              <a:buFont typeface="Arial" panose="020B0604020202020204" pitchFamily="34" charset="0"/>
+              <a:buChar char="•"/>
+            </a:pPr>
+            <a:r>
+              <a:rPr lang="en-US" sz="2000" dirty="0" err="1">
+                <a:solidFill>
+                  <a:srgbClr val="58595B"/>
+                </a:solidFill>
+                <a:latin typeface="Rubik" panose="020B0604020202020204" charset="-79"/>
+                <a:cs typeface="Rubik" panose="020B0604020202020204" charset="-79"/>
+              </a:rPr>
+              <a:t>Desde</a:t>
+            </a:r>
+            <a:r>
+              <a:rPr lang="en-US" sz="2000" dirty="0">
+                <a:solidFill>
+                  <a:srgbClr val="58595B"/>
+                </a:solidFill>
+                <a:latin typeface="Rubik" panose="020B0604020202020204" charset="-79"/>
+                <a:cs typeface="Rubik" panose="020B0604020202020204" charset="-79"/>
+              </a:rPr>
+              <a:t> SQL Server 2008 R2 se </a:t>
+            </a:r>
+            <a:r>
+              <a:rPr lang="en-US" sz="2000" dirty="0" err="1">
+                <a:solidFill>
+                  <a:srgbClr val="58595B"/>
+                </a:solidFill>
+                <a:latin typeface="Rubik" panose="020B0604020202020204" charset="-79"/>
+                <a:cs typeface="Rubik" panose="020B0604020202020204" charset="-79"/>
+              </a:rPr>
+              <a:t>puede</a:t>
+            </a:r>
+            <a:r>
+              <a:rPr lang="en-US" sz="2000" dirty="0">
+                <a:solidFill>
+                  <a:srgbClr val="58595B"/>
+                </a:solidFill>
+                <a:latin typeface="Rubik" panose="020B0604020202020204" charset="-79"/>
+                <a:cs typeface="Rubik" panose="020B0604020202020204" charset="-79"/>
+              </a:rPr>
+              <a:t> </a:t>
+            </a:r>
+            <a:r>
+              <a:rPr lang="en-US" sz="2000" dirty="0" err="1">
+                <a:solidFill>
+                  <a:srgbClr val="58595B"/>
+                </a:solidFill>
+                <a:latin typeface="Rubik" panose="020B0604020202020204" charset="-79"/>
+                <a:cs typeface="Rubik" panose="020B0604020202020204" charset="-79"/>
+              </a:rPr>
+              <a:t>deshabilitar</a:t>
+            </a:r>
+            <a:r>
+              <a:rPr lang="en-US" sz="2000" dirty="0">
+                <a:solidFill>
+                  <a:srgbClr val="58595B"/>
+                </a:solidFill>
+                <a:latin typeface="Rubik" panose="020B0604020202020204" charset="-79"/>
+                <a:cs typeface="Rubik" panose="020B0604020202020204" charset="-79"/>
+              </a:rPr>
+              <a:t> el </a:t>
+            </a:r>
+            <a:r>
+              <a:rPr lang="en-US" sz="2000" dirty="0" err="1">
+                <a:solidFill>
+                  <a:srgbClr val="58595B"/>
+                </a:solidFill>
+                <a:latin typeface="Rubik" panose="020B0604020202020204" charset="-79"/>
+                <a:cs typeface="Rubik" panose="020B0604020202020204" charset="-79"/>
+              </a:rPr>
+              <a:t>manejo</a:t>
+            </a:r>
+            <a:r>
+              <a:rPr lang="en-US" sz="2000" dirty="0">
+                <a:solidFill>
+                  <a:srgbClr val="58595B"/>
+                </a:solidFill>
+                <a:latin typeface="Rubik" panose="020B0604020202020204" charset="-79"/>
+                <a:cs typeface="Rubik" panose="020B0604020202020204" charset="-79"/>
+              </a:rPr>
+              <a:t> de poison message</a:t>
+            </a:r>
+          </a:p>
+        </p:txBody>
+      </p:sp>
+    </p:spTree>
+    <p:extLst>
+      <p:ext uri="{BB962C8B-B14F-4D97-AF65-F5344CB8AC3E}">
+        <p14:creationId xmlns:p14="http://schemas.microsoft.com/office/powerpoint/2010/main" val="3582674167"/>
+      </p:ext>
+    </p:extLst>
+  </p:cSld>
+  <p:clrMapOvr>
+    <a:masterClrMapping/>
+  </p:clrMapOvr>
+</p:sld>
+</file>
+
+<file path=ppt/slides/slide17.xml><?xml version="1.0" encoding="utf-8"?>
+<p:sld xmlns:a="http://schemas.openxmlformats.org/drawingml/2006/main" xmlns:r="http://schemas.openxmlformats.org/officeDocument/2006/relationships" xmlns:p="http://schemas.openxmlformats.org/presentationml/2006/main">
+  <p:cSld>
     <p:bg>
       <p:bgPr>
         <a:solidFill>
@@ -7577,6 +10750,218 @@
       </p:grpSpPr>
       <p:sp>
         <p:nvSpPr>
+          <p:cNvPr id="8" name="Rectangle 7">
+            <a:extLst>
+              <a:ext uri="{FF2B5EF4-FFF2-40B4-BE49-F238E27FC236}">
+                <a16:creationId xmlns:a16="http://schemas.microsoft.com/office/drawing/2014/main" id="{E9C285D9-71BC-49C3-A958-54BC6EED198E}"/>
+              </a:ext>
+            </a:extLst>
+          </p:cNvPr>
+          <p:cNvSpPr/>
+          <p:nvPr/>
+        </p:nvSpPr>
+        <p:spPr>
+          <a:xfrm>
+            <a:off x="898050" y="1631899"/>
+            <a:ext cx="8122382" cy="1938992"/>
+          </a:xfrm>
+          <a:prstGeom prst="rect">
+            <a:avLst/>
+          </a:prstGeom>
+        </p:spPr>
+        <p:txBody>
+          <a:bodyPr wrap="square">
+            <a:spAutoFit/>
+          </a:bodyPr>
+          <a:lstStyle/>
+          <a:p>
+            <a:pPr marL="285750" indent="-285750">
+              <a:buFont typeface="Arial" panose="020B0604020202020204" pitchFamily="34" charset="0"/>
+              <a:buChar char="•"/>
+            </a:pPr>
+            <a:r>
+              <a:rPr lang="en-US" sz="2000" dirty="0" err="1">
+                <a:latin typeface="Rubik" panose="020B0604020202020204" charset="-79"/>
+                <a:cs typeface="Rubik" panose="020B0604020202020204" charset="-79"/>
+              </a:rPr>
+              <a:t>Asegurar</a:t>
+            </a:r>
+            <a:r>
+              <a:rPr lang="en-US" sz="2000" dirty="0">
+                <a:latin typeface="Rubik" panose="020B0604020202020204" charset="-79"/>
+                <a:cs typeface="Rubik" panose="020B0604020202020204" charset="-79"/>
+              </a:rPr>
+              <a:t> la </a:t>
+            </a:r>
+            <a:r>
+              <a:rPr lang="en-US" sz="2000" dirty="0" err="1">
+                <a:latin typeface="Rubik" panose="020B0604020202020204" charset="-79"/>
+                <a:cs typeface="Rubik" panose="020B0604020202020204" charset="-79"/>
+              </a:rPr>
+              <a:t>continudad</a:t>
+            </a:r>
+            <a:r>
+              <a:rPr lang="en-US" sz="2000" dirty="0">
+                <a:latin typeface="Rubik" panose="020B0604020202020204" charset="-79"/>
+                <a:cs typeface="Rubik" panose="020B0604020202020204" charset="-79"/>
+              </a:rPr>
+              <a:t> del </a:t>
+            </a:r>
+            <a:r>
+              <a:rPr lang="en-US" sz="2000" dirty="0" err="1">
+                <a:latin typeface="Rubik" panose="020B0604020202020204" charset="-79"/>
+                <a:cs typeface="Rubik" panose="020B0604020202020204" charset="-79"/>
+              </a:rPr>
+              <a:t>negocio</a:t>
+            </a:r>
+            <a:endParaRPr lang="en-US" sz="2000" dirty="0">
+              <a:latin typeface="Rubik" panose="020B0604020202020204" charset="-79"/>
+              <a:cs typeface="Rubik" panose="020B0604020202020204" charset="-79"/>
+            </a:endParaRPr>
+          </a:p>
+          <a:p>
+            <a:pPr marL="285750" indent="-285750">
+              <a:buFont typeface="Arial" panose="020B0604020202020204" pitchFamily="34" charset="0"/>
+              <a:buChar char="•"/>
+            </a:pPr>
+            <a:r>
+              <a:rPr lang="en-US" sz="2000" dirty="0">
+                <a:latin typeface="Rubik" panose="020B0604020202020204" charset="-79"/>
+                <a:cs typeface="Rubik" panose="020B0604020202020204" charset="-79"/>
+              </a:rPr>
+              <a:t>Auditoria (</a:t>
+            </a:r>
+            <a:r>
+              <a:rPr lang="en-US" sz="2000" dirty="0" err="1">
+                <a:latin typeface="Rubik" panose="020B0604020202020204" charset="-79"/>
+                <a:cs typeface="Rubik" panose="020B0604020202020204" charset="-79"/>
+              </a:rPr>
+              <a:t>Proceso</a:t>
+            </a:r>
+            <a:r>
+              <a:rPr lang="en-US" sz="2000" dirty="0">
+                <a:latin typeface="Rubik" panose="020B0604020202020204" charset="-79"/>
+                <a:cs typeface="Rubik" panose="020B0604020202020204" charset="-79"/>
+              </a:rPr>
+              <a:t> async de triggers)</a:t>
+            </a:r>
+          </a:p>
+          <a:p>
+            <a:pPr marL="285750" indent="-285750">
+              <a:buFont typeface="Arial" panose="020B0604020202020204" pitchFamily="34" charset="0"/>
+              <a:buChar char="•"/>
+            </a:pPr>
+            <a:r>
+              <a:rPr lang="en-US" sz="2000" dirty="0" err="1">
+                <a:latin typeface="Rubik" panose="020B0604020202020204" charset="-79"/>
+                <a:cs typeface="Rubik" panose="020B0604020202020204" charset="-79"/>
+              </a:rPr>
+              <a:t>Mejorar</a:t>
+            </a:r>
+            <a:r>
+              <a:rPr lang="en-US" sz="2000" dirty="0">
+                <a:latin typeface="Rubik" panose="020B0604020202020204" charset="-79"/>
+                <a:cs typeface="Rubik" panose="020B0604020202020204" charset="-79"/>
+              </a:rPr>
+              <a:t> la UX (El </a:t>
+            </a:r>
+            <a:r>
+              <a:rPr lang="en-US" sz="2000" dirty="0" err="1">
+                <a:latin typeface="Rubik" panose="020B0604020202020204" charset="-79"/>
+                <a:cs typeface="Rubik" panose="020B0604020202020204" charset="-79"/>
+              </a:rPr>
+              <a:t>caso</a:t>
+            </a:r>
+            <a:r>
+              <a:rPr lang="en-US" sz="2000" dirty="0">
+                <a:latin typeface="Rubik" panose="020B0604020202020204" charset="-79"/>
+                <a:cs typeface="Rubik" panose="020B0604020202020204" charset="-79"/>
+              </a:rPr>
+              <a:t> del modulo de emails y )</a:t>
+            </a:r>
+          </a:p>
+          <a:p>
+            <a:pPr marL="285750" indent="-285750">
+              <a:buFont typeface="Arial" panose="020B0604020202020204" pitchFamily="34" charset="0"/>
+              <a:buChar char="•"/>
+            </a:pPr>
+            <a:r>
+              <a:rPr lang="en-US" sz="2000" dirty="0" err="1">
+                <a:latin typeface="Rubik" panose="020B0604020202020204" charset="-79"/>
+                <a:cs typeface="Rubik" panose="020B0604020202020204" charset="-79"/>
+              </a:rPr>
+              <a:t>Distribuir</a:t>
+            </a:r>
+            <a:r>
+              <a:rPr lang="en-US" sz="2000" dirty="0">
+                <a:latin typeface="Rubik" panose="020B0604020202020204" charset="-79"/>
+                <a:cs typeface="Rubik" panose="020B0604020202020204" charset="-79"/>
+              </a:rPr>
+              <a:t> </a:t>
+            </a:r>
+            <a:r>
+              <a:rPr lang="en-US" sz="2000" dirty="0" err="1">
+                <a:latin typeface="Rubik" panose="020B0604020202020204" charset="-79"/>
+                <a:cs typeface="Rubik" panose="020B0604020202020204" charset="-79"/>
+              </a:rPr>
+              <a:t>procesos</a:t>
+            </a:r>
+            <a:r>
+              <a:rPr lang="en-US" sz="2000" dirty="0">
+                <a:latin typeface="Rubik" panose="020B0604020202020204" charset="-79"/>
+                <a:cs typeface="Rubik" panose="020B0604020202020204" charset="-79"/>
+              </a:rPr>
+              <a:t> entre </a:t>
+            </a:r>
+            <a:r>
+              <a:rPr lang="en-US" sz="2000" dirty="0" err="1">
+                <a:latin typeface="Rubik" panose="020B0604020202020204" charset="-79"/>
+                <a:cs typeface="Rubik" panose="020B0604020202020204" charset="-79"/>
+              </a:rPr>
+              <a:t>instancias</a:t>
+            </a:r>
+            <a:r>
+              <a:rPr lang="en-US" sz="2000" dirty="0">
+                <a:latin typeface="Rubik" panose="020B0604020202020204" charset="-79"/>
+                <a:cs typeface="Rubik" panose="020B0604020202020204" charset="-79"/>
+              </a:rPr>
+              <a:t>/databases </a:t>
+            </a:r>
+          </a:p>
+          <a:p>
+            <a:pPr marL="285750" indent="-285750">
+              <a:buFont typeface="Arial" panose="020B0604020202020204" pitchFamily="34" charset="0"/>
+              <a:buChar char="•"/>
+            </a:pPr>
+            <a:r>
+              <a:rPr lang="en-US" sz="2000" dirty="0" err="1">
+                <a:latin typeface="Rubik" panose="020B0604020202020204" charset="-79"/>
+                <a:cs typeface="Rubik" panose="020B0604020202020204" charset="-79"/>
+              </a:rPr>
+              <a:t>Procesos</a:t>
+            </a:r>
+            <a:r>
+              <a:rPr lang="en-US" sz="2000" dirty="0">
+                <a:latin typeface="Rubik" panose="020B0604020202020204" charset="-79"/>
+                <a:cs typeface="Rubik" panose="020B0604020202020204" charset="-79"/>
+              </a:rPr>
+              <a:t> Batch</a:t>
+            </a:r>
+          </a:p>
+          <a:p>
+            <a:pPr marL="342900" lvl="1" indent="-342900">
+              <a:buFontTx/>
+              <a:buChar char="-"/>
+            </a:pPr>
+            <a:endParaRPr lang="en-US" sz="2000" dirty="0">
+              <a:latin typeface="Rubik" panose="020B0604020202020204" charset="-79"/>
+              <a:cs typeface="Rubik" panose="020B0604020202020204" charset="-79"/>
+            </a:endParaRPr>
+          </a:p>
+        </p:txBody>
+      </p:sp>
+      <p:sp>
+        <p:nvSpPr>
           <p:cNvPr id="71" name="Google Shape;71;p15"/>
           <p:cNvSpPr/>
           <p:nvPr/>
@@ -7645,10 +11030,10 @@
       </p:pic>
       <p:sp>
         <p:nvSpPr>
-          <p:cNvPr id="4" name="Google Shape;63;p14">
+          <p:cNvPr id="6" name="Google Shape;63;p14">
             <a:extLst>
               <a:ext uri="{FF2B5EF4-FFF2-40B4-BE49-F238E27FC236}">
-                <a16:creationId xmlns:a16="http://schemas.microsoft.com/office/drawing/2014/main" id="{B5944793-9F46-4541-BADC-6293210C0795}"/>
+                <a16:creationId xmlns:a16="http://schemas.microsoft.com/office/drawing/2014/main" id="{5000C170-6DA2-4372-9246-A04183759DF7}"/>
               </a:ext>
             </a:extLst>
           </p:cNvPr>
@@ -7657,7 +11042,7 @@
         </p:nvSpPr>
         <p:spPr>
           <a:xfrm>
-            <a:off x="898050" y="1585538"/>
+            <a:off x="898050" y="305377"/>
             <a:ext cx="7347900" cy="1449600"/>
           </a:xfrm>
           <a:prstGeom prst="rect">
@@ -7717,6 +11102,328 @@
       </p:grpSpPr>
       <p:sp>
         <p:nvSpPr>
+          <p:cNvPr id="7" name="Rectangle 6">
+            <a:extLst>
+              <a:ext uri="{FF2B5EF4-FFF2-40B4-BE49-F238E27FC236}">
+                <a16:creationId xmlns:a16="http://schemas.microsoft.com/office/drawing/2014/main" id="{9F6B0F7C-E516-482C-B067-15EDEFEEB944}"/>
+              </a:ext>
+            </a:extLst>
+          </p:cNvPr>
+          <p:cNvSpPr/>
+          <p:nvPr/>
+        </p:nvSpPr>
+        <p:spPr>
+          <a:xfrm>
+            <a:off x="898050" y="1631899"/>
+            <a:ext cx="8122382" cy="1938992"/>
+          </a:xfrm>
+          <a:prstGeom prst="rect">
+            <a:avLst/>
+          </a:prstGeom>
+        </p:spPr>
+        <p:txBody>
+          <a:bodyPr wrap="square">
+            <a:spAutoFit/>
+          </a:bodyPr>
+          <a:lstStyle/>
+          <a:p>
+            <a:r>
+              <a:rPr lang="en-US" sz="2000" dirty="0" err="1">
+                <a:latin typeface="Rubik" panose="020B0604020202020204" charset="-79"/>
+                <a:cs typeface="Rubik" panose="020B0604020202020204" charset="-79"/>
+              </a:rPr>
+              <a:t>Tipos</a:t>
+            </a:r>
+            <a:r>
+              <a:rPr lang="en-US" sz="2000" dirty="0">
+                <a:latin typeface="Rubik" panose="020B0604020202020204" charset="-79"/>
+                <a:cs typeface="Rubik" panose="020B0604020202020204" charset="-79"/>
+              </a:rPr>
+              <a:t> de </a:t>
+            </a:r>
+            <a:r>
+              <a:rPr lang="en-US" sz="2000" dirty="0" err="1">
+                <a:latin typeface="Rubik" panose="020B0604020202020204" charset="-79"/>
+                <a:cs typeface="Rubik" panose="020B0604020202020204" charset="-79"/>
+              </a:rPr>
+              <a:t>mensaje</a:t>
+            </a:r>
+            <a:r>
+              <a:rPr lang="en-US" sz="2000" dirty="0">
+                <a:latin typeface="Rubik" panose="020B0604020202020204" charset="-79"/>
+                <a:cs typeface="Rubik" panose="020B0604020202020204" charset="-79"/>
+              </a:rPr>
+              <a:t> para definer los </a:t>
+            </a:r>
+            <a:r>
+              <a:rPr lang="en-US" sz="2000" dirty="0" err="1">
+                <a:latin typeface="Rubik" panose="020B0604020202020204" charset="-79"/>
+                <a:cs typeface="Rubik" panose="020B0604020202020204" charset="-79"/>
+              </a:rPr>
+              <a:t>mensajes</a:t>
+            </a:r>
+            <a:r>
+              <a:rPr lang="en-US" sz="2000" dirty="0">
+                <a:latin typeface="Rubik" panose="020B0604020202020204" charset="-79"/>
+                <a:cs typeface="Rubik" panose="020B0604020202020204" charset="-79"/>
+              </a:rPr>
+              <a:t> a </a:t>
+            </a:r>
+            <a:r>
+              <a:rPr lang="en-US" sz="2000" dirty="0" err="1">
+                <a:latin typeface="Rubik" panose="020B0604020202020204" charset="-79"/>
+                <a:cs typeface="Rubik" panose="020B0604020202020204" charset="-79"/>
+              </a:rPr>
+              <a:t>usar</a:t>
+            </a:r>
+            <a:endParaRPr lang="en-US" sz="2000" dirty="0">
+              <a:latin typeface="Rubik" panose="020B0604020202020204" charset="-79"/>
+              <a:cs typeface="Rubik" panose="020B0604020202020204" charset="-79"/>
+            </a:endParaRPr>
+          </a:p>
+          <a:p>
+            <a:r>
+              <a:rPr lang="en-US" sz="2000" dirty="0" err="1">
+                <a:latin typeface="Rubik" panose="020B0604020202020204" charset="-79"/>
+                <a:cs typeface="Rubik" panose="020B0604020202020204" charset="-79"/>
+              </a:rPr>
+              <a:t>Contratos</a:t>
+            </a:r>
+            <a:r>
+              <a:rPr lang="en-US" sz="2000" dirty="0">
+                <a:latin typeface="Rubik" panose="020B0604020202020204" charset="-79"/>
+                <a:cs typeface="Rubik" panose="020B0604020202020204" charset="-79"/>
+              </a:rPr>
+              <a:t> para definer los </a:t>
+            </a:r>
+            <a:r>
+              <a:rPr lang="en-US" sz="2000" dirty="0" err="1">
+                <a:latin typeface="Rubik" panose="020B0604020202020204" charset="-79"/>
+                <a:cs typeface="Rubik" panose="020B0604020202020204" charset="-79"/>
+              </a:rPr>
+              <a:t>mensajes</a:t>
+            </a:r>
+            <a:r>
+              <a:rPr lang="en-US" sz="2000" dirty="0">
+                <a:latin typeface="Rubik" panose="020B0604020202020204" charset="-79"/>
+                <a:cs typeface="Rubik" panose="020B0604020202020204" charset="-79"/>
+              </a:rPr>
+              <a:t> que se </a:t>
+            </a:r>
+            <a:r>
+              <a:rPr lang="en-US" sz="2000" dirty="0" err="1">
+                <a:latin typeface="Rubik" panose="020B0604020202020204" charset="-79"/>
+                <a:cs typeface="Rubik" panose="020B0604020202020204" charset="-79"/>
+              </a:rPr>
+              <a:t>envian</a:t>
+            </a:r>
+            <a:r>
+              <a:rPr lang="en-US" sz="2000" dirty="0">
+                <a:latin typeface="Rubik" panose="020B0604020202020204" charset="-79"/>
+                <a:cs typeface="Rubik" panose="020B0604020202020204" charset="-79"/>
+              </a:rPr>
+              <a:t> y </a:t>
+            </a:r>
+            <a:r>
+              <a:rPr lang="en-US" sz="2000" dirty="0" err="1">
+                <a:latin typeface="Rubik" panose="020B0604020202020204" charset="-79"/>
+                <a:cs typeface="Rubik" panose="020B0604020202020204" charset="-79"/>
+              </a:rPr>
+              <a:t>reciben</a:t>
+            </a:r>
+            <a:r>
+              <a:rPr lang="en-US" sz="2000" dirty="0">
+                <a:latin typeface="Rubik" panose="020B0604020202020204" charset="-79"/>
+                <a:cs typeface="Rubik" panose="020B0604020202020204" charset="-79"/>
+              </a:rPr>
+              <a:t> </a:t>
+            </a:r>
+            <a:r>
+              <a:rPr lang="en-US" sz="2000" dirty="0" err="1">
+                <a:latin typeface="Rubik" panose="020B0604020202020204" charset="-79"/>
+                <a:cs typeface="Rubik" panose="020B0604020202020204" charset="-79"/>
+              </a:rPr>
+              <a:t>en</a:t>
+            </a:r>
+            <a:r>
+              <a:rPr lang="en-US" sz="2000" dirty="0">
+                <a:latin typeface="Rubik" panose="020B0604020202020204" charset="-79"/>
+                <a:cs typeface="Rubik" panose="020B0604020202020204" charset="-79"/>
+              </a:rPr>
+              <a:t> un </a:t>
+            </a:r>
+            <a:r>
+              <a:rPr lang="en-US" sz="2000" dirty="0" err="1">
+                <a:latin typeface="Rubik" panose="020B0604020202020204" charset="-79"/>
+                <a:cs typeface="Rubik" panose="020B0604020202020204" charset="-79"/>
+              </a:rPr>
+              <a:t>servicio</a:t>
+            </a:r>
+            <a:endParaRPr lang="en-US" sz="2000" dirty="0">
+              <a:latin typeface="Rubik" panose="020B0604020202020204" charset="-79"/>
+              <a:cs typeface="Rubik" panose="020B0604020202020204" charset="-79"/>
+            </a:endParaRPr>
+          </a:p>
+          <a:p>
+            <a:r>
+              <a:rPr lang="en-US" sz="2000" dirty="0">
+                <a:latin typeface="Rubik" panose="020B0604020202020204" charset="-79"/>
+                <a:cs typeface="Rubik" panose="020B0604020202020204" charset="-79"/>
+              </a:rPr>
+              <a:t>Queue para </a:t>
+            </a:r>
+            <a:r>
+              <a:rPr lang="en-US" sz="2000" dirty="0" err="1">
+                <a:latin typeface="Rubik" panose="020B0604020202020204" charset="-79"/>
+                <a:cs typeface="Rubik" panose="020B0604020202020204" charset="-79"/>
+              </a:rPr>
+              <a:t>almacenar</a:t>
+            </a:r>
+            <a:r>
+              <a:rPr lang="en-US" sz="2000" dirty="0">
+                <a:latin typeface="Rubik" panose="020B0604020202020204" charset="-79"/>
+                <a:cs typeface="Rubik" panose="020B0604020202020204" charset="-79"/>
+              </a:rPr>
+              <a:t> la </a:t>
+            </a:r>
+            <a:r>
+              <a:rPr lang="en-US" sz="2000" dirty="0" err="1">
+                <a:latin typeface="Rubik" panose="020B0604020202020204" charset="-79"/>
+                <a:cs typeface="Rubik" panose="020B0604020202020204" charset="-79"/>
+              </a:rPr>
+              <a:t>información</a:t>
+            </a:r>
+            <a:r>
+              <a:rPr lang="en-US" sz="2000" dirty="0">
+                <a:latin typeface="Rubik" panose="020B0604020202020204" charset="-79"/>
+                <a:cs typeface="Rubik" panose="020B0604020202020204" charset="-79"/>
+              </a:rPr>
+              <a:t> </a:t>
+            </a:r>
+            <a:r>
+              <a:rPr lang="en-US" sz="2000" dirty="0" err="1">
+                <a:latin typeface="Rubik" panose="020B0604020202020204" charset="-79"/>
+                <a:cs typeface="Rubik" panose="020B0604020202020204" charset="-79"/>
+              </a:rPr>
+              <a:t>recibida</a:t>
+            </a:r>
+            <a:r>
+              <a:rPr lang="en-US" sz="2000" dirty="0">
+                <a:latin typeface="Rubik" panose="020B0604020202020204" charset="-79"/>
+                <a:cs typeface="Rubik" panose="020B0604020202020204" charset="-79"/>
+              </a:rPr>
+              <a:t> por </a:t>
+            </a:r>
+            <a:r>
+              <a:rPr lang="en-US" sz="2000" dirty="0" err="1">
+                <a:latin typeface="Rubik" panose="020B0604020202020204" charset="-79"/>
+                <a:cs typeface="Rubik" panose="020B0604020202020204" charset="-79"/>
+              </a:rPr>
+              <a:t>cada</a:t>
+            </a:r>
+            <a:r>
+              <a:rPr lang="en-US" sz="2000" dirty="0">
+                <a:latin typeface="Rubik" panose="020B0604020202020204" charset="-79"/>
+                <a:cs typeface="Rubik" panose="020B0604020202020204" charset="-79"/>
+              </a:rPr>
+              <a:t> </a:t>
+            </a:r>
+            <a:r>
+              <a:rPr lang="en-US" sz="2000" dirty="0" err="1">
+                <a:latin typeface="Rubik" panose="020B0604020202020204" charset="-79"/>
+                <a:cs typeface="Rubik" panose="020B0604020202020204" charset="-79"/>
+              </a:rPr>
+              <a:t>servicio</a:t>
+            </a:r>
+            <a:r>
+              <a:rPr lang="en-US" sz="2000" dirty="0">
+                <a:latin typeface="Rubik" panose="020B0604020202020204" charset="-79"/>
+                <a:cs typeface="Rubik" panose="020B0604020202020204" charset="-79"/>
+              </a:rPr>
+              <a:t> para </a:t>
+            </a:r>
+            <a:r>
+              <a:rPr lang="en-US" sz="2000" dirty="0" err="1">
+                <a:latin typeface="Rubik" panose="020B0604020202020204" charset="-79"/>
+                <a:cs typeface="Rubik" panose="020B0604020202020204" charset="-79"/>
+              </a:rPr>
+              <a:t>enviar</a:t>
+            </a:r>
+            <a:r>
+              <a:rPr lang="en-US" sz="2000" dirty="0">
+                <a:latin typeface="Rubik" panose="020B0604020202020204" charset="-79"/>
+                <a:cs typeface="Rubik" panose="020B0604020202020204" charset="-79"/>
+              </a:rPr>
+              <a:t> y </a:t>
+            </a:r>
+            <a:r>
+              <a:rPr lang="en-US" sz="2000" dirty="0" err="1">
+                <a:latin typeface="Rubik" panose="020B0604020202020204" charset="-79"/>
+                <a:cs typeface="Rubik" panose="020B0604020202020204" charset="-79"/>
+              </a:rPr>
+              <a:t>recivir</a:t>
+            </a:r>
+            <a:r>
+              <a:rPr lang="en-US" sz="2000" dirty="0">
+                <a:latin typeface="Rubik" panose="020B0604020202020204" charset="-79"/>
+                <a:cs typeface="Rubik" panose="020B0604020202020204" charset="-79"/>
+              </a:rPr>
+              <a:t> </a:t>
+            </a:r>
+            <a:r>
+              <a:rPr lang="en-US" sz="2000" dirty="0" err="1">
+                <a:latin typeface="Rubik" panose="020B0604020202020204" charset="-79"/>
+                <a:cs typeface="Rubik" panose="020B0604020202020204" charset="-79"/>
+              </a:rPr>
+              <a:t>mensajes</a:t>
+            </a:r>
+            <a:r>
+              <a:rPr lang="en-US" sz="2000" dirty="0">
+                <a:latin typeface="Rubik" panose="020B0604020202020204" charset="-79"/>
+                <a:cs typeface="Rubik" panose="020B0604020202020204" charset="-79"/>
+              </a:rPr>
+              <a:t> </a:t>
+            </a:r>
+            <a:r>
+              <a:rPr lang="en-US" sz="2000" dirty="0" err="1">
+                <a:latin typeface="Rubik" panose="020B0604020202020204" charset="-79"/>
+                <a:cs typeface="Rubik" panose="020B0604020202020204" charset="-79"/>
+              </a:rPr>
+              <a:t>definidos</a:t>
+            </a:r>
+            <a:r>
+              <a:rPr lang="en-US" sz="2000" dirty="0">
+                <a:latin typeface="Rubik" panose="020B0604020202020204" charset="-79"/>
+                <a:cs typeface="Rubik" panose="020B0604020202020204" charset="-79"/>
+              </a:rPr>
+              <a:t> por el </a:t>
+            </a:r>
+            <a:r>
+              <a:rPr lang="en-US" sz="2000" dirty="0" err="1">
+                <a:latin typeface="Rubik" panose="020B0604020202020204" charset="-79"/>
+                <a:cs typeface="Rubik" panose="020B0604020202020204" charset="-79"/>
+              </a:rPr>
+              <a:t>contrato</a:t>
+            </a:r>
+            <a:endParaRPr lang="en-US" sz="2000" dirty="0">
+              <a:latin typeface="Rubik" panose="020B0604020202020204" charset="-79"/>
+              <a:cs typeface="Rubik" panose="020B0604020202020204" charset="-79"/>
+            </a:endParaRPr>
+          </a:p>
+          <a:p>
+            <a:pPr marL="342900" lvl="1" indent="-342900">
+              <a:buFontTx/>
+              <a:buChar char="-"/>
+            </a:pPr>
+            <a:endParaRPr lang="en-US" sz="2000" dirty="0">
+              <a:latin typeface="Rubik" panose="020B0604020202020204" charset="-79"/>
+              <a:cs typeface="Rubik" panose="020B0604020202020204" charset="-79"/>
+            </a:endParaRPr>
+          </a:p>
+        </p:txBody>
+      </p:sp>
+      <p:sp>
+        <p:nvSpPr>
           <p:cNvPr id="71" name="Google Shape;71;p15"/>
           <p:cNvSpPr/>
           <p:nvPr/>
@@ -7785,10 +11492,10 @@
       </p:pic>
       <p:sp>
         <p:nvSpPr>
-          <p:cNvPr id="4" name="Google Shape;63;p14">
+          <p:cNvPr id="5" name="Google Shape;63;p14">
             <a:extLst>
               <a:ext uri="{FF2B5EF4-FFF2-40B4-BE49-F238E27FC236}">
-                <a16:creationId xmlns:a16="http://schemas.microsoft.com/office/drawing/2014/main" id="{B5944793-9F46-4541-BADC-6293210C0795}"/>
+                <a16:creationId xmlns:a16="http://schemas.microsoft.com/office/drawing/2014/main" id="{12AB19ED-7965-4A33-BDBF-5E10F0A40A31}"/>
               </a:ext>
             </a:extLst>
           </p:cNvPr>
@@ -7797,7 +11504,7 @@
         </p:nvSpPr>
         <p:spPr>
           <a:xfrm>
-            <a:off x="898050" y="1585538"/>
+            <a:off x="898050" y="305377"/>
             <a:ext cx="7347900" cy="1449600"/>
           </a:xfrm>
           <a:prstGeom prst="rect">
@@ -7827,6 +11534,18 @@
               </a:rPr>
               <a:t>Un simple “hola mundo”</a:t>
             </a:r>
+          </a:p>
+          <a:p>
+            <a:pPr lvl="0"/>
+            <a:endParaRPr lang="es-ES" sz="3600" dirty="0">
+              <a:solidFill>
+                <a:schemeClr val="tx1"/>
+              </a:solidFill>
+              <a:latin typeface="Rubik"/>
+              <a:ea typeface="Rubik"/>
+              <a:cs typeface="Rubik"/>
+              <a:sym typeface="Rubik"/>
+            </a:endParaRPr>
           </a:p>
         </p:txBody>
       </p:sp>
@@ -7930,10 +11649,10 @@
       </p:pic>
       <p:sp>
         <p:nvSpPr>
-          <p:cNvPr id="4" name="Google Shape;63;p14">
+          <p:cNvPr id="5" name="Google Shape;63;p14">
             <a:extLst>
               <a:ext uri="{FF2B5EF4-FFF2-40B4-BE49-F238E27FC236}">
-                <a16:creationId xmlns:a16="http://schemas.microsoft.com/office/drawing/2014/main" id="{B5944793-9F46-4541-BADC-6293210C0795}"/>
+                <a16:creationId xmlns:a16="http://schemas.microsoft.com/office/drawing/2014/main" id="{9BD71C27-8A6F-4A61-93B7-6C48B6CD1C83}"/>
               </a:ext>
             </a:extLst>
           </p:cNvPr>
@@ -7942,7 +11661,7 @@
         </p:nvSpPr>
         <p:spPr>
           <a:xfrm>
-            <a:off x="898050" y="1585538"/>
+            <a:off x="898050" y="305377"/>
             <a:ext cx="7347900" cy="1449600"/>
           </a:xfrm>
           <a:prstGeom prst="rect">
@@ -7959,7 +11678,6 @@
           </a:bodyPr>
           <a:lstStyle/>
           <a:p>
-            <a:pPr lvl="0"/>
             <a:r>
               <a:rPr lang="es-ES" sz="3600" dirty="0">
                 <a:solidFill>
@@ -7973,18 +11691,741 @@
               <a:t>Arquitectura y componentes</a:t>
             </a:r>
           </a:p>
+          <a:p>
+            <a:pPr lvl="0"/>
+            <a:endParaRPr lang="es-ES" sz="3600" dirty="0">
+              <a:solidFill>
+                <a:schemeClr val="tx1"/>
+              </a:solidFill>
+              <a:latin typeface="Rubik"/>
+              <a:ea typeface="Rubik"/>
+              <a:cs typeface="Rubik"/>
+              <a:sym typeface="Rubik"/>
+            </a:endParaRPr>
+          </a:p>
         </p:txBody>
       </p:sp>
+      <p:pic>
+        <p:nvPicPr>
+          <p:cNvPr id="4" name="Picture 3" descr="A picture containing cup, sitting, mug, computer&#10;&#10;Description automatically generated">
+            <a:extLst>
+              <a:ext uri="{FF2B5EF4-FFF2-40B4-BE49-F238E27FC236}">
+                <a16:creationId xmlns:a16="http://schemas.microsoft.com/office/drawing/2014/main" id="{AF9EA810-AF77-4C7B-A7DD-D892B2CB18DC}"/>
+              </a:ext>
+            </a:extLst>
+          </p:cNvPr>
+          <p:cNvPicPr>
+            <a:picLocks noChangeAspect="1"/>
+          </p:cNvPicPr>
+          <p:nvPr/>
+        </p:nvPicPr>
+        <p:blipFill>
+          <a:blip r:embed="rId4">
+            <a:extLst>
+              <a:ext uri="{837473B0-CC2E-450A-ABE3-18F120FF3D39}">
+                <a1611:picAttrSrcUrl xmlns:a1611="http://schemas.microsoft.com/office/drawing/2016/11/main" r:id="rId5"/>
+              </a:ext>
+            </a:extLst>
+          </a:blip>
+          <a:stretch>
+            <a:fillRect/>
+          </a:stretch>
+        </p:blipFill>
+        <p:spPr>
+          <a:xfrm>
+            <a:off x="1533995" y="2230492"/>
+            <a:ext cx="1341009" cy="1896158"/>
+          </a:xfrm>
+          <a:prstGeom prst="rect">
+            <a:avLst/>
+          </a:prstGeom>
+        </p:spPr>
+      </p:pic>
+      <p:grpSp>
+        <p:nvGrpSpPr>
+          <p:cNvPr id="17" name="Group 16">
+            <a:extLst>
+              <a:ext uri="{FF2B5EF4-FFF2-40B4-BE49-F238E27FC236}">
+                <a16:creationId xmlns:a16="http://schemas.microsoft.com/office/drawing/2014/main" id="{3A008830-D40A-45FB-80AC-80BFF06FBDEE}"/>
+              </a:ext>
+            </a:extLst>
+          </p:cNvPr>
+          <p:cNvGrpSpPr/>
+          <p:nvPr/>
+        </p:nvGrpSpPr>
+        <p:grpSpPr>
+          <a:xfrm>
+            <a:off x="573473" y="1335325"/>
+            <a:ext cx="960523" cy="1236425"/>
+            <a:chOff x="573473" y="1335325"/>
+            <a:chExt cx="960523" cy="1236425"/>
+          </a:xfrm>
+        </p:grpSpPr>
+        <p:pic>
+          <p:nvPicPr>
+            <p:cNvPr id="8" name="Picture 7" descr="A picture containing clock&#10;&#10;Description automatically generated">
+              <a:extLst>
+                <a:ext uri="{FF2B5EF4-FFF2-40B4-BE49-F238E27FC236}">
+                  <a16:creationId xmlns:a16="http://schemas.microsoft.com/office/drawing/2014/main" id="{C55E1A21-3BFC-4A9D-B707-87B5895BE26F}"/>
+                </a:ext>
+              </a:extLst>
+            </p:cNvPr>
+            <p:cNvPicPr>
+              <a:picLocks noChangeAspect="1"/>
+            </p:cNvPicPr>
+            <p:nvPr/>
+          </p:nvPicPr>
+          <p:blipFill>
+            <a:blip r:embed="rId6">
+              <a:extLst>
+                <a:ext uri="{837473B0-CC2E-450A-ABE3-18F120FF3D39}">
+                  <a1611:picAttrSrcUrl xmlns:a1611="http://schemas.microsoft.com/office/drawing/2016/11/main" r:id="rId7"/>
+                </a:ext>
+              </a:extLst>
+            </a:blip>
+            <a:stretch>
+              <a:fillRect/>
+            </a:stretch>
+          </p:blipFill>
+          <p:spPr>
+            <a:xfrm>
+              <a:off x="637615" y="1335325"/>
+              <a:ext cx="724930" cy="724930"/>
+            </a:xfrm>
+            <a:prstGeom prst="rect">
+              <a:avLst/>
+            </a:prstGeom>
+          </p:spPr>
+        </p:pic>
+        <p:sp>
+          <p:nvSpPr>
+            <p:cNvPr id="10" name="Rectangle 9">
+              <a:extLst>
+                <a:ext uri="{FF2B5EF4-FFF2-40B4-BE49-F238E27FC236}">
+                  <a16:creationId xmlns:a16="http://schemas.microsoft.com/office/drawing/2014/main" id="{92AE10F9-8690-42D2-B7CF-04E78D141135}"/>
+                </a:ext>
+              </a:extLst>
+            </p:cNvPr>
+            <p:cNvSpPr/>
+            <p:nvPr/>
+          </p:nvSpPr>
+          <p:spPr>
+            <a:xfrm>
+              <a:off x="573473" y="1971586"/>
+              <a:ext cx="960523" cy="600164"/>
+            </a:xfrm>
+            <a:prstGeom prst="rect">
+              <a:avLst/>
+            </a:prstGeom>
+          </p:spPr>
+          <p:txBody>
+            <a:bodyPr wrap="square">
+              <a:spAutoFit/>
+            </a:bodyPr>
+            <a:lstStyle/>
+            <a:p>
+              <a:r>
+                <a:rPr lang="en-US" sz="1100" dirty="0" err="1">
+                  <a:solidFill>
+                    <a:srgbClr val="58595B"/>
+                  </a:solidFill>
+                  <a:latin typeface="Rubik" panose="020B0604020202020204" charset="-79"/>
+                  <a:cs typeface="Rubik" panose="020B0604020202020204" charset="-79"/>
+                </a:rPr>
+                <a:t>Mensaje</a:t>
+              </a:r>
+              <a:r>
+                <a:rPr lang="en-US" sz="1100" dirty="0">
+                  <a:solidFill>
+                    <a:srgbClr val="58595B"/>
+                  </a:solidFill>
+                  <a:latin typeface="Rubik" panose="020B0604020202020204" charset="-79"/>
+                  <a:cs typeface="Rubik" panose="020B0604020202020204" charset="-79"/>
+                </a:rPr>
+                <a:t> Hola Mundo</a:t>
+              </a:r>
+              <a:br>
+                <a:rPr lang="en-US" sz="1100" dirty="0">
+                  <a:latin typeface="Rubik" panose="020B0604020202020204" charset="-79"/>
+                  <a:cs typeface="Rubik" panose="020B0604020202020204" charset="-79"/>
+                </a:rPr>
+              </a:br>
+              <a:endParaRPr lang="en-US" sz="1100" dirty="0">
+                <a:latin typeface="Rubik" panose="020B0604020202020204" charset="-79"/>
+                <a:cs typeface="Rubik" panose="020B0604020202020204" charset="-79"/>
+              </a:endParaRPr>
+            </a:p>
+          </p:txBody>
+        </p:sp>
+      </p:grpSp>
+      <p:pic>
+        <p:nvPicPr>
+          <p:cNvPr id="13" name="Picture 12" descr="A picture containing cup, sitting, mug, computer&#10;&#10;Description automatically generated">
+            <a:extLst>
+              <a:ext uri="{FF2B5EF4-FFF2-40B4-BE49-F238E27FC236}">
+                <a16:creationId xmlns:a16="http://schemas.microsoft.com/office/drawing/2014/main" id="{4D1F11D5-ACA4-44A1-9FA1-24D04AA7A0FA}"/>
+              </a:ext>
+            </a:extLst>
+          </p:cNvPr>
+          <p:cNvPicPr>
+            <a:picLocks noChangeAspect="1"/>
+          </p:cNvPicPr>
+          <p:nvPr/>
+        </p:nvPicPr>
+        <p:blipFill>
+          <a:blip r:embed="rId4">
+            <a:extLst>
+              <a:ext uri="{837473B0-CC2E-450A-ABE3-18F120FF3D39}">
+                <a1611:picAttrSrcUrl xmlns:a1611="http://schemas.microsoft.com/office/drawing/2016/11/main" r:id="rId5"/>
+              </a:ext>
+            </a:extLst>
+          </a:blip>
+          <a:stretch>
+            <a:fillRect/>
+          </a:stretch>
+        </p:blipFill>
+        <p:spPr>
+          <a:xfrm>
+            <a:off x="5817047" y="2230492"/>
+            <a:ext cx="1341009" cy="1896158"/>
+          </a:xfrm>
+          <a:prstGeom prst="rect">
+            <a:avLst/>
+          </a:prstGeom>
+        </p:spPr>
+      </p:pic>
+      <p:sp>
+        <p:nvSpPr>
+          <p:cNvPr id="14" name="Rectangle 13">
+            <a:extLst>
+              <a:ext uri="{FF2B5EF4-FFF2-40B4-BE49-F238E27FC236}">
+                <a16:creationId xmlns:a16="http://schemas.microsoft.com/office/drawing/2014/main" id="{624B3CBC-E4E0-467F-A8F4-39003D034CB2}"/>
+              </a:ext>
+            </a:extLst>
+          </p:cNvPr>
+          <p:cNvSpPr/>
+          <p:nvPr/>
+        </p:nvSpPr>
+        <p:spPr>
+          <a:xfrm>
+            <a:off x="1568702" y="3919835"/>
+            <a:ext cx="1050930" cy="769441"/>
+          </a:xfrm>
+          <a:prstGeom prst="rect">
+            <a:avLst/>
+          </a:prstGeom>
+        </p:spPr>
+        <p:txBody>
+          <a:bodyPr wrap="square">
+            <a:spAutoFit/>
+          </a:bodyPr>
+          <a:lstStyle/>
+          <a:p>
+            <a:r>
+              <a:rPr lang="en-US" sz="1100" dirty="0" err="1">
+                <a:solidFill>
+                  <a:srgbClr val="58595B"/>
+                </a:solidFill>
+                <a:latin typeface="Rubik" panose="020B0604020202020204" charset="-79"/>
+                <a:cs typeface="Rubik" panose="020B0604020202020204" charset="-79"/>
+              </a:rPr>
+              <a:t>Servicio</a:t>
+            </a:r>
+            <a:r>
+              <a:rPr lang="en-US" sz="1100" dirty="0">
+                <a:solidFill>
+                  <a:srgbClr val="58595B"/>
+                </a:solidFill>
+                <a:latin typeface="Rubik" panose="020B0604020202020204" charset="-79"/>
+                <a:cs typeface="Rubik" panose="020B0604020202020204" charset="-79"/>
+              </a:rPr>
+              <a:t> y cola de Origen </a:t>
+            </a:r>
+            <a:br>
+              <a:rPr lang="en-US" sz="1100" dirty="0">
+                <a:latin typeface="Rubik" panose="020B0604020202020204" charset="-79"/>
+                <a:cs typeface="Rubik" panose="020B0604020202020204" charset="-79"/>
+              </a:rPr>
+            </a:br>
+            <a:endParaRPr lang="en-US" sz="1100" dirty="0">
+              <a:latin typeface="Rubik" panose="020B0604020202020204" charset="-79"/>
+              <a:cs typeface="Rubik" panose="020B0604020202020204" charset="-79"/>
+            </a:endParaRPr>
+          </a:p>
+        </p:txBody>
+      </p:sp>
+      <p:sp>
+        <p:nvSpPr>
+          <p:cNvPr id="16" name="Rectangle 15">
+            <a:extLst>
+              <a:ext uri="{FF2B5EF4-FFF2-40B4-BE49-F238E27FC236}">
+                <a16:creationId xmlns:a16="http://schemas.microsoft.com/office/drawing/2014/main" id="{39B51258-D772-44C3-AF68-B70B257F4CBA}"/>
+              </a:ext>
+            </a:extLst>
+          </p:cNvPr>
+          <p:cNvSpPr/>
+          <p:nvPr/>
+        </p:nvSpPr>
+        <p:spPr>
+          <a:xfrm>
+            <a:off x="5962086" y="3919835"/>
+            <a:ext cx="1050930" cy="769441"/>
+          </a:xfrm>
+          <a:prstGeom prst="rect">
+            <a:avLst/>
+          </a:prstGeom>
+        </p:spPr>
+        <p:txBody>
+          <a:bodyPr wrap="square">
+            <a:spAutoFit/>
+          </a:bodyPr>
+          <a:lstStyle/>
+          <a:p>
+            <a:r>
+              <a:rPr lang="en-US" sz="1100" dirty="0" err="1">
+                <a:solidFill>
+                  <a:srgbClr val="58595B"/>
+                </a:solidFill>
+                <a:latin typeface="Rubik" panose="020B0604020202020204" charset="-79"/>
+                <a:cs typeface="Rubik" panose="020B0604020202020204" charset="-79"/>
+              </a:rPr>
+              <a:t>Servicio</a:t>
+            </a:r>
+            <a:r>
+              <a:rPr lang="en-US" sz="1100" dirty="0">
+                <a:solidFill>
+                  <a:srgbClr val="58595B"/>
+                </a:solidFill>
+                <a:latin typeface="Rubik" panose="020B0604020202020204" charset="-79"/>
+                <a:cs typeface="Rubik" panose="020B0604020202020204" charset="-79"/>
+              </a:rPr>
+              <a:t> y cola de </a:t>
+            </a:r>
+            <a:r>
+              <a:rPr lang="en-US" sz="1100" dirty="0" err="1">
+                <a:solidFill>
+                  <a:srgbClr val="58595B"/>
+                </a:solidFill>
+                <a:latin typeface="Rubik" panose="020B0604020202020204" charset="-79"/>
+                <a:cs typeface="Rubik" panose="020B0604020202020204" charset="-79"/>
+              </a:rPr>
+              <a:t>Destino</a:t>
+            </a:r>
+            <a:r>
+              <a:rPr lang="en-US" sz="1100" dirty="0">
+                <a:solidFill>
+                  <a:srgbClr val="58595B"/>
+                </a:solidFill>
+                <a:latin typeface="Rubik" panose="020B0604020202020204" charset="-79"/>
+                <a:cs typeface="Rubik" panose="020B0604020202020204" charset="-79"/>
+              </a:rPr>
+              <a:t> </a:t>
+            </a:r>
+            <a:br>
+              <a:rPr lang="en-US" sz="1100" dirty="0">
+                <a:latin typeface="Rubik" panose="020B0604020202020204" charset="-79"/>
+                <a:cs typeface="Rubik" panose="020B0604020202020204" charset="-79"/>
+              </a:rPr>
+            </a:br>
+            <a:endParaRPr lang="en-US" sz="1100" dirty="0">
+              <a:latin typeface="Rubik" panose="020B0604020202020204" charset="-79"/>
+              <a:cs typeface="Rubik" panose="020B0604020202020204" charset="-79"/>
+            </a:endParaRPr>
+          </a:p>
+        </p:txBody>
+      </p:sp>
+      <p:pic>
+        <p:nvPicPr>
+          <p:cNvPr id="11" name="Picture 10">
+            <a:extLst>
+              <a:ext uri="{FF2B5EF4-FFF2-40B4-BE49-F238E27FC236}">
+                <a16:creationId xmlns:a16="http://schemas.microsoft.com/office/drawing/2014/main" id="{899F4A84-AED4-4995-870A-3AE451614403}"/>
+              </a:ext>
+            </a:extLst>
+          </p:cNvPr>
+          <p:cNvPicPr>
+            <a:picLocks noChangeAspect="1"/>
+          </p:cNvPicPr>
+          <p:nvPr/>
+        </p:nvPicPr>
+        <p:blipFill>
+          <a:blip r:embed="rId8"/>
+          <a:stretch>
+            <a:fillRect/>
+          </a:stretch>
+        </p:blipFill>
+        <p:spPr>
+          <a:xfrm>
+            <a:off x="3476869" y="2464196"/>
+            <a:ext cx="1738312" cy="1428750"/>
+          </a:xfrm>
+          <a:prstGeom prst="rect">
+            <a:avLst/>
+          </a:prstGeom>
+        </p:spPr>
+      </p:pic>
+      <p:sp>
+        <p:nvSpPr>
+          <p:cNvPr id="18" name="Rectangle 17">
+            <a:extLst>
+              <a:ext uri="{FF2B5EF4-FFF2-40B4-BE49-F238E27FC236}">
+                <a16:creationId xmlns:a16="http://schemas.microsoft.com/office/drawing/2014/main" id="{68DD5E60-3378-43DA-B31A-D85874D02424}"/>
+              </a:ext>
+            </a:extLst>
+          </p:cNvPr>
+          <p:cNvSpPr/>
+          <p:nvPr/>
+        </p:nvSpPr>
+        <p:spPr>
+          <a:xfrm>
+            <a:off x="3893080" y="3955752"/>
+            <a:ext cx="1050930" cy="600164"/>
+          </a:xfrm>
+          <a:prstGeom prst="rect">
+            <a:avLst/>
+          </a:prstGeom>
+        </p:spPr>
+        <p:txBody>
+          <a:bodyPr wrap="square">
+            <a:spAutoFit/>
+          </a:bodyPr>
+          <a:lstStyle/>
+          <a:p>
+            <a:r>
+              <a:rPr lang="en-US" sz="1100" dirty="0" err="1">
+                <a:solidFill>
+                  <a:srgbClr val="58595B"/>
+                </a:solidFill>
+                <a:latin typeface="Rubik" panose="020B0604020202020204" charset="-79"/>
+                <a:cs typeface="Rubik" panose="020B0604020202020204" charset="-79"/>
+              </a:rPr>
+              <a:t>Transporte</a:t>
+            </a:r>
+            <a:r>
+              <a:rPr lang="en-US" sz="1100" dirty="0">
+                <a:solidFill>
+                  <a:srgbClr val="58595B"/>
+                </a:solidFill>
+                <a:latin typeface="Rubik" panose="020B0604020202020204" charset="-79"/>
+                <a:cs typeface="Rubik" panose="020B0604020202020204" charset="-79"/>
+              </a:rPr>
+              <a:t> y </a:t>
+            </a:r>
+            <a:r>
+              <a:rPr lang="en-US" sz="1100" dirty="0" err="1">
+                <a:solidFill>
+                  <a:srgbClr val="58595B"/>
+                </a:solidFill>
+                <a:latin typeface="Rubik" panose="020B0604020202020204" charset="-79"/>
+                <a:cs typeface="Rubik" panose="020B0604020202020204" charset="-79"/>
+              </a:rPr>
+              <a:t>contrato</a:t>
+            </a:r>
+            <a:br>
+              <a:rPr lang="en-US" sz="1100" dirty="0">
+                <a:latin typeface="Rubik" panose="020B0604020202020204" charset="-79"/>
+                <a:cs typeface="Rubik" panose="020B0604020202020204" charset="-79"/>
+              </a:rPr>
+            </a:br>
+            <a:endParaRPr lang="en-US" sz="1100" dirty="0">
+              <a:latin typeface="Rubik" panose="020B0604020202020204" charset="-79"/>
+              <a:cs typeface="Rubik" panose="020B0604020202020204" charset="-79"/>
+            </a:endParaRPr>
+          </a:p>
+        </p:txBody>
+      </p:sp>
+      <p:grpSp>
+        <p:nvGrpSpPr>
+          <p:cNvPr id="19" name="Group 18">
+            <a:extLst>
+              <a:ext uri="{FF2B5EF4-FFF2-40B4-BE49-F238E27FC236}">
+                <a16:creationId xmlns:a16="http://schemas.microsoft.com/office/drawing/2014/main" id="{ED9A7BF5-98D1-46B6-B324-D114735F672D}"/>
+              </a:ext>
+            </a:extLst>
+          </p:cNvPr>
+          <p:cNvGrpSpPr/>
+          <p:nvPr/>
+        </p:nvGrpSpPr>
+        <p:grpSpPr>
+          <a:xfrm>
+            <a:off x="7387929" y="1392512"/>
+            <a:ext cx="960523" cy="1339877"/>
+            <a:chOff x="7387929" y="1392512"/>
+            <a:chExt cx="960523" cy="1339877"/>
+          </a:xfrm>
+        </p:grpSpPr>
+        <p:sp>
+          <p:nvSpPr>
+            <p:cNvPr id="15" name="Rectangle 14">
+              <a:extLst>
+                <a:ext uri="{FF2B5EF4-FFF2-40B4-BE49-F238E27FC236}">
+                  <a16:creationId xmlns:a16="http://schemas.microsoft.com/office/drawing/2014/main" id="{1BA03340-B8FD-41B7-ACD5-18AD38C2740A}"/>
+                </a:ext>
+              </a:extLst>
+            </p:cNvPr>
+            <p:cNvSpPr/>
+            <p:nvPr/>
+          </p:nvSpPr>
+          <p:spPr>
+            <a:xfrm>
+              <a:off x="7387929" y="2132225"/>
+              <a:ext cx="960523" cy="600164"/>
+            </a:xfrm>
+            <a:prstGeom prst="rect">
+              <a:avLst/>
+            </a:prstGeom>
+          </p:spPr>
+          <p:txBody>
+            <a:bodyPr wrap="square">
+              <a:spAutoFit/>
+            </a:bodyPr>
+            <a:lstStyle/>
+            <a:p>
+              <a:r>
+                <a:rPr lang="en-US" sz="1100" dirty="0" err="1">
+                  <a:solidFill>
+                    <a:srgbClr val="58595B"/>
+                  </a:solidFill>
+                  <a:latin typeface="Rubik" panose="020B0604020202020204" charset="-79"/>
+                  <a:cs typeface="Rubik" panose="020B0604020202020204" charset="-79"/>
+                </a:rPr>
+                <a:t>RespuestaHola</a:t>
+              </a:r>
+              <a:r>
+                <a:rPr lang="en-US" sz="1100" dirty="0">
+                  <a:solidFill>
+                    <a:srgbClr val="58595B"/>
+                  </a:solidFill>
+                  <a:latin typeface="Rubik" panose="020B0604020202020204" charset="-79"/>
+                  <a:cs typeface="Rubik" panose="020B0604020202020204" charset="-79"/>
+                </a:rPr>
+                <a:t> Mundo</a:t>
+              </a:r>
+              <a:br>
+                <a:rPr lang="en-US" sz="1100" dirty="0">
+                  <a:latin typeface="Rubik" panose="020B0604020202020204" charset="-79"/>
+                  <a:cs typeface="Rubik" panose="020B0604020202020204" charset="-79"/>
+                </a:rPr>
+              </a:br>
+              <a:endParaRPr lang="en-US" sz="1100" dirty="0">
+                <a:latin typeface="Rubik" panose="020B0604020202020204" charset="-79"/>
+                <a:cs typeface="Rubik" panose="020B0604020202020204" charset="-79"/>
+              </a:endParaRPr>
+            </a:p>
+          </p:txBody>
+        </p:sp>
+        <p:pic>
+          <p:nvPicPr>
+            <p:cNvPr id="20" name="Picture 19" descr="A picture containing clock&#10;&#10;Description automatically generated">
+              <a:extLst>
+                <a:ext uri="{FF2B5EF4-FFF2-40B4-BE49-F238E27FC236}">
+                  <a16:creationId xmlns:a16="http://schemas.microsoft.com/office/drawing/2014/main" id="{3E6756C7-3AED-4C58-A119-1CD6A11208E0}"/>
+                </a:ext>
+              </a:extLst>
+            </p:cNvPr>
+            <p:cNvPicPr>
+              <a:picLocks noChangeAspect="1"/>
+            </p:cNvPicPr>
+            <p:nvPr/>
+          </p:nvPicPr>
+          <p:blipFill>
+            <a:blip r:embed="rId6">
+              <a:extLst>
+                <a:ext uri="{837473B0-CC2E-450A-ABE3-18F120FF3D39}">
+                  <a1611:picAttrSrcUrl xmlns:a1611="http://schemas.microsoft.com/office/drawing/2016/11/main" r:id="rId7"/>
+                </a:ext>
+              </a:extLst>
+            </a:blip>
+            <a:stretch>
+              <a:fillRect/>
+            </a:stretch>
+          </p:blipFill>
+          <p:spPr>
+            <a:xfrm>
+              <a:off x="7444007" y="1392512"/>
+              <a:ext cx="724930" cy="724930"/>
+            </a:xfrm>
+            <a:prstGeom prst="rect">
+              <a:avLst/>
+            </a:prstGeom>
+          </p:spPr>
+        </p:pic>
+      </p:grpSp>
     </p:spTree>
     <p:extLst>
       <p:ext uri="{BB962C8B-B14F-4D97-AF65-F5344CB8AC3E}">
-        <p14:creationId xmlns:p14="http://schemas.microsoft.com/office/powerpoint/2010/main" val="3238568102"/>
+        <p14:creationId xmlns:p14="http://schemas.microsoft.com/office/powerpoint/2010/main" val="4276508129"/>
       </p:ext>
     </p:extLst>
   </p:cSld>
   <p:clrMapOvr>
     <a:masterClrMapping/>
   </p:clrMapOvr>
+  <p:timing>
+    <p:tnLst>
+      <p:par>
+        <p:cTn id="1" dur="indefinite" restart="never" nodeType="tmRoot">
+          <p:childTnLst>
+            <p:seq concurrent="1" nextAc="seek">
+              <p:cTn id="2" dur="indefinite" nodeType="mainSeq">
+                <p:childTnLst>
+                  <p:par>
+                    <p:cTn id="3" fill="hold">
+                      <p:stCondLst>
+                        <p:cond delay="indefinite"/>
+                      </p:stCondLst>
+                      <p:childTnLst>
+                        <p:par>
+                          <p:cTn id="4" fill="hold">
+                            <p:stCondLst>
+                              <p:cond delay="0"/>
+                            </p:stCondLst>
+                            <p:childTnLst>
+                              <p:par>
+                                <p:cTn id="5" presetID="1" presetClass="entr" presetSubtype="0" fill="hold" nodeType="clickEffect">
+                                  <p:stCondLst>
+                                    <p:cond delay="0"/>
+                                  </p:stCondLst>
+                                  <p:childTnLst>
+                                    <p:set>
+                                      <p:cBhvr>
+                                        <p:cTn id="6" dur="1" fill="hold">
+                                          <p:stCondLst>
+                                            <p:cond delay="0"/>
+                                          </p:stCondLst>
+                                        </p:cTn>
+                                        <p:tgtEl>
+                                          <p:spTgt spid="17"/>
+                                        </p:tgtEl>
+                                        <p:attrNameLst>
+                                          <p:attrName>style.visibility</p:attrName>
+                                        </p:attrNameLst>
+                                      </p:cBhvr>
+                                      <p:to>
+                                        <p:strVal val="visible"/>
+                                      </p:to>
+                                    </p:set>
+                                  </p:childTnLst>
+                                </p:cTn>
+                              </p:par>
+                            </p:childTnLst>
+                          </p:cTn>
+                        </p:par>
+                      </p:childTnLst>
+                    </p:cTn>
+                  </p:par>
+                  <p:par>
+                    <p:cTn id="7" fill="hold">
+                      <p:stCondLst>
+                        <p:cond delay="indefinite"/>
+                      </p:stCondLst>
+                      <p:childTnLst>
+                        <p:par>
+                          <p:cTn id="8" fill="hold">
+                            <p:stCondLst>
+                              <p:cond delay="0"/>
+                            </p:stCondLst>
+                            <p:childTnLst>
+                              <p:par>
+                                <p:cTn id="9" presetID="1" presetClass="exit" presetSubtype="0" fill="hold" nodeType="clickEffect">
+                                  <p:stCondLst>
+                                    <p:cond delay="0"/>
+                                  </p:stCondLst>
+                                  <p:childTnLst>
+                                    <p:set>
+                                      <p:cBhvr>
+                                        <p:cTn id="10" dur="1" fill="hold">
+                                          <p:stCondLst>
+                                            <p:cond delay="0"/>
+                                          </p:stCondLst>
+                                        </p:cTn>
+                                        <p:tgtEl>
+                                          <p:spTgt spid="17"/>
+                                        </p:tgtEl>
+                                        <p:attrNameLst>
+                                          <p:attrName>style.visibility</p:attrName>
+                                        </p:attrNameLst>
+                                      </p:cBhvr>
+                                      <p:to>
+                                        <p:strVal val="hidden"/>
+                                      </p:to>
+                                    </p:set>
+                                  </p:childTnLst>
+                                </p:cTn>
+                              </p:par>
+                            </p:childTnLst>
+                          </p:cTn>
+                        </p:par>
+                      </p:childTnLst>
+                    </p:cTn>
+                  </p:par>
+                  <p:par>
+                    <p:cTn id="11" fill="hold">
+                      <p:stCondLst>
+                        <p:cond delay="indefinite"/>
+                      </p:stCondLst>
+                      <p:childTnLst>
+                        <p:par>
+                          <p:cTn id="12" fill="hold">
+                            <p:stCondLst>
+                              <p:cond delay="0"/>
+                            </p:stCondLst>
+                            <p:childTnLst>
+                              <p:par>
+                                <p:cTn id="13" presetID="1" presetClass="entr" presetSubtype="0" fill="hold" nodeType="clickEffect">
+                                  <p:stCondLst>
+                                    <p:cond delay="0"/>
+                                  </p:stCondLst>
+                                  <p:childTnLst>
+                                    <p:set>
+                                      <p:cBhvr>
+                                        <p:cTn id="14" dur="1" fill="hold">
+                                          <p:stCondLst>
+                                            <p:cond delay="0"/>
+                                          </p:stCondLst>
+                                        </p:cTn>
+                                        <p:tgtEl>
+                                          <p:spTgt spid="19"/>
+                                        </p:tgtEl>
+                                        <p:attrNameLst>
+                                          <p:attrName>style.visibility</p:attrName>
+                                        </p:attrNameLst>
+                                      </p:cBhvr>
+                                      <p:to>
+                                        <p:strVal val="visible"/>
+                                      </p:to>
+                                    </p:set>
+                                  </p:childTnLst>
+                                </p:cTn>
+                              </p:par>
+                            </p:childTnLst>
+                          </p:cTn>
+                        </p:par>
+                      </p:childTnLst>
+                    </p:cTn>
+                  </p:par>
+                </p:childTnLst>
+              </p:cTn>
+              <p:prevCondLst>
+                <p:cond evt="onPrev" delay="0">
+                  <p:tgtEl>
+                    <p:sldTgt/>
+                  </p:tgtEl>
+                </p:cond>
+              </p:prevCondLst>
+              <p:nextCondLst>
+                <p:cond evt="onNext" delay="0">
+                  <p:tgtEl>
+                    <p:sldTgt/>
+                  </p:tgtEl>
+                </p:cond>
+              </p:nextCondLst>
+            </p:seq>
+          </p:childTnLst>
+        </p:cTn>
+      </p:par>
+    </p:tnLst>
+  </p:timing>
 </p:sld>
 </file>
 
@@ -8075,10 +12516,10 @@
       </p:pic>
       <p:sp>
         <p:nvSpPr>
-          <p:cNvPr id="4" name="Google Shape;63;p14">
+          <p:cNvPr id="5" name="Google Shape;63;p14">
             <a:extLst>
               <a:ext uri="{FF2B5EF4-FFF2-40B4-BE49-F238E27FC236}">
-                <a16:creationId xmlns:a16="http://schemas.microsoft.com/office/drawing/2014/main" id="{B5944793-9F46-4541-BADC-6293210C0795}"/>
+                <a16:creationId xmlns:a16="http://schemas.microsoft.com/office/drawing/2014/main" id="{9BD71C27-8A6F-4A61-93B7-6C48B6CD1C83}"/>
               </a:ext>
             </a:extLst>
           </p:cNvPr>
@@ -8087,7 +12528,7 @@
         </p:nvSpPr>
         <p:spPr>
           <a:xfrm>
-            <a:off x="898050" y="1585538"/>
+            <a:off x="898050" y="305377"/>
             <a:ext cx="7347900" cy="1449600"/>
           </a:xfrm>
           <a:prstGeom prst="rect">
@@ -8104,7 +12545,6 @@
           </a:bodyPr>
           <a:lstStyle/>
           <a:p>
-            <a:pPr lvl="0"/>
             <a:r>
               <a:rPr lang="es-ES" sz="3600" dirty="0">
                 <a:solidFill>
@@ -8115,15 +12555,323 @@
                 <a:cs typeface="Rubik"/>
                 <a:sym typeface="Rubik"/>
               </a:rPr>
-              <a:t>Probando todas las partes</a:t>
-            </a:r>
+              <a:t>Arquitectura y componentes</a:t>
+            </a:r>
+          </a:p>
+          <a:p>
+            <a:pPr lvl="0"/>
+            <a:endParaRPr lang="es-ES" sz="3600" dirty="0">
+              <a:solidFill>
+                <a:schemeClr val="tx1"/>
+              </a:solidFill>
+              <a:latin typeface="Rubik"/>
+              <a:ea typeface="Rubik"/>
+              <a:cs typeface="Rubik"/>
+              <a:sym typeface="Rubik"/>
+            </a:endParaRPr>
+          </a:p>
+        </p:txBody>
+      </p:sp>
+      <p:sp>
+        <p:nvSpPr>
+          <p:cNvPr id="3" name="Rectangle 2">
+            <a:extLst>
+              <a:ext uri="{FF2B5EF4-FFF2-40B4-BE49-F238E27FC236}">
+                <a16:creationId xmlns:a16="http://schemas.microsoft.com/office/drawing/2014/main" id="{9319EC8B-A2B9-450A-8D6F-D4A4096CDD00}"/>
+              </a:ext>
+            </a:extLst>
+          </p:cNvPr>
+          <p:cNvSpPr/>
+          <p:nvPr/>
+        </p:nvSpPr>
+        <p:spPr>
+          <a:xfrm>
+            <a:off x="898050" y="1631899"/>
+            <a:ext cx="8122382" cy="2554545"/>
+          </a:xfrm>
+          <a:prstGeom prst="rect">
+            <a:avLst/>
+          </a:prstGeom>
+        </p:spPr>
+        <p:txBody>
+          <a:bodyPr wrap="square">
+            <a:spAutoFit/>
+          </a:bodyPr>
+          <a:lstStyle/>
+          <a:p>
+            <a:pPr marL="342900" indent="-342900">
+              <a:buFont typeface="Arial" panose="020B0604020202020204" pitchFamily="34" charset="0"/>
+              <a:buChar char="•"/>
+            </a:pPr>
+            <a:r>
+              <a:rPr lang="en-US" sz="2000" dirty="0" err="1">
+                <a:latin typeface="Rubik" panose="020B0604020202020204" charset="-79"/>
+                <a:cs typeface="Rubik" panose="020B0604020202020204" charset="-79"/>
+              </a:rPr>
+              <a:t>Tipos</a:t>
+            </a:r>
+            <a:r>
+              <a:rPr lang="en-US" sz="2000" dirty="0">
+                <a:latin typeface="Rubik" panose="020B0604020202020204" charset="-79"/>
+                <a:cs typeface="Rubik" panose="020B0604020202020204" charset="-79"/>
+              </a:rPr>
+              <a:t> de </a:t>
+            </a:r>
+            <a:r>
+              <a:rPr lang="en-US" sz="2000" dirty="0" err="1">
+                <a:latin typeface="Rubik" panose="020B0604020202020204" charset="-79"/>
+                <a:cs typeface="Rubik" panose="020B0604020202020204" charset="-79"/>
+              </a:rPr>
+              <a:t>mensaje</a:t>
+            </a:r>
+            <a:endParaRPr lang="en-US" sz="2000" dirty="0">
+              <a:latin typeface="Rubik" panose="020B0604020202020204" charset="-79"/>
+              <a:cs typeface="Rubik" panose="020B0604020202020204" charset="-79"/>
+            </a:endParaRPr>
+          </a:p>
+          <a:p>
+            <a:pPr marL="342900" lvl="4" indent="-342900">
+              <a:buFont typeface="Arial" panose="020B0604020202020204" pitchFamily="34" charset="0"/>
+              <a:buChar char="•"/>
+            </a:pPr>
+            <a:r>
+              <a:rPr lang="en-US" sz="2000" dirty="0">
+                <a:latin typeface="Rubik" panose="020B0604020202020204" charset="-79"/>
+                <a:cs typeface="Rubik" panose="020B0604020202020204" charset="-79"/>
+              </a:rPr>
+              <a:t>Define el </a:t>
+            </a:r>
+            <a:r>
+              <a:rPr lang="en-US" sz="2000" dirty="0" err="1">
+                <a:latin typeface="Rubik" panose="020B0604020202020204" charset="-79"/>
+                <a:cs typeface="Rubik" panose="020B0604020202020204" charset="-79"/>
+              </a:rPr>
+              <a:t>nombre</a:t>
+            </a:r>
+            <a:r>
+              <a:rPr lang="en-US" sz="2000" dirty="0">
+                <a:latin typeface="Rubik" panose="020B0604020202020204" charset="-79"/>
+                <a:cs typeface="Rubik" panose="020B0604020202020204" charset="-79"/>
+              </a:rPr>
+              <a:t> de los </a:t>
+            </a:r>
+            <a:r>
+              <a:rPr lang="en-US" sz="2000" dirty="0" err="1">
+                <a:latin typeface="Rubik" panose="020B0604020202020204" charset="-79"/>
+                <a:cs typeface="Rubik" panose="020B0604020202020204" charset="-79"/>
+              </a:rPr>
+              <a:t>mensajes</a:t>
+            </a:r>
+            <a:r>
+              <a:rPr lang="en-US" sz="2000" dirty="0">
+                <a:latin typeface="Rubik" panose="020B0604020202020204" charset="-79"/>
+                <a:cs typeface="Rubik" panose="020B0604020202020204" charset="-79"/>
+              </a:rPr>
+              <a:t> y </a:t>
+            </a:r>
+            <a:r>
+              <a:rPr lang="en-US" sz="2000" dirty="0" err="1">
+                <a:latin typeface="Rubik" panose="020B0604020202020204" charset="-79"/>
+                <a:cs typeface="Rubik" panose="020B0604020202020204" charset="-79"/>
+              </a:rPr>
+              <a:t>su</a:t>
+            </a:r>
+            <a:r>
+              <a:rPr lang="en-US" sz="2000" dirty="0">
+                <a:latin typeface="Rubik" panose="020B0604020202020204" charset="-79"/>
+                <a:cs typeface="Rubik" panose="020B0604020202020204" charset="-79"/>
+              </a:rPr>
+              <a:t> </a:t>
+            </a:r>
+            <a:r>
+              <a:rPr lang="en-US" sz="2000" dirty="0" err="1">
+                <a:latin typeface="Rubik" panose="020B0604020202020204" charset="-79"/>
+                <a:cs typeface="Rubik" panose="020B0604020202020204" charset="-79"/>
+              </a:rPr>
+              <a:t>tipo</a:t>
+            </a:r>
+            <a:r>
+              <a:rPr lang="en-US" sz="2000" dirty="0">
+                <a:latin typeface="Rubik" panose="020B0604020202020204" charset="-79"/>
+                <a:cs typeface="Rubik" panose="020B0604020202020204" charset="-79"/>
+              </a:rPr>
+              <a:t> de </a:t>
+            </a:r>
+            <a:r>
+              <a:rPr lang="en-US" sz="2000" dirty="0" err="1">
+                <a:latin typeface="Rubik" panose="020B0604020202020204" charset="-79"/>
+                <a:cs typeface="Rubik" panose="020B0604020202020204" charset="-79"/>
+              </a:rPr>
+              <a:t>datos</a:t>
+            </a:r>
+            <a:r>
+              <a:rPr lang="en-US" sz="2000" dirty="0">
+                <a:latin typeface="Rubik" panose="020B0604020202020204" charset="-79"/>
+                <a:cs typeface="Rubik" panose="020B0604020202020204" charset="-79"/>
+              </a:rPr>
+              <a:t> (XML,XML </a:t>
+            </a:r>
+            <a:r>
+              <a:rPr lang="en-US" sz="2000" dirty="0" err="1">
+                <a:latin typeface="Rubik" panose="020B0604020202020204" charset="-79"/>
+                <a:cs typeface="Rubik" panose="020B0604020202020204" charset="-79"/>
+              </a:rPr>
+              <a:t>basados</a:t>
+            </a:r>
+            <a:r>
+              <a:rPr lang="en-US" sz="2000" dirty="0">
+                <a:latin typeface="Rubik" panose="020B0604020202020204" charset="-79"/>
+                <a:cs typeface="Rubik" panose="020B0604020202020204" charset="-79"/>
+              </a:rPr>
+              <a:t> </a:t>
+            </a:r>
+            <a:r>
+              <a:rPr lang="en-US" sz="2000" dirty="0" err="1">
+                <a:latin typeface="Rubik" panose="020B0604020202020204" charset="-79"/>
+                <a:cs typeface="Rubik" panose="020B0604020202020204" charset="-79"/>
+              </a:rPr>
+              <a:t>en</a:t>
+            </a:r>
+            <a:r>
+              <a:rPr lang="en-US" sz="2000" dirty="0">
+                <a:latin typeface="Rubik" panose="020B0604020202020204" charset="-79"/>
+                <a:cs typeface="Rubik" panose="020B0604020202020204" charset="-79"/>
+              </a:rPr>
+              <a:t> un </a:t>
+            </a:r>
+            <a:r>
+              <a:rPr lang="en-US" sz="2000" dirty="0" err="1">
+                <a:latin typeface="Rubik" panose="020B0604020202020204" charset="-79"/>
+                <a:cs typeface="Rubik" panose="020B0604020202020204" charset="-79"/>
+              </a:rPr>
+              <a:t>esquema</a:t>
+            </a:r>
+            <a:r>
+              <a:rPr lang="en-US" sz="2000" dirty="0">
+                <a:latin typeface="Rubik" panose="020B0604020202020204" charset="-79"/>
+                <a:cs typeface="Rubik" panose="020B0604020202020204" charset="-79"/>
+              </a:rPr>
+              <a:t>, </a:t>
+            </a:r>
+            <a:r>
+              <a:rPr lang="en-US" sz="2000" dirty="0" err="1">
+                <a:latin typeface="Rubik" panose="020B0604020202020204" charset="-79"/>
+                <a:cs typeface="Rubik" panose="020B0604020202020204" charset="-79"/>
+              </a:rPr>
+              <a:t>vacios</a:t>
+            </a:r>
+            <a:r>
+              <a:rPr lang="en-US" sz="2000" dirty="0">
+                <a:latin typeface="Rubik" panose="020B0604020202020204" charset="-79"/>
+                <a:cs typeface="Rubik" panose="020B0604020202020204" charset="-79"/>
+              </a:rPr>
+              <a:t> o sin </a:t>
+            </a:r>
+            <a:r>
+              <a:rPr lang="en-US" sz="2000" dirty="0" err="1">
+                <a:latin typeface="Rubik" panose="020B0604020202020204" charset="-79"/>
+                <a:cs typeface="Rubik" panose="020B0604020202020204" charset="-79"/>
+              </a:rPr>
+              <a:t>definir</a:t>
+            </a:r>
+            <a:r>
+              <a:rPr lang="en-US" sz="2000" dirty="0">
+                <a:latin typeface="Rubik" panose="020B0604020202020204" charset="-79"/>
+                <a:cs typeface="Rubik" panose="020B0604020202020204" charset="-79"/>
+              </a:rPr>
+              <a:t>)</a:t>
+            </a:r>
+          </a:p>
+          <a:p>
+            <a:pPr marL="342900" lvl="4" indent="-342900">
+              <a:buFont typeface="Arial" panose="020B0604020202020204" pitchFamily="34" charset="0"/>
+              <a:buChar char="•"/>
+            </a:pPr>
+            <a:r>
+              <a:rPr lang="en-US" sz="2000" dirty="0" err="1">
+                <a:latin typeface="Rubik" panose="020B0604020202020204" charset="-79"/>
+                <a:cs typeface="Rubik" panose="020B0604020202020204" charset="-79"/>
+              </a:rPr>
+              <a:t>Mensajes</a:t>
+            </a:r>
+            <a:r>
+              <a:rPr lang="en-US" sz="2000" dirty="0">
+                <a:latin typeface="Rubik" panose="020B0604020202020204" charset="-79"/>
+                <a:cs typeface="Rubik" panose="020B0604020202020204" charset="-79"/>
+              </a:rPr>
+              <a:t> del Sistema</a:t>
+            </a:r>
+          </a:p>
+          <a:p>
+            <a:pPr marL="342900" lvl="7" indent="-342900">
+              <a:buFont typeface="Arial" panose="020B0604020202020204" pitchFamily="34" charset="0"/>
+              <a:buChar char="•"/>
+            </a:pPr>
+            <a:r>
+              <a:rPr lang="en-US" sz="2000" dirty="0">
+                <a:latin typeface="Rubik" panose="020B0604020202020204" charset="-79"/>
+                <a:cs typeface="Rubik" panose="020B0604020202020204" charset="-79"/>
+                <a:hlinkClick r:id="rId4"/>
+              </a:rPr>
+              <a:t>http://schemas.microsoft.com/SQL/ServiceBroker/Error</a:t>
+            </a:r>
+            <a:endParaRPr lang="en-US" sz="2000" dirty="0">
+              <a:latin typeface="Rubik" panose="020B0604020202020204" charset="-79"/>
+              <a:cs typeface="Rubik" panose="020B0604020202020204" charset="-79"/>
+            </a:endParaRPr>
+          </a:p>
+          <a:p>
+            <a:pPr marL="342900" lvl="8" indent="-342900">
+              <a:buFont typeface="Arial" panose="020B0604020202020204" pitchFamily="34" charset="0"/>
+              <a:buChar char="•"/>
+            </a:pPr>
+            <a:r>
+              <a:rPr lang="en-US" sz="2000" dirty="0">
+                <a:latin typeface="Rubik" panose="020B0604020202020204" charset="-79"/>
+                <a:cs typeface="Rubik" panose="020B0604020202020204" charset="-79"/>
+                <a:hlinkClick r:id="rId5"/>
+              </a:rPr>
+              <a:t>http://schemas.microsoft.com/SQL/ServiceBroker/EndDialog</a:t>
+            </a:r>
+            <a:endParaRPr lang="en-US" sz="2000" dirty="0">
+              <a:latin typeface="Rubik" panose="020B0604020202020204" charset="-79"/>
+              <a:cs typeface="Rubik" panose="020B0604020202020204" charset="-79"/>
+            </a:endParaRPr>
+          </a:p>
+          <a:p>
+            <a:pPr marL="342900" lvl="8" indent="-342900">
+              <a:buFont typeface="Arial" panose="020B0604020202020204" pitchFamily="34" charset="0"/>
+              <a:buChar char="•"/>
+            </a:pPr>
+            <a:r>
+              <a:rPr lang="en-US" sz="2000" dirty="0">
+                <a:latin typeface="Rubik" panose="020B0604020202020204" charset="-79"/>
+                <a:cs typeface="Rubik" panose="020B0604020202020204" charset="-79"/>
+                <a:hlinkClick r:id="rId6"/>
+              </a:rPr>
+              <a:t>http://schemas.microsoft.com/SQL/ServiceBroker/DialogTimer</a:t>
+            </a:r>
+            <a:endParaRPr lang="en-US" sz="2000" dirty="0">
+              <a:latin typeface="Rubik" panose="020B0604020202020204" charset="-79"/>
+              <a:cs typeface="Rubik" panose="020B0604020202020204" charset="-79"/>
+            </a:endParaRPr>
+          </a:p>
+          <a:p>
+            <a:pPr marL="342900" lvl="1" indent="-342900">
+              <a:buFontTx/>
+              <a:buChar char="-"/>
+            </a:pPr>
+            <a:endParaRPr lang="en-US" sz="2000" dirty="0">
+              <a:latin typeface="Rubik" panose="020B0604020202020204" charset="-79"/>
+              <a:cs typeface="Rubik" panose="020B0604020202020204" charset="-79"/>
+            </a:endParaRPr>
           </a:p>
         </p:txBody>
       </p:sp>
     </p:spTree>
     <p:extLst>
       <p:ext uri="{BB962C8B-B14F-4D97-AF65-F5344CB8AC3E}">
-        <p14:creationId xmlns:p14="http://schemas.microsoft.com/office/powerpoint/2010/main" val="4238796120"/>
+        <p14:creationId xmlns:p14="http://schemas.microsoft.com/office/powerpoint/2010/main" val="2184309556"/>
       </p:ext>
     </p:extLst>
   </p:cSld>
@@ -8220,10 +12968,10 @@
       </p:pic>
       <p:sp>
         <p:nvSpPr>
-          <p:cNvPr id="4" name="Google Shape;63;p14">
+          <p:cNvPr id="5" name="Google Shape;63;p14">
             <a:extLst>
               <a:ext uri="{FF2B5EF4-FFF2-40B4-BE49-F238E27FC236}">
-                <a16:creationId xmlns:a16="http://schemas.microsoft.com/office/drawing/2014/main" id="{B5944793-9F46-4541-BADC-6293210C0795}"/>
+                <a16:creationId xmlns:a16="http://schemas.microsoft.com/office/drawing/2014/main" id="{9BD71C27-8A6F-4A61-93B7-6C48B6CD1C83}"/>
               </a:ext>
             </a:extLst>
           </p:cNvPr>
@@ -8232,7 +12980,7 @@
         </p:nvSpPr>
         <p:spPr>
           <a:xfrm>
-            <a:off x="898050" y="1585538"/>
+            <a:off x="898050" y="305377"/>
             <a:ext cx="7347900" cy="1449600"/>
           </a:xfrm>
           <a:prstGeom prst="rect">
@@ -8249,19 +12997,6 @@
           </a:bodyPr>
           <a:lstStyle/>
           <a:p>
-            <a:pPr lvl="0"/>
-            <a:r>
-              <a:rPr lang="es-ES" sz="3600" dirty="0" err="1">
-                <a:solidFill>
-                  <a:schemeClr val="tx1"/>
-                </a:solidFill>
-                <a:latin typeface="Rubik"/>
-                <a:ea typeface="Rubik"/>
-                <a:cs typeface="Rubik"/>
-                <a:sym typeface="Rubik"/>
-              </a:rPr>
-              <a:t>Troubleshooting</a:t>
-            </a:r>
             <a:r>
               <a:rPr lang="es-ES" sz="3600" dirty="0">
                 <a:solidFill>
@@ -8272,15 +13007,140 @@
                 <a:cs typeface="Rubik"/>
                 <a:sym typeface="Rubik"/>
               </a:rPr>
-              <a:t> básico</a:t>
-            </a:r>
+              <a:t>Arquitectura y componentes</a:t>
+            </a:r>
+          </a:p>
+          <a:p>
+            <a:pPr lvl="0"/>
+            <a:endParaRPr lang="es-ES" sz="3600" dirty="0">
+              <a:solidFill>
+                <a:schemeClr val="tx1"/>
+              </a:solidFill>
+              <a:latin typeface="Rubik"/>
+              <a:ea typeface="Rubik"/>
+              <a:cs typeface="Rubik"/>
+              <a:sym typeface="Rubik"/>
+            </a:endParaRPr>
+          </a:p>
+        </p:txBody>
+      </p:sp>
+      <p:sp>
+        <p:nvSpPr>
+          <p:cNvPr id="3" name="Rectangle 2">
+            <a:extLst>
+              <a:ext uri="{FF2B5EF4-FFF2-40B4-BE49-F238E27FC236}">
+                <a16:creationId xmlns:a16="http://schemas.microsoft.com/office/drawing/2014/main" id="{9319EC8B-A2B9-450A-8D6F-D4A4096CDD00}"/>
+              </a:ext>
+            </a:extLst>
+          </p:cNvPr>
+          <p:cNvSpPr/>
+          <p:nvPr/>
+        </p:nvSpPr>
+        <p:spPr>
+          <a:xfrm>
+            <a:off x="898050" y="1631899"/>
+            <a:ext cx="8122382" cy="2862322"/>
+          </a:xfrm>
+          <a:prstGeom prst="rect">
+            <a:avLst/>
+          </a:prstGeom>
+        </p:spPr>
+        <p:txBody>
+          <a:bodyPr wrap="square">
+            <a:spAutoFit/>
+          </a:bodyPr>
+          <a:lstStyle/>
+          <a:p>
+            <a:r>
+              <a:rPr lang="es-UY" sz="2000" b="1" dirty="0">
+                <a:latin typeface="Rubik" panose="020B0604020202020204" charset="-79"/>
+                <a:cs typeface="Rubik" panose="020B0604020202020204" charset="-79"/>
+              </a:rPr>
+              <a:t>Contratos (CONTRACT)</a:t>
+            </a:r>
+          </a:p>
+          <a:p>
+            <a:pPr marL="342900" indent="-342900">
+              <a:buFont typeface="Arial" panose="020B0604020202020204" pitchFamily="34" charset="0"/>
+              <a:buChar char="•"/>
+            </a:pPr>
+            <a:r>
+              <a:rPr lang="es-UY" sz="2000" dirty="0">
+                <a:latin typeface="Rubik" panose="020B0604020202020204" charset="-79"/>
+                <a:cs typeface="Rubik" panose="020B0604020202020204" charset="-79"/>
+              </a:rPr>
+              <a:t>Define una operación del negocio y los tipos de mensajes que usará</a:t>
+            </a:r>
+          </a:p>
+          <a:p>
+            <a:pPr marL="342900" indent="-342900">
+              <a:buFont typeface="Arial" panose="020B0604020202020204" pitchFamily="34" charset="0"/>
+              <a:buChar char="•"/>
+            </a:pPr>
+            <a:r>
+              <a:rPr lang="es-UY" sz="2000" dirty="0">
+                <a:latin typeface="Rubik" panose="020B0604020202020204" charset="-79"/>
+                <a:cs typeface="Rubik" panose="020B0604020202020204" charset="-79"/>
+              </a:rPr>
+              <a:t>Define 2 roles, el </a:t>
+            </a:r>
+            <a:r>
+              <a:rPr lang="es-UY" sz="2000" dirty="0" err="1">
+                <a:latin typeface="Rubik" panose="020B0604020202020204" charset="-79"/>
+                <a:cs typeface="Rubik" panose="020B0604020202020204" charset="-79"/>
+              </a:rPr>
+              <a:t>iniciator</a:t>
+            </a:r>
+            <a:r>
+              <a:rPr lang="es-UY" sz="2000" dirty="0">
+                <a:latin typeface="Rubik" panose="020B0604020202020204" charset="-79"/>
+                <a:cs typeface="Rubik" panose="020B0604020202020204" charset="-79"/>
+              </a:rPr>
+              <a:t> que comienza una conversación y un target y los mensajes que cada rol usará </a:t>
+            </a:r>
+          </a:p>
+          <a:p>
+            <a:pPr marL="342900" indent="-342900">
+              <a:buFont typeface="Arial" panose="020B0604020202020204" pitchFamily="34" charset="0"/>
+              <a:buChar char="•"/>
+            </a:pPr>
+            <a:r>
+              <a:rPr lang="es-UY" sz="2000" dirty="0">
+                <a:latin typeface="Rubik" panose="020B0604020202020204" charset="-79"/>
+                <a:cs typeface="Rubik" panose="020B0604020202020204" charset="-79"/>
+              </a:rPr>
+              <a:t>Más de un contrato puede usar el mismo tipo de mensajes</a:t>
+            </a:r>
+          </a:p>
+          <a:p>
+            <a:pPr marL="342900" indent="-342900">
+              <a:buFont typeface="Arial" panose="020B0604020202020204" pitchFamily="34" charset="0"/>
+              <a:buChar char="•"/>
+            </a:pPr>
+            <a:r>
+              <a:rPr lang="es-UY" sz="2000" dirty="0">
+                <a:latin typeface="Rubik" panose="020B0604020202020204" charset="-79"/>
+                <a:cs typeface="Rubik" panose="020B0604020202020204" charset="-79"/>
+              </a:rPr>
+              <a:t>Son inmutables y se deben crear nuevos en caso de querer cambiar la lógica del mismo</a:t>
+            </a:r>
+          </a:p>
+          <a:p>
+            <a:pPr marL="342900" lvl="1" indent="-342900">
+              <a:buFontTx/>
+              <a:buChar char="-"/>
+            </a:pPr>
+            <a:endParaRPr lang="es-UY" sz="2000" dirty="0">
+              <a:latin typeface="Rubik" panose="020B0604020202020204" charset="-79"/>
+              <a:cs typeface="Rubik" panose="020B0604020202020204" charset="-79"/>
+            </a:endParaRPr>
           </a:p>
         </p:txBody>
       </p:sp>
     </p:spTree>
     <p:extLst>
       <p:ext uri="{BB962C8B-B14F-4D97-AF65-F5344CB8AC3E}">
-        <p14:creationId xmlns:p14="http://schemas.microsoft.com/office/powerpoint/2010/main" val="1767019369"/>
+        <p14:creationId xmlns:p14="http://schemas.microsoft.com/office/powerpoint/2010/main" val="4010858987"/>
       </p:ext>
     </p:extLst>
   </p:cSld>
@@ -8377,10 +13237,10 @@
       </p:pic>
       <p:sp>
         <p:nvSpPr>
-          <p:cNvPr id="4" name="Google Shape;63;p14">
+          <p:cNvPr id="5" name="Google Shape;63;p14">
             <a:extLst>
               <a:ext uri="{FF2B5EF4-FFF2-40B4-BE49-F238E27FC236}">
-                <a16:creationId xmlns:a16="http://schemas.microsoft.com/office/drawing/2014/main" id="{B5944793-9F46-4541-BADC-6293210C0795}"/>
+                <a16:creationId xmlns:a16="http://schemas.microsoft.com/office/drawing/2014/main" id="{9BD71C27-8A6F-4A61-93B7-6C48B6CD1C83}"/>
               </a:ext>
             </a:extLst>
           </p:cNvPr>
@@ -8389,7 +13249,7 @@
         </p:nvSpPr>
         <p:spPr>
           <a:xfrm>
-            <a:off x="898050" y="1585538"/>
+            <a:off x="898050" y="305377"/>
             <a:ext cx="7347900" cy="1449600"/>
           </a:xfrm>
           <a:prstGeom prst="rect">
@@ -8406,7 +13266,6 @@
           </a:bodyPr>
           <a:lstStyle/>
           <a:p>
-            <a:pPr lvl="0"/>
             <a:r>
               <a:rPr lang="es-ES" sz="3600" dirty="0">
                 <a:solidFill>
@@ -8420,12 +13279,124 @@
               <a:t>Arquitectura y componentes</a:t>
             </a:r>
           </a:p>
+          <a:p>
+            <a:pPr lvl="0"/>
+            <a:endParaRPr lang="es-ES" sz="3600" dirty="0">
+              <a:solidFill>
+                <a:schemeClr val="tx1"/>
+              </a:solidFill>
+              <a:latin typeface="Rubik"/>
+              <a:ea typeface="Rubik"/>
+              <a:cs typeface="Rubik"/>
+              <a:sym typeface="Rubik"/>
+            </a:endParaRPr>
+          </a:p>
+        </p:txBody>
+      </p:sp>
+      <p:sp>
+        <p:nvSpPr>
+          <p:cNvPr id="3" name="Rectangle 2">
+            <a:extLst>
+              <a:ext uri="{FF2B5EF4-FFF2-40B4-BE49-F238E27FC236}">
+                <a16:creationId xmlns:a16="http://schemas.microsoft.com/office/drawing/2014/main" id="{9319EC8B-A2B9-450A-8D6F-D4A4096CDD00}"/>
+              </a:ext>
+            </a:extLst>
+          </p:cNvPr>
+          <p:cNvSpPr/>
+          <p:nvPr/>
+        </p:nvSpPr>
+        <p:spPr>
+          <a:xfrm>
+            <a:off x="898050" y="1631899"/>
+            <a:ext cx="8122382" cy="1938992"/>
+          </a:xfrm>
+          <a:prstGeom prst="rect">
+            <a:avLst/>
+          </a:prstGeom>
+        </p:spPr>
+        <p:txBody>
+          <a:bodyPr wrap="square">
+            <a:spAutoFit/>
+          </a:bodyPr>
+          <a:lstStyle/>
+          <a:p>
+            <a:r>
+              <a:rPr lang="es-UY" sz="2000" b="1" dirty="0" err="1">
+                <a:latin typeface="Rubik" panose="020B0604020202020204" charset="-79"/>
+                <a:cs typeface="Rubik" panose="020B0604020202020204" charset="-79"/>
+              </a:rPr>
+              <a:t>Queues</a:t>
+            </a:r>
+            <a:r>
+              <a:rPr lang="es-UY" sz="2000" b="1" dirty="0">
+                <a:latin typeface="Rubik" panose="020B0604020202020204" charset="-79"/>
+                <a:cs typeface="Rubik" panose="020B0604020202020204" charset="-79"/>
+              </a:rPr>
+              <a:t> (Colas)</a:t>
+            </a:r>
+          </a:p>
+          <a:p>
+            <a:pPr marL="342900" indent="-342900">
+              <a:buFont typeface="Arial" panose="020B0604020202020204" pitchFamily="34" charset="0"/>
+              <a:buChar char="•"/>
+            </a:pPr>
+            <a:r>
+              <a:rPr lang="es-UY" sz="2000" dirty="0">
+                <a:latin typeface="Rubik" panose="020B0604020202020204" charset="-79"/>
+                <a:cs typeface="Rubik" panose="020B0604020202020204" charset="-79"/>
+              </a:rPr>
+              <a:t>Almacenan los mensajes que serán procesados por SSB</a:t>
+            </a:r>
+          </a:p>
+          <a:p>
+            <a:pPr marL="342900" indent="-342900">
+              <a:buFont typeface="Arial" panose="020B0604020202020204" pitchFamily="34" charset="0"/>
+              <a:buChar char="•"/>
+            </a:pPr>
+            <a:r>
+              <a:rPr lang="es-UY" sz="2000" dirty="0" err="1">
+                <a:latin typeface="Rubik" panose="020B0604020202020204" charset="-79"/>
+                <a:cs typeface="Rubik" panose="020B0604020202020204" charset="-79"/>
+              </a:rPr>
+              <a:t>Almacenandos</a:t>
+            </a:r>
+            <a:r>
+              <a:rPr lang="es-UY" sz="2000" dirty="0">
+                <a:latin typeface="Rubik" panose="020B0604020202020204" charset="-79"/>
+                <a:cs typeface="Rubik" panose="020B0604020202020204" charset="-79"/>
+              </a:rPr>
+              <a:t> en la base como tablas internas, cuentan con vistas para consultar su contenido</a:t>
+            </a:r>
+          </a:p>
+          <a:p>
+            <a:pPr marL="342900" indent="-342900">
+              <a:buFont typeface="Arial" panose="020B0604020202020204" pitchFamily="34" charset="0"/>
+              <a:buChar char="•"/>
+            </a:pPr>
+            <a:r>
+              <a:rPr lang="es-UY" sz="2000" dirty="0">
+                <a:latin typeface="Rubik" panose="020B0604020202020204" charset="-79"/>
+                <a:cs typeface="Rubik" panose="020B0604020202020204" charset="-79"/>
+              </a:rPr>
+              <a:t>Los servicios son asociados a una sola cola</a:t>
+            </a:r>
+          </a:p>
+          <a:p>
+            <a:pPr marL="342900" indent="-342900">
+              <a:buFont typeface="Arial" panose="020B0604020202020204" pitchFamily="34" charset="0"/>
+              <a:buChar char="•"/>
+            </a:pPr>
+            <a:endParaRPr lang="es-UY" sz="2000" dirty="0">
+              <a:latin typeface="Rubik" panose="020B0604020202020204" charset="-79"/>
+              <a:cs typeface="Rubik" panose="020B0604020202020204" charset="-79"/>
+            </a:endParaRPr>
+          </a:p>
         </p:txBody>
       </p:sp>
     </p:spTree>
     <p:extLst>
       <p:ext uri="{BB962C8B-B14F-4D97-AF65-F5344CB8AC3E}">
-        <p14:creationId xmlns:p14="http://schemas.microsoft.com/office/powerpoint/2010/main" val="1160263207"/>
+        <p14:creationId xmlns:p14="http://schemas.microsoft.com/office/powerpoint/2010/main" val="1075234714"/>
       </p:ext>
     </p:extLst>
   </p:cSld>

--- a/vOpen2019/vOpen19-UY-FelipeSchneider.pptx
+++ b/vOpen2019/vOpen19-UY-FelipeSchneider.pptx
@@ -5,36 +5,38 @@
     <p:sldMasterId id="2147483659" r:id="rId1"/>
   </p:sldMasterIdLst>
   <p:notesMasterIdLst>
-    <p:notesMasterId r:id="rId19"/>
+    <p:notesMasterId r:id="rId21"/>
   </p:notesMasterIdLst>
   <p:sldIdLst>
     <p:sldId id="256" r:id="rId2"/>
     <p:sldId id="257" r:id="rId3"/>
     <p:sldId id="259" r:id="rId4"/>
     <p:sldId id="258" r:id="rId5"/>
-    <p:sldId id="263" r:id="rId6"/>
-    <p:sldId id="267" r:id="rId7"/>
-    <p:sldId id="268" r:id="rId8"/>
-    <p:sldId id="269" r:id="rId9"/>
-    <p:sldId id="270" r:id="rId10"/>
-    <p:sldId id="271" r:id="rId11"/>
-    <p:sldId id="272" r:id="rId12"/>
-    <p:sldId id="273" r:id="rId13"/>
-    <p:sldId id="262" r:id="rId14"/>
-    <p:sldId id="264" r:id="rId15"/>
-    <p:sldId id="265" r:id="rId16"/>
-    <p:sldId id="266" r:id="rId17"/>
-    <p:sldId id="260" r:id="rId18"/>
+    <p:sldId id="274" r:id="rId6"/>
+    <p:sldId id="275" r:id="rId7"/>
+    <p:sldId id="263" r:id="rId8"/>
+    <p:sldId id="267" r:id="rId9"/>
+    <p:sldId id="268" r:id="rId10"/>
+    <p:sldId id="269" r:id="rId11"/>
+    <p:sldId id="270" r:id="rId12"/>
+    <p:sldId id="271" r:id="rId13"/>
+    <p:sldId id="272" r:id="rId14"/>
+    <p:sldId id="273" r:id="rId15"/>
+    <p:sldId id="262" r:id="rId16"/>
+    <p:sldId id="264" r:id="rId17"/>
+    <p:sldId id="265" r:id="rId18"/>
+    <p:sldId id="266" r:id="rId19"/>
+    <p:sldId id="260" r:id="rId20"/>
   </p:sldIdLst>
   <p:sldSz cx="9144000" cy="5143500" type="screen16x9"/>
   <p:notesSz cx="6858000" cy="9144000"/>
   <p:embeddedFontLst>
     <p:embeddedFont>
       <p:font typeface="Rubik" panose="020B0604020202020204" charset="-79"/>
-      <p:regular r:id="rId20"/>
-      <p:bold r:id="rId21"/>
-      <p:italic r:id="rId22"/>
-      <p:boldItalic r:id="rId23"/>
+      <p:regular r:id="rId22"/>
+      <p:bold r:id="rId23"/>
+      <p:italic r:id="rId24"/>
+      <p:boldItalic r:id="rId25"/>
     </p:embeddedFont>
   </p:embeddedFontLst>
   <p:defaultTextStyle>
@@ -933,7 +935,7 @@
     </p:spTree>
     <p:extLst>
       <p:ext uri="{BB962C8B-B14F-4D97-AF65-F5344CB8AC3E}">
-        <p14:creationId xmlns:p14="http://schemas.microsoft.com/office/powerpoint/2010/main" val="3012563928"/>
+        <p14:creationId xmlns:p14="http://schemas.microsoft.com/office/powerpoint/2010/main" val="1904549452"/>
       </p:ext>
     </p:extLst>
   </p:cSld>
@@ -1042,7 +1044,7 @@
     </p:spTree>
     <p:extLst>
       <p:ext uri="{BB962C8B-B14F-4D97-AF65-F5344CB8AC3E}">
-        <p14:creationId xmlns:p14="http://schemas.microsoft.com/office/powerpoint/2010/main" val="941763709"/>
+        <p14:creationId xmlns:p14="http://schemas.microsoft.com/office/powerpoint/2010/main" val="3606199835"/>
       </p:ext>
     </p:extLst>
   </p:cSld>
@@ -1144,18 +1146,14 @@
               </a:spcAft>
               <a:buNone/>
             </a:pPr>
-            <a:r>
-              <a:rPr lang="es-UY" dirty="0"/>
-              <a:t>Antes de irte, tendrían que ser las 11.48</a:t>
-            </a:r>
-            <a:endParaRPr dirty="0"/>
+            <a:endParaRPr/>
           </a:p>
         </p:txBody>
       </p:sp>
     </p:spTree>
     <p:extLst>
       <p:ext uri="{BB962C8B-B14F-4D97-AF65-F5344CB8AC3E}">
-        <p14:creationId xmlns:p14="http://schemas.microsoft.com/office/powerpoint/2010/main" val="3130153125"/>
+        <p14:creationId xmlns:p14="http://schemas.microsoft.com/office/powerpoint/2010/main" val="3012563928"/>
       </p:ext>
     </p:extLst>
   </p:cSld>
@@ -1257,56 +1255,14 @@
               </a:spcAft>
               <a:buNone/>
             </a:pPr>
-            <a:r>
-              <a:rPr lang="es-UY" dirty="0"/>
-              <a:t>Hacer todo el recorrido con los scripts 2 </a:t>
-            </a:r>
-          </a:p>
-          <a:p>
-            <a:pPr marL="0" lvl="0" indent="0" algn="l" rtl="0">
-              <a:spcBef>
-                <a:spcPts val="0"/>
-              </a:spcBef>
-              <a:spcAft>
-                <a:spcPts val="0"/>
-              </a:spcAft>
-              <a:buNone/>
-            </a:pPr>
-            <a:r>
-              <a:rPr lang="es-UY" dirty="0"/>
-              <a:t>Al terminar el 2 tendrían que ser las 12</a:t>
-            </a:r>
-          </a:p>
-          <a:p>
-            <a:pPr marL="0" lvl="0" indent="0" algn="l" rtl="0">
-              <a:spcBef>
-                <a:spcPts val="0"/>
-              </a:spcBef>
-              <a:spcAft>
-                <a:spcPts val="0"/>
-              </a:spcAft>
-              <a:buNone/>
-            </a:pPr>
-            <a:r>
-              <a:rPr lang="es-UY" dirty="0"/>
-              <a:t>Hacer los </a:t>
-            </a:r>
-            <a:r>
-              <a:rPr lang="es-UY" dirty="0" err="1"/>
-              <a:t>scrips</a:t>
-            </a:r>
-            <a:r>
-              <a:rPr lang="es-UY" dirty="0"/>
-              <a:t> del 3</a:t>
-            </a:r>
-            <a:endParaRPr dirty="0"/>
+            <a:endParaRPr/>
           </a:p>
         </p:txBody>
       </p:sp>
     </p:spTree>
     <p:extLst>
       <p:ext uri="{BB962C8B-B14F-4D97-AF65-F5344CB8AC3E}">
-        <p14:creationId xmlns:p14="http://schemas.microsoft.com/office/powerpoint/2010/main" val="4159735051"/>
+        <p14:creationId xmlns:p14="http://schemas.microsoft.com/office/powerpoint/2010/main" val="941763709"/>
       </p:ext>
     </p:extLst>
   </p:cSld>
@@ -1408,6 +1364,10 @@
               </a:spcAft>
               <a:buNone/>
             </a:pPr>
+            <a:r>
+              <a:rPr lang="es-UY" dirty="0"/>
+              <a:t>Antes de irte, tendrían que ser las 11.48</a:t>
+            </a:r>
             <a:endParaRPr dirty="0"/>
           </a:p>
         </p:txBody>
@@ -1415,7 +1375,7 @@
     </p:spTree>
     <p:extLst>
       <p:ext uri="{BB962C8B-B14F-4D97-AF65-F5344CB8AC3E}">
-        <p14:creationId xmlns:p14="http://schemas.microsoft.com/office/powerpoint/2010/main" val="1951912922"/>
+        <p14:creationId xmlns:p14="http://schemas.microsoft.com/office/powerpoint/2010/main" val="3130153125"/>
       </p:ext>
     </p:extLst>
   </p:cSld>
@@ -1519,7 +1479,45 @@
             </a:pPr>
             <a:r>
               <a:rPr lang="es-UY" dirty="0"/>
-              <a:t>Ejecutar del 4.1 al 4.3</a:t>
+              <a:t>Hacer todo el recorrido con los scripts 2 </a:t>
+            </a:r>
+          </a:p>
+          <a:p>
+            <a:pPr marL="0" lvl="0" indent="0" algn="l" rtl="0">
+              <a:spcBef>
+                <a:spcPts val="0"/>
+              </a:spcBef>
+              <a:spcAft>
+                <a:spcPts val="0"/>
+              </a:spcAft>
+              <a:buNone/>
+            </a:pPr>
+            <a:r>
+              <a:rPr lang="es-UY" dirty="0"/>
+              <a:t>Al terminar el 2 tendrían que ser las 12</a:t>
+            </a:r>
+          </a:p>
+          <a:p>
+            <a:pPr marL="0" lvl="0" indent="0" algn="l" rtl="0">
+              <a:spcBef>
+                <a:spcPts val="0"/>
+              </a:spcBef>
+              <a:spcAft>
+                <a:spcPts val="0"/>
+              </a:spcAft>
+              <a:buNone/>
+            </a:pPr>
+            <a:r>
+              <a:rPr lang="es-UY" dirty="0"/>
+              <a:t>Hacer los </a:t>
+            </a:r>
+            <a:r>
+              <a:rPr lang="es-UY" dirty="0" err="1"/>
+              <a:t>scrips</a:t>
+            </a:r>
+            <a:r>
+              <a:rPr lang="es-UY" dirty="0"/>
+              <a:t> del 3</a:t>
             </a:r>
             <a:endParaRPr dirty="0"/>
           </a:p>
@@ -1528,7 +1526,7 @@
     </p:spTree>
     <p:extLst>
       <p:ext uri="{BB962C8B-B14F-4D97-AF65-F5344CB8AC3E}">
-        <p14:creationId xmlns:p14="http://schemas.microsoft.com/office/powerpoint/2010/main" val="637639281"/>
+        <p14:creationId xmlns:p14="http://schemas.microsoft.com/office/powerpoint/2010/main" val="4159735051"/>
       </p:ext>
     </p:extLst>
   </p:cSld>
@@ -1630,6 +1628,228 @@
               </a:spcAft>
               <a:buNone/>
             </a:pPr>
+            <a:endParaRPr dirty="0"/>
+          </a:p>
+        </p:txBody>
+      </p:sp>
+    </p:spTree>
+    <p:extLst>
+      <p:ext uri="{BB962C8B-B14F-4D97-AF65-F5344CB8AC3E}">
+        <p14:creationId xmlns:p14="http://schemas.microsoft.com/office/powerpoint/2010/main" val="1951912922"/>
+      </p:ext>
+    </p:extLst>
+  </p:cSld>
+  <p:clrMapOvr>
+    <a:masterClrMapping/>
+  </p:clrMapOvr>
+</p:notes>
+</file>
+
+<file path=ppt/notesSlides/notesSlide17.xml><?xml version="1.0" encoding="utf-8"?>
+<p:notes xmlns:a="http://schemas.openxmlformats.org/drawingml/2006/main" xmlns:r="http://schemas.openxmlformats.org/officeDocument/2006/relationships" xmlns:p="http://schemas.openxmlformats.org/presentationml/2006/main" showMasterSp="0" showMasterPhAnim="0">
+  <p:cSld>
+    <p:spTree>
+      <p:nvGrpSpPr>
+        <p:cNvPr id="1" name="Shape 67"/>
+        <p:cNvGrpSpPr/>
+        <p:nvPr/>
+      </p:nvGrpSpPr>
+      <p:grpSpPr>
+        <a:xfrm>
+          <a:off x="0" y="0"/>
+          <a:ext cx="0" cy="0"/>
+          <a:chOff x="0" y="0"/>
+          <a:chExt cx="0" cy="0"/>
+        </a:xfrm>
+      </p:grpSpPr>
+      <p:sp>
+        <p:nvSpPr>
+          <p:cNvPr id="68" name="Google Shape;68;g6320b2cc91_0_8:notes"/>
+          <p:cNvSpPr>
+            <a:spLocks noGrp="1" noRot="1" noChangeAspect="1"/>
+          </p:cNvSpPr>
+          <p:nvPr>
+            <p:ph type="sldImg" idx="2"/>
+          </p:nvPr>
+        </p:nvSpPr>
+        <p:spPr>
+          <a:xfrm>
+            <a:off x="381000" y="685800"/>
+            <a:ext cx="6096000" cy="3429000"/>
+          </a:xfrm>
+          <a:custGeom>
+            <a:avLst/>
+            <a:gdLst/>
+            <a:ahLst/>
+            <a:cxnLst/>
+            <a:rect l="l" t="t" r="r" b="b"/>
+            <a:pathLst>
+              <a:path w="120000" h="120000" extrusionOk="0">
+                <a:moveTo>
+                  <a:pt x="0" y="0"/>
+                </a:moveTo>
+                <a:lnTo>
+                  <a:pt x="120000" y="0"/>
+                </a:lnTo>
+                <a:lnTo>
+                  <a:pt x="120000" y="120000"/>
+                </a:lnTo>
+                <a:lnTo>
+                  <a:pt x="0" y="120000"/>
+                </a:lnTo>
+                <a:close/>
+              </a:path>
+            </a:pathLst>
+          </a:custGeom>
+        </p:spPr>
+      </p:sp>
+      <p:sp>
+        <p:nvSpPr>
+          <p:cNvPr id="69" name="Google Shape;69;g6320b2cc91_0_8:notes"/>
+          <p:cNvSpPr txBox="1">
+            <a:spLocks noGrp="1"/>
+          </p:cNvSpPr>
+          <p:nvPr>
+            <p:ph type="body" idx="1"/>
+          </p:nvPr>
+        </p:nvSpPr>
+        <p:spPr>
+          <a:xfrm>
+            <a:off x="685800" y="4343400"/>
+            <a:ext cx="5486400" cy="4114800"/>
+          </a:xfrm>
+          <a:prstGeom prst="rect">
+            <a:avLst/>
+          </a:prstGeom>
+        </p:spPr>
+        <p:txBody>
+          <a:bodyPr spcFirstLastPara="1" wrap="square" lIns="91425" tIns="91425" rIns="91425" bIns="91425" anchor="t" anchorCtr="0">
+            <a:noAutofit/>
+          </a:bodyPr>
+          <a:lstStyle/>
+          <a:p>
+            <a:pPr marL="0" lvl="0" indent="0" algn="l" rtl="0">
+              <a:spcBef>
+                <a:spcPts val="0"/>
+              </a:spcBef>
+              <a:spcAft>
+                <a:spcPts val="0"/>
+              </a:spcAft>
+              <a:buNone/>
+            </a:pPr>
+            <a:r>
+              <a:rPr lang="es-UY" dirty="0"/>
+              <a:t>Ejecutar del 4.1 al 4.3</a:t>
+            </a:r>
+            <a:endParaRPr dirty="0"/>
+          </a:p>
+        </p:txBody>
+      </p:sp>
+    </p:spTree>
+    <p:extLst>
+      <p:ext uri="{BB962C8B-B14F-4D97-AF65-F5344CB8AC3E}">
+        <p14:creationId xmlns:p14="http://schemas.microsoft.com/office/powerpoint/2010/main" val="637639281"/>
+      </p:ext>
+    </p:extLst>
+  </p:cSld>
+  <p:clrMapOvr>
+    <a:masterClrMapping/>
+  </p:clrMapOvr>
+</p:notes>
+</file>
+
+<file path=ppt/notesSlides/notesSlide18.xml><?xml version="1.0" encoding="utf-8"?>
+<p:notes xmlns:a="http://schemas.openxmlformats.org/drawingml/2006/main" xmlns:r="http://schemas.openxmlformats.org/officeDocument/2006/relationships" xmlns:p="http://schemas.openxmlformats.org/presentationml/2006/main" showMasterSp="0" showMasterPhAnim="0">
+  <p:cSld>
+    <p:spTree>
+      <p:nvGrpSpPr>
+        <p:cNvPr id="1" name="Shape 67"/>
+        <p:cNvGrpSpPr/>
+        <p:nvPr/>
+      </p:nvGrpSpPr>
+      <p:grpSpPr>
+        <a:xfrm>
+          <a:off x="0" y="0"/>
+          <a:ext cx="0" cy="0"/>
+          <a:chOff x="0" y="0"/>
+          <a:chExt cx="0" cy="0"/>
+        </a:xfrm>
+      </p:grpSpPr>
+      <p:sp>
+        <p:nvSpPr>
+          <p:cNvPr id="68" name="Google Shape;68;g6320b2cc91_0_8:notes"/>
+          <p:cNvSpPr>
+            <a:spLocks noGrp="1" noRot="1" noChangeAspect="1"/>
+          </p:cNvSpPr>
+          <p:nvPr>
+            <p:ph type="sldImg" idx="2"/>
+          </p:nvPr>
+        </p:nvSpPr>
+        <p:spPr>
+          <a:xfrm>
+            <a:off x="381000" y="685800"/>
+            <a:ext cx="6096000" cy="3429000"/>
+          </a:xfrm>
+          <a:custGeom>
+            <a:avLst/>
+            <a:gdLst/>
+            <a:ahLst/>
+            <a:cxnLst/>
+            <a:rect l="l" t="t" r="r" b="b"/>
+            <a:pathLst>
+              <a:path w="120000" h="120000" extrusionOk="0">
+                <a:moveTo>
+                  <a:pt x="0" y="0"/>
+                </a:moveTo>
+                <a:lnTo>
+                  <a:pt x="120000" y="0"/>
+                </a:lnTo>
+                <a:lnTo>
+                  <a:pt x="120000" y="120000"/>
+                </a:lnTo>
+                <a:lnTo>
+                  <a:pt x="0" y="120000"/>
+                </a:lnTo>
+                <a:close/>
+              </a:path>
+            </a:pathLst>
+          </a:custGeom>
+        </p:spPr>
+      </p:sp>
+      <p:sp>
+        <p:nvSpPr>
+          <p:cNvPr id="69" name="Google Shape;69;g6320b2cc91_0_8:notes"/>
+          <p:cNvSpPr txBox="1">
+            <a:spLocks noGrp="1"/>
+          </p:cNvSpPr>
+          <p:nvPr>
+            <p:ph type="body" idx="1"/>
+          </p:nvPr>
+        </p:nvSpPr>
+        <p:spPr>
+          <a:xfrm>
+            <a:off x="685800" y="4343400"/>
+            <a:ext cx="5486400" cy="4114800"/>
+          </a:xfrm>
+          <a:prstGeom prst="rect">
+            <a:avLst/>
+          </a:prstGeom>
+        </p:spPr>
+        <p:txBody>
+          <a:bodyPr spcFirstLastPara="1" wrap="square" lIns="91425" tIns="91425" rIns="91425" bIns="91425" anchor="t" anchorCtr="0">
+            <a:noAutofit/>
+          </a:bodyPr>
+          <a:lstStyle/>
+          <a:p>
+            <a:pPr marL="0" lvl="0" indent="0" algn="l" rtl="0">
+              <a:spcBef>
+                <a:spcPts val="0"/>
+              </a:spcBef>
+              <a:spcAft>
+                <a:spcPts val="0"/>
+              </a:spcAft>
+              <a:buNone/>
+            </a:pPr>
             <a:r>
               <a:rPr lang="es-UY" dirty="0"/>
               <a:t>Ejecutar 4.4</a:t>
@@ -1651,7 +1871,7 @@
 </p:notes>
 </file>
 
-<file path=ppt/notesSlides/notesSlide17.xml><?xml version="1.0" encoding="utf-8"?>
+<file path=ppt/notesSlides/notesSlide19.xml><?xml version="1.0" encoding="utf-8"?>
 <p:notes xmlns:a="http://schemas.openxmlformats.org/drawingml/2006/main" xmlns:r="http://schemas.openxmlformats.org/officeDocument/2006/relationships" xmlns:p="http://schemas.openxmlformats.org/presentationml/2006/main" showMasterSp="0" showMasterPhAnim="0">
   <p:cSld>
     <p:spTree>
@@ -2183,45 +2403,15 @@
           </a:bodyPr>
           <a:lstStyle/>
           <a:p>
-            <a:pPr marL="0" marR="0" lvl="0" indent="0" algn="l" defTabSz="914400" rtl="0" eaLnBrk="1" fontAlgn="auto" latinLnBrk="0" hangingPunct="1">
-              <a:lnSpc>
-                <a:spcPct val="100000"/>
-              </a:lnSpc>
-              <a:spcBef>
-                <a:spcPts val="0"/>
-              </a:spcBef>
-              <a:spcAft>
-                <a:spcPts val="0"/>
-              </a:spcAft>
-              <a:buClr>
-                <a:srgbClr val="000000"/>
-              </a:buClr>
-              <a:buSzPts val="1100"/>
-              <a:buFont typeface="Arial"/>
-              <a:buNone/>
-              <a:tabLst/>
-              <a:defRPr/>
+            <a:pPr marL="0" lvl="0" indent="0" algn="l" rtl="0">
+              <a:spcBef>
+                <a:spcPts val="0"/>
+              </a:spcBef>
+              <a:spcAft>
+                <a:spcPts val="0"/>
+              </a:spcAft>
+              <a:buNone/>
             </a:pPr>
-            <a:r>
-              <a:rPr lang="es-ES" dirty="0"/>
-              <a:t>Tendrían que ser las 11.37</a:t>
-            </a:r>
-            <a:endParaRPr lang="es-UY" dirty="0"/>
-          </a:p>
-          <a:p>
-            <a:pPr marL="0" lvl="0" indent="0" algn="l" rtl="0">
-              <a:spcBef>
-                <a:spcPts val="0"/>
-              </a:spcBef>
-              <a:spcAft>
-                <a:spcPts val="0"/>
-              </a:spcAft>
-              <a:buNone/>
-            </a:pPr>
-            <a:r>
-              <a:rPr lang="es-UY" dirty="0"/>
-              <a:t>Hacer los scripts 1</a:t>
-            </a:r>
             <a:endParaRPr dirty="0"/>
           </a:p>
         </p:txBody>
@@ -2229,7 +2419,7 @@
     </p:spTree>
     <p:extLst>
       <p:ext uri="{BB962C8B-B14F-4D97-AF65-F5344CB8AC3E}">
-        <p14:creationId xmlns:p14="http://schemas.microsoft.com/office/powerpoint/2010/main" val="2938436754"/>
+        <p14:creationId xmlns:p14="http://schemas.microsoft.com/office/powerpoint/2010/main" val="22912070"/>
       </p:ext>
     </p:extLst>
   </p:cSld>
@@ -2331,10 +2521,6 @@
               </a:spcAft>
               <a:buNone/>
             </a:pPr>
-            <a:r>
-              <a:rPr lang="es-UY" dirty="0"/>
-              <a:t>Tendrían que ser las 11.42</a:t>
-            </a:r>
             <a:endParaRPr dirty="0"/>
           </a:p>
         </p:txBody>
@@ -2342,7 +2528,7 @@
     </p:spTree>
     <p:extLst>
       <p:ext uri="{BB962C8B-B14F-4D97-AF65-F5344CB8AC3E}">
-        <p14:creationId xmlns:p14="http://schemas.microsoft.com/office/powerpoint/2010/main" val="2085438383"/>
+        <p14:creationId xmlns:p14="http://schemas.microsoft.com/office/powerpoint/2010/main" val="4284757959"/>
       </p:ext>
     </p:extLst>
   </p:cSld>
@@ -2435,6 +2621,32 @@
           </a:bodyPr>
           <a:lstStyle/>
           <a:p>
+            <a:pPr marL="0" marR="0" lvl="0" indent="0" algn="l" defTabSz="914400" rtl="0" eaLnBrk="1" fontAlgn="auto" latinLnBrk="0" hangingPunct="1">
+              <a:lnSpc>
+                <a:spcPct val="100000"/>
+              </a:lnSpc>
+              <a:spcBef>
+                <a:spcPts val="0"/>
+              </a:spcBef>
+              <a:spcAft>
+                <a:spcPts val="0"/>
+              </a:spcAft>
+              <a:buClr>
+                <a:srgbClr val="000000"/>
+              </a:buClr>
+              <a:buSzPts val="1100"/>
+              <a:buFont typeface="Arial"/>
+              <a:buNone/>
+              <a:tabLst/>
+              <a:defRPr/>
+            </a:pPr>
+            <a:r>
+              <a:rPr lang="es-ES" dirty="0"/>
+              <a:t>Tendrían que ser las 11.37</a:t>
+            </a:r>
+            <a:endParaRPr lang="es-UY" dirty="0"/>
+          </a:p>
+          <a:p>
             <a:pPr marL="0" lvl="0" indent="0" algn="l" rtl="0">
               <a:spcBef>
                 <a:spcPts val="0"/>
@@ -2444,14 +2656,18 @@
               </a:spcAft>
               <a:buNone/>
             </a:pPr>
-            <a:endParaRPr/>
+            <a:r>
+              <a:rPr lang="es-UY" dirty="0"/>
+              <a:t>Hacer los scripts 1</a:t>
+            </a:r>
+            <a:endParaRPr dirty="0"/>
           </a:p>
         </p:txBody>
       </p:sp>
     </p:spTree>
     <p:extLst>
       <p:ext uri="{BB962C8B-B14F-4D97-AF65-F5344CB8AC3E}">
-        <p14:creationId xmlns:p14="http://schemas.microsoft.com/office/powerpoint/2010/main" val="2162253365"/>
+        <p14:creationId xmlns:p14="http://schemas.microsoft.com/office/powerpoint/2010/main" val="2938436754"/>
       </p:ext>
     </p:extLst>
   </p:cSld>
@@ -2553,14 +2769,18 @@
               </a:spcAft>
               <a:buNone/>
             </a:pPr>
-            <a:endParaRPr/>
+            <a:r>
+              <a:rPr lang="es-UY" dirty="0"/>
+              <a:t>Tendrían que ser las 11.42</a:t>
+            </a:r>
+            <a:endParaRPr dirty="0"/>
           </a:p>
         </p:txBody>
       </p:sp>
     </p:spTree>
     <p:extLst>
       <p:ext uri="{BB962C8B-B14F-4D97-AF65-F5344CB8AC3E}">
-        <p14:creationId xmlns:p14="http://schemas.microsoft.com/office/powerpoint/2010/main" val="1904549452"/>
+        <p14:creationId xmlns:p14="http://schemas.microsoft.com/office/powerpoint/2010/main" val="2085438383"/>
       </p:ext>
     </p:extLst>
   </p:cSld>
@@ -2669,7 +2889,7 @@
     </p:spTree>
     <p:extLst>
       <p:ext uri="{BB962C8B-B14F-4D97-AF65-F5344CB8AC3E}">
-        <p14:creationId xmlns:p14="http://schemas.microsoft.com/office/powerpoint/2010/main" val="3606199835"/>
+        <p14:creationId xmlns:p14="http://schemas.microsoft.com/office/powerpoint/2010/main" val="2162253365"/>
       </p:ext>
     </p:extLst>
   </p:cSld>
@@ -7785,7 +8005,7 @@
         <p:spPr>
           <a:xfrm>
             <a:off x="898050" y="1631899"/>
-            <a:ext cx="8122382" cy="2554545"/>
+            <a:ext cx="8122382" cy="2862322"/>
           </a:xfrm>
           <a:prstGeom prst="rect">
             <a:avLst/>
@@ -7798,46 +8018,15 @@
           <a:lstStyle/>
           <a:p>
             <a:r>
-              <a:rPr lang="es-UY" sz="2000" b="1" dirty="0" err="1">
-                <a:latin typeface="Rubik" panose="020B0604020202020204" charset="-79"/>
-                <a:cs typeface="Rubik" panose="020B0604020202020204" charset="-79"/>
-              </a:rPr>
-              <a:t>Queue</a:t>
-            </a:r>
-            <a:r>
               <a:rPr lang="es-UY" sz="2000" b="1" dirty="0">
                 <a:latin typeface="Rubik" panose="020B0604020202020204" charset="-79"/>
                 <a:cs typeface="Rubik" panose="020B0604020202020204" charset="-79"/>
               </a:rPr>
-              <a:t> </a:t>
-            </a:r>
-            <a:r>
-              <a:rPr lang="es-UY" sz="2000" b="1" dirty="0" err="1">
-                <a:latin typeface="Rubik" panose="020B0604020202020204" charset="-79"/>
-                <a:cs typeface="Rubik" panose="020B0604020202020204" charset="-79"/>
-              </a:rPr>
-              <a:t>internals</a:t>
-            </a:r>
-            <a:endParaRPr lang="es-UY" sz="2000" b="1" dirty="0">
-              <a:latin typeface="Rubik" panose="020B0604020202020204" charset="-79"/>
-              <a:cs typeface="Rubik" panose="020B0604020202020204" charset="-79"/>
-            </a:endParaRPr>
-          </a:p>
-          <a:p>
-            <a:pPr marL="457200" indent="-457200">
-              <a:buFont typeface="+mj-lt"/>
-              <a:buAutoNum type="arabicPeriod"/>
-            </a:pPr>
-            <a:r>
-              <a:rPr lang="es-UY" sz="2000" dirty="0">
-                <a:latin typeface="Rubik" panose="020B0604020202020204" charset="-79"/>
-                <a:cs typeface="Rubik" panose="020B0604020202020204" charset="-79"/>
-              </a:rPr>
-              <a:t>Cada mensajes es una fila de la tabla, contiene varias columnas</a:t>
-            </a:r>
-          </a:p>
-          <a:p>
-            <a:pPr marL="457200" lvl="1" indent="-457200">
+              <a:t>Contratos (CONTRACT)</a:t>
+            </a:r>
+          </a:p>
+          <a:p>
+            <a:pPr marL="342900" indent="-342900">
               <a:buFont typeface="Arial" panose="020B0604020202020204" pitchFamily="34" charset="0"/>
               <a:buChar char="•"/>
             </a:pPr>
@@ -7846,11 +8035,11 @@
                 <a:latin typeface="Rubik" panose="020B0604020202020204" charset="-79"/>
                 <a:cs typeface="Rubik" panose="020B0604020202020204" charset="-79"/>
               </a:rPr>
-              <a:t>El contenido del mensaje y su tipo</a:t>
-            </a:r>
-          </a:p>
-          <a:p>
-            <a:pPr marL="457200" lvl="1" indent="-457200">
+              <a:t>Define una operación del negocio y los tipos de mensajes que usará</a:t>
+            </a:r>
+          </a:p>
+          <a:p>
+            <a:pPr marL="342900" indent="-342900">
               <a:buFont typeface="Arial" panose="020B0604020202020204" pitchFamily="34" charset="0"/>
               <a:buChar char="•"/>
             </a:pPr>
@@ -7859,11 +8048,25 @@
                 <a:latin typeface="Rubik" panose="020B0604020202020204" charset="-79"/>
                 <a:cs typeface="Rubik" panose="020B0604020202020204" charset="-79"/>
               </a:rPr>
-              <a:t>Datos sobre su estado de validez</a:t>
-            </a:r>
-          </a:p>
-          <a:p>
-            <a:pPr marL="457200" lvl="1" indent="-457200">
+              <a:t>Define 2 roles, el </a:t>
+            </a:r>
+            <a:r>
+              <a:rPr lang="es-UY" sz="2000" dirty="0" err="1">
+                <a:latin typeface="Rubik" panose="020B0604020202020204" charset="-79"/>
+                <a:cs typeface="Rubik" panose="020B0604020202020204" charset="-79"/>
+              </a:rPr>
+              <a:t>iniciator</a:t>
+            </a:r>
+            <a:r>
+              <a:rPr lang="es-UY" sz="2000" dirty="0">
+                <a:latin typeface="Rubik" panose="020B0604020202020204" charset="-79"/>
+                <a:cs typeface="Rubik" panose="020B0604020202020204" charset="-79"/>
+              </a:rPr>
+              <a:t> que comienza una conversación y un target y los mensajes que cada rol usará </a:t>
+            </a:r>
+          </a:p>
+          <a:p>
+            <a:pPr marL="342900" indent="-342900">
               <a:buFont typeface="Arial" panose="020B0604020202020204" pitchFamily="34" charset="0"/>
               <a:buChar char="•"/>
             </a:pPr>
@@ -7872,71 +8075,26 @@
                 <a:latin typeface="Rubik" panose="020B0604020202020204" charset="-79"/>
                 <a:cs typeface="Rubik" panose="020B0604020202020204" charset="-79"/>
               </a:rPr>
-              <a:t>Conversación a la que el mensaje pertenece</a:t>
-            </a:r>
-          </a:p>
-          <a:p>
-            <a:pPr marL="457200" lvl="1" indent="-457200">
+              <a:t>Más de un contrato puede usar el mismo tipo de mensajes</a:t>
+            </a:r>
+          </a:p>
+          <a:p>
+            <a:pPr marL="342900" indent="-342900">
               <a:buFont typeface="Arial" panose="020B0604020202020204" pitchFamily="34" charset="0"/>
               <a:buChar char="•"/>
             </a:pPr>
             <a:r>
-              <a:rPr lang="es-UY" sz="2000" dirty="0" err="1">
-                <a:latin typeface="Rubik" panose="020B0604020202020204" charset="-79"/>
-                <a:cs typeface="Rubik" panose="020B0604020202020204" charset="-79"/>
-              </a:rPr>
-              <a:t>Servicioy</a:t>
-            </a:r>
-            <a:r>
               <a:rPr lang="es-UY" sz="2000" dirty="0">
                 <a:latin typeface="Rubik" panose="020B0604020202020204" charset="-79"/>
                 <a:cs typeface="Rubik" panose="020B0604020202020204" charset="-79"/>
               </a:rPr>
-              <a:t> contrato vinculados con el mensaje</a:t>
-            </a:r>
-          </a:p>
-          <a:p>
-            <a:pPr marL="457200" lvl="1" indent="-457200">
-              <a:buFont typeface="Arial" panose="020B0604020202020204" pitchFamily="34" charset="0"/>
-              <a:buChar char="•"/>
-            </a:pPr>
-            <a:r>
-              <a:rPr lang="es-UY" sz="2000" dirty="0">
-                <a:latin typeface="Rubik" panose="020B0604020202020204" charset="-79"/>
-                <a:cs typeface="Rubik" panose="020B0604020202020204" charset="-79"/>
-              </a:rPr>
-              <a:t>Información interna de la </a:t>
-            </a:r>
-            <a:r>
-              <a:rPr lang="es-UY" sz="2000" dirty="0" err="1">
-                <a:latin typeface="Rubik" panose="020B0604020202020204" charset="-79"/>
-                <a:cs typeface="Rubik" panose="020B0604020202020204" charset="-79"/>
-              </a:rPr>
-              <a:t>la</a:t>
-            </a:r>
-            <a:r>
-              <a:rPr lang="es-UY" sz="2000" dirty="0">
-                <a:latin typeface="Rubik" panose="020B0604020202020204" charset="-79"/>
-                <a:cs typeface="Rubik" panose="020B0604020202020204" charset="-79"/>
-              </a:rPr>
-              <a:t> </a:t>
-            </a:r>
-            <a:r>
-              <a:rPr lang="es-UY" sz="2000" dirty="0" err="1">
-                <a:latin typeface="Rubik" panose="020B0604020202020204" charset="-79"/>
-                <a:cs typeface="Rubik" panose="020B0604020202020204" charset="-79"/>
-              </a:rPr>
-              <a:t>queue</a:t>
-            </a:r>
-            <a:endParaRPr lang="es-UY" sz="2000" dirty="0">
-              <a:latin typeface="Rubik" panose="020B0604020202020204" charset="-79"/>
-              <a:cs typeface="Rubik" panose="020B0604020202020204" charset="-79"/>
-            </a:endParaRPr>
-          </a:p>
-          <a:p>
-            <a:pPr marL="342900" indent="-342900">
-              <a:buFont typeface="Arial" panose="020B0604020202020204" pitchFamily="34" charset="0"/>
-              <a:buChar char="•"/>
+              <a:t>Son inmutables y se deben crear nuevos en caso de querer cambiar la lógica del mismo</a:t>
+            </a:r>
+          </a:p>
+          <a:p>
+            <a:pPr marL="342900" lvl="1" indent="-342900">
+              <a:buFontTx/>
+              <a:buChar char="-"/>
             </a:pPr>
             <a:endParaRPr lang="es-UY" sz="2000" dirty="0">
               <a:latin typeface="Rubik" panose="020B0604020202020204" charset="-79"/>
@@ -7948,7 +8106,7 @@
     </p:spTree>
     <p:extLst>
       <p:ext uri="{BB962C8B-B14F-4D97-AF65-F5344CB8AC3E}">
-        <p14:creationId xmlns:p14="http://schemas.microsoft.com/office/powerpoint/2010/main" val="1918279518"/>
+        <p14:creationId xmlns:p14="http://schemas.microsoft.com/office/powerpoint/2010/main" val="4010858987"/>
       </p:ext>
     </p:extLst>
   </p:cSld>
@@ -8116,7 +8274,7 @@
         <p:spPr>
           <a:xfrm>
             <a:off x="898050" y="1631899"/>
-            <a:ext cx="8122382" cy="2862322"/>
+            <a:ext cx="8122382" cy="1938992"/>
           </a:xfrm>
           <a:prstGeom prst="rect">
             <a:avLst/>
@@ -8129,87 +8287,82 @@
           <a:lstStyle/>
           <a:p>
             <a:r>
+              <a:rPr lang="es-UY" sz="2000" b="1" dirty="0" err="1">
+                <a:latin typeface="Rubik" panose="020B0604020202020204" charset="-79"/>
+                <a:cs typeface="Rubik" panose="020B0604020202020204" charset="-79"/>
+              </a:rPr>
+              <a:t>Queues</a:t>
+            </a:r>
+            <a:r>
               <a:rPr lang="es-UY" sz="2000" b="1" dirty="0">
                 <a:latin typeface="Rubik" panose="020B0604020202020204" charset="-79"/>
                 <a:cs typeface="Rubik" panose="020B0604020202020204" charset="-79"/>
               </a:rPr>
-              <a:t>Procesando mensajes</a:t>
-            </a:r>
+              <a:t> (Colas)</a:t>
+            </a:r>
+          </a:p>
+          <a:p>
+            <a:pPr marL="342900" indent="-342900">
+              <a:buFont typeface="Arial" panose="020B0604020202020204" pitchFamily="34" charset="0"/>
+              <a:buChar char="•"/>
+            </a:pPr>
+            <a:r>
+              <a:rPr lang="es-UY" sz="2000" dirty="0">
+                <a:latin typeface="Rubik" panose="020B0604020202020204" charset="-79"/>
+                <a:cs typeface="Rubik" panose="020B0604020202020204" charset="-79"/>
+              </a:rPr>
+              <a:t>Almacenan los mensajes que serán procesados por SSB</a:t>
+            </a:r>
+          </a:p>
+          <a:p>
+            <a:pPr marL="342900" indent="-342900">
+              <a:buFont typeface="Arial" panose="020B0604020202020204" pitchFamily="34" charset="0"/>
+              <a:buChar char="•"/>
+            </a:pPr>
+            <a:r>
+              <a:rPr lang="es-UY" sz="2000" dirty="0" err="1">
+                <a:latin typeface="Rubik" panose="020B0604020202020204" charset="-79"/>
+                <a:cs typeface="Rubik" panose="020B0604020202020204" charset="-79"/>
+              </a:rPr>
+              <a:t>Almacenandos</a:t>
+            </a:r>
+            <a:r>
+              <a:rPr lang="es-UY" sz="2000" dirty="0">
+                <a:latin typeface="Rubik" panose="020B0604020202020204" charset="-79"/>
+                <a:cs typeface="Rubik" panose="020B0604020202020204" charset="-79"/>
+              </a:rPr>
+              <a:t> en la base como tablas internas, cuentan con vistas para consultar su contenido</a:t>
+            </a:r>
+          </a:p>
+          <a:p>
+            <a:pPr marL="342900" indent="-342900">
+              <a:buFont typeface="Arial" panose="020B0604020202020204" pitchFamily="34" charset="0"/>
+              <a:buChar char="•"/>
+            </a:pPr>
+            <a:r>
+              <a:rPr lang="es-UY" sz="2000" dirty="0">
+                <a:latin typeface="Rubik" panose="020B0604020202020204" charset="-79"/>
+                <a:cs typeface="Rubik" panose="020B0604020202020204" charset="-79"/>
+              </a:rPr>
+              <a:t>Los servicios son asociados a una sola cola</a:t>
+            </a:r>
+          </a:p>
+          <a:p>
+            <a:pPr marL="342900" indent="-342900">
+              <a:buFont typeface="Arial" panose="020B0604020202020204" pitchFamily="34" charset="0"/>
+              <a:buChar char="•"/>
+            </a:pPr>
             <a:endParaRPr lang="es-UY" sz="2000" dirty="0">
               <a:latin typeface="Rubik" panose="020B0604020202020204" charset="-79"/>
               <a:cs typeface="Rubik" panose="020B0604020202020204" charset="-79"/>
             </a:endParaRPr>
-          </a:p>
-          <a:p>
-            <a:r>
-              <a:rPr lang="es-UY" sz="2000" dirty="0">
-                <a:latin typeface="Rubik" panose="020B0604020202020204" charset="-79"/>
-                <a:cs typeface="Rubik" panose="020B0604020202020204" charset="-79"/>
-              </a:rPr>
-              <a:t>Se reciben con el comando RECIVE los mensajes de la cola para procesar transaccionalmente</a:t>
-            </a:r>
-          </a:p>
-          <a:p>
-            <a:r>
-              <a:rPr lang="es-UY" sz="2000" dirty="0">
-                <a:latin typeface="Rubik" panose="020B0604020202020204" charset="-79"/>
-                <a:cs typeface="Rubik" panose="020B0604020202020204" charset="-79"/>
-              </a:rPr>
-              <a:t>Todos los mensajes de una conversación pueden ser procesados a la vez</a:t>
-            </a:r>
-          </a:p>
-          <a:p>
-            <a:r>
-              <a:rPr lang="es-UY" sz="2000" dirty="0">
-                <a:latin typeface="Rubik" panose="020B0604020202020204" charset="-79"/>
-                <a:cs typeface="Rubik" panose="020B0604020202020204" charset="-79"/>
-              </a:rPr>
-              <a:t>La cola entrega los mensajes en el mismo orden que fueron recibidos</a:t>
-            </a:r>
-          </a:p>
-          <a:p>
-            <a:r>
-              <a:rPr lang="es-UY" sz="2000" dirty="0">
-                <a:latin typeface="Rubik" panose="020B0604020202020204" charset="-79"/>
-                <a:cs typeface="Rubik" panose="020B0604020202020204" charset="-79"/>
-              </a:rPr>
-              <a:t>Se puede usar un store </a:t>
-            </a:r>
-            <a:r>
-              <a:rPr lang="es-UY" sz="2000" dirty="0" err="1">
-                <a:latin typeface="Rubik" panose="020B0604020202020204" charset="-79"/>
-                <a:cs typeface="Rubik" panose="020B0604020202020204" charset="-79"/>
-              </a:rPr>
-              <a:t>procedure</a:t>
-            </a:r>
-            <a:r>
-              <a:rPr lang="es-UY" sz="2000" dirty="0">
-                <a:latin typeface="Rubik" panose="020B0604020202020204" charset="-79"/>
-                <a:cs typeface="Rubik" panose="020B0604020202020204" charset="-79"/>
-              </a:rPr>
-              <a:t> para la activación </a:t>
-            </a:r>
-            <a:r>
-              <a:rPr lang="es-UY" sz="2000" dirty="0" err="1">
-                <a:latin typeface="Rubik" panose="020B0604020202020204" charset="-79"/>
-                <a:cs typeface="Rubik" panose="020B0604020202020204" charset="-79"/>
-              </a:rPr>
-              <a:t>intera</a:t>
-            </a:r>
-            <a:r>
-              <a:rPr lang="es-UY" sz="2000" dirty="0">
-                <a:latin typeface="Rubik" panose="020B0604020202020204" charset="-79"/>
-                <a:cs typeface="Rubik" panose="020B0604020202020204" charset="-79"/>
-              </a:rPr>
-              <a:t> (procesado automático)</a:t>
-            </a:r>
           </a:p>
         </p:txBody>
       </p:sp>
     </p:spTree>
     <p:extLst>
       <p:ext uri="{BB962C8B-B14F-4D97-AF65-F5344CB8AC3E}">
-        <p14:creationId xmlns:p14="http://schemas.microsoft.com/office/powerpoint/2010/main" val="3562383942"/>
+        <p14:creationId xmlns:p14="http://schemas.microsoft.com/office/powerpoint/2010/main" val="1075234714"/>
       </p:ext>
     </p:extLst>
   </p:cSld>
@@ -8377,7 +8530,7 @@
         <p:spPr>
           <a:xfrm>
             <a:off x="898050" y="1631899"/>
-            <a:ext cx="8122382" cy="2246769"/>
+            <a:ext cx="8122382" cy="2554545"/>
           </a:xfrm>
           <a:prstGeom prst="rect">
             <a:avLst/>
@@ -8390,11 +8543,135 @@
           <a:lstStyle/>
           <a:p>
             <a:r>
+              <a:rPr lang="es-UY" sz="2000" b="1" dirty="0" err="1">
+                <a:latin typeface="Rubik" panose="020B0604020202020204" charset="-79"/>
+                <a:cs typeface="Rubik" panose="020B0604020202020204" charset="-79"/>
+              </a:rPr>
+              <a:t>Queue</a:t>
+            </a:r>
+            <a:r>
               <a:rPr lang="es-UY" sz="2000" b="1" dirty="0">
                 <a:latin typeface="Rubik" panose="020B0604020202020204" charset="-79"/>
                 <a:cs typeface="Rubik" panose="020B0604020202020204" charset="-79"/>
               </a:rPr>
-              <a:t>Servicios (SERVICE)</a:t>
+              <a:t> </a:t>
+            </a:r>
+            <a:r>
+              <a:rPr lang="es-UY" sz="2000" b="1" dirty="0" err="1">
+                <a:latin typeface="Rubik" panose="020B0604020202020204" charset="-79"/>
+                <a:cs typeface="Rubik" panose="020B0604020202020204" charset="-79"/>
+              </a:rPr>
+              <a:t>internals</a:t>
+            </a:r>
+            <a:endParaRPr lang="es-UY" sz="2000" b="1" dirty="0">
+              <a:latin typeface="Rubik" panose="020B0604020202020204" charset="-79"/>
+              <a:cs typeface="Rubik" panose="020B0604020202020204" charset="-79"/>
+            </a:endParaRPr>
+          </a:p>
+          <a:p>
+            <a:pPr marL="457200" indent="-457200">
+              <a:buFont typeface="+mj-lt"/>
+              <a:buAutoNum type="arabicPeriod"/>
+            </a:pPr>
+            <a:r>
+              <a:rPr lang="es-UY" sz="2000" dirty="0">
+                <a:latin typeface="Rubik" panose="020B0604020202020204" charset="-79"/>
+                <a:cs typeface="Rubik" panose="020B0604020202020204" charset="-79"/>
+              </a:rPr>
+              <a:t>Cada mensajes es una fila de la tabla, contiene varias columnas</a:t>
+            </a:r>
+          </a:p>
+          <a:p>
+            <a:pPr marL="457200" lvl="1" indent="-457200">
+              <a:buFont typeface="Arial" panose="020B0604020202020204" pitchFamily="34" charset="0"/>
+              <a:buChar char="•"/>
+            </a:pPr>
+            <a:r>
+              <a:rPr lang="es-UY" sz="2000" dirty="0">
+                <a:latin typeface="Rubik" panose="020B0604020202020204" charset="-79"/>
+                <a:cs typeface="Rubik" panose="020B0604020202020204" charset="-79"/>
+              </a:rPr>
+              <a:t>El contenido del mensaje y su tipo</a:t>
+            </a:r>
+          </a:p>
+          <a:p>
+            <a:pPr marL="457200" lvl="1" indent="-457200">
+              <a:buFont typeface="Arial" panose="020B0604020202020204" pitchFamily="34" charset="0"/>
+              <a:buChar char="•"/>
+            </a:pPr>
+            <a:r>
+              <a:rPr lang="es-UY" sz="2000" dirty="0">
+                <a:latin typeface="Rubik" panose="020B0604020202020204" charset="-79"/>
+                <a:cs typeface="Rubik" panose="020B0604020202020204" charset="-79"/>
+              </a:rPr>
+              <a:t>Datos sobre su estado de validez</a:t>
+            </a:r>
+          </a:p>
+          <a:p>
+            <a:pPr marL="457200" lvl="1" indent="-457200">
+              <a:buFont typeface="Arial" panose="020B0604020202020204" pitchFamily="34" charset="0"/>
+              <a:buChar char="•"/>
+            </a:pPr>
+            <a:r>
+              <a:rPr lang="es-UY" sz="2000" dirty="0">
+                <a:latin typeface="Rubik" panose="020B0604020202020204" charset="-79"/>
+                <a:cs typeface="Rubik" panose="020B0604020202020204" charset="-79"/>
+              </a:rPr>
+              <a:t>Conversación a la que el mensaje pertenece</a:t>
+            </a:r>
+          </a:p>
+          <a:p>
+            <a:pPr marL="457200" lvl="1" indent="-457200">
+              <a:buFont typeface="Arial" panose="020B0604020202020204" pitchFamily="34" charset="0"/>
+              <a:buChar char="•"/>
+            </a:pPr>
+            <a:r>
+              <a:rPr lang="es-UY" sz="2000" dirty="0" err="1">
+                <a:latin typeface="Rubik" panose="020B0604020202020204" charset="-79"/>
+                <a:cs typeface="Rubik" panose="020B0604020202020204" charset="-79"/>
+              </a:rPr>
+              <a:t>Servicioy</a:t>
+            </a:r>
+            <a:r>
+              <a:rPr lang="es-UY" sz="2000" dirty="0">
+                <a:latin typeface="Rubik" panose="020B0604020202020204" charset="-79"/>
+                <a:cs typeface="Rubik" panose="020B0604020202020204" charset="-79"/>
+              </a:rPr>
+              <a:t> contrato vinculados con el mensaje</a:t>
+            </a:r>
+          </a:p>
+          <a:p>
+            <a:pPr marL="457200" lvl="1" indent="-457200">
+              <a:buFont typeface="Arial" panose="020B0604020202020204" pitchFamily="34" charset="0"/>
+              <a:buChar char="•"/>
+            </a:pPr>
+            <a:r>
+              <a:rPr lang="es-UY" sz="2000" dirty="0">
+                <a:latin typeface="Rubik" panose="020B0604020202020204" charset="-79"/>
+                <a:cs typeface="Rubik" panose="020B0604020202020204" charset="-79"/>
+              </a:rPr>
+              <a:t>Información interna de la </a:t>
+            </a:r>
+            <a:r>
+              <a:rPr lang="es-UY" sz="2000" dirty="0" err="1">
+                <a:latin typeface="Rubik" panose="020B0604020202020204" charset="-79"/>
+                <a:cs typeface="Rubik" panose="020B0604020202020204" charset="-79"/>
+              </a:rPr>
+              <a:t>la</a:t>
+            </a:r>
+            <a:r>
+              <a:rPr lang="es-UY" sz="2000" dirty="0">
+                <a:latin typeface="Rubik" panose="020B0604020202020204" charset="-79"/>
+                <a:cs typeface="Rubik" panose="020B0604020202020204" charset="-79"/>
+              </a:rPr>
+              <a:t> </a:t>
+            </a:r>
+            <a:r>
+              <a:rPr lang="es-UY" sz="2000" dirty="0" err="1">
+                <a:latin typeface="Rubik" panose="020B0604020202020204" charset="-79"/>
+                <a:cs typeface="Rubik" panose="020B0604020202020204" charset="-79"/>
+              </a:rPr>
+              <a:t>queue</a:t>
             </a:r>
             <a:endParaRPr lang="es-UY" sz="2000" dirty="0">
               <a:latin typeface="Rubik" panose="020B0604020202020204" charset="-79"/>
@@ -8402,65 +8679,21 @@
             </a:endParaRPr>
           </a:p>
           <a:p>
-            <a:r>
-              <a:rPr lang="es-UY" sz="2000" dirty="0">
-                <a:latin typeface="Rubik" panose="020B0604020202020204" charset="-79"/>
-                <a:cs typeface="Rubik" panose="020B0604020202020204" charset="-79"/>
-              </a:rPr>
-              <a:t>Es el nombre de una operación que queremos que SSB resuelva</a:t>
-            </a:r>
-          </a:p>
-          <a:p>
-            <a:r>
-              <a:rPr lang="es-UY" sz="2000" dirty="0">
-                <a:latin typeface="Rubik" panose="020B0604020202020204" charset="-79"/>
-                <a:cs typeface="Rubik" panose="020B0604020202020204" charset="-79"/>
-              </a:rPr>
-              <a:t>Entregan mensajes a la cola correcta dentro de la base de datos</a:t>
-            </a:r>
-          </a:p>
-          <a:p>
-            <a:r>
-              <a:rPr lang="es-UY" sz="2000" dirty="0">
-                <a:latin typeface="Rubik" panose="020B0604020202020204" charset="-79"/>
-                <a:cs typeface="Rubik" panose="020B0604020202020204" charset="-79"/>
-              </a:rPr>
-              <a:t>Rutea mensajes entre el INICIATOR y el TARGET</a:t>
-            </a:r>
-          </a:p>
-          <a:p>
-            <a:r>
-              <a:rPr lang="es-UY" sz="2000" dirty="0">
-                <a:latin typeface="Rubik" panose="020B0604020202020204" charset="-79"/>
-                <a:cs typeface="Rubik" panose="020B0604020202020204" charset="-79"/>
-              </a:rPr>
-              <a:t>Determina los requisitos de seguridad para las conversaciones</a:t>
-            </a:r>
-          </a:p>
-          <a:p>
-            <a:r>
-              <a:rPr lang="es-UY" sz="2000" dirty="0">
-                <a:latin typeface="Rubik" panose="020B0604020202020204" charset="-79"/>
-                <a:cs typeface="Rubik" panose="020B0604020202020204" charset="-79"/>
-              </a:rPr>
-              <a:t>Cumple los contratos definidos para cada conversación </a:t>
-            </a:r>
-          </a:p>
-          <a:p>
-            <a:r>
-              <a:rPr lang="es-UY" sz="2000" dirty="0">
-                <a:latin typeface="Rubik" panose="020B0604020202020204" charset="-79"/>
-                <a:cs typeface="Rubik" panose="020B0604020202020204" charset="-79"/>
-              </a:rPr>
-              <a:t>Se vincula con colas especificas para almacenar los mensajes</a:t>
-            </a:r>
+            <a:pPr marL="342900" indent="-342900">
+              <a:buFont typeface="Arial" panose="020B0604020202020204" pitchFamily="34" charset="0"/>
+              <a:buChar char="•"/>
+            </a:pPr>
+            <a:endParaRPr lang="es-UY" sz="2000" dirty="0">
+              <a:latin typeface="Rubik" panose="020B0604020202020204" charset="-79"/>
+              <a:cs typeface="Rubik" panose="020B0604020202020204" charset="-79"/>
+            </a:endParaRPr>
           </a:p>
         </p:txBody>
       </p:sp>
     </p:spTree>
     <p:extLst>
       <p:ext uri="{BB962C8B-B14F-4D97-AF65-F5344CB8AC3E}">
-        <p14:creationId xmlns:p14="http://schemas.microsoft.com/office/powerpoint/2010/main" val="2799744423"/>
+        <p14:creationId xmlns:p14="http://schemas.microsoft.com/office/powerpoint/2010/main" val="1918279518"/>
       </p:ext>
     </p:extLst>
   </p:cSld>
@@ -8560,7 +8793,7 @@
           <p:cNvPr id="5" name="Google Shape;63;p14">
             <a:extLst>
               <a:ext uri="{FF2B5EF4-FFF2-40B4-BE49-F238E27FC236}">
-                <a16:creationId xmlns:a16="http://schemas.microsoft.com/office/drawing/2014/main" id="{C4CC480C-2534-4FC5-80F0-7093791A6BBF}"/>
+                <a16:creationId xmlns:a16="http://schemas.microsoft.com/office/drawing/2014/main" id="{9BD71C27-8A6F-4A61-93B7-6C48B6CD1C83}"/>
               </a:ext>
             </a:extLst>
           </p:cNvPr>
@@ -8586,7 +8819,6 @@
           </a:bodyPr>
           <a:lstStyle/>
           <a:p>
-            <a:pPr lvl="0"/>
             <a:r>
               <a:rPr lang="es-ES" sz="3600" dirty="0">
                 <a:solidFill>
@@ -8597,7 +8829,124 @@
                 <a:cs typeface="Rubik"/>
                 <a:sym typeface="Rubik"/>
               </a:rPr>
-              <a:t>Probando todas las partes</a:t>
+              <a:t>Arquitectura y componentes</a:t>
+            </a:r>
+          </a:p>
+          <a:p>
+            <a:pPr lvl="0"/>
+            <a:endParaRPr lang="es-ES" sz="3600" dirty="0">
+              <a:solidFill>
+                <a:schemeClr val="tx1"/>
+              </a:solidFill>
+              <a:latin typeface="Rubik"/>
+              <a:ea typeface="Rubik"/>
+              <a:cs typeface="Rubik"/>
+              <a:sym typeface="Rubik"/>
+            </a:endParaRPr>
+          </a:p>
+        </p:txBody>
+      </p:sp>
+      <p:sp>
+        <p:nvSpPr>
+          <p:cNvPr id="3" name="Rectangle 2">
+            <a:extLst>
+              <a:ext uri="{FF2B5EF4-FFF2-40B4-BE49-F238E27FC236}">
+                <a16:creationId xmlns:a16="http://schemas.microsoft.com/office/drawing/2014/main" id="{9319EC8B-A2B9-450A-8D6F-D4A4096CDD00}"/>
+              </a:ext>
+            </a:extLst>
+          </p:cNvPr>
+          <p:cNvSpPr/>
+          <p:nvPr/>
+        </p:nvSpPr>
+        <p:spPr>
+          <a:xfrm>
+            <a:off x="898050" y="1631899"/>
+            <a:ext cx="8122382" cy="2862322"/>
+          </a:xfrm>
+          <a:prstGeom prst="rect">
+            <a:avLst/>
+          </a:prstGeom>
+        </p:spPr>
+        <p:txBody>
+          <a:bodyPr wrap="square">
+            <a:spAutoFit/>
+          </a:bodyPr>
+          <a:lstStyle/>
+          <a:p>
+            <a:r>
+              <a:rPr lang="es-UY" sz="2000" b="1" dirty="0">
+                <a:latin typeface="Rubik" panose="020B0604020202020204" charset="-79"/>
+                <a:cs typeface="Rubik" panose="020B0604020202020204" charset="-79"/>
+              </a:rPr>
+              <a:t>Procesando mensajes</a:t>
+            </a:r>
+            <a:endParaRPr lang="es-UY" sz="2000" dirty="0">
+              <a:latin typeface="Rubik" panose="020B0604020202020204" charset="-79"/>
+              <a:cs typeface="Rubik" panose="020B0604020202020204" charset="-79"/>
+            </a:endParaRPr>
+          </a:p>
+          <a:p>
+            <a:r>
+              <a:rPr lang="es-UY" sz="2000" dirty="0">
+                <a:latin typeface="Rubik" panose="020B0604020202020204" charset="-79"/>
+                <a:cs typeface="Rubik" panose="020B0604020202020204" charset="-79"/>
+              </a:rPr>
+              <a:t>Se reciben con el comando RECIVE los mensajes de la cola para procesar transaccionalmente</a:t>
+            </a:r>
+          </a:p>
+          <a:p>
+            <a:r>
+              <a:rPr lang="es-UY" sz="2000" dirty="0">
+                <a:latin typeface="Rubik" panose="020B0604020202020204" charset="-79"/>
+                <a:cs typeface="Rubik" panose="020B0604020202020204" charset="-79"/>
+              </a:rPr>
+              <a:t>Todos los mensajes de una conversación pueden ser procesados a la vez</a:t>
+            </a:r>
+          </a:p>
+          <a:p>
+            <a:r>
+              <a:rPr lang="es-UY" sz="2000" dirty="0">
+                <a:latin typeface="Rubik" panose="020B0604020202020204" charset="-79"/>
+                <a:cs typeface="Rubik" panose="020B0604020202020204" charset="-79"/>
+              </a:rPr>
+              <a:t>La cola entrega los mensajes en el mismo orden que fueron recibidos</a:t>
+            </a:r>
+          </a:p>
+          <a:p>
+            <a:r>
+              <a:rPr lang="es-UY" sz="2000" dirty="0">
+                <a:latin typeface="Rubik" panose="020B0604020202020204" charset="-79"/>
+                <a:cs typeface="Rubik" panose="020B0604020202020204" charset="-79"/>
+              </a:rPr>
+              <a:t>Se puede usar un store </a:t>
+            </a:r>
+            <a:r>
+              <a:rPr lang="es-UY" sz="2000" dirty="0" err="1">
+                <a:latin typeface="Rubik" panose="020B0604020202020204" charset="-79"/>
+                <a:cs typeface="Rubik" panose="020B0604020202020204" charset="-79"/>
+              </a:rPr>
+              <a:t>procedure</a:t>
+            </a:r>
+            <a:r>
+              <a:rPr lang="es-UY" sz="2000" dirty="0">
+                <a:latin typeface="Rubik" panose="020B0604020202020204" charset="-79"/>
+                <a:cs typeface="Rubik" panose="020B0604020202020204" charset="-79"/>
+              </a:rPr>
+              <a:t> para la activación </a:t>
+            </a:r>
+            <a:r>
+              <a:rPr lang="es-UY" sz="2000" dirty="0" err="1">
+                <a:latin typeface="Rubik" panose="020B0604020202020204" charset="-79"/>
+                <a:cs typeface="Rubik" panose="020B0604020202020204" charset="-79"/>
+              </a:rPr>
+              <a:t>intera</a:t>
+            </a:r>
+            <a:r>
+              <a:rPr lang="es-UY" sz="2000" dirty="0">
+                <a:latin typeface="Rubik" panose="020B0604020202020204" charset="-79"/>
+                <a:cs typeface="Rubik" panose="020B0604020202020204" charset="-79"/>
+              </a:rPr>
+              <a:t> (procesado automático)</a:t>
             </a:r>
           </a:p>
         </p:txBody>
@@ -8605,7 +8954,7 @@
     </p:spTree>
     <p:extLst>
       <p:ext uri="{BB962C8B-B14F-4D97-AF65-F5344CB8AC3E}">
-        <p14:creationId xmlns:p14="http://schemas.microsoft.com/office/powerpoint/2010/main" val="4238796120"/>
+        <p14:creationId xmlns:p14="http://schemas.microsoft.com/office/powerpoint/2010/main" val="3562383942"/>
       </p:ext>
     </p:extLst>
   </p:cSld>
@@ -8668,7 +9017,7 @@
               </a:spcAft>
               <a:buNone/>
             </a:pPr>
-            <a:endParaRPr dirty="0"/>
+            <a:endParaRPr/>
           </a:p>
         </p:txBody>
       </p:sp>
@@ -8702,242 +9051,10 @@
       </p:pic>
       <p:sp>
         <p:nvSpPr>
-          <p:cNvPr id="2" name="Rectangle: Rounded Corners 1">
+          <p:cNvPr id="5" name="Google Shape;63;p14">
             <a:extLst>
               <a:ext uri="{FF2B5EF4-FFF2-40B4-BE49-F238E27FC236}">
-                <a16:creationId xmlns:a16="http://schemas.microsoft.com/office/drawing/2014/main" id="{10B86F81-E85F-48CF-8E84-98CC4F723D40}"/>
-              </a:ext>
-            </a:extLst>
-          </p:cNvPr>
-          <p:cNvSpPr/>
-          <p:nvPr/>
-        </p:nvSpPr>
-        <p:spPr>
-          <a:xfrm>
-            <a:off x="948134" y="3388524"/>
-            <a:ext cx="2279809" cy="1085573"/>
-          </a:xfrm>
-          <a:prstGeom prst="roundRect">
-            <a:avLst/>
-          </a:prstGeom>
-          <a:solidFill>
-            <a:srgbClr val="4883F6"/>
-          </a:solidFill>
-          <a:ln>
-            <a:solidFill>
-              <a:srgbClr val="1D116E"/>
-            </a:solidFill>
-          </a:ln>
-        </p:spPr>
-        <p:style>
-          <a:lnRef idx="2">
-            <a:schemeClr val="accent1">
-              <a:shade val="50000"/>
-            </a:schemeClr>
-          </a:lnRef>
-          <a:fillRef idx="1">
-            <a:schemeClr val="accent1"/>
-          </a:fillRef>
-          <a:effectRef idx="0">
-            <a:schemeClr val="accent1"/>
-          </a:effectRef>
-          <a:fontRef idx="minor">
-            <a:schemeClr val="lt1"/>
-          </a:fontRef>
-        </p:style>
-        <p:txBody>
-          <a:bodyPr rtlCol="0" anchor="ctr"/>
-          <a:lstStyle/>
-          <a:p>
-            <a:pPr algn="ctr"/>
-            <a:r>
-              <a:rPr lang="es-UY" sz="1800" dirty="0"/>
-              <a:t>Están las colas habilitadas?</a:t>
-            </a:r>
-            <a:endParaRPr lang="en-US" sz="1800" dirty="0"/>
-          </a:p>
-        </p:txBody>
-      </p:sp>
-      <p:sp>
-        <p:nvSpPr>
-          <p:cNvPr id="6" name="Rectangle: Rounded Corners 5">
-            <a:extLst>
-              <a:ext uri="{FF2B5EF4-FFF2-40B4-BE49-F238E27FC236}">
-                <a16:creationId xmlns:a16="http://schemas.microsoft.com/office/drawing/2014/main" id="{54555EAA-BB18-4FA6-93C8-9DDC2683EF65}"/>
-              </a:ext>
-            </a:extLst>
-          </p:cNvPr>
-          <p:cNvSpPr/>
-          <p:nvPr/>
-        </p:nvSpPr>
-        <p:spPr>
-          <a:xfrm>
-            <a:off x="948133" y="1517468"/>
-            <a:ext cx="2279810" cy="1085573"/>
-          </a:xfrm>
-          <a:prstGeom prst="roundRect">
-            <a:avLst/>
-          </a:prstGeom>
-          <a:solidFill>
-            <a:srgbClr val="4883F6"/>
-          </a:solidFill>
-          <a:ln>
-            <a:solidFill>
-              <a:srgbClr val="1D116E"/>
-            </a:solidFill>
-          </a:ln>
-        </p:spPr>
-        <p:style>
-          <a:lnRef idx="2">
-            <a:schemeClr val="accent1">
-              <a:shade val="50000"/>
-            </a:schemeClr>
-          </a:lnRef>
-          <a:fillRef idx="1">
-            <a:schemeClr val="accent1"/>
-          </a:fillRef>
-          <a:effectRef idx="0">
-            <a:schemeClr val="accent1"/>
-          </a:effectRef>
-          <a:fontRef idx="minor">
-            <a:schemeClr val="lt1"/>
-          </a:fontRef>
-        </p:style>
-        <p:txBody>
-          <a:bodyPr rtlCol="0" anchor="ctr"/>
-          <a:lstStyle/>
-          <a:p>
-            <a:pPr algn="ctr"/>
-            <a:r>
-              <a:rPr lang="es-UY" sz="1800" dirty="0"/>
-              <a:t>Hay algún error en el log?</a:t>
-            </a:r>
-            <a:endParaRPr lang="en-US" sz="1800" dirty="0"/>
-          </a:p>
-        </p:txBody>
-      </p:sp>
-      <p:sp>
-        <p:nvSpPr>
-          <p:cNvPr id="7" name="Rectangle: Rounded Corners 6">
-            <a:extLst>
-              <a:ext uri="{FF2B5EF4-FFF2-40B4-BE49-F238E27FC236}">
-                <a16:creationId xmlns:a16="http://schemas.microsoft.com/office/drawing/2014/main" id="{CFA94ED0-4B81-4ED2-B7A8-2F092A76E97E}"/>
-              </a:ext>
-            </a:extLst>
-          </p:cNvPr>
-          <p:cNvSpPr/>
-          <p:nvPr/>
-        </p:nvSpPr>
-        <p:spPr>
-          <a:xfrm>
-            <a:off x="4776150" y="3388523"/>
-            <a:ext cx="2279810" cy="1085573"/>
-          </a:xfrm>
-          <a:prstGeom prst="roundRect">
-            <a:avLst/>
-          </a:prstGeom>
-          <a:solidFill>
-            <a:srgbClr val="4883F6"/>
-          </a:solidFill>
-          <a:ln>
-            <a:solidFill>
-              <a:srgbClr val="1D116E"/>
-            </a:solidFill>
-          </a:ln>
-        </p:spPr>
-        <p:style>
-          <a:lnRef idx="2">
-            <a:schemeClr val="accent1">
-              <a:shade val="50000"/>
-            </a:schemeClr>
-          </a:lnRef>
-          <a:fillRef idx="1">
-            <a:schemeClr val="accent1"/>
-          </a:fillRef>
-          <a:effectRef idx="0">
-            <a:schemeClr val="accent1"/>
-          </a:effectRef>
-          <a:fontRef idx="minor">
-            <a:schemeClr val="lt1"/>
-          </a:fontRef>
-        </p:style>
-        <p:txBody>
-          <a:bodyPr rtlCol="0" anchor="ctr"/>
-          <a:lstStyle/>
-          <a:p>
-            <a:pPr algn="ctr"/>
-            <a:r>
-              <a:rPr lang="es-UY" sz="1800" dirty="0"/>
-              <a:t>Está habilitada la activación?</a:t>
-            </a:r>
-            <a:endParaRPr lang="en-US" sz="1800" dirty="0"/>
-          </a:p>
-        </p:txBody>
-      </p:sp>
-      <p:sp>
-        <p:nvSpPr>
-          <p:cNvPr id="8" name="Rectangle: Rounded Corners 7">
-            <a:extLst>
-              <a:ext uri="{FF2B5EF4-FFF2-40B4-BE49-F238E27FC236}">
-                <a16:creationId xmlns:a16="http://schemas.microsoft.com/office/drawing/2014/main" id="{445413CF-3098-4655-BF70-36696F3430D0}"/>
-              </a:ext>
-            </a:extLst>
-          </p:cNvPr>
-          <p:cNvSpPr/>
-          <p:nvPr/>
-        </p:nvSpPr>
-        <p:spPr>
-          <a:xfrm>
-            <a:off x="4776150" y="1517467"/>
-            <a:ext cx="2279810" cy="1085573"/>
-          </a:xfrm>
-          <a:prstGeom prst="roundRect">
-            <a:avLst/>
-          </a:prstGeom>
-          <a:solidFill>
-            <a:srgbClr val="4883F6"/>
-          </a:solidFill>
-          <a:ln>
-            <a:solidFill>
-              <a:srgbClr val="1D116E"/>
-            </a:solidFill>
-          </a:ln>
-        </p:spPr>
-        <p:style>
-          <a:lnRef idx="2">
-            <a:schemeClr val="accent1">
-              <a:shade val="50000"/>
-            </a:schemeClr>
-          </a:lnRef>
-          <a:fillRef idx="1">
-            <a:schemeClr val="accent1"/>
-          </a:fillRef>
-          <a:effectRef idx="0">
-            <a:schemeClr val="accent1"/>
-          </a:effectRef>
-          <a:fontRef idx="minor">
-            <a:schemeClr val="lt1"/>
-          </a:fontRef>
-        </p:style>
-        <p:txBody>
-          <a:bodyPr rtlCol="0" anchor="ctr"/>
-          <a:lstStyle/>
-          <a:p>
-            <a:pPr algn="ctr"/>
-            <a:r>
-              <a:rPr lang="es-UY" sz="1800" dirty="0"/>
-              <a:t>Llego el mensaje a ser enviado?</a:t>
-            </a:r>
-            <a:endParaRPr lang="en-US" sz="1800" dirty="0"/>
-          </a:p>
-        </p:txBody>
-      </p:sp>
-      <p:sp>
-        <p:nvSpPr>
-          <p:cNvPr id="10" name="Google Shape;63;p14">
-            <a:extLst>
-              <a:ext uri="{FF2B5EF4-FFF2-40B4-BE49-F238E27FC236}">
-                <a16:creationId xmlns:a16="http://schemas.microsoft.com/office/drawing/2014/main" id="{2E7D160A-BFB4-4C01-8898-41BD5C78323B}"/>
+                <a16:creationId xmlns:a16="http://schemas.microsoft.com/office/drawing/2014/main" id="{9BD71C27-8A6F-4A61-93B7-6C48B6CD1C83}"/>
               </a:ext>
             </a:extLst>
           </p:cNvPr>
@@ -8963,9 +9080,8 @@
           </a:bodyPr>
           <a:lstStyle/>
           <a:p>
-            <a:pPr lvl="0"/>
-            <a:r>
-              <a:rPr lang="es-ES" sz="3600" dirty="0" err="1">
+            <a:r>
+              <a:rPr lang="es-ES" sz="3600" dirty="0">
                 <a:solidFill>
                   <a:schemeClr val="tx1"/>
                 </a:solidFill>
@@ -8974,8 +9090,11 @@
                 <a:cs typeface="Rubik"/>
                 <a:sym typeface="Rubik"/>
               </a:rPr>
-              <a:t>Troubleshooting</a:t>
-            </a:r>
+              <a:t>Arquitectura y componentes</a:t>
+            </a:r>
+          </a:p>
+          <a:p>
+            <a:pPr lvl="0"/>
             <a:endParaRPr lang="es-ES" sz="3600" dirty="0">
               <a:solidFill>
                 <a:schemeClr val="tx1"/>
@@ -8988,10 +9107,105 @@
           </a:p>
         </p:txBody>
       </p:sp>
+      <p:sp>
+        <p:nvSpPr>
+          <p:cNvPr id="3" name="Rectangle 2">
+            <a:extLst>
+              <a:ext uri="{FF2B5EF4-FFF2-40B4-BE49-F238E27FC236}">
+                <a16:creationId xmlns:a16="http://schemas.microsoft.com/office/drawing/2014/main" id="{9319EC8B-A2B9-450A-8D6F-D4A4096CDD00}"/>
+              </a:ext>
+            </a:extLst>
+          </p:cNvPr>
+          <p:cNvSpPr/>
+          <p:nvPr/>
+        </p:nvSpPr>
+        <p:spPr>
+          <a:xfrm>
+            <a:off x="898050" y="1631899"/>
+            <a:ext cx="8122382" cy="2246769"/>
+          </a:xfrm>
+          <a:prstGeom prst="rect">
+            <a:avLst/>
+          </a:prstGeom>
+        </p:spPr>
+        <p:txBody>
+          <a:bodyPr wrap="square">
+            <a:spAutoFit/>
+          </a:bodyPr>
+          <a:lstStyle/>
+          <a:p>
+            <a:r>
+              <a:rPr lang="es-UY" sz="2000" b="1" dirty="0">
+                <a:latin typeface="Rubik" panose="020B0604020202020204" charset="-79"/>
+                <a:cs typeface="Rubik" panose="020B0604020202020204" charset="-79"/>
+              </a:rPr>
+              <a:t>Servicios (SERVICE)</a:t>
+            </a:r>
+            <a:endParaRPr lang="es-UY" sz="2000" dirty="0">
+              <a:latin typeface="Rubik" panose="020B0604020202020204" charset="-79"/>
+              <a:cs typeface="Rubik" panose="020B0604020202020204" charset="-79"/>
+            </a:endParaRPr>
+          </a:p>
+          <a:p>
+            <a:r>
+              <a:rPr lang="es-UY" sz="2000" dirty="0">
+                <a:latin typeface="Rubik" panose="020B0604020202020204" charset="-79"/>
+                <a:cs typeface="Rubik" panose="020B0604020202020204" charset="-79"/>
+              </a:rPr>
+              <a:t>Es el nombre de una operación que queremos que SSB resuelva</a:t>
+            </a:r>
+          </a:p>
+          <a:p>
+            <a:r>
+              <a:rPr lang="es-UY" sz="2000" dirty="0">
+                <a:latin typeface="Rubik" panose="020B0604020202020204" charset="-79"/>
+                <a:cs typeface="Rubik" panose="020B0604020202020204" charset="-79"/>
+              </a:rPr>
+              <a:t>Entregan mensajes a la cola correcta dentro de la base de datos</a:t>
+            </a:r>
+          </a:p>
+          <a:p>
+            <a:r>
+              <a:rPr lang="es-UY" sz="2000" dirty="0">
+                <a:latin typeface="Rubik" panose="020B0604020202020204" charset="-79"/>
+                <a:cs typeface="Rubik" panose="020B0604020202020204" charset="-79"/>
+              </a:rPr>
+              <a:t>Rutea mensajes entre el INICIATOR y el TARGET</a:t>
+            </a:r>
+          </a:p>
+          <a:p>
+            <a:r>
+              <a:rPr lang="es-UY" sz="2000" dirty="0">
+                <a:latin typeface="Rubik" panose="020B0604020202020204" charset="-79"/>
+                <a:cs typeface="Rubik" panose="020B0604020202020204" charset="-79"/>
+              </a:rPr>
+              <a:t>Determina los requisitos de seguridad para las conversaciones</a:t>
+            </a:r>
+          </a:p>
+          <a:p>
+            <a:r>
+              <a:rPr lang="es-UY" sz="2000" dirty="0">
+                <a:latin typeface="Rubik" panose="020B0604020202020204" charset="-79"/>
+                <a:cs typeface="Rubik" panose="020B0604020202020204" charset="-79"/>
+              </a:rPr>
+              <a:t>Cumple los contratos definidos para cada conversación </a:t>
+            </a:r>
+          </a:p>
+          <a:p>
+            <a:r>
+              <a:rPr lang="es-UY" sz="2000" dirty="0">
+                <a:latin typeface="Rubik" panose="020B0604020202020204" charset="-79"/>
+                <a:cs typeface="Rubik" panose="020B0604020202020204" charset="-79"/>
+              </a:rPr>
+              <a:t>Se vincula con colas especificas para almacenar los mensajes</a:t>
+            </a:r>
+          </a:p>
+        </p:txBody>
+      </p:sp>
     </p:spTree>
     <p:extLst>
       <p:ext uri="{BB962C8B-B14F-4D97-AF65-F5344CB8AC3E}">
-        <p14:creationId xmlns:p14="http://schemas.microsoft.com/office/powerpoint/2010/main" val="1767019369"/>
+        <p14:creationId xmlns:p14="http://schemas.microsoft.com/office/powerpoint/2010/main" val="2799744423"/>
       </p:ext>
     </p:extLst>
   </p:cSld>
@@ -9020,186 +9234,6 @@
       </p:grpSpPr>
       <p:sp>
         <p:nvSpPr>
-          <p:cNvPr id="12" name="Rectangle 11">
-            <a:extLst>
-              <a:ext uri="{FF2B5EF4-FFF2-40B4-BE49-F238E27FC236}">
-                <a16:creationId xmlns:a16="http://schemas.microsoft.com/office/drawing/2014/main" id="{C589486D-DAC8-4560-95F3-D3352C933776}"/>
-              </a:ext>
-            </a:extLst>
-          </p:cNvPr>
-          <p:cNvSpPr/>
-          <p:nvPr/>
-        </p:nvSpPr>
-        <p:spPr>
-          <a:xfrm>
-            <a:off x="511386" y="1367738"/>
-            <a:ext cx="7586409" cy="3477875"/>
-          </a:xfrm>
-          <a:prstGeom prst="rect">
-            <a:avLst/>
-          </a:prstGeom>
-        </p:spPr>
-        <p:txBody>
-          <a:bodyPr wrap="square">
-            <a:spAutoFit/>
-          </a:bodyPr>
-          <a:lstStyle/>
-          <a:p>
-            <a:pPr marL="285750" indent="-285750">
-              <a:buFont typeface="Arial" panose="020B0604020202020204" pitchFamily="34" charset="0"/>
-              <a:buChar char="•"/>
-            </a:pPr>
-            <a:r>
-              <a:rPr lang="es-UY" sz="2000" dirty="0">
-                <a:solidFill>
-                  <a:srgbClr val="58595B"/>
-                </a:solidFill>
-                <a:latin typeface="Rubik" panose="020B0604020202020204" charset="-79"/>
-                <a:cs typeface="Rubik" panose="020B0604020202020204" charset="-79"/>
-              </a:rPr>
-              <a:t>Remover/deshabilitar la activación de la cola</a:t>
-            </a:r>
-          </a:p>
-          <a:p>
-            <a:pPr marL="285750" indent="-285750">
-              <a:buFont typeface="Arial" panose="020B0604020202020204" pitchFamily="34" charset="0"/>
-              <a:buChar char="•"/>
-            </a:pPr>
-            <a:r>
-              <a:rPr lang="es-UY" sz="2000" dirty="0">
-                <a:solidFill>
-                  <a:srgbClr val="58595B"/>
-                </a:solidFill>
-                <a:latin typeface="Rubik" panose="020B0604020202020204" charset="-79"/>
-                <a:cs typeface="Rubik" panose="020B0604020202020204" charset="-79"/>
-              </a:rPr>
-              <a:t>Enviar un mensaje valido manualmente</a:t>
-            </a:r>
-          </a:p>
-          <a:p>
-            <a:pPr marL="285750" indent="-285750">
-              <a:buFont typeface="Arial" panose="020B0604020202020204" pitchFamily="34" charset="0"/>
-              <a:buChar char="•"/>
-            </a:pPr>
-            <a:r>
-              <a:rPr lang="es-UY" sz="2000" dirty="0">
-                <a:solidFill>
-                  <a:srgbClr val="58595B"/>
-                </a:solidFill>
-                <a:latin typeface="Rubik" panose="020B0604020202020204" charset="-79"/>
-                <a:cs typeface="Rubik" panose="020B0604020202020204" charset="-79"/>
-              </a:rPr>
-              <a:t>Consultar la cola de destino para verificar la entrega del mensaje</a:t>
-            </a:r>
-          </a:p>
-          <a:p>
-            <a:pPr marL="285750" indent="-285750">
-              <a:buFont typeface="Arial" panose="020B0604020202020204" pitchFamily="34" charset="0"/>
-              <a:buChar char="•"/>
-            </a:pPr>
-            <a:r>
-              <a:rPr lang="es-UY" sz="2000" dirty="0">
-                <a:solidFill>
-                  <a:srgbClr val="58595B"/>
-                </a:solidFill>
-                <a:latin typeface="Rubik" panose="020B0604020202020204" charset="-79"/>
-                <a:cs typeface="Rubik" panose="020B0604020202020204" charset="-79"/>
-              </a:rPr>
-              <a:t>Consultar </a:t>
-            </a:r>
-            <a:r>
-              <a:rPr lang="es-UY" sz="2000" dirty="0" err="1">
-                <a:solidFill>
-                  <a:srgbClr val="58595B"/>
-                </a:solidFill>
-                <a:latin typeface="Rubik" panose="020B0604020202020204" charset="-79"/>
-                <a:cs typeface="Rubik" panose="020B0604020202020204" charset="-79"/>
-              </a:rPr>
-              <a:t>sys.transmission_queue</a:t>
-            </a:r>
-            <a:r>
-              <a:rPr lang="es-UY" sz="2000" dirty="0">
-                <a:solidFill>
-                  <a:srgbClr val="58595B"/>
-                </a:solidFill>
-                <a:latin typeface="Rubik" panose="020B0604020202020204" charset="-79"/>
-                <a:cs typeface="Rubik" panose="020B0604020202020204" charset="-79"/>
-              </a:rPr>
-              <a:t> si el mensaje no fue entregado</a:t>
-            </a:r>
-          </a:p>
-          <a:p>
-            <a:pPr marL="285750" indent="-285750">
-              <a:buFont typeface="Arial" panose="020B0604020202020204" pitchFamily="34" charset="0"/>
-              <a:buChar char="•"/>
-            </a:pPr>
-            <a:r>
-              <a:rPr lang="es-UY" sz="2000" dirty="0">
-                <a:solidFill>
-                  <a:srgbClr val="58595B"/>
-                </a:solidFill>
-                <a:latin typeface="Rubik" panose="020B0604020202020204" charset="-79"/>
-                <a:cs typeface="Rubik" panose="020B0604020202020204" charset="-79"/>
-              </a:rPr>
-              <a:t>Ejecutar la activación manual de la cola destino</a:t>
-            </a:r>
-          </a:p>
-          <a:p>
-            <a:pPr marL="285750" indent="-285750">
-              <a:buFont typeface="Arial" panose="020B0604020202020204" pitchFamily="34" charset="0"/>
-              <a:buChar char="•"/>
-            </a:pPr>
-            <a:r>
-              <a:rPr lang="es-UY" sz="2000" dirty="0">
-                <a:solidFill>
-                  <a:srgbClr val="58595B"/>
-                </a:solidFill>
-                <a:latin typeface="Rubik" panose="020B0604020202020204" charset="-79"/>
-                <a:cs typeface="Rubik" panose="020B0604020202020204" charset="-79"/>
-              </a:rPr>
-              <a:t>Ejecutar la activación del destino de forma manual</a:t>
-            </a:r>
-          </a:p>
-          <a:p>
-            <a:pPr marL="285750" indent="-285750">
-              <a:buFont typeface="Arial" panose="020B0604020202020204" pitchFamily="34" charset="0"/>
-              <a:buChar char="•"/>
-            </a:pPr>
-            <a:r>
-              <a:rPr lang="es-UY" sz="2000" dirty="0">
-                <a:solidFill>
-                  <a:srgbClr val="58595B"/>
-                </a:solidFill>
-                <a:latin typeface="Rubik" panose="020B0604020202020204" charset="-79"/>
-                <a:cs typeface="Rubik" panose="020B0604020202020204" charset="-79"/>
-              </a:rPr>
-              <a:t>Consultar la cola de origen para verificar la entrega de mensajes de respuestas</a:t>
-            </a:r>
-          </a:p>
-          <a:p>
-            <a:pPr marL="285750" indent="-285750">
-              <a:buFont typeface="Arial" panose="020B0604020202020204" pitchFamily="34" charset="0"/>
-              <a:buChar char="•"/>
-            </a:pPr>
-            <a:r>
-              <a:rPr lang="es-UY" sz="2000" dirty="0">
-                <a:solidFill>
-                  <a:srgbClr val="58595B"/>
-                </a:solidFill>
-                <a:latin typeface="Rubik" panose="020B0604020202020204" charset="-79"/>
-                <a:cs typeface="Rubik" panose="020B0604020202020204" charset="-79"/>
-              </a:rPr>
-              <a:t>Ejecutar la activación manual de la cola de origen</a:t>
-            </a:r>
-            <a:endParaRPr lang="es-UY" sz="2000" dirty="0">
-              <a:latin typeface="Rubik" panose="020B0604020202020204" charset="-79"/>
-              <a:cs typeface="Rubik" panose="020B0604020202020204" charset="-79"/>
-            </a:endParaRPr>
-          </a:p>
-        </p:txBody>
-      </p:sp>
-      <p:sp>
-        <p:nvSpPr>
           <p:cNvPr id="71" name="Google Shape;71;p15"/>
           <p:cNvSpPr/>
           <p:nvPr/>
@@ -9268,10 +9302,10 @@
       </p:pic>
       <p:sp>
         <p:nvSpPr>
-          <p:cNvPr id="11" name="Google Shape;63;p14">
+          <p:cNvPr id="5" name="Google Shape;63;p14">
             <a:extLst>
               <a:ext uri="{FF2B5EF4-FFF2-40B4-BE49-F238E27FC236}">
-                <a16:creationId xmlns:a16="http://schemas.microsoft.com/office/drawing/2014/main" id="{8106FAA9-D584-4BE4-AC4D-09AB82886489}"/>
+                <a16:creationId xmlns:a16="http://schemas.microsoft.com/office/drawing/2014/main" id="{C4CC480C-2534-4FC5-80F0-7093791A6BBF}"/>
               </a:ext>
             </a:extLst>
           </p:cNvPr>
@@ -9299,7 +9333,7 @@
           <a:p>
             <a:pPr lvl="0"/>
             <a:r>
-              <a:rPr lang="es-ES" sz="3600" dirty="0" err="1">
+              <a:rPr lang="es-ES" sz="3600" dirty="0">
                 <a:solidFill>
                   <a:schemeClr val="tx1"/>
                 </a:solidFill>
@@ -9308,24 +9342,15 @@
                 <a:cs typeface="Rubik"/>
                 <a:sym typeface="Rubik"/>
               </a:rPr>
-              <a:t>Troubleshooting</a:t>
-            </a:r>
-            <a:endParaRPr lang="es-ES" sz="3600" dirty="0">
-              <a:solidFill>
-                <a:schemeClr val="tx1"/>
-              </a:solidFill>
-              <a:latin typeface="Rubik"/>
-              <a:ea typeface="Rubik"/>
-              <a:cs typeface="Rubik"/>
-              <a:sym typeface="Rubik"/>
-            </a:endParaRPr>
+              <a:t>Probando todas las partes</a:t>
+            </a:r>
           </a:p>
         </p:txBody>
       </p:sp>
     </p:spTree>
     <p:extLst>
       <p:ext uri="{BB962C8B-B14F-4D97-AF65-F5344CB8AC3E}">
-        <p14:creationId xmlns:p14="http://schemas.microsoft.com/office/powerpoint/2010/main" val="4284639037"/>
+        <p14:creationId xmlns:p14="http://schemas.microsoft.com/office/powerpoint/2010/main" val="4238796120"/>
       </p:ext>
     </p:extLst>
   </p:cSld>
@@ -9388,7 +9413,7 @@
               </a:spcAft>
               <a:buNone/>
             </a:pPr>
-            <a:endParaRPr/>
+            <a:endParaRPr dirty="0"/>
           </a:p>
         </p:txBody>
       </p:sp>
@@ -9422,6 +9447,726 @@
       </p:pic>
       <p:sp>
         <p:nvSpPr>
+          <p:cNvPr id="2" name="Rectangle: Rounded Corners 1">
+            <a:extLst>
+              <a:ext uri="{FF2B5EF4-FFF2-40B4-BE49-F238E27FC236}">
+                <a16:creationId xmlns:a16="http://schemas.microsoft.com/office/drawing/2014/main" id="{10B86F81-E85F-48CF-8E84-98CC4F723D40}"/>
+              </a:ext>
+            </a:extLst>
+          </p:cNvPr>
+          <p:cNvSpPr/>
+          <p:nvPr/>
+        </p:nvSpPr>
+        <p:spPr>
+          <a:xfrm>
+            <a:off x="948134" y="3388524"/>
+            <a:ext cx="2279809" cy="1085573"/>
+          </a:xfrm>
+          <a:prstGeom prst="roundRect">
+            <a:avLst/>
+          </a:prstGeom>
+          <a:solidFill>
+            <a:srgbClr val="4883F6"/>
+          </a:solidFill>
+          <a:ln>
+            <a:solidFill>
+              <a:srgbClr val="1D116E"/>
+            </a:solidFill>
+          </a:ln>
+        </p:spPr>
+        <p:style>
+          <a:lnRef idx="2">
+            <a:schemeClr val="accent1">
+              <a:shade val="50000"/>
+            </a:schemeClr>
+          </a:lnRef>
+          <a:fillRef idx="1">
+            <a:schemeClr val="accent1"/>
+          </a:fillRef>
+          <a:effectRef idx="0">
+            <a:schemeClr val="accent1"/>
+          </a:effectRef>
+          <a:fontRef idx="minor">
+            <a:schemeClr val="lt1"/>
+          </a:fontRef>
+        </p:style>
+        <p:txBody>
+          <a:bodyPr rtlCol="0" anchor="ctr"/>
+          <a:lstStyle/>
+          <a:p>
+            <a:pPr algn="ctr"/>
+            <a:r>
+              <a:rPr lang="es-UY" sz="1800" dirty="0"/>
+              <a:t>Están las colas habilitadas?</a:t>
+            </a:r>
+            <a:endParaRPr lang="en-US" sz="1800" dirty="0"/>
+          </a:p>
+        </p:txBody>
+      </p:sp>
+      <p:sp>
+        <p:nvSpPr>
+          <p:cNvPr id="6" name="Rectangle: Rounded Corners 5">
+            <a:extLst>
+              <a:ext uri="{FF2B5EF4-FFF2-40B4-BE49-F238E27FC236}">
+                <a16:creationId xmlns:a16="http://schemas.microsoft.com/office/drawing/2014/main" id="{54555EAA-BB18-4FA6-93C8-9DDC2683EF65}"/>
+              </a:ext>
+            </a:extLst>
+          </p:cNvPr>
+          <p:cNvSpPr/>
+          <p:nvPr/>
+        </p:nvSpPr>
+        <p:spPr>
+          <a:xfrm>
+            <a:off x="948133" y="1517468"/>
+            <a:ext cx="2279810" cy="1085573"/>
+          </a:xfrm>
+          <a:prstGeom prst="roundRect">
+            <a:avLst/>
+          </a:prstGeom>
+          <a:solidFill>
+            <a:srgbClr val="4883F6"/>
+          </a:solidFill>
+          <a:ln>
+            <a:solidFill>
+              <a:srgbClr val="1D116E"/>
+            </a:solidFill>
+          </a:ln>
+        </p:spPr>
+        <p:style>
+          <a:lnRef idx="2">
+            <a:schemeClr val="accent1">
+              <a:shade val="50000"/>
+            </a:schemeClr>
+          </a:lnRef>
+          <a:fillRef idx="1">
+            <a:schemeClr val="accent1"/>
+          </a:fillRef>
+          <a:effectRef idx="0">
+            <a:schemeClr val="accent1"/>
+          </a:effectRef>
+          <a:fontRef idx="minor">
+            <a:schemeClr val="lt1"/>
+          </a:fontRef>
+        </p:style>
+        <p:txBody>
+          <a:bodyPr rtlCol="0" anchor="ctr"/>
+          <a:lstStyle/>
+          <a:p>
+            <a:pPr algn="ctr"/>
+            <a:r>
+              <a:rPr lang="es-UY" sz="1800" dirty="0"/>
+              <a:t>Hay algún error en el log?</a:t>
+            </a:r>
+            <a:endParaRPr lang="en-US" sz="1800" dirty="0"/>
+          </a:p>
+        </p:txBody>
+      </p:sp>
+      <p:sp>
+        <p:nvSpPr>
+          <p:cNvPr id="7" name="Rectangle: Rounded Corners 6">
+            <a:extLst>
+              <a:ext uri="{FF2B5EF4-FFF2-40B4-BE49-F238E27FC236}">
+                <a16:creationId xmlns:a16="http://schemas.microsoft.com/office/drawing/2014/main" id="{CFA94ED0-4B81-4ED2-B7A8-2F092A76E97E}"/>
+              </a:ext>
+            </a:extLst>
+          </p:cNvPr>
+          <p:cNvSpPr/>
+          <p:nvPr/>
+        </p:nvSpPr>
+        <p:spPr>
+          <a:xfrm>
+            <a:off x="4776150" y="3388523"/>
+            <a:ext cx="2279810" cy="1085573"/>
+          </a:xfrm>
+          <a:prstGeom prst="roundRect">
+            <a:avLst/>
+          </a:prstGeom>
+          <a:solidFill>
+            <a:srgbClr val="4883F6"/>
+          </a:solidFill>
+          <a:ln>
+            <a:solidFill>
+              <a:srgbClr val="1D116E"/>
+            </a:solidFill>
+          </a:ln>
+        </p:spPr>
+        <p:style>
+          <a:lnRef idx="2">
+            <a:schemeClr val="accent1">
+              <a:shade val="50000"/>
+            </a:schemeClr>
+          </a:lnRef>
+          <a:fillRef idx="1">
+            <a:schemeClr val="accent1"/>
+          </a:fillRef>
+          <a:effectRef idx="0">
+            <a:schemeClr val="accent1"/>
+          </a:effectRef>
+          <a:fontRef idx="minor">
+            <a:schemeClr val="lt1"/>
+          </a:fontRef>
+        </p:style>
+        <p:txBody>
+          <a:bodyPr rtlCol="0" anchor="ctr"/>
+          <a:lstStyle/>
+          <a:p>
+            <a:pPr algn="ctr"/>
+            <a:r>
+              <a:rPr lang="es-UY" sz="1800" dirty="0"/>
+              <a:t>Está habilitada la activación interna?</a:t>
+            </a:r>
+            <a:endParaRPr lang="en-US" sz="1800" dirty="0"/>
+          </a:p>
+        </p:txBody>
+      </p:sp>
+      <p:sp>
+        <p:nvSpPr>
+          <p:cNvPr id="8" name="Rectangle: Rounded Corners 7">
+            <a:extLst>
+              <a:ext uri="{FF2B5EF4-FFF2-40B4-BE49-F238E27FC236}">
+                <a16:creationId xmlns:a16="http://schemas.microsoft.com/office/drawing/2014/main" id="{445413CF-3098-4655-BF70-36696F3430D0}"/>
+              </a:ext>
+            </a:extLst>
+          </p:cNvPr>
+          <p:cNvSpPr/>
+          <p:nvPr/>
+        </p:nvSpPr>
+        <p:spPr>
+          <a:xfrm>
+            <a:off x="4776150" y="1517467"/>
+            <a:ext cx="2279810" cy="1085573"/>
+          </a:xfrm>
+          <a:prstGeom prst="roundRect">
+            <a:avLst/>
+          </a:prstGeom>
+          <a:solidFill>
+            <a:srgbClr val="4883F6"/>
+          </a:solidFill>
+          <a:ln>
+            <a:solidFill>
+              <a:srgbClr val="1D116E"/>
+            </a:solidFill>
+          </a:ln>
+        </p:spPr>
+        <p:style>
+          <a:lnRef idx="2">
+            <a:schemeClr val="accent1">
+              <a:shade val="50000"/>
+            </a:schemeClr>
+          </a:lnRef>
+          <a:fillRef idx="1">
+            <a:schemeClr val="accent1"/>
+          </a:fillRef>
+          <a:effectRef idx="0">
+            <a:schemeClr val="accent1"/>
+          </a:effectRef>
+          <a:fontRef idx="minor">
+            <a:schemeClr val="lt1"/>
+          </a:fontRef>
+        </p:style>
+        <p:txBody>
+          <a:bodyPr rtlCol="0" anchor="ctr"/>
+          <a:lstStyle/>
+          <a:p>
+            <a:pPr algn="ctr"/>
+            <a:r>
+              <a:rPr lang="es-UY" sz="1800" dirty="0"/>
+              <a:t>Llego el mensaje a ser enviado?</a:t>
+            </a:r>
+            <a:endParaRPr lang="en-US" sz="1800" dirty="0"/>
+          </a:p>
+        </p:txBody>
+      </p:sp>
+      <p:sp>
+        <p:nvSpPr>
+          <p:cNvPr id="10" name="Google Shape;63;p14">
+            <a:extLst>
+              <a:ext uri="{FF2B5EF4-FFF2-40B4-BE49-F238E27FC236}">
+                <a16:creationId xmlns:a16="http://schemas.microsoft.com/office/drawing/2014/main" id="{2E7D160A-BFB4-4C01-8898-41BD5C78323B}"/>
+              </a:ext>
+            </a:extLst>
+          </p:cNvPr>
+          <p:cNvSpPr txBox="1"/>
+          <p:nvPr/>
+        </p:nvSpPr>
+        <p:spPr>
+          <a:xfrm>
+            <a:off x="898050" y="305377"/>
+            <a:ext cx="7347900" cy="1449600"/>
+          </a:xfrm>
+          <a:prstGeom prst="rect">
+            <a:avLst/>
+          </a:prstGeom>
+          <a:noFill/>
+          <a:ln>
+            <a:noFill/>
+          </a:ln>
+        </p:spPr>
+        <p:txBody>
+          <a:bodyPr spcFirstLastPara="1" wrap="square" lIns="91425" tIns="91425" rIns="91425" bIns="91425" anchor="t" anchorCtr="0">
+            <a:noAutofit/>
+          </a:bodyPr>
+          <a:lstStyle/>
+          <a:p>
+            <a:pPr lvl="0"/>
+            <a:r>
+              <a:rPr lang="es-ES" sz="3600" dirty="0" err="1">
+                <a:solidFill>
+                  <a:schemeClr val="tx1"/>
+                </a:solidFill>
+                <a:latin typeface="Rubik"/>
+                <a:ea typeface="Rubik"/>
+                <a:cs typeface="Rubik"/>
+                <a:sym typeface="Rubik"/>
+              </a:rPr>
+              <a:t>Troubleshooting</a:t>
+            </a:r>
+            <a:endParaRPr lang="es-ES" sz="3600" dirty="0">
+              <a:solidFill>
+                <a:schemeClr val="tx1"/>
+              </a:solidFill>
+              <a:latin typeface="Rubik"/>
+              <a:ea typeface="Rubik"/>
+              <a:cs typeface="Rubik"/>
+              <a:sym typeface="Rubik"/>
+            </a:endParaRPr>
+          </a:p>
+        </p:txBody>
+      </p:sp>
+    </p:spTree>
+    <p:extLst>
+      <p:ext uri="{BB962C8B-B14F-4D97-AF65-F5344CB8AC3E}">
+        <p14:creationId xmlns:p14="http://schemas.microsoft.com/office/powerpoint/2010/main" val="1767019369"/>
+      </p:ext>
+    </p:extLst>
+  </p:cSld>
+  <p:clrMapOvr>
+    <a:masterClrMapping/>
+  </p:clrMapOvr>
+</p:sld>
+</file>
+
+<file path=ppt/slides/slide17.xml><?xml version="1.0" encoding="utf-8"?>
+<p:sld xmlns:a="http://schemas.openxmlformats.org/drawingml/2006/main" xmlns:r="http://schemas.openxmlformats.org/officeDocument/2006/relationships" xmlns:p="http://schemas.openxmlformats.org/presentationml/2006/main">
+  <p:cSld>
+    <p:spTree>
+      <p:nvGrpSpPr>
+        <p:cNvPr id="1" name="Shape 70"/>
+        <p:cNvGrpSpPr/>
+        <p:nvPr/>
+      </p:nvGrpSpPr>
+      <p:grpSpPr>
+        <a:xfrm>
+          <a:off x="0" y="0"/>
+          <a:ext cx="0" cy="0"/>
+          <a:chOff x="0" y="0"/>
+          <a:chExt cx="0" cy="0"/>
+        </a:xfrm>
+      </p:grpSpPr>
+      <p:sp>
+        <p:nvSpPr>
+          <p:cNvPr id="12" name="Rectangle 11">
+            <a:extLst>
+              <a:ext uri="{FF2B5EF4-FFF2-40B4-BE49-F238E27FC236}">
+                <a16:creationId xmlns:a16="http://schemas.microsoft.com/office/drawing/2014/main" id="{C589486D-DAC8-4560-95F3-D3352C933776}"/>
+              </a:ext>
+            </a:extLst>
+          </p:cNvPr>
+          <p:cNvSpPr/>
+          <p:nvPr/>
+        </p:nvSpPr>
+        <p:spPr>
+          <a:xfrm>
+            <a:off x="511386" y="1367738"/>
+            <a:ext cx="7586409" cy="3477875"/>
+          </a:xfrm>
+          <a:prstGeom prst="rect">
+            <a:avLst/>
+          </a:prstGeom>
+        </p:spPr>
+        <p:txBody>
+          <a:bodyPr wrap="square">
+            <a:spAutoFit/>
+          </a:bodyPr>
+          <a:lstStyle/>
+          <a:p>
+            <a:pPr marL="285750" indent="-285750">
+              <a:buFont typeface="Arial" panose="020B0604020202020204" pitchFamily="34" charset="0"/>
+              <a:buChar char="•"/>
+            </a:pPr>
+            <a:r>
+              <a:rPr lang="es-UY" sz="2000" dirty="0">
+                <a:solidFill>
+                  <a:srgbClr val="58595B"/>
+                </a:solidFill>
+                <a:latin typeface="Rubik" panose="020B0604020202020204" charset="-79"/>
+                <a:cs typeface="Rubik" panose="020B0604020202020204" charset="-79"/>
+              </a:rPr>
+              <a:t>Remover/deshabilitar la activación de la cola</a:t>
+            </a:r>
+          </a:p>
+          <a:p>
+            <a:pPr marL="285750" indent="-285750">
+              <a:buFont typeface="Arial" panose="020B0604020202020204" pitchFamily="34" charset="0"/>
+              <a:buChar char="•"/>
+            </a:pPr>
+            <a:r>
+              <a:rPr lang="es-UY" sz="2000" dirty="0">
+                <a:solidFill>
+                  <a:srgbClr val="58595B"/>
+                </a:solidFill>
+                <a:latin typeface="Rubik" panose="020B0604020202020204" charset="-79"/>
+                <a:cs typeface="Rubik" panose="020B0604020202020204" charset="-79"/>
+              </a:rPr>
+              <a:t>Enviar un mensaje valido manualmente</a:t>
+            </a:r>
+          </a:p>
+          <a:p>
+            <a:pPr marL="285750" indent="-285750">
+              <a:buFont typeface="Arial" panose="020B0604020202020204" pitchFamily="34" charset="0"/>
+              <a:buChar char="•"/>
+            </a:pPr>
+            <a:r>
+              <a:rPr lang="es-UY" sz="2000" dirty="0">
+                <a:solidFill>
+                  <a:srgbClr val="58595B"/>
+                </a:solidFill>
+                <a:latin typeface="Rubik" panose="020B0604020202020204" charset="-79"/>
+                <a:cs typeface="Rubik" panose="020B0604020202020204" charset="-79"/>
+              </a:rPr>
+              <a:t>Consultar la cola de destino para verificar la entrega del mensaje</a:t>
+            </a:r>
+          </a:p>
+          <a:p>
+            <a:pPr marL="285750" indent="-285750">
+              <a:buFont typeface="Arial" panose="020B0604020202020204" pitchFamily="34" charset="0"/>
+              <a:buChar char="•"/>
+            </a:pPr>
+            <a:r>
+              <a:rPr lang="es-UY" sz="2000" dirty="0">
+                <a:solidFill>
+                  <a:srgbClr val="58595B"/>
+                </a:solidFill>
+                <a:latin typeface="Rubik" panose="020B0604020202020204" charset="-79"/>
+                <a:cs typeface="Rubik" panose="020B0604020202020204" charset="-79"/>
+              </a:rPr>
+              <a:t>Consultar </a:t>
+            </a:r>
+            <a:r>
+              <a:rPr lang="es-UY" sz="2000" dirty="0" err="1">
+                <a:solidFill>
+                  <a:srgbClr val="58595B"/>
+                </a:solidFill>
+                <a:latin typeface="Rubik" panose="020B0604020202020204" charset="-79"/>
+                <a:cs typeface="Rubik" panose="020B0604020202020204" charset="-79"/>
+              </a:rPr>
+              <a:t>sys.transmission_queue</a:t>
+            </a:r>
+            <a:r>
+              <a:rPr lang="es-UY" sz="2000" dirty="0">
+                <a:solidFill>
+                  <a:srgbClr val="58595B"/>
+                </a:solidFill>
+                <a:latin typeface="Rubik" panose="020B0604020202020204" charset="-79"/>
+                <a:cs typeface="Rubik" panose="020B0604020202020204" charset="-79"/>
+              </a:rPr>
+              <a:t> si el mensaje no fue entregado</a:t>
+            </a:r>
+          </a:p>
+          <a:p>
+            <a:pPr marL="285750" indent="-285750">
+              <a:buFont typeface="Arial" panose="020B0604020202020204" pitchFamily="34" charset="0"/>
+              <a:buChar char="•"/>
+            </a:pPr>
+            <a:r>
+              <a:rPr lang="es-UY" sz="2000" dirty="0">
+                <a:solidFill>
+                  <a:srgbClr val="58595B"/>
+                </a:solidFill>
+                <a:latin typeface="Rubik" panose="020B0604020202020204" charset="-79"/>
+                <a:cs typeface="Rubik" panose="020B0604020202020204" charset="-79"/>
+              </a:rPr>
+              <a:t>Ejecutar la activación manual de la cola destino</a:t>
+            </a:r>
+          </a:p>
+          <a:p>
+            <a:pPr marL="285750" indent="-285750">
+              <a:buFont typeface="Arial" panose="020B0604020202020204" pitchFamily="34" charset="0"/>
+              <a:buChar char="•"/>
+            </a:pPr>
+            <a:r>
+              <a:rPr lang="es-UY" sz="2000" dirty="0">
+                <a:solidFill>
+                  <a:srgbClr val="58595B"/>
+                </a:solidFill>
+                <a:latin typeface="Rubik" panose="020B0604020202020204" charset="-79"/>
+                <a:cs typeface="Rubik" panose="020B0604020202020204" charset="-79"/>
+              </a:rPr>
+              <a:t>Ejecutar la activación del destino de forma manual</a:t>
+            </a:r>
+          </a:p>
+          <a:p>
+            <a:pPr marL="285750" indent="-285750">
+              <a:buFont typeface="Arial" panose="020B0604020202020204" pitchFamily="34" charset="0"/>
+              <a:buChar char="•"/>
+            </a:pPr>
+            <a:r>
+              <a:rPr lang="es-UY" sz="2000" dirty="0">
+                <a:solidFill>
+                  <a:srgbClr val="58595B"/>
+                </a:solidFill>
+                <a:latin typeface="Rubik" panose="020B0604020202020204" charset="-79"/>
+                <a:cs typeface="Rubik" panose="020B0604020202020204" charset="-79"/>
+              </a:rPr>
+              <a:t>Consultar la cola de origen para verificar la entrega de mensajes de respuestas</a:t>
+            </a:r>
+          </a:p>
+          <a:p>
+            <a:pPr marL="285750" indent="-285750">
+              <a:buFont typeface="Arial" panose="020B0604020202020204" pitchFamily="34" charset="0"/>
+              <a:buChar char="•"/>
+            </a:pPr>
+            <a:r>
+              <a:rPr lang="es-UY" sz="2000" dirty="0">
+                <a:solidFill>
+                  <a:srgbClr val="58595B"/>
+                </a:solidFill>
+                <a:latin typeface="Rubik" panose="020B0604020202020204" charset="-79"/>
+                <a:cs typeface="Rubik" panose="020B0604020202020204" charset="-79"/>
+              </a:rPr>
+              <a:t>Ejecutar la activación manual de la cola de origen</a:t>
+            </a:r>
+            <a:endParaRPr lang="es-UY" sz="2000" dirty="0">
+              <a:latin typeface="Rubik" panose="020B0604020202020204" charset="-79"/>
+              <a:cs typeface="Rubik" panose="020B0604020202020204" charset="-79"/>
+            </a:endParaRPr>
+          </a:p>
+        </p:txBody>
+      </p:sp>
+      <p:sp>
+        <p:nvSpPr>
+          <p:cNvPr id="71" name="Google Shape;71;p15"/>
+          <p:cNvSpPr/>
+          <p:nvPr/>
+        </p:nvSpPr>
+        <p:spPr>
+          <a:xfrm rot="10800000">
+            <a:off x="5606100" y="100"/>
+            <a:ext cx="3537900" cy="1449600"/>
+          </a:xfrm>
+          <a:prstGeom prst="rtTriangle">
+            <a:avLst/>
+          </a:prstGeom>
+          <a:solidFill>
+            <a:srgbClr val="4883F6"/>
+          </a:solidFill>
+          <a:ln>
+            <a:noFill/>
+          </a:ln>
+        </p:spPr>
+        <p:txBody>
+          <a:bodyPr spcFirstLastPara="1" wrap="square" lIns="91425" tIns="91425" rIns="91425" bIns="91425" anchor="ctr" anchorCtr="0">
+            <a:noAutofit/>
+          </a:bodyPr>
+          <a:lstStyle/>
+          <a:p>
+            <a:pPr marL="0" lvl="0" indent="0" algn="l" rtl="0">
+              <a:spcBef>
+                <a:spcPts val="0"/>
+              </a:spcBef>
+              <a:spcAft>
+                <a:spcPts val="0"/>
+              </a:spcAft>
+              <a:buNone/>
+            </a:pPr>
+            <a:endParaRPr/>
+          </a:p>
+        </p:txBody>
+      </p:sp>
+      <p:pic>
+        <p:nvPicPr>
+          <p:cNvPr id="72" name="Google Shape;72;p15"/>
+          <p:cNvPicPr preferRelativeResize="0"/>
+          <p:nvPr/>
+        </p:nvPicPr>
+        <p:blipFill>
+          <a:blip r:embed="rId3">
+            <a:alphaModFix/>
+          </a:blip>
+          <a:stretch>
+            <a:fillRect/>
+          </a:stretch>
+        </p:blipFill>
+        <p:spPr>
+          <a:xfrm>
+            <a:off x="7467000" y="228400"/>
+            <a:ext cx="1403875" cy="588001"/>
+          </a:xfrm>
+          <a:prstGeom prst="rect">
+            <a:avLst/>
+          </a:prstGeom>
+          <a:noFill/>
+          <a:ln>
+            <a:noFill/>
+          </a:ln>
+        </p:spPr>
+      </p:pic>
+      <p:sp>
+        <p:nvSpPr>
+          <p:cNvPr id="11" name="Google Shape;63;p14">
+            <a:extLst>
+              <a:ext uri="{FF2B5EF4-FFF2-40B4-BE49-F238E27FC236}">
+                <a16:creationId xmlns:a16="http://schemas.microsoft.com/office/drawing/2014/main" id="{8106FAA9-D584-4BE4-AC4D-09AB82886489}"/>
+              </a:ext>
+            </a:extLst>
+          </p:cNvPr>
+          <p:cNvSpPr txBox="1"/>
+          <p:nvPr/>
+        </p:nvSpPr>
+        <p:spPr>
+          <a:xfrm>
+            <a:off x="898050" y="305377"/>
+            <a:ext cx="7347900" cy="1449600"/>
+          </a:xfrm>
+          <a:prstGeom prst="rect">
+            <a:avLst/>
+          </a:prstGeom>
+          <a:noFill/>
+          <a:ln>
+            <a:noFill/>
+          </a:ln>
+        </p:spPr>
+        <p:txBody>
+          <a:bodyPr spcFirstLastPara="1" wrap="square" lIns="91425" tIns="91425" rIns="91425" bIns="91425" anchor="t" anchorCtr="0">
+            <a:noAutofit/>
+          </a:bodyPr>
+          <a:lstStyle/>
+          <a:p>
+            <a:pPr lvl="0"/>
+            <a:r>
+              <a:rPr lang="es-ES" sz="3600" dirty="0" err="1">
+                <a:solidFill>
+                  <a:schemeClr val="tx1"/>
+                </a:solidFill>
+                <a:latin typeface="Rubik"/>
+                <a:ea typeface="Rubik"/>
+                <a:cs typeface="Rubik"/>
+                <a:sym typeface="Rubik"/>
+              </a:rPr>
+              <a:t>Troubleshooting</a:t>
+            </a:r>
+            <a:endParaRPr lang="es-ES" sz="3600" dirty="0">
+              <a:solidFill>
+                <a:schemeClr val="tx1"/>
+              </a:solidFill>
+              <a:latin typeface="Rubik"/>
+              <a:ea typeface="Rubik"/>
+              <a:cs typeface="Rubik"/>
+              <a:sym typeface="Rubik"/>
+            </a:endParaRPr>
+          </a:p>
+        </p:txBody>
+      </p:sp>
+    </p:spTree>
+    <p:extLst>
+      <p:ext uri="{BB962C8B-B14F-4D97-AF65-F5344CB8AC3E}">
+        <p14:creationId xmlns:p14="http://schemas.microsoft.com/office/powerpoint/2010/main" val="4284639037"/>
+      </p:ext>
+    </p:extLst>
+  </p:cSld>
+  <p:clrMapOvr>
+    <a:masterClrMapping/>
+  </p:clrMapOvr>
+</p:sld>
+</file>
+
+<file path=ppt/slides/slide18.xml><?xml version="1.0" encoding="utf-8"?>
+<p:sld xmlns:a="http://schemas.openxmlformats.org/drawingml/2006/main" xmlns:r="http://schemas.openxmlformats.org/officeDocument/2006/relationships" xmlns:p="http://schemas.openxmlformats.org/presentationml/2006/main">
+  <p:cSld>
+    <p:spTree>
+      <p:nvGrpSpPr>
+        <p:cNvPr id="1" name="Shape 70"/>
+        <p:cNvGrpSpPr/>
+        <p:nvPr/>
+      </p:nvGrpSpPr>
+      <p:grpSpPr>
+        <a:xfrm>
+          <a:off x="0" y="0"/>
+          <a:ext cx="0" cy="0"/>
+          <a:chOff x="0" y="0"/>
+          <a:chExt cx="0" cy="0"/>
+        </a:xfrm>
+      </p:grpSpPr>
+      <p:sp>
+        <p:nvSpPr>
+          <p:cNvPr id="71" name="Google Shape;71;p15"/>
+          <p:cNvSpPr/>
+          <p:nvPr/>
+        </p:nvSpPr>
+        <p:spPr>
+          <a:xfrm rot="10800000">
+            <a:off x="5606100" y="100"/>
+            <a:ext cx="3537900" cy="1449600"/>
+          </a:xfrm>
+          <a:prstGeom prst="rtTriangle">
+            <a:avLst/>
+          </a:prstGeom>
+          <a:solidFill>
+            <a:srgbClr val="4883F6"/>
+          </a:solidFill>
+          <a:ln>
+            <a:noFill/>
+          </a:ln>
+        </p:spPr>
+        <p:txBody>
+          <a:bodyPr spcFirstLastPara="1" wrap="square" lIns="91425" tIns="91425" rIns="91425" bIns="91425" anchor="ctr" anchorCtr="0">
+            <a:noAutofit/>
+          </a:bodyPr>
+          <a:lstStyle/>
+          <a:p>
+            <a:pPr marL="0" lvl="0" indent="0" algn="l" rtl="0">
+              <a:spcBef>
+                <a:spcPts val="0"/>
+              </a:spcBef>
+              <a:spcAft>
+                <a:spcPts val="0"/>
+              </a:spcAft>
+              <a:buNone/>
+            </a:pPr>
+            <a:endParaRPr/>
+          </a:p>
+        </p:txBody>
+      </p:sp>
+      <p:pic>
+        <p:nvPicPr>
+          <p:cNvPr id="72" name="Google Shape;72;p15"/>
+          <p:cNvPicPr preferRelativeResize="0"/>
+          <p:nvPr/>
+        </p:nvPicPr>
+        <p:blipFill>
+          <a:blip r:embed="rId3">
+            <a:alphaModFix/>
+          </a:blip>
+          <a:stretch>
+            <a:fillRect/>
+          </a:stretch>
+        </p:blipFill>
+        <p:spPr>
+          <a:xfrm>
+            <a:off x="7467000" y="228400"/>
+            <a:ext cx="1403875" cy="588001"/>
+          </a:xfrm>
+          <a:prstGeom prst="rect">
+            <a:avLst/>
+          </a:prstGeom>
+          <a:noFill/>
+          <a:ln>
+            <a:noFill/>
+          </a:ln>
+        </p:spPr>
+      </p:pic>
+      <p:sp>
+        <p:nvSpPr>
           <p:cNvPr id="4" name="Google Shape;63;p14">
             <a:extLst>
               <a:ext uri="{FF2B5EF4-FFF2-40B4-BE49-F238E27FC236}">
@@ -9938,7 +10683,7 @@
 </p:sld>
 </file>
 
-<file path=ppt/slides/slide17.xml><?xml version="1.0" encoding="utf-8"?>
+<file path=ppt/slides/slide19.xml><?xml version="1.0" encoding="utf-8"?>
 <p:sld xmlns:a="http://schemas.openxmlformats.org/drawingml/2006/main" xmlns:r="http://schemas.openxmlformats.org/officeDocument/2006/relationships" xmlns:p="http://schemas.openxmlformats.org/presentationml/2006/main">
   <p:cSld>
     <p:bg>
@@ -10763,7 +11508,7 @@
         <p:spPr>
           <a:xfrm>
             <a:off x="898050" y="1631899"/>
-            <a:ext cx="8122382" cy="1938992"/>
+            <a:ext cx="8122382" cy="2246769"/>
           </a:xfrm>
           <a:prstGeom prst="rect">
             <a:avLst/>
@@ -10784,35 +11529,7 @@
                 <a:latin typeface="Rubik" panose="020B0604020202020204" charset="-79"/>
                 <a:cs typeface="Rubik" panose="020B0604020202020204" charset="-79"/>
               </a:rPr>
-              <a:t>Asegurar</a:t>
-            </a:r>
-            <a:r>
-              <a:rPr lang="en-US" sz="2000" dirty="0">
-                <a:latin typeface="Rubik" panose="020B0604020202020204" charset="-79"/>
-                <a:cs typeface="Rubik" panose="020B0604020202020204" charset="-79"/>
-              </a:rPr>
-              <a:t> la </a:t>
-            </a:r>
-            <a:r>
-              <a:rPr lang="en-US" sz="2000" dirty="0" err="1">
-                <a:latin typeface="Rubik" panose="020B0604020202020204" charset="-79"/>
-                <a:cs typeface="Rubik" panose="020B0604020202020204" charset="-79"/>
-              </a:rPr>
-              <a:t>continudad</a:t>
-            </a:r>
-            <a:r>
-              <a:rPr lang="en-US" sz="2000" dirty="0">
-                <a:latin typeface="Rubik" panose="020B0604020202020204" charset="-79"/>
-                <a:cs typeface="Rubik" panose="020B0604020202020204" charset="-79"/>
-              </a:rPr>
-              <a:t> del </a:t>
-            </a:r>
-            <a:r>
-              <a:rPr lang="en-US" sz="2000" dirty="0" err="1">
-                <a:latin typeface="Rubik" panose="020B0604020202020204" charset="-79"/>
-                <a:cs typeface="Rubik" panose="020B0604020202020204" charset="-79"/>
-              </a:rPr>
-              <a:t>negocio</a:t>
+              <a:t>Introducción</a:t>
             </a:r>
             <a:endParaRPr lang="en-US" sz="2000" dirty="0">
               <a:latin typeface="Rubik" panose="020B0604020202020204" charset="-79"/>
@@ -10825,25 +11542,18 @@
               <a:buChar char="•"/>
             </a:pPr>
             <a:r>
+              <a:rPr lang="en-US" sz="2000" dirty="0" err="1">
+                <a:latin typeface="Rubik" panose="020B0604020202020204" charset="-79"/>
+                <a:cs typeface="Rubik" panose="020B0604020202020204" charset="-79"/>
+              </a:rPr>
+              <a:t>Porque</a:t>
+            </a:r>
+            <a:r>
               <a:rPr lang="en-US" sz="2000" dirty="0">
                 <a:latin typeface="Rubik" panose="020B0604020202020204" charset="-79"/>
                 <a:cs typeface="Rubik" panose="020B0604020202020204" charset="-79"/>
               </a:rPr>
-              <a:t>Auditoria (</a:t>
-            </a:r>
-            <a:r>
-              <a:rPr lang="en-US" sz="2000" dirty="0" err="1">
-                <a:latin typeface="Rubik" panose="020B0604020202020204" charset="-79"/>
-                <a:cs typeface="Rubik" panose="020B0604020202020204" charset="-79"/>
-              </a:rPr>
-              <a:t>Proceso</a:t>
-            </a:r>
-            <a:r>
-              <a:rPr lang="en-US" sz="2000" dirty="0">
-                <a:latin typeface="Rubik" panose="020B0604020202020204" charset="-79"/>
-                <a:cs typeface="Rubik" panose="020B0604020202020204" charset="-79"/>
-              </a:rPr>
-              <a:t> async de triggers)</a:t>
+              <a:t> SQL Server</a:t>
             </a:r>
           </a:p>
           <a:p>
@@ -10852,32 +11562,11 @@
               <a:buChar char="•"/>
             </a:pPr>
             <a:r>
-              <a:rPr lang="en-US" sz="2000" dirty="0" err="1">
-                <a:latin typeface="Rubik" panose="020B0604020202020204" charset="-79"/>
-                <a:cs typeface="Rubik" panose="020B0604020202020204" charset="-79"/>
-              </a:rPr>
-              <a:t>Mejorar</a:t>
-            </a:r>
-            <a:r>
               <a:rPr lang="en-US" sz="2000" dirty="0">
                 <a:latin typeface="Rubik" panose="020B0604020202020204" charset="-79"/>
                 <a:cs typeface="Rubik" panose="020B0604020202020204" charset="-79"/>
               </a:rPr>
-              <a:t> la UX (El </a:t>
-            </a:r>
-            <a:r>
-              <a:rPr lang="en-US" sz="2000" dirty="0" err="1">
-                <a:latin typeface="Rubik" panose="020B0604020202020204" charset="-79"/>
-                <a:cs typeface="Rubik" panose="020B0604020202020204" charset="-79"/>
-              </a:rPr>
-              <a:t>caso</a:t>
-            </a:r>
-            <a:r>
-              <a:rPr lang="en-US" sz="2000" dirty="0">
-                <a:latin typeface="Rubik" panose="020B0604020202020204" charset="-79"/>
-                <a:cs typeface="Rubik" panose="020B0604020202020204" charset="-79"/>
-              </a:rPr>
-              <a:t> del modulo de emails y )</a:t>
+              <a:t>“Hola Mundo”</a:t>
             </a:r>
           </a:p>
           <a:p>
@@ -10890,42 +11579,14 @@
                 <a:latin typeface="Rubik" panose="020B0604020202020204" charset="-79"/>
                 <a:cs typeface="Rubik" panose="020B0604020202020204" charset="-79"/>
               </a:rPr>
-              <a:t>Distribuir</a:t>
+              <a:t>Arquitectura</a:t>
             </a:r>
             <a:r>
               <a:rPr lang="en-US" sz="2000" dirty="0">
                 <a:latin typeface="Rubik" panose="020B0604020202020204" charset="-79"/>
                 <a:cs typeface="Rubik" panose="020B0604020202020204" charset="-79"/>
               </a:rPr>
-              <a:t> </a:t>
-            </a:r>
-            <a:r>
-              <a:rPr lang="en-US" sz="2000" dirty="0" err="1">
-                <a:latin typeface="Rubik" panose="020B0604020202020204" charset="-79"/>
-                <a:cs typeface="Rubik" panose="020B0604020202020204" charset="-79"/>
-              </a:rPr>
-              <a:t>procesos</a:t>
-            </a:r>
-            <a:r>
-              <a:rPr lang="en-US" sz="2000" dirty="0">
-                <a:latin typeface="Rubik" panose="020B0604020202020204" charset="-79"/>
-                <a:cs typeface="Rubik" panose="020B0604020202020204" charset="-79"/>
-              </a:rPr>
-              <a:t> entre </a:t>
-            </a:r>
-            <a:r>
-              <a:rPr lang="en-US" sz="2000" dirty="0" err="1">
-                <a:latin typeface="Rubik" panose="020B0604020202020204" charset="-79"/>
-                <a:cs typeface="Rubik" panose="020B0604020202020204" charset="-79"/>
-              </a:rPr>
-              <a:t>instancias</a:t>
-            </a:r>
-            <a:r>
-              <a:rPr lang="en-US" sz="2000" dirty="0">
-                <a:latin typeface="Rubik" panose="020B0604020202020204" charset="-79"/>
-                <a:cs typeface="Rubik" panose="020B0604020202020204" charset="-79"/>
-              </a:rPr>
-              <a:t>/databases </a:t>
+              <a:t> y components</a:t>
             </a:r>
           </a:p>
           <a:p>
@@ -10938,14 +11599,45 @@
                 <a:latin typeface="Rubik" panose="020B0604020202020204" charset="-79"/>
                 <a:cs typeface="Rubik" panose="020B0604020202020204" charset="-79"/>
               </a:rPr>
-              <a:t>Procesos</a:t>
+              <a:t>Aplicación</a:t>
             </a:r>
             <a:r>
               <a:rPr lang="en-US" sz="2000" dirty="0">
                 <a:latin typeface="Rubik" panose="020B0604020202020204" charset="-79"/>
                 <a:cs typeface="Rubik" panose="020B0604020202020204" charset="-79"/>
               </a:rPr>
-              <a:t> Batch</a:t>
+              <a:t> </a:t>
+            </a:r>
+            <a:r>
+              <a:rPr lang="en-US" sz="2000" dirty="0" err="1">
+                <a:latin typeface="Rubik" panose="020B0604020202020204" charset="-79"/>
+                <a:cs typeface="Rubik" panose="020B0604020202020204" charset="-79"/>
+              </a:rPr>
+              <a:t>completa</a:t>
+            </a:r>
+            <a:endParaRPr lang="en-US" sz="2000" dirty="0">
+              <a:latin typeface="Rubik" panose="020B0604020202020204" charset="-79"/>
+              <a:cs typeface="Rubik" panose="020B0604020202020204" charset="-79"/>
+            </a:endParaRPr>
+          </a:p>
+          <a:p>
+            <a:pPr marL="285750" indent="-285750">
+              <a:buFont typeface="Arial" panose="020B0604020202020204" pitchFamily="34" charset="0"/>
+              <a:buChar char="•"/>
+            </a:pPr>
+            <a:r>
+              <a:rPr lang="en-US" sz="2000" dirty="0" err="1">
+                <a:latin typeface="Rubik" panose="020B0604020202020204" charset="-79"/>
+                <a:cs typeface="Rubik" panose="020B0604020202020204" charset="-79"/>
+              </a:rPr>
+              <a:t>TroubleShooting</a:t>
+            </a:r>
+            <a:r>
+              <a:rPr lang="en-US" sz="2000" dirty="0">
+                <a:latin typeface="Rubik" panose="020B0604020202020204" charset="-79"/>
+                <a:cs typeface="Rubik" panose="020B0604020202020204" charset="-79"/>
+              </a:rPr>
+              <a:t> </a:t>
             </a:r>
           </a:p>
           <a:p>
@@ -11070,7 +11762,7 @@
                 <a:cs typeface="Rubik"/>
                 <a:sym typeface="Rubik"/>
               </a:rPr>
-              <a:t>Introducción</a:t>
+              <a:t>Resumen</a:t>
             </a:r>
           </a:p>
         </p:txBody>
@@ -11102,10 +11794,10 @@
       </p:grpSpPr>
       <p:sp>
         <p:nvSpPr>
-          <p:cNvPr id="7" name="Rectangle 6">
+          <p:cNvPr id="8" name="Rectangle 7">
             <a:extLst>
               <a:ext uri="{FF2B5EF4-FFF2-40B4-BE49-F238E27FC236}">
-                <a16:creationId xmlns:a16="http://schemas.microsoft.com/office/drawing/2014/main" id="{9F6B0F7C-E516-482C-B067-15EDEFEEB944}"/>
+                <a16:creationId xmlns:a16="http://schemas.microsoft.com/office/drawing/2014/main" id="{E9C285D9-71BC-49C3-A958-54BC6EED198E}"/>
               </a:ext>
             </a:extLst>
           </p:cNvPr>
@@ -11127,54 +11819,44 @@
           </a:bodyPr>
           <a:lstStyle/>
           <a:p>
+            <a:pPr marL="285750" indent="-285750">
+              <a:buFont typeface="Arial" panose="020B0604020202020204" pitchFamily="34" charset="0"/>
+              <a:buChar char="•"/>
+            </a:pPr>
             <a:r>
               <a:rPr lang="en-US" sz="2000" dirty="0" err="1">
                 <a:latin typeface="Rubik" panose="020B0604020202020204" charset="-79"/>
                 <a:cs typeface="Rubik" panose="020B0604020202020204" charset="-79"/>
               </a:rPr>
-              <a:t>Tipos</a:t>
+              <a:t>Asegurar</a:t>
             </a:r>
             <a:r>
               <a:rPr lang="en-US" sz="2000" dirty="0">
                 <a:latin typeface="Rubik" panose="020B0604020202020204" charset="-79"/>
                 <a:cs typeface="Rubik" panose="020B0604020202020204" charset="-79"/>
               </a:rPr>
-              <a:t> de </a:t>
+              <a:t> la </a:t>
             </a:r>
             <a:r>
               <a:rPr lang="en-US" sz="2000" dirty="0" err="1">
                 <a:latin typeface="Rubik" panose="020B0604020202020204" charset="-79"/>
                 <a:cs typeface="Rubik" panose="020B0604020202020204" charset="-79"/>
               </a:rPr>
-              <a:t>mensaje</a:t>
+              <a:t>continudad</a:t>
             </a:r>
             <a:r>
               <a:rPr lang="en-US" sz="2000" dirty="0">
                 <a:latin typeface="Rubik" panose="020B0604020202020204" charset="-79"/>
                 <a:cs typeface="Rubik" panose="020B0604020202020204" charset="-79"/>
               </a:rPr>
-              <a:t> para definer los </a:t>
+              <a:t> del </a:t>
             </a:r>
             <a:r>
               <a:rPr lang="en-US" sz="2000" dirty="0" err="1">
                 <a:latin typeface="Rubik" panose="020B0604020202020204" charset="-79"/>
                 <a:cs typeface="Rubik" panose="020B0604020202020204" charset="-79"/>
               </a:rPr>
-              <a:t>mensajes</a:t>
-            </a:r>
-            <a:r>
-              <a:rPr lang="en-US" sz="2000" dirty="0">
-                <a:latin typeface="Rubik" panose="020B0604020202020204" charset="-79"/>
-                <a:cs typeface="Rubik" panose="020B0604020202020204" charset="-79"/>
-              </a:rPr>
-              <a:t> a </a:t>
-            </a:r>
-            <a:r>
-              <a:rPr lang="en-US" sz="2000" dirty="0" err="1">
-                <a:latin typeface="Rubik" panose="020B0604020202020204" charset="-79"/>
-                <a:cs typeface="Rubik" panose="020B0604020202020204" charset="-79"/>
-              </a:rPr>
-              <a:t>usar</a:t>
+              <a:t>negocio</a:t>
             </a:r>
             <a:endParaRPr lang="en-US" sz="2000" dirty="0">
               <a:latin typeface="Rubik" panose="020B0604020202020204" charset="-79"/>
@@ -11182,54 +11864,77 @@
             </a:endParaRPr>
           </a:p>
           <a:p>
+            <a:pPr marL="285750" indent="-285750">
+              <a:buFont typeface="Arial" panose="020B0604020202020204" pitchFamily="34" charset="0"/>
+              <a:buChar char="•"/>
+            </a:pPr>
+            <a:r>
+              <a:rPr lang="en-US" sz="2000" dirty="0">
+                <a:latin typeface="Rubik" panose="020B0604020202020204" charset="-79"/>
+                <a:cs typeface="Rubik" panose="020B0604020202020204" charset="-79"/>
+              </a:rPr>
+              <a:t>Auditoria (</a:t>
+            </a:r>
             <a:r>
               <a:rPr lang="en-US" sz="2000" dirty="0" err="1">
                 <a:latin typeface="Rubik" panose="020B0604020202020204" charset="-79"/>
                 <a:cs typeface="Rubik" panose="020B0604020202020204" charset="-79"/>
               </a:rPr>
-              <a:t>Contratos</a:t>
+              <a:t>Proceso</a:t>
             </a:r>
             <a:r>
               <a:rPr lang="en-US" sz="2000" dirty="0">
                 <a:latin typeface="Rubik" panose="020B0604020202020204" charset="-79"/>
                 <a:cs typeface="Rubik" panose="020B0604020202020204" charset="-79"/>
               </a:rPr>
-              <a:t> para definer los </a:t>
-            </a:r>
+              <a:t> async de triggers)</a:t>
+            </a:r>
+          </a:p>
+          <a:p>
+            <a:pPr marL="285750" indent="-285750">
+              <a:buFont typeface="Arial" panose="020B0604020202020204" pitchFamily="34" charset="0"/>
+              <a:buChar char="•"/>
+            </a:pPr>
             <a:r>
               <a:rPr lang="en-US" sz="2000" dirty="0" err="1">
                 <a:latin typeface="Rubik" panose="020B0604020202020204" charset="-79"/>
                 <a:cs typeface="Rubik" panose="020B0604020202020204" charset="-79"/>
               </a:rPr>
-              <a:t>mensajes</a:t>
+              <a:t>Mejorar</a:t>
             </a:r>
             <a:r>
               <a:rPr lang="en-US" sz="2000" dirty="0">
                 <a:latin typeface="Rubik" panose="020B0604020202020204" charset="-79"/>
                 <a:cs typeface="Rubik" panose="020B0604020202020204" charset="-79"/>
               </a:rPr>
-              <a:t> que se </a:t>
+              <a:t> la UX (El </a:t>
             </a:r>
             <a:r>
               <a:rPr lang="en-US" sz="2000" dirty="0" err="1">
                 <a:latin typeface="Rubik" panose="020B0604020202020204" charset="-79"/>
                 <a:cs typeface="Rubik" panose="020B0604020202020204" charset="-79"/>
               </a:rPr>
-              <a:t>envian</a:t>
+              <a:t>caso</a:t>
             </a:r>
             <a:r>
               <a:rPr lang="en-US" sz="2000" dirty="0">
                 <a:latin typeface="Rubik" panose="020B0604020202020204" charset="-79"/>
                 <a:cs typeface="Rubik" panose="020B0604020202020204" charset="-79"/>
               </a:rPr>
-              <a:t> y </a:t>
-            </a:r>
+              <a:t> del modulo de emails y )</a:t>
+            </a:r>
+          </a:p>
+          <a:p>
+            <a:pPr marL="285750" indent="-285750">
+              <a:buFont typeface="Arial" panose="020B0604020202020204" pitchFamily="34" charset="0"/>
+              <a:buChar char="•"/>
+            </a:pPr>
             <a:r>
               <a:rPr lang="en-US" sz="2000" dirty="0" err="1">
                 <a:latin typeface="Rubik" panose="020B0604020202020204" charset="-79"/>
                 <a:cs typeface="Rubik" panose="020B0604020202020204" charset="-79"/>
               </a:rPr>
-              <a:t>reciben</a:t>
+              <a:t>Distribuir</a:t>
             </a:r>
             <a:r>
               <a:rPr lang="en-US" sz="2000" dirty="0">
@@ -11243,172 +11948,49 @@
                 <a:latin typeface="Rubik" panose="020B0604020202020204" charset="-79"/>
                 <a:cs typeface="Rubik" panose="020B0604020202020204" charset="-79"/>
               </a:rPr>
-              <a:t>en</a:t>
+              <a:t>procesos</a:t>
             </a:r>
             <a:r>
               <a:rPr lang="en-US" sz="2000" dirty="0">
                 <a:latin typeface="Rubik" panose="020B0604020202020204" charset="-79"/>
                 <a:cs typeface="Rubik" panose="020B0604020202020204" charset="-79"/>
               </a:rPr>
-              <a:t> un </a:t>
+              <a:t> entre </a:t>
             </a:r>
             <a:r>
               <a:rPr lang="en-US" sz="2000" dirty="0" err="1">
                 <a:latin typeface="Rubik" panose="020B0604020202020204" charset="-79"/>
                 <a:cs typeface="Rubik" panose="020B0604020202020204" charset="-79"/>
               </a:rPr>
-              <a:t>servicio</a:t>
-            </a:r>
-            <a:endParaRPr lang="en-US" sz="2000" dirty="0">
-              <a:latin typeface="Rubik" panose="020B0604020202020204" charset="-79"/>
-              <a:cs typeface="Rubik" panose="020B0604020202020204" charset="-79"/>
-            </a:endParaRPr>
-          </a:p>
-          <a:p>
+              <a:t>instancias</a:t>
+            </a:r>
             <a:r>
               <a:rPr lang="en-US" sz="2000" dirty="0">
                 <a:latin typeface="Rubik" panose="020B0604020202020204" charset="-79"/>
                 <a:cs typeface="Rubik" panose="020B0604020202020204" charset="-79"/>
               </a:rPr>
-              <a:t>Queue para </a:t>
-            </a:r>
+              <a:t>/databases </a:t>
+            </a:r>
+          </a:p>
+          <a:p>
+            <a:pPr marL="285750" indent="-285750">
+              <a:buFont typeface="Arial" panose="020B0604020202020204" pitchFamily="34" charset="0"/>
+              <a:buChar char="•"/>
+            </a:pPr>
             <a:r>
               <a:rPr lang="en-US" sz="2000" dirty="0" err="1">
                 <a:latin typeface="Rubik" panose="020B0604020202020204" charset="-79"/>
                 <a:cs typeface="Rubik" panose="020B0604020202020204" charset="-79"/>
               </a:rPr>
-              <a:t>almacenar</a:t>
+              <a:t>Procesos</a:t>
             </a:r>
             <a:r>
               <a:rPr lang="en-US" sz="2000" dirty="0">
                 <a:latin typeface="Rubik" panose="020B0604020202020204" charset="-79"/>
                 <a:cs typeface="Rubik" panose="020B0604020202020204" charset="-79"/>
               </a:rPr>
-              <a:t> la </a:t>
-            </a:r>
-            <a:r>
-              <a:rPr lang="en-US" sz="2000" dirty="0" err="1">
-                <a:latin typeface="Rubik" panose="020B0604020202020204" charset="-79"/>
-                <a:cs typeface="Rubik" panose="020B0604020202020204" charset="-79"/>
-              </a:rPr>
-              <a:t>información</a:t>
-            </a:r>
-            <a:r>
-              <a:rPr lang="en-US" sz="2000" dirty="0">
-                <a:latin typeface="Rubik" panose="020B0604020202020204" charset="-79"/>
-                <a:cs typeface="Rubik" panose="020B0604020202020204" charset="-79"/>
-              </a:rPr>
-              <a:t> </a:t>
-            </a:r>
-            <a:r>
-              <a:rPr lang="en-US" sz="2000" dirty="0" err="1">
-                <a:latin typeface="Rubik" panose="020B0604020202020204" charset="-79"/>
-                <a:cs typeface="Rubik" panose="020B0604020202020204" charset="-79"/>
-              </a:rPr>
-              <a:t>recibida</a:t>
-            </a:r>
-            <a:r>
-              <a:rPr lang="en-US" sz="2000" dirty="0">
-                <a:latin typeface="Rubik" panose="020B0604020202020204" charset="-79"/>
-                <a:cs typeface="Rubik" panose="020B0604020202020204" charset="-79"/>
-              </a:rPr>
-              <a:t> por </a:t>
-            </a:r>
-            <a:r>
-              <a:rPr lang="en-US" sz="2000" dirty="0" err="1">
-                <a:latin typeface="Rubik" panose="020B0604020202020204" charset="-79"/>
-                <a:cs typeface="Rubik" panose="020B0604020202020204" charset="-79"/>
-              </a:rPr>
-              <a:t>cada</a:t>
-            </a:r>
-            <a:r>
-              <a:rPr lang="en-US" sz="2000" dirty="0">
-                <a:latin typeface="Rubik" panose="020B0604020202020204" charset="-79"/>
-                <a:cs typeface="Rubik" panose="020B0604020202020204" charset="-79"/>
-              </a:rPr>
-              <a:t> </a:t>
-            </a:r>
-            <a:r>
-              <a:rPr lang="en-US" sz="2000" dirty="0" err="1">
-                <a:latin typeface="Rubik" panose="020B0604020202020204" charset="-79"/>
-                <a:cs typeface="Rubik" panose="020B0604020202020204" charset="-79"/>
-              </a:rPr>
-              <a:t>servicio</a:t>
-            </a:r>
-            <a:r>
-              <a:rPr lang="en-US" sz="2000" dirty="0">
-                <a:latin typeface="Rubik" panose="020B0604020202020204" charset="-79"/>
-                <a:cs typeface="Rubik" panose="020B0604020202020204" charset="-79"/>
-              </a:rPr>
-              <a:t> para </a:t>
-            </a:r>
-            <a:r>
-              <a:rPr lang="en-US" sz="2000" dirty="0" err="1">
-                <a:latin typeface="Rubik" panose="020B0604020202020204" charset="-79"/>
-                <a:cs typeface="Rubik" panose="020B0604020202020204" charset="-79"/>
-              </a:rPr>
-              <a:t>enviar</a:t>
-            </a:r>
-            <a:r>
-              <a:rPr lang="en-US" sz="2000" dirty="0">
-                <a:latin typeface="Rubik" panose="020B0604020202020204" charset="-79"/>
-                <a:cs typeface="Rubik" panose="020B0604020202020204" charset="-79"/>
-              </a:rPr>
-              <a:t> y </a:t>
-            </a:r>
-            <a:r>
-              <a:rPr lang="en-US" sz="2000" dirty="0" err="1">
-                <a:latin typeface="Rubik" panose="020B0604020202020204" charset="-79"/>
-                <a:cs typeface="Rubik" panose="020B0604020202020204" charset="-79"/>
-              </a:rPr>
-              <a:t>recivir</a:t>
-            </a:r>
-            <a:r>
-              <a:rPr lang="en-US" sz="2000" dirty="0">
-                <a:latin typeface="Rubik" panose="020B0604020202020204" charset="-79"/>
-                <a:cs typeface="Rubik" panose="020B0604020202020204" charset="-79"/>
-              </a:rPr>
-              <a:t> </a:t>
-            </a:r>
-            <a:r>
-              <a:rPr lang="en-US" sz="2000" dirty="0" err="1">
-                <a:latin typeface="Rubik" panose="020B0604020202020204" charset="-79"/>
-                <a:cs typeface="Rubik" panose="020B0604020202020204" charset="-79"/>
-              </a:rPr>
-              <a:t>mensajes</a:t>
-            </a:r>
-            <a:r>
-              <a:rPr lang="en-US" sz="2000" dirty="0">
-                <a:latin typeface="Rubik" panose="020B0604020202020204" charset="-79"/>
-                <a:cs typeface="Rubik" panose="020B0604020202020204" charset="-79"/>
-              </a:rPr>
-              <a:t> </a:t>
-            </a:r>
-            <a:r>
-              <a:rPr lang="en-US" sz="2000" dirty="0" err="1">
-                <a:latin typeface="Rubik" panose="020B0604020202020204" charset="-79"/>
-                <a:cs typeface="Rubik" panose="020B0604020202020204" charset="-79"/>
-              </a:rPr>
-              <a:t>definidos</a:t>
-            </a:r>
-            <a:r>
-              <a:rPr lang="en-US" sz="2000" dirty="0">
-                <a:latin typeface="Rubik" panose="020B0604020202020204" charset="-79"/>
-                <a:cs typeface="Rubik" panose="020B0604020202020204" charset="-79"/>
-              </a:rPr>
-              <a:t> por el </a:t>
-            </a:r>
-            <a:r>
-              <a:rPr lang="en-US" sz="2000" dirty="0" err="1">
-                <a:latin typeface="Rubik" panose="020B0604020202020204" charset="-79"/>
-                <a:cs typeface="Rubik" panose="020B0604020202020204" charset="-79"/>
-              </a:rPr>
-              <a:t>contrato</a:t>
-            </a:r>
-            <a:endParaRPr lang="en-US" sz="2000" dirty="0">
-              <a:latin typeface="Rubik" panose="020B0604020202020204" charset="-79"/>
-              <a:cs typeface="Rubik" panose="020B0604020202020204" charset="-79"/>
-            </a:endParaRPr>
+              <a:t> Batch</a:t>
+            </a:r>
           </a:p>
           <a:p>
             <a:pPr marL="342900" lvl="1" indent="-342900">
@@ -11492,6 +12074,844 @@
       </p:pic>
       <p:sp>
         <p:nvSpPr>
+          <p:cNvPr id="6" name="Google Shape;63;p14">
+            <a:extLst>
+              <a:ext uri="{FF2B5EF4-FFF2-40B4-BE49-F238E27FC236}">
+                <a16:creationId xmlns:a16="http://schemas.microsoft.com/office/drawing/2014/main" id="{5000C170-6DA2-4372-9246-A04183759DF7}"/>
+              </a:ext>
+            </a:extLst>
+          </p:cNvPr>
+          <p:cNvSpPr txBox="1"/>
+          <p:nvPr/>
+        </p:nvSpPr>
+        <p:spPr>
+          <a:xfrm>
+            <a:off x="898050" y="305377"/>
+            <a:ext cx="7347900" cy="1449600"/>
+          </a:xfrm>
+          <a:prstGeom prst="rect">
+            <a:avLst/>
+          </a:prstGeom>
+          <a:noFill/>
+          <a:ln>
+            <a:noFill/>
+          </a:ln>
+        </p:spPr>
+        <p:txBody>
+          <a:bodyPr spcFirstLastPara="1" wrap="square" lIns="91425" tIns="91425" rIns="91425" bIns="91425" anchor="t" anchorCtr="0">
+            <a:noAutofit/>
+          </a:bodyPr>
+          <a:lstStyle/>
+          <a:p>
+            <a:pPr lvl="0"/>
+            <a:r>
+              <a:rPr lang="es-ES" sz="3600" dirty="0">
+                <a:solidFill>
+                  <a:schemeClr val="tx1"/>
+                </a:solidFill>
+                <a:latin typeface="Rubik"/>
+                <a:ea typeface="Rubik"/>
+                <a:cs typeface="Rubik"/>
+                <a:sym typeface="Rubik"/>
+              </a:rPr>
+              <a:t>Introducción</a:t>
+            </a:r>
+          </a:p>
+        </p:txBody>
+      </p:sp>
+    </p:spTree>
+    <p:extLst>
+      <p:ext uri="{BB962C8B-B14F-4D97-AF65-F5344CB8AC3E}">
+        <p14:creationId xmlns:p14="http://schemas.microsoft.com/office/powerpoint/2010/main" val="2425071019"/>
+      </p:ext>
+    </p:extLst>
+  </p:cSld>
+  <p:clrMapOvr>
+    <a:masterClrMapping/>
+  </p:clrMapOvr>
+</p:sld>
+</file>
+
+<file path=ppt/slides/slide6.xml><?xml version="1.0" encoding="utf-8"?>
+<p:sld xmlns:a="http://schemas.openxmlformats.org/drawingml/2006/main" xmlns:r="http://schemas.openxmlformats.org/officeDocument/2006/relationships" xmlns:p="http://schemas.openxmlformats.org/presentationml/2006/main">
+  <p:cSld>
+    <p:spTree>
+      <p:nvGrpSpPr>
+        <p:cNvPr id="1" name="Shape 70"/>
+        <p:cNvGrpSpPr/>
+        <p:nvPr/>
+      </p:nvGrpSpPr>
+      <p:grpSpPr>
+        <a:xfrm>
+          <a:off x="0" y="0"/>
+          <a:ext cx="0" cy="0"/>
+          <a:chOff x="0" y="0"/>
+          <a:chExt cx="0" cy="0"/>
+        </a:xfrm>
+      </p:grpSpPr>
+      <p:sp>
+        <p:nvSpPr>
+          <p:cNvPr id="8" name="Rectangle 7">
+            <a:extLst>
+              <a:ext uri="{FF2B5EF4-FFF2-40B4-BE49-F238E27FC236}">
+                <a16:creationId xmlns:a16="http://schemas.microsoft.com/office/drawing/2014/main" id="{E9C285D9-71BC-49C3-A958-54BC6EED198E}"/>
+              </a:ext>
+            </a:extLst>
+          </p:cNvPr>
+          <p:cNvSpPr/>
+          <p:nvPr/>
+        </p:nvSpPr>
+        <p:spPr>
+          <a:xfrm>
+            <a:off x="898050" y="1631899"/>
+            <a:ext cx="8122382" cy="2246769"/>
+          </a:xfrm>
+          <a:prstGeom prst="rect">
+            <a:avLst/>
+          </a:prstGeom>
+        </p:spPr>
+        <p:txBody>
+          <a:bodyPr wrap="square">
+            <a:spAutoFit/>
+          </a:bodyPr>
+          <a:lstStyle/>
+          <a:p>
+            <a:pPr marL="285750" indent="-285750">
+              <a:buFont typeface="Arial" panose="020B0604020202020204" pitchFamily="34" charset="0"/>
+              <a:buChar char="•"/>
+            </a:pPr>
+            <a:r>
+              <a:rPr lang="en-US" sz="2000" dirty="0">
+                <a:latin typeface="Rubik" panose="020B0604020202020204" charset="-79"/>
+                <a:cs typeface="Rubik" panose="020B0604020202020204" charset="-79"/>
+              </a:rPr>
+              <a:t>Sin </a:t>
+            </a:r>
+            <a:r>
+              <a:rPr lang="en-US" sz="2000" dirty="0" err="1">
+                <a:latin typeface="Rubik" panose="020B0604020202020204" charset="-79"/>
+                <a:cs typeface="Rubik" panose="020B0604020202020204" charset="-79"/>
+              </a:rPr>
+              <a:t>costo</a:t>
+            </a:r>
+            <a:r>
+              <a:rPr lang="en-US" sz="2000" dirty="0">
+                <a:latin typeface="Rubik" panose="020B0604020202020204" charset="-79"/>
+                <a:cs typeface="Rubik" panose="020B0604020202020204" charset="-79"/>
+              </a:rPr>
+              <a:t> de </a:t>
+            </a:r>
+            <a:r>
+              <a:rPr lang="en-US" sz="2000" dirty="0" err="1">
+                <a:latin typeface="Rubik" panose="020B0604020202020204" charset="-79"/>
+                <a:cs typeface="Rubik" panose="020B0604020202020204" charset="-79"/>
+              </a:rPr>
+              <a:t>licencia</a:t>
+            </a:r>
+            <a:r>
+              <a:rPr lang="en-US" sz="2000" dirty="0">
+                <a:latin typeface="Rubik" panose="020B0604020202020204" charset="-79"/>
+                <a:cs typeface="Rubik" panose="020B0604020202020204" charset="-79"/>
+              </a:rPr>
+              <a:t> (Express)</a:t>
+            </a:r>
+          </a:p>
+          <a:p>
+            <a:pPr marL="285750" indent="-285750">
+              <a:buFont typeface="Arial" panose="020B0604020202020204" pitchFamily="34" charset="0"/>
+              <a:buChar char="•"/>
+            </a:pPr>
+            <a:r>
+              <a:rPr lang="en-US" sz="2000" dirty="0" err="1">
+                <a:latin typeface="Rubik" panose="020B0604020202020204" charset="-79"/>
+                <a:cs typeface="Rubik" panose="020B0604020202020204" charset="-79"/>
+              </a:rPr>
+              <a:t>Unificar</a:t>
+            </a:r>
+            <a:r>
+              <a:rPr lang="en-US" sz="2000" dirty="0">
+                <a:latin typeface="Rubik" panose="020B0604020202020204" charset="-79"/>
+                <a:cs typeface="Rubik" panose="020B0604020202020204" charset="-79"/>
+              </a:rPr>
+              <a:t> los </a:t>
+            </a:r>
+            <a:r>
+              <a:rPr lang="en-US" sz="2000" dirty="0" err="1">
+                <a:latin typeface="Rubik" panose="020B0604020202020204" charset="-79"/>
+                <a:cs typeface="Rubik" panose="020B0604020202020204" charset="-79"/>
+              </a:rPr>
+              <a:t>datos</a:t>
+            </a:r>
+            <a:r>
+              <a:rPr lang="en-US" sz="2000" dirty="0">
+                <a:latin typeface="Rubik" panose="020B0604020202020204" charset="-79"/>
+                <a:cs typeface="Rubik" panose="020B0604020202020204" charset="-79"/>
+              </a:rPr>
+              <a:t> con la </a:t>
+            </a:r>
+            <a:r>
+              <a:rPr lang="en-US" sz="2000" dirty="0" err="1">
+                <a:latin typeface="Rubik" panose="020B0604020202020204" charset="-79"/>
+                <a:cs typeface="Rubik" panose="020B0604020202020204" charset="-79"/>
+              </a:rPr>
+              <a:t>mensajeria</a:t>
+            </a:r>
+            <a:endParaRPr lang="en-US" sz="2000" dirty="0">
+              <a:latin typeface="Rubik" panose="020B0604020202020204" charset="-79"/>
+              <a:cs typeface="Rubik" panose="020B0604020202020204" charset="-79"/>
+            </a:endParaRPr>
+          </a:p>
+          <a:p>
+            <a:pPr marL="285750" indent="-285750">
+              <a:buFont typeface="Arial" panose="020B0604020202020204" pitchFamily="34" charset="0"/>
+              <a:buChar char="•"/>
+            </a:pPr>
+            <a:r>
+              <a:rPr lang="en-US" sz="2000" dirty="0" err="1">
+                <a:latin typeface="Rubik" panose="020B0604020202020204" charset="-79"/>
+                <a:cs typeface="Rubik" panose="020B0604020202020204" charset="-79"/>
+              </a:rPr>
+              <a:t>Integración</a:t>
+            </a:r>
+            <a:r>
+              <a:rPr lang="en-US" sz="2000" dirty="0">
+                <a:latin typeface="Rubik" panose="020B0604020202020204" charset="-79"/>
+                <a:cs typeface="Rubik" panose="020B0604020202020204" charset="-79"/>
+              </a:rPr>
+              <a:t> con </a:t>
+            </a:r>
+            <a:r>
+              <a:rPr lang="en-US" sz="2000" dirty="0" err="1">
+                <a:latin typeface="Rubik" panose="020B0604020202020204" charset="-79"/>
+                <a:cs typeface="Rubik" panose="020B0604020202020204" charset="-79"/>
+              </a:rPr>
+              <a:t>otras</a:t>
+            </a:r>
+            <a:r>
+              <a:rPr lang="en-US" sz="2000" dirty="0">
+                <a:latin typeface="Rubik" panose="020B0604020202020204" charset="-79"/>
+                <a:cs typeface="Rubik" panose="020B0604020202020204" charset="-79"/>
+              </a:rPr>
+              <a:t> </a:t>
+            </a:r>
+            <a:r>
+              <a:rPr lang="en-US" sz="2000" dirty="0" err="1">
+                <a:latin typeface="Rubik" panose="020B0604020202020204" charset="-79"/>
+                <a:cs typeface="Rubik" panose="020B0604020202020204" charset="-79"/>
+              </a:rPr>
+              <a:t>caracteristsicas</a:t>
+            </a:r>
+            <a:r>
+              <a:rPr lang="en-US" sz="2000" dirty="0">
+                <a:latin typeface="Rubik" panose="020B0604020202020204" charset="-79"/>
+                <a:cs typeface="Rubik" panose="020B0604020202020204" charset="-79"/>
+              </a:rPr>
+              <a:t> (ML, </a:t>
+            </a:r>
+            <a:r>
+              <a:rPr lang="en-US" sz="2000" dirty="0" err="1">
+                <a:latin typeface="Rubik" panose="020B0604020202020204" charset="-79"/>
+                <a:cs typeface="Rubik" panose="020B0604020202020204" charset="-79"/>
+              </a:rPr>
+              <a:t>GraphSQL</a:t>
+            </a:r>
+            <a:r>
+              <a:rPr lang="en-US" sz="2000" dirty="0">
+                <a:latin typeface="Rubik" panose="020B0604020202020204" charset="-79"/>
+                <a:cs typeface="Rubik" panose="020B0604020202020204" charset="-79"/>
+              </a:rPr>
+              <a:t>)</a:t>
+            </a:r>
+          </a:p>
+          <a:p>
+            <a:pPr marL="285750" indent="-285750">
+              <a:buFont typeface="Arial" panose="020B0604020202020204" pitchFamily="34" charset="0"/>
+              <a:buChar char="•"/>
+            </a:pPr>
+            <a:r>
+              <a:rPr lang="en-US" sz="2000" dirty="0" err="1">
+                <a:latin typeface="Rubik" panose="020B0604020202020204" charset="-79"/>
+                <a:cs typeface="Rubik" panose="020B0604020202020204" charset="-79"/>
+              </a:rPr>
+              <a:t>Contenedores</a:t>
+            </a:r>
+            <a:r>
+              <a:rPr lang="en-US" sz="2000" dirty="0">
+                <a:latin typeface="Rubik" panose="020B0604020202020204" charset="-79"/>
+                <a:cs typeface="Rubik" panose="020B0604020202020204" charset="-79"/>
+              </a:rPr>
+              <a:t>/Linux</a:t>
+            </a:r>
+          </a:p>
+          <a:p>
+            <a:pPr marL="285750" indent="-285750">
+              <a:buFont typeface="Arial" panose="020B0604020202020204" pitchFamily="34" charset="0"/>
+              <a:buChar char="•"/>
+            </a:pPr>
+            <a:endParaRPr lang="en-US" sz="2000" dirty="0">
+              <a:latin typeface="Rubik" panose="020B0604020202020204" charset="-79"/>
+              <a:cs typeface="Rubik" panose="020B0604020202020204" charset="-79"/>
+            </a:endParaRPr>
+          </a:p>
+          <a:p>
+            <a:pPr marL="285750" indent="-285750">
+              <a:buFont typeface="Arial" panose="020B0604020202020204" pitchFamily="34" charset="0"/>
+              <a:buChar char="•"/>
+            </a:pPr>
+            <a:endParaRPr lang="en-US" sz="2000" dirty="0">
+              <a:latin typeface="Rubik" panose="020B0604020202020204" charset="-79"/>
+              <a:cs typeface="Rubik" panose="020B0604020202020204" charset="-79"/>
+            </a:endParaRPr>
+          </a:p>
+          <a:p>
+            <a:pPr marL="342900" lvl="1" indent="-342900">
+              <a:buFontTx/>
+              <a:buChar char="-"/>
+            </a:pPr>
+            <a:endParaRPr lang="en-US" sz="2000" dirty="0">
+              <a:latin typeface="Rubik" panose="020B0604020202020204" charset="-79"/>
+              <a:cs typeface="Rubik" panose="020B0604020202020204" charset="-79"/>
+            </a:endParaRPr>
+          </a:p>
+        </p:txBody>
+      </p:sp>
+      <p:sp>
+        <p:nvSpPr>
+          <p:cNvPr id="71" name="Google Shape;71;p15"/>
+          <p:cNvSpPr/>
+          <p:nvPr/>
+        </p:nvSpPr>
+        <p:spPr>
+          <a:xfrm rot="10800000">
+            <a:off x="5606100" y="100"/>
+            <a:ext cx="3537900" cy="1449600"/>
+          </a:xfrm>
+          <a:prstGeom prst="rtTriangle">
+            <a:avLst/>
+          </a:prstGeom>
+          <a:solidFill>
+            <a:srgbClr val="4883F6"/>
+          </a:solidFill>
+          <a:ln>
+            <a:noFill/>
+          </a:ln>
+        </p:spPr>
+        <p:txBody>
+          <a:bodyPr spcFirstLastPara="1" wrap="square" lIns="91425" tIns="91425" rIns="91425" bIns="91425" anchor="ctr" anchorCtr="0">
+            <a:noAutofit/>
+          </a:bodyPr>
+          <a:lstStyle/>
+          <a:p>
+            <a:pPr marL="0" lvl="0" indent="0" algn="l" rtl="0">
+              <a:spcBef>
+                <a:spcPts val="0"/>
+              </a:spcBef>
+              <a:spcAft>
+                <a:spcPts val="0"/>
+              </a:spcAft>
+              <a:buNone/>
+            </a:pPr>
+            <a:endParaRPr/>
+          </a:p>
+        </p:txBody>
+      </p:sp>
+      <p:pic>
+        <p:nvPicPr>
+          <p:cNvPr id="72" name="Google Shape;72;p15"/>
+          <p:cNvPicPr preferRelativeResize="0"/>
+          <p:nvPr/>
+        </p:nvPicPr>
+        <p:blipFill>
+          <a:blip r:embed="rId3">
+            <a:alphaModFix/>
+          </a:blip>
+          <a:stretch>
+            <a:fillRect/>
+          </a:stretch>
+        </p:blipFill>
+        <p:spPr>
+          <a:xfrm>
+            <a:off x="7467000" y="228400"/>
+            <a:ext cx="1403875" cy="588001"/>
+          </a:xfrm>
+          <a:prstGeom prst="rect">
+            <a:avLst/>
+          </a:prstGeom>
+          <a:noFill/>
+          <a:ln>
+            <a:noFill/>
+          </a:ln>
+        </p:spPr>
+      </p:pic>
+      <p:sp>
+        <p:nvSpPr>
+          <p:cNvPr id="6" name="Google Shape;63;p14">
+            <a:extLst>
+              <a:ext uri="{FF2B5EF4-FFF2-40B4-BE49-F238E27FC236}">
+                <a16:creationId xmlns:a16="http://schemas.microsoft.com/office/drawing/2014/main" id="{5000C170-6DA2-4372-9246-A04183759DF7}"/>
+              </a:ext>
+            </a:extLst>
+          </p:cNvPr>
+          <p:cNvSpPr txBox="1"/>
+          <p:nvPr/>
+        </p:nvSpPr>
+        <p:spPr>
+          <a:xfrm>
+            <a:off x="898050" y="305377"/>
+            <a:ext cx="7347900" cy="1449600"/>
+          </a:xfrm>
+          <a:prstGeom prst="rect">
+            <a:avLst/>
+          </a:prstGeom>
+          <a:noFill/>
+          <a:ln>
+            <a:noFill/>
+          </a:ln>
+        </p:spPr>
+        <p:txBody>
+          <a:bodyPr spcFirstLastPara="1" wrap="square" lIns="91425" tIns="91425" rIns="91425" bIns="91425" anchor="t" anchorCtr="0">
+            <a:noAutofit/>
+          </a:bodyPr>
+          <a:lstStyle/>
+          <a:p>
+            <a:pPr lvl="0"/>
+            <a:r>
+              <a:rPr lang="es-ES" sz="3600" dirty="0">
+                <a:solidFill>
+                  <a:schemeClr val="tx1"/>
+                </a:solidFill>
+                <a:latin typeface="Rubik"/>
+                <a:ea typeface="Rubik"/>
+                <a:cs typeface="Rubik"/>
+                <a:sym typeface="Rubik"/>
+              </a:rPr>
+              <a:t>Porque SQL Server</a:t>
+            </a:r>
+          </a:p>
+        </p:txBody>
+      </p:sp>
+    </p:spTree>
+    <p:extLst>
+      <p:ext uri="{BB962C8B-B14F-4D97-AF65-F5344CB8AC3E}">
+        <p14:creationId xmlns:p14="http://schemas.microsoft.com/office/powerpoint/2010/main" val="1189842094"/>
+      </p:ext>
+    </p:extLst>
+  </p:cSld>
+  <p:clrMapOvr>
+    <a:masterClrMapping/>
+  </p:clrMapOvr>
+</p:sld>
+</file>
+
+<file path=ppt/slides/slide7.xml><?xml version="1.0" encoding="utf-8"?>
+<p:sld xmlns:a="http://schemas.openxmlformats.org/drawingml/2006/main" xmlns:r="http://schemas.openxmlformats.org/officeDocument/2006/relationships" xmlns:p="http://schemas.openxmlformats.org/presentationml/2006/main">
+  <p:cSld>
+    <p:spTree>
+      <p:nvGrpSpPr>
+        <p:cNvPr id="1" name="Shape 70"/>
+        <p:cNvGrpSpPr/>
+        <p:nvPr/>
+      </p:nvGrpSpPr>
+      <p:grpSpPr>
+        <a:xfrm>
+          <a:off x="0" y="0"/>
+          <a:ext cx="0" cy="0"/>
+          <a:chOff x="0" y="0"/>
+          <a:chExt cx="0" cy="0"/>
+        </a:xfrm>
+      </p:grpSpPr>
+      <p:sp>
+        <p:nvSpPr>
+          <p:cNvPr id="7" name="Rectangle 6">
+            <a:extLst>
+              <a:ext uri="{FF2B5EF4-FFF2-40B4-BE49-F238E27FC236}">
+                <a16:creationId xmlns:a16="http://schemas.microsoft.com/office/drawing/2014/main" id="{9F6B0F7C-E516-482C-B067-15EDEFEEB944}"/>
+              </a:ext>
+            </a:extLst>
+          </p:cNvPr>
+          <p:cNvSpPr/>
+          <p:nvPr/>
+        </p:nvSpPr>
+        <p:spPr>
+          <a:xfrm>
+            <a:off x="898050" y="1631899"/>
+            <a:ext cx="8122382" cy="1938992"/>
+          </a:xfrm>
+          <a:prstGeom prst="rect">
+            <a:avLst/>
+          </a:prstGeom>
+        </p:spPr>
+        <p:txBody>
+          <a:bodyPr wrap="square">
+            <a:spAutoFit/>
+          </a:bodyPr>
+          <a:lstStyle/>
+          <a:p>
+            <a:r>
+              <a:rPr lang="en-US" sz="2000" dirty="0" err="1">
+                <a:latin typeface="Rubik" panose="020B0604020202020204" charset="-79"/>
+                <a:cs typeface="Rubik" panose="020B0604020202020204" charset="-79"/>
+              </a:rPr>
+              <a:t>Tipos</a:t>
+            </a:r>
+            <a:r>
+              <a:rPr lang="en-US" sz="2000" dirty="0">
+                <a:latin typeface="Rubik" panose="020B0604020202020204" charset="-79"/>
+                <a:cs typeface="Rubik" panose="020B0604020202020204" charset="-79"/>
+              </a:rPr>
+              <a:t> de </a:t>
+            </a:r>
+            <a:r>
+              <a:rPr lang="en-US" sz="2000" dirty="0" err="1">
+                <a:latin typeface="Rubik" panose="020B0604020202020204" charset="-79"/>
+                <a:cs typeface="Rubik" panose="020B0604020202020204" charset="-79"/>
+              </a:rPr>
+              <a:t>mensaje</a:t>
+            </a:r>
+            <a:r>
+              <a:rPr lang="en-US" sz="2000" dirty="0">
+                <a:latin typeface="Rubik" panose="020B0604020202020204" charset="-79"/>
+                <a:cs typeface="Rubik" panose="020B0604020202020204" charset="-79"/>
+              </a:rPr>
+              <a:t> para definer los </a:t>
+            </a:r>
+            <a:r>
+              <a:rPr lang="en-US" sz="2000" dirty="0" err="1">
+                <a:latin typeface="Rubik" panose="020B0604020202020204" charset="-79"/>
+                <a:cs typeface="Rubik" panose="020B0604020202020204" charset="-79"/>
+              </a:rPr>
+              <a:t>mensajes</a:t>
+            </a:r>
+            <a:r>
+              <a:rPr lang="en-US" sz="2000" dirty="0">
+                <a:latin typeface="Rubik" panose="020B0604020202020204" charset="-79"/>
+                <a:cs typeface="Rubik" panose="020B0604020202020204" charset="-79"/>
+              </a:rPr>
+              <a:t> a </a:t>
+            </a:r>
+            <a:r>
+              <a:rPr lang="en-US" sz="2000" dirty="0" err="1">
+                <a:latin typeface="Rubik" panose="020B0604020202020204" charset="-79"/>
+                <a:cs typeface="Rubik" panose="020B0604020202020204" charset="-79"/>
+              </a:rPr>
+              <a:t>usar</a:t>
+            </a:r>
+            <a:endParaRPr lang="en-US" sz="2000" dirty="0">
+              <a:latin typeface="Rubik" panose="020B0604020202020204" charset="-79"/>
+              <a:cs typeface="Rubik" panose="020B0604020202020204" charset="-79"/>
+            </a:endParaRPr>
+          </a:p>
+          <a:p>
+            <a:r>
+              <a:rPr lang="en-US" sz="2000" dirty="0" err="1">
+                <a:latin typeface="Rubik" panose="020B0604020202020204" charset="-79"/>
+                <a:cs typeface="Rubik" panose="020B0604020202020204" charset="-79"/>
+              </a:rPr>
+              <a:t>Contratos</a:t>
+            </a:r>
+            <a:r>
+              <a:rPr lang="en-US" sz="2000" dirty="0">
+                <a:latin typeface="Rubik" panose="020B0604020202020204" charset="-79"/>
+                <a:cs typeface="Rubik" panose="020B0604020202020204" charset="-79"/>
+              </a:rPr>
+              <a:t> para definer los </a:t>
+            </a:r>
+            <a:r>
+              <a:rPr lang="en-US" sz="2000" dirty="0" err="1">
+                <a:latin typeface="Rubik" panose="020B0604020202020204" charset="-79"/>
+                <a:cs typeface="Rubik" panose="020B0604020202020204" charset="-79"/>
+              </a:rPr>
+              <a:t>mensajes</a:t>
+            </a:r>
+            <a:r>
+              <a:rPr lang="en-US" sz="2000" dirty="0">
+                <a:latin typeface="Rubik" panose="020B0604020202020204" charset="-79"/>
+                <a:cs typeface="Rubik" panose="020B0604020202020204" charset="-79"/>
+              </a:rPr>
+              <a:t> que se </a:t>
+            </a:r>
+            <a:r>
+              <a:rPr lang="en-US" sz="2000" dirty="0" err="1">
+                <a:latin typeface="Rubik" panose="020B0604020202020204" charset="-79"/>
+                <a:cs typeface="Rubik" panose="020B0604020202020204" charset="-79"/>
+              </a:rPr>
+              <a:t>envian</a:t>
+            </a:r>
+            <a:r>
+              <a:rPr lang="en-US" sz="2000" dirty="0">
+                <a:latin typeface="Rubik" panose="020B0604020202020204" charset="-79"/>
+                <a:cs typeface="Rubik" panose="020B0604020202020204" charset="-79"/>
+              </a:rPr>
+              <a:t> y </a:t>
+            </a:r>
+            <a:r>
+              <a:rPr lang="en-US" sz="2000" dirty="0" err="1">
+                <a:latin typeface="Rubik" panose="020B0604020202020204" charset="-79"/>
+                <a:cs typeface="Rubik" panose="020B0604020202020204" charset="-79"/>
+              </a:rPr>
+              <a:t>reciben</a:t>
+            </a:r>
+            <a:r>
+              <a:rPr lang="en-US" sz="2000" dirty="0">
+                <a:latin typeface="Rubik" panose="020B0604020202020204" charset="-79"/>
+                <a:cs typeface="Rubik" panose="020B0604020202020204" charset="-79"/>
+              </a:rPr>
+              <a:t> </a:t>
+            </a:r>
+            <a:r>
+              <a:rPr lang="en-US" sz="2000" dirty="0" err="1">
+                <a:latin typeface="Rubik" panose="020B0604020202020204" charset="-79"/>
+                <a:cs typeface="Rubik" panose="020B0604020202020204" charset="-79"/>
+              </a:rPr>
+              <a:t>en</a:t>
+            </a:r>
+            <a:r>
+              <a:rPr lang="en-US" sz="2000" dirty="0">
+                <a:latin typeface="Rubik" panose="020B0604020202020204" charset="-79"/>
+                <a:cs typeface="Rubik" panose="020B0604020202020204" charset="-79"/>
+              </a:rPr>
+              <a:t> un </a:t>
+            </a:r>
+            <a:r>
+              <a:rPr lang="en-US" sz="2000" dirty="0" err="1">
+                <a:latin typeface="Rubik" panose="020B0604020202020204" charset="-79"/>
+                <a:cs typeface="Rubik" panose="020B0604020202020204" charset="-79"/>
+              </a:rPr>
+              <a:t>servicio</a:t>
+            </a:r>
+            <a:endParaRPr lang="en-US" sz="2000" dirty="0">
+              <a:latin typeface="Rubik" panose="020B0604020202020204" charset="-79"/>
+              <a:cs typeface="Rubik" panose="020B0604020202020204" charset="-79"/>
+            </a:endParaRPr>
+          </a:p>
+          <a:p>
+            <a:r>
+              <a:rPr lang="en-US" sz="2000" dirty="0">
+                <a:latin typeface="Rubik" panose="020B0604020202020204" charset="-79"/>
+                <a:cs typeface="Rubik" panose="020B0604020202020204" charset="-79"/>
+              </a:rPr>
+              <a:t>Queue para </a:t>
+            </a:r>
+            <a:r>
+              <a:rPr lang="en-US" sz="2000" dirty="0" err="1">
+                <a:latin typeface="Rubik" panose="020B0604020202020204" charset="-79"/>
+                <a:cs typeface="Rubik" panose="020B0604020202020204" charset="-79"/>
+              </a:rPr>
+              <a:t>almacenar</a:t>
+            </a:r>
+            <a:r>
+              <a:rPr lang="en-US" sz="2000" dirty="0">
+                <a:latin typeface="Rubik" panose="020B0604020202020204" charset="-79"/>
+                <a:cs typeface="Rubik" panose="020B0604020202020204" charset="-79"/>
+              </a:rPr>
+              <a:t> la </a:t>
+            </a:r>
+            <a:r>
+              <a:rPr lang="en-US" sz="2000" dirty="0" err="1">
+                <a:latin typeface="Rubik" panose="020B0604020202020204" charset="-79"/>
+                <a:cs typeface="Rubik" panose="020B0604020202020204" charset="-79"/>
+              </a:rPr>
+              <a:t>información</a:t>
+            </a:r>
+            <a:r>
+              <a:rPr lang="en-US" sz="2000" dirty="0">
+                <a:latin typeface="Rubik" panose="020B0604020202020204" charset="-79"/>
+                <a:cs typeface="Rubik" panose="020B0604020202020204" charset="-79"/>
+              </a:rPr>
+              <a:t> </a:t>
+            </a:r>
+            <a:r>
+              <a:rPr lang="en-US" sz="2000" dirty="0" err="1">
+                <a:latin typeface="Rubik" panose="020B0604020202020204" charset="-79"/>
+                <a:cs typeface="Rubik" panose="020B0604020202020204" charset="-79"/>
+              </a:rPr>
+              <a:t>recibida</a:t>
+            </a:r>
+            <a:r>
+              <a:rPr lang="en-US" sz="2000" dirty="0">
+                <a:latin typeface="Rubik" panose="020B0604020202020204" charset="-79"/>
+                <a:cs typeface="Rubik" panose="020B0604020202020204" charset="-79"/>
+              </a:rPr>
+              <a:t> por </a:t>
+            </a:r>
+            <a:r>
+              <a:rPr lang="en-US" sz="2000" dirty="0" err="1">
+                <a:latin typeface="Rubik" panose="020B0604020202020204" charset="-79"/>
+                <a:cs typeface="Rubik" panose="020B0604020202020204" charset="-79"/>
+              </a:rPr>
+              <a:t>cada</a:t>
+            </a:r>
+            <a:r>
+              <a:rPr lang="en-US" sz="2000" dirty="0">
+                <a:latin typeface="Rubik" panose="020B0604020202020204" charset="-79"/>
+                <a:cs typeface="Rubik" panose="020B0604020202020204" charset="-79"/>
+              </a:rPr>
+              <a:t> </a:t>
+            </a:r>
+            <a:r>
+              <a:rPr lang="en-US" sz="2000" dirty="0" err="1">
+                <a:latin typeface="Rubik" panose="020B0604020202020204" charset="-79"/>
+                <a:cs typeface="Rubik" panose="020B0604020202020204" charset="-79"/>
+              </a:rPr>
+              <a:t>servicio</a:t>
+            </a:r>
+            <a:r>
+              <a:rPr lang="en-US" sz="2000" dirty="0">
+                <a:latin typeface="Rubik" panose="020B0604020202020204" charset="-79"/>
+                <a:cs typeface="Rubik" panose="020B0604020202020204" charset="-79"/>
+              </a:rPr>
+              <a:t> para </a:t>
+            </a:r>
+            <a:r>
+              <a:rPr lang="en-US" sz="2000" dirty="0" err="1">
+                <a:latin typeface="Rubik" panose="020B0604020202020204" charset="-79"/>
+                <a:cs typeface="Rubik" panose="020B0604020202020204" charset="-79"/>
+              </a:rPr>
+              <a:t>enviar</a:t>
+            </a:r>
+            <a:r>
+              <a:rPr lang="en-US" sz="2000" dirty="0">
+                <a:latin typeface="Rubik" panose="020B0604020202020204" charset="-79"/>
+                <a:cs typeface="Rubik" panose="020B0604020202020204" charset="-79"/>
+              </a:rPr>
+              <a:t> y </a:t>
+            </a:r>
+            <a:r>
+              <a:rPr lang="en-US" sz="2000" dirty="0" err="1">
+                <a:latin typeface="Rubik" panose="020B0604020202020204" charset="-79"/>
+                <a:cs typeface="Rubik" panose="020B0604020202020204" charset="-79"/>
+              </a:rPr>
+              <a:t>recivir</a:t>
+            </a:r>
+            <a:r>
+              <a:rPr lang="en-US" sz="2000" dirty="0">
+                <a:latin typeface="Rubik" panose="020B0604020202020204" charset="-79"/>
+                <a:cs typeface="Rubik" panose="020B0604020202020204" charset="-79"/>
+              </a:rPr>
+              <a:t> </a:t>
+            </a:r>
+            <a:r>
+              <a:rPr lang="en-US" sz="2000" dirty="0" err="1">
+                <a:latin typeface="Rubik" panose="020B0604020202020204" charset="-79"/>
+                <a:cs typeface="Rubik" panose="020B0604020202020204" charset="-79"/>
+              </a:rPr>
+              <a:t>mensajes</a:t>
+            </a:r>
+            <a:r>
+              <a:rPr lang="en-US" sz="2000" dirty="0">
+                <a:latin typeface="Rubik" panose="020B0604020202020204" charset="-79"/>
+                <a:cs typeface="Rubik" panose="020B0604020202020204" charset="-79"/>
+              </a:rPr>
+              <a:t> </a:t>
+            </a:r>
+            <a:r>
+              <a:rPr lang="en-US" sz="2000" dirty="0" err="1">
+                <a:latin typeface="Rubik" panose="020B0604020202020204" charset="-79"/>
+                <a:cs typeface="Rubik" panose="020B0604020202020204" charset="-79"/>
+              </a:rPr>
+              <a:t>definidos</a:t>
+            </a:r>
+            <a:r>
+              <a:rPr lang="en-US" sz="2000" dirty="0">
+                <a:latin typeface="Rubik" panose="020B0604020202020204" charset="-79"/>
+                <a:cs typeface="Rubik" panose="020B0604020202020204" charset="-79"/>
+              </a:rPr>
+              <a:t> por el </a:t>
+            </a:r>
+            <a:r>
+              <a:rPr lang="en-US" sz="2000" dirty="0" err="1">
+                <a:latin typeface="Rubik" panose="020B0604020202020204" charset="-79"/>
+                <a:cs typeface="Rubik" panose="020B0604020202020204" charset="-79"/>
+              </a:rPr>
+              <a:t>contrato</a:t>
+            </a:r>
+            <a:endParaRPr lang="en-US" sz="2000" dirty="0">
+              <a:latin typeface="Rubik" panose="020B0604020202020204" charset="-79"/>
+              <a:cs typeface="Rubik" panose="020B0604020202020204" charset="-79"/>
+            </a:endParaRPr>
+          </a:p>
+          <a:p>
+            <a:pPr marL="342900" lvl="1" indent="-342900">
+              <a:buFontTx/>
+              <a:buChar char="-"/>
+            </a:pPr>
+            <a:endParaRPr lang="en-US" sz="2000" dirty="0">
+              <a:latin typeface="Rubik" panose="020B0604020202020204" charset="-79"/>
+              <a:cs typeface="Rubik" panose="020B0604020202020204" charset="-79"/>
+            </a:endParaRPr>
+          </a:p>
+        </p:txBody>
+      </p:sp>
+      <p:sp>
+        <p:nvSpPr>
+          <p:cNvPr id="71" name="Google Shape;71;p15"/>
+          <p:cNvSpPr/>
+          <p:nvPr/>
+        </p:nvSpPr>
+        <p:spPr>
+          <a:xfrm rot="10800000">
+            <a:off x="5606100" y="100"/>
+            <a:ext cx="3537900" cy="1449600"/>
+          </a:xfrm>
+          <a:prstGeom prst="rtTriangle">
+            <a:avLst/>
+          </a:prstGeom>
+          <a:solidFill>
+            <a:srgbClr val="4883F6"/>
+          </a:solidFill>
+          <a:ln>
+            <a:noFill/>
+          </a:ln>
+        </p:spPr>
+        <p:txBody>
+          <a:bodyPr spcFirstLastPara="1" wrap="square" lIns="91425" tIns="91425" rIns="91425" bIns="91425" anchor="ctr" anchorCtr="0">
+            <a:noAutofit/>
+          </a:bodyPr>
+          <a:lstStyle/>
+          <a:p>
+            <a:pPr marL="0" lvl="0" indent="0" algn="l" rtl="0">
+              <a:spcBef>
+                <a:spcPts val="0"/>
+              </a:spcBef>
+              <a:spcAft>
+                <a:spcPts val="0"/>
+              </a:spcAft>
+              <a:buNone/>
+            </a:pPr>
+            <a:endParaRPr/>
+          </a:p>
+        </p:txBody>
+      </p:sp>
+      <p:pic>
+        <p:nvPicPr>
+          <p:cNvPr id="72" name="Google Shape;72;p15"/>
+          <p:cNvPicPr preferRelativeResize="0"/>
+          <p:nvPr/>
+        </p:nvPicPr>
+        <p:blipFill>
+          <a:blip r:embed="rId3">
+            <a:alphaModFix/>
+          </a:blip>
+          <a:stretch>
+            <a:fillRect/>
+          </a:stretch>
+        </p:blipFill>
+        <p:spPr>
+          <a:xfrm>
+            <a:off x="7467000" y="228400"/>
+            <a:ext cx="1403875" cy="588001"/>
+          </a:xfrm>
+          <a:prstGeom prst="rect">
+            <a:avLst/>
+          </a:prstGeom>
+          <a:noFill/>
+          <a:ln>
+            <a:noFill/>
+          </a:ln>
+        </p:spPr>
+      </p:pic>
+      <p:sp>
+        <p:nvSpPr>
           <p:cNvPr id="5" name="Google Shape;63;p14">
             <a:extLst>
               <a:ext uri="{FF2B5EF4-FFF2-40B4-BE49-F238E27FC236}">
@@ -11562,7 +12982,7 @@
 </p:sld>
 </file>
 
-<file path=ppt/slides/slide6.xml><?xml version="1.0" encoding="utf-8"?>
+<file path=ppt/slides/slide8.xml><?xml version="1.0" encoding="utf-8"?>
 <p:sld xmlns:a="http://schemas.openxmlformats.org/drawingml/2006/main" xmlns:r="http://schemas.openxmlformats.org/officeDocument/2006/relationships" xmlns:p="http://schemas.openxmlformats.org/presentationml/2006/main">
   <p:cSld>
     <p:spTree>
@@ -12429,727 +13849,6 @@
 </p:sld>
 </file>
 
-<file path=ppt/slides/slide7.xml><?xml version="1.0" encoding="utf-8"?>
-<p:sld xmlns:a="http://schemas.openxmlformats.org/drawingml/2006/main" xmlns:r="http://schemas.openxmlformats.org/officeDocument/2006/relationships" xmlns:p="http://schemas.openxmlformats.org/presentationml/2006/main">
-  <p:cSld>
-    <p:spTree>
-      <p:nvGrpSpPr>
-        <p:cNvPr id="1" name="Shape 70"/>
-        <p:cNvGrpSpPr/>
-        <p:nvPr/>
-      </p:nvGrpSpPr>
-      <p:grpSpPr>
-        <a:xfrm>
-          <a:off x="0" y="0"/>
-          <a:ext cx="0" cy="0"/>
-          <a:chOff x="0" y="0"/>
-          <a:chExt cx="0" cy="0"/>
-        </a:xfrm>
-      </p:grpSpPr>
-      <p:sp>
-        <p:nvSpPr>
-          <p:cNvPr id="71" name="Google Shape;71;p15"/>
-          <p:cNvSpPr/>
-          <p:nvPr/>
-        </p:nvSpPr>
-        <p:spPr>
-          <a:xfrm rot="10800000">
-            <a:off x="5606100" y="100"/>
-            <a:ext cx="3537900" cy="1449600"/>
-          </a:xfrm>
-          <a:prstGeom prst="rtTriangle">
-            <a:avLst/>
-          </a:prstGeom>
-          <a:solidFill>
-            <a:srgbClr val="4883F6"/>
-          </a:solidFill>
-          <a:ln>
-            <a:noFill/>
-          </a:ln>
-        </p:spPr>
-        <p:txBody>
-          <a:bodyPr spcFirstLastPara="1" wrap="square" lIns="91425" tIns="91425" rIns="91425" bIns="91425" anchor="ctr" anchorCtr="0">
-            <a:noAutofit/>
-          </a:bodyPr>
-          <a:lstStyle/>
-          <a:p>
-            <a:pPr marL="0" lvl="0" indent="0" algn="l" rtl="0">
-              <a:spcBef>
-                <a:spcPts val="0"/>
-              </a:spcBef>
-              <a:spcAft>
-                <a:spcPts val="0"/>
-              </a:spcAft>
-              <a:buNone/>
-            </a:pPr>
-            <a:endParaRPr/>
-          </a:p>
-        </p:txBody>
-      </p:sp>
-      <p:pic>
-        <p:nvPicPr>
-          <p:cNvPr id="72" name="Google Shape;72;p15"/>
-          <p:cNvPicPr preferRelativeResize="0"/>
-          <p:nvPr/>
-        </p:nvPicPr>
-        <p:blipFill>
-          <a:blip r:embed="rId3">
-            <a:alphaModFix/>
-          </a:blip>
-          <a:stretch>
-            <a:fillRect/>
-          </a:stretch>
-        </p:blipFill>
-        <p:spPr>
-          <a:xfrm>
-            <a:off x="7467000" y="228400"/>
-            <a:ext cx="1403875" cy="588001"/>
-          </a:xfrm>
-          <a:prstGeom prst="rect">
-            <a:avLst/>
-          </a:prstGeom>
-          <a:noFill/>
-          <a:ln>
-            <a:noFill/>
-          </a:ln>
-        </p:spPr>
-      </p:pic>
-      <p:sp>
-        <p:nvSpPr>
-          <p:cNvPr id="5" name="Google Shape;63;p14">
-            <a:extLst>
-              <a:ext uri="{FF2B5EF4-FFF2-40B4-BE49-F238E27FC236}">
-                <a16:creationId xmlns:a16="http://schemas.microsoft.com/office/drawing/2014/main" id="{9BD71C27-8A6F-4A61-93B7-6C48B6CD1C83}"/>
-              </a:ext>
-            </a:extLst>
-          </p:cNvPr>
-          <p:cNvSpPr txBox="1"/>
-          <p:nvPr/>
-        </p:nvSpPr>
-        <p:spPr>
-          <a:xfrm>
-            <a:off x="898050" y="305377"/>
-            <a:ext cx="7347900" cy="1449600"/>
-          </a:xfrm>
-          <a:prstGeom prst="rect">
-            <a:avLst/>
-          </a:prstGeom>
-          <a:noFill/>
-          <a:ln>
-            <a:noFill/>
-          </a:ln>
-        </p:spPr>
-        <p:txBody>
-          <a:bodyPr spcFirstLastPara="1" wrap="square" lIns="91425" tIns="91425" rIns="91425" bIns="91425" anchor="t" anchorCtr="0">
-            <a:noAutofit/>
-          </a:bodyPr>
-          <a:lstStyle/>
-          <a:p>
-            <a:r>
-              <a:rPr lang="es-ES" sz="3600" dirty="0">
-                <a:solidFill>
-                  <a:schemeClr val="tx1"/>
-                </a:solidFill>
-                <a:latin typeface="Rubik"/>
-                <a:ea typeface="Rubik"/>
-                <a:cs typeface="Rubik"/>
-                <a:sym typeface="Rubik"/>
-              </a:rPr>
-              <a:t>Arquitectura y componentes</a:t>
-            </a:r>
-          </a:p>
-          <a:p>
-            <a:pPr lvl="0"/>
-            <a:endParaRPr lang="es-ES" sz="3600" dirty="0">
-              <a:solidFill>
-                <a:schemeClr val="tx1"/>
-              </a:solidFill>
-              <a:latin typeface="Rubik"/>
-              <a:ea typeface="Rubik"/>
-              <a:cs typeface="Rubik"/>
-              <a:sym typeface="Rubik"/>
-            </a:endParaRPr>
-          </a:p>
-        </p:txBody>
-      </p:sp>
-      <p:sp>
-        <p:nvSpPr>
-          <p:cNvPr id="3" name="Rectangle 2">
-            <a:extLst>
-              <a:ext uri="{FF2B5EF4-FFF2-40B4-BE49-F238E27FC236}">
-                <a16:creationId xmlns:a16="http://schemas.microsoft.com/office/drawing/2014/main" id="{9319EC8B-A2B9-450A-8D6F-D4A4096CDD00}"/>
-              </a:ext>
-            </a:extLst>
-          </p:cNvPr>
-          <p:cNvSpPr/>
-          <p:nvPr/>
-        </p:nvSpPr>
-        <p:spPr>
-          <a:xfrm>
-            <a:off x="898050" y="1631899"/>
-            <a:ext cx="8122382" cy="2554545"/>
-          </a:xfrm>
-          <a:prstGeom prst="rect">
-            <a:avLst/>
-          </a:prstGeom>
-        </p:spPr>
-        <p:txBody>
-          <a:bodyPr wrap="square">
-            <a:spAutoFit/>
-          </a:bodyPr>
-          <a:lstStyle/>
-          <a:p>
-            <a:pPr marL="342900" indent="-342900">
-              <a:buFont typeface="Arial" panose="020B0604020202020204" pitchFamily="34" charset="0"/>
-              <a:buChar char="•"/>
-            </a:pPr>
-            <a:r>
-              <a:rPr lang="en-US" sz="2000" dirty="0" err="1">
-                <a:latin typeface="Rubik" panose="020B0604020202020204" charset="-79"/>
-                <a:cs typeface="Rubik" panose="020B0604020202020204" charset="-79"/>
-              </a:rPr>
-              <a:t>Tipos</a:t>
-            </a:r>
-            <a:r>
-              <a:rPr lang="en-US" sz="2000" dirty="0">
-                <a:latin typeface="Rubik" panose="020B0604020202020204" charset="-79"/>
-                <a:cs typeface="Rubik" panose="020B0604020202020204" charset="-79"/>
-              </a:rPr>
-              <a:t> de </a:t>
-            </a:r>
-            <a:r>
-              <a:rPr lang="en-US" sz="2000" dirty="0" err="1">
-                <a:latin typeface="Rubik" panose="020B0604020202020204" charset="-79"/>
-                <a:cs typeface="Rubik" panose="020B0604020202020204" charset="-79"/>
-              </a:rPr>
-              <a:t>mensaje</a:t>
-            </a:r>
-            <a:endParaRPr lang="en-US" sz="2000" dirty="0">
-              <a:latin typeface="Rubik" panose="020B0604020202020204" charset="-79"/>
-              <a:cs typeface="Rubik" panose="020B0604020202020204" charset="-79"/>
-            </a:endParaRPr>
-          </a:p>
-          <a:p>
-            <a:pPr marL="342900" lvl="4" indent="-342900">
-              <a:buFont typeface="Arial" panose="020B0604020202020204" pitchFamily="34" charset="0"/>
-              <a:buChar char="•"/>
-            </a:pPr>
-            <a:r>
-              <a:rPr lang="en-US" sz="2000" dirty="0">
-                <a:latin typeface="Rubik" panose="020B0604020202020204" charset="-79"/>
-                <a:cs typeface="Rubik" panose="020B0604020202020204" charset="-79"/>
-              </a:rPr>
-              <a:t>Define el </a:t>
-            </a:r>
-            <a:r>
-              <a:rPr lang="en-US" sz="2000" dirty="0" err="1">
-                <a:latin typeface="Rubik" panose="020B0604020202020204" charset="-79"/>
-                <a:cs typeface="Rubik" panose="020B0604020202020204" charset="-79"/>
-              </a:rPr>
-              <a:t>nombre</a:t>
-            </a:r>
-            <a:r>
-              <a:rPr lang="en-US" sz="2000" dirty="0">
-                <a:latin typeface="Rubik" panose="020B0604020202020204" charset="-79"/>
-                <a:cs typeface="Rubik" panose="020B0604020202020204" charset="-79"/>
-              </a:rPr>
-              <a:t> de los </a:t>
-            </a:r>
-            <a:r>
-              <a:rPr lang="en-US" sz="2000" dirty="0" err="1">
-                <a:latin typeface="Rubik" panose="020B0604020202020204" charset="-79"/>
-                <a:cs typeface="Rubik" panose="020B0604020202020204" charset="-79"/>
-              </a:rPr>
-              <a:t>mensajes</a:t>
-            </a:r>
-            <a:r>
-              <a:rPr lang="en-US" sz="2000" dirty="0">
-                <a:latin typeface="Rubik" panose="020B0604020202020204" charset="-79"/>
-                <a:cs typeface="Rubik" panose="020B0604020202020204" charset="-79"/>
-              </a:rPr>
-              <a:t> y </a:t>
-            </a:r>
-            <a:r>
-              <a:rPr lang="en-US" sz="2000" dirty="0" err="1">
-                <a:latin typeface="Rubik" panose="020B0604020202020204" charset="-79"/>
-                <a:cs typeface="Rubik" panose="020B0604020202020204" charset="-79"/>
-              </a:rPr>
-              <a:t>su</a:t>
-            </a:r>
-            <a:r>
-              <a:rPr lang="en-US" sz="2000" dirty="0">
-                <a:latin typeface="Rubik" panose="020B0604020202020204" charset="-79"/>
-                <a:cs typeface="Rubik" panose="020B0604020202020204" charset="-79"/>
-              </a:rPr>
-              <a:t> </a:t>
-            </a:r>
-            <a:r>
-              <a:rPr lang="en-US" sz="2000" dirty="0" err="1">
-                <a:latin typeface="Rubik" panose="020B0604020202020204" charset="-79"/>
-                <a:cs typeface="Rubik" panose="020B0604020202020204" charset="-79"/>
-              </a:rPr>
-              <a:t>tipo</a:t>
-            </a:r>
-            <a:r>
-              <a:rPr lang="en-US" sz="2000" dirty="0">
-                <a:latin typeface="Rubik" panose="020B0604020202020204" charset="-79"/>
-                <a:cs typeface="Rubik" panose="020B0604020202020204" charset="-79"/>
-              </a:rPr>
-              <a:t> de </a:t>
-            </a:r>
-            <a:r>
-              <a:rPr lang="en-US" sz="2000" dirty="0" err="1">
-                <a:latin typeface="Rubik" panose="020B0604020202020204" charset="-79"/>
-                <a:cs typeface="Rubik" panose="020B0604020202020204" charset="-79"/>
-              </a:rPr>
-              <a:t>datos</a:t>
-            </a:r>
-            <a:r>
-              <a:rPr lang="en-US" sz="2000" dirty="0">
-                <a:latin typeface="Rubik" panose="020B0604020202020204" charset="-79"/>
-                <a:cs typeface="Rubik" panose="020B0604020202020204" charset="-79"/>
-              </a:rPr>
-              <a:t> (XML,XML </a:t>
-            </a:r>
-            <a:r>
-              <a:rPr lang="en-US" sz="2000" dirty="0" err="1">
-                <a:latin typeface="Rubik" panose="020B0604020202020204" charset="-79"/>
-                <a:cs typeface="Rubik" panose="020B0604020202020204" charset="-79"/>
-              </a:rPr>
-              <a:t>basados</a:t>
-            </a:r>
-            <a:r>
-              <a:rPr lang="en-US" sz="2000" dirty="0">
-                <a:latin typeface="Rubik" panose="020B0604020202020204" charset="-79"/>
-                <a:cs typeface="Rubik" panose="020B0604020202020204" charset="-79"/>
-              </a:rPr>
-              <a:t> </a:t>
-            </a:r>
-            <a:r>
-              <a:rPr lang="en-US" sz="2000" dirty="0" err="1">
-                <a:latin typeface="Rubik" panose="020B0604020202020204" charset="-79"/>
-                <a:cs typeface="Rubik" panose="020B0604020202020204" charset="-79"/>
-              </a:rPr>
-              <a:t>en</a:t>
-            </a:r>
-            <a:r>
-              <a:rPr lang="en-US" sz="2000" dirty="0">
-                <a:latin typeface="Rubik" panose="020B0604020202020204" charset="-79"/>
-                <a:cs typeface="Rubik" panose="020B0604020202020204" charset="-79"/>
-              </a:rPr>
-              <a:t> un </a:t>
-            </a:r>
-            <a:r>
-              <a:rPr lang="en-US" sz="2000" dirty="0" err="1">
-                <a:latin typeface="Rubik" panose="020B0604020202020204" charset="-79"/>
-                <a:cs typeface="Rubik" panose="020B0604020202020204" charset="-79"/>
-              </a:rPr>
-              <a:t>esquema</a:t>
-            </a:r>
-            <a:r>
-              <a:rPr lang="en-US" sz="2000" dirty="0">
-                <a:latin typeface="Rubik" panose="020B0604020202020204" charset="-79"/>
-                <a:cs typeface="Rubik" panose="020B0604020202020204" charset="-79"/>
-              </a:rPr>
-              <a:t>, </a:t>
-            </a:r>
-            <a:r>
-              <a:rPr lang="en-US" sz="2000" dirty="0" err="1">
-                <a:latin typeface="Rubik" panose="020B0604020202020204" charset="-79"/>
-                <a:cs typeface="Rubik" panose="020B0604020202020204" charset="-79"/>
-              </a:rPr>
-              <a:t>vacios</a:t>
-            </a:r>
-            <a:r>
-              <a:rPr lang="en-US" sz="2000" dirty="0">
-                <a:latin typeface="Rubik" panose="020B0604020202020204" charset="-79"/>
-                <a:cs typeface="Rubik" panose="020B0604020202020204" charset="-79"/>
-              </a:rPr>
-              <a:t> o sin </a:t>
-            </a:r>
-            <a:r>
-              <a:rPr lang="en-US" sz="2000" dirty="0" err="1">
-                <a:latin typeface="Rubik" panose="020B0604020202020204" charset="-79"/>
-                <a:cs typeface="Rubik" panose="020B0604020202020204" charset="-79"/>
-              </a:rPr>
-              <a:t>definir</a:t>
-            </a:r>
-            <a:r>
-              <a:rPr lang="en-US" sz="2000" dirty="0">
-                <a:latin typeface="Rubik" panose="020B0604020202020204" charset="-79"/>
-                <a:cs typeface="Rubik" panose="020B0604020202020204" charset="-79"/>
-              </a:rPr>
-              <a:t>)</a:t>
-            </a:r>
-          </a:p>
-          <a:p>
-            <a:pPr marL="342900" lvl="4" indent="-342900">
-              <a:buFont typeface="Arial" panose="020B0604020202020204" pitchFamily="34" charset="0"/>
-              <a:buChar char="•"/>
-            </a:pPr>
-            <a:r>
-              <a:rPr lang="en-US" sz="2000" dirty="0" err="1">
-                <a:latin typeface="Rubik" panose="020B0604020202020204" charset="-79"/>
-                <a:cs typeface="Rubik" panose="020B0604020202020204" charset="-79"/>
-              </a:rPr>
-              <a:t>Mensajes</a:t>
-            </a:r>
-            <a:r>
-              <a:rPr lang="en-US" sz="2000" dirty="0">
-                <a:latin typeface="Rubik" panose="020B0604020202020204" charset="-79"/>
-                <a:cs typeface="Rubik" panose="020B0604020202020204" charset="-79"/>
-              </a:rPr>
-              <a:t> del Sistema</a:t>
-            </a:r>
-          </a:p>
-          <a:p>
-            <a:pPr marL="342900" lvl="7" indent="-342900">
-              <a:buFont typeface="Arial" panose="020B0604020202020204" pitchFamily="34" charset="0"/>
-              <a:buChar char="•"/>
-            </a:pPr>
-            <a:r>
-              <a:rPr lang="en-US" sz="2000" dirty="0">
-                <a:latin typeface="Rubik" panose="020B0604020202020204" charset="-79"/>
-                <a:cs typeface="Rubik" panose="020B0604020202020204" charset="-79"/>
-                <a:hlinkClick r:id="rId4"/>
-              </a:rPr>
-              <a:t>http://schemas.microsoft.com/SQL/ServiceBroker/Error</a:t>
-            </a:r>
-            <a:endParaRPr lang="en-US" sz="2000" dirty="0">
-              <a:latin typeface="Rubik" panose="020B0604020202020204" charset="-79"/>
-              <a:cs typeface="Rubik" panose="020B0604020202020204" charset="-79"/>
-            </a:endParaRPr>
-          </a:p>
-          <a:p>
-            <a:pPr marL="342900" lvl="8" indent="-342900">
-              <a:buFont typeface="Arial" panose="020B0604020202020204" pitchFamily="34" charset="0"/>
-              <a:buChar char="•"/>
-            </a:pPr>
-            <a:r>
-              <a:rPr lang="en-US" sz="2000" dirty="0">
-                <a:latin typeface="Rubik" panose="020B0604020202020204" charset="-79"/>
-                <a:cs typeface="Rubik" panose="020B0604020202020204" charset="-79"/>
-                <a:hlinkClick r:id="rId5"/>
-              </a:rPr>
-              <a:t>http://schemas.microsoft.com/SQL/ServiceBroker/EndDialog</a:t>
-            </a:r>
-            <a:endParaRPr lang="en-US" sz="2000" dirty="0">
-              <a:latin typeface="Rubik" panose="020B0604020202020204" charset="-79"/>
-              <a:cs typeface="Rubik" panose="020B0604020202020204" charset="-79"/>
-            </a:endParaRPr>
-          </a:p>
-          <a:p>
-            <a:pPr marL="342900" lvl="8" indent="-342900">
-              <a:buFont typeface="Arial" panose="020B0604020202020204" pitchFamily="34" charset="0"/>
-              <a:buChar char="•"/>
-            </a:pPr>
-            <a:r>
-              <a:rPr lang="en-US" sz="2000" dirty="0">
-                <a:latin typeface="Rubik" panose="020B0604020202020204" charset="-79"/>
-                <a:cs typeface="Rubik" panose="020B0604020202020204" charset="-79"/>
-                <a:hlinkClick r:id="rId6"/>
-              </a:rPr>
-              <a:t>http://schemas.microsoft.com/SQL/ServiceBroker/DialogTimer</a:t>
-            </a:r>
-            <a:endParaRPr lang="en-US" sz="2000" dirty="0">
-              <a:latin typeface="Rubik" panose="020B0604020202020204" charset="-79"/>
-              <a:cs typeface="Rubik" panose="020B0604020202020204" charset="-79"/>
-            </a:endParaRPr>
-          </a:p>
-          <a:p>
-            <a:pPr marL="342900" lvl="1" indent="-342900">
-              <a:buFontTx/>
-              <a:buChar char="-"/>
-            </a:pPr>
-            <a:endParaRPr lang="en-US" sz="2000" dirty="0">
-              <a:latin typeface="Rubik" panose="020B0604020202020204" charset="-79"/>
-              <a:cs typeface="Rubik" panose="020B0604020202020204" charset="-79"/>
-            </a:endParaRPr>
-          </a:p>
-        </p:txBody>
-      </p:sp>
-    </p:spTree>
-    <p:extLst>
-      <p:ext uri="{BB962C8B-B14F-4D97-AF65-F5344CB8AC3E}">
-        <p14:creationId xmlns:p14="http://schemas.microsoft.com/office/powerpoint/2010/main" val="2184309556"/>
-      </p:ext>
-    </p:extLst>
-  </p:cSld>
-  <p:clrMapOvr>
-    <a:masterClrMapping/>
-  </p:clrMapOvr>
-</p:sld>
-</file>
-
-<file path=ppt/slides/slide8.xml><?xml version="1.0" encoding="utf-8"?>
-<p:sld xmlns:a="http://schemas.openxmlformats.org/drawingml/2006/main" xmlns:r="http://schemas.openxmlformats.org/officeDocument/2006/relationships" xmlns:p="http://schemas.openxmlformats.org/presentationml/2006/main">
-  <p:cSld>
-    <p:spTree>
-      <p:nvGrpSpPr>
-        <p:cNvPr id="1" name="Shape 70"/>
-        <p:cNvGrpSpPr/>
-        <p:nvPr/>
-      </p:nvGrpSpPr>
-      <p:grpSpPr>
-        <a:xfrm>
-          <a:off x="0" y="0"/>
-          <a:ext cx="0" cy="0"/>
-          <a:chOff x="0" y="0"/>
-          <a:chExt cx="0" cy="0"/>
-        </a:xfrm>
-      </p:grpSpPr>
-      <p:sp>
-        <p:nvSpPr>
-          <p:cNvPr id="71" name="Google Shape;71;p15"/>
-          <p:cNvSpPr/>
-          <p:nvPr/>
-        </p:nvSpPr>
-        <p:spPr>
-          <a:xfrm rot="10800000">
-            <a:off x="5606100" y="100"/>
-            <a:ext cx="3537900" cy="1449600"/>
-          </a:xfrm>
-          <a:prstGeom prst="rtTriangle">
-            <a:avLst/>
-          </a:prstGeom>
-          <a:solidFill>
-            <a:srgbClr val="4883F6"/>
-          </a:solidFill>
-          <a:ln>
-            <a:noFill/>
-          </a:ln>
-        </p:spPr>
-        <p:txBody>
-          <a:bodyPr spcFirstLastPara="1" wrap="square" lIns="91425" tIns="91425" rIns="91425" bIns="91425" anchor="ctr" anchorCtr="0">
-            <a:noAutofit/>
-          </a:bodyPr>
-          <a:lstStyle/>
-          <a:p>
-            <a:pPr marL="0" lvl="0" indent="0" algn="l" rtl="0">
-              <a:spcBef>
-                <a:spcPts val="0"/>
-              </a:spcBef>
-              <a:spcAft>
-                <a:spcPts val="0"/>
-              </a:spcAft>
-              <a:buNone/>
-            </a:pPr>
-            <a:endParaRPr/>
-          </a:p>
-        </p:txBody>
-      </p:sp>
-      <p:pic>
-        <p:nvPicPr>
-          <p:cNvPr id="72" name="Google Shape;72;p15"/>
-          <p:cNvPicPr preferRelativeResize="0"/>
-          <p:nvPr/>
-        </p:nvPicPr>
-        <p:blipFill>
-          <a:blip r:embed="rId3">
-            <a:alphaModFix/>
-          </a:blip>
-          <a:stretch>
-            <a:fillRect/>
-          </a:stretch>
-        </p:blipFill>
-        <p:spPr>
-          <a:xfrm>
-            <a:off x="7467000" y="228400"/>
-            <a:ext cx="1403875" cy="588001"/>
-          </a:xfrm>
-          <a:prstGeom prst="rect">
-            <a:avLst/>
-          </a:prstGeom>
-          <a:noFill/>
-          <a:ln>
-            <a:noFill/>
-          </a:ln>
-        </p:spPr>
-      </p:pic>
-      <p:sp>
-        <p:nvSpPr>
-          <p:cNvPr id="5" name="Google Shape;63;p14">
-            <a:extLst>
-              <a:ext uri="{FF2B5EF4-FFF2-40B4-BE49-F238E27FC236}">
-                <a16:creationId xmlns:a16="http://schemas.microsoft.com/office/drawing/2014/main" id="{9BD71C27-8A6F-4A61-93B7-6C48B6CD1C83}"/>
-              </a:ext>
-            </a:extLst>
-          </p:cNvPr>
-          <p:cNvSpPr txBox="1"/>
-          <p:nvPr/>
-        </p:nvSpPr>
-        <p:spPr>
-          <a:xfrm>
-            <a:off x="898050" y="305377"/>
-            <a:ext cx="7347900" cy="1449600"/>
-          </a:xfrm>
-          <a:prstGeom prst="rect">
-            <a:avLst/>
-          </a:prstGeom>
-          <a:noFill/>
-          <a:ln>
-            <a:noFill/>
-          </a:ln>
-        </p:spPr>
-        <p:txBody>
-          <a:bodyPr spcFirstLastPara="1" wrap="square" lIns="91425" tIns="91425" rIns="91425" bIns="91425" anchor="t" anchorCtr="0">
-            <a:noAutofit/>
-          </a:bodyPr>
-          <a:lstStyle/>
-          <a:p>
-            <a:r>
-              <a:rPr lang="es-ES" sz="3600" dirty="0">
-                <a:solidFill>
-                  <a:schemeClr val="tx1"/>
-                </a:solidFill>
-                <a:latin typeface="Rubik"/>
-                <a:ea typeface="Rubik"/>
-                <a:cs typeface="Rubik"/>
-                <a:sym typeface="Rubik"/>
-              </a:rPr>
-              <a:t>Arquitectura y componentes</a:t>
-            </a:r>
-          </a:p>
-          <a:p>
-            <a:pPr lvl="0"/>
-            <a:endParaRPr lang="es-ES" sz="3600" dirty="0">
-              <a:solidFill>
-                <a:schemeClr val="tx1"/>
-              </a:solidFill>
-              <a:latin typeface="Rubik"/>
-              <a:ea typeface="Rubik"/>
-              <a:cs typeface="Rubik"/>
-              <a:sym typeface="Rubik"/>
-            </a:endParaRPr>
-          </a:p>
-        </p:txBody>
-      </p:sp>
-      <p:sp>
-        <p:nvSpPr>
-          <p:cNvPr id="3" name="Rectangle 2">
-            <a:extLst>
-              <a:ext uri="{FF2B5EF4-FFF2-40B4-BE49-F238E27FC236}">
-                <a16:creationId xmlns:a16="http://schemas.microsoft.com/office/drawing/2014/main" id="{9319EC8B-A2B9-450A-8D6F-D4A4096CDD00}"/>
-              </a:ext>
-            </a:extLst>
-          </p:cNvPr>
-          <p:cNvSpPr/>
-          <p:nvPr/>
-        </p:nvSpPr>
-        <p:spPr>
-          <a:xfrm>
-            <a:off x="898050" y="1631899"/>
-            <a:ext cx="8122382" cy="2862322"/>
-          </a:xfrm>
-          <a:prstGeom prst="rect">
-            <a:avLst/>
-          </a:prstGeom>
-        </p:spPr>
-        <p:txBody>
-          <a:bodyPr wrap="square">
-            <a:spAutoFit/>
-          </a:bodyPr>
-          <a:lstStyle/>
-          <a:p>
-            <a:r>
-              <a:rPr lang="es-UY" sz="2000" b="1" dirty="0">
-                <a:latin typeface="Rubik" panose="020B0604020202020204" charset="-79"/>
-                <a:cs typeface="Rubik" panose="020B0604020202020204" charset="-79"/>
-              </a:rPr>
-              <a:t>Contratos (CONTRACT)</a:t>
-            </a:r>
-          </a:p>
-          <a:p>
-            <a:pPr marL="342900" indent="-342900">
-              <a:buFont typeface="Arial" panose="020B0604020202020204" pitchFamily="34" charset="0"/>
-              <a:buChar char="•"/>
-            </a:pPr>
-            <a:r>
-              <a:rPr lang="es-UY" sz="2000" dirty="0">
-                <a:latin typeface="Rubik" panose="020B0604020202020204" charset="-79"/>
-                <a:cs typeface="Rubik" panose="020B0604020202020204" charset="-79"/>
-              </a:rPr>
-              <a:t>Define una operación del negocio y los tipos de mensajes que usará</a:t>
-            </a:r>
-          </a:p>
-          <a:p>
-            <a:pPr marL="342900" indent="-342900">
-              <a:buFont typeface="Arial" panose="020B0604020202020204" pitchFamily="34" charset="0"/>
-              <a:buChar char="•"/>
-            </a:pPr>
-            <a:r>
-              <a:rPr lang="es-UY" sz="2000" dirty="0">
-                <a:latin typeface="Rubik" panose="020B0604020202020204" charset="-79"/>
-                <a:cs typeface="Rubik" panose="020B0604020202020204" charset="-79"/>
-              </a:rPr>
-              <a:t>Define 2 roles, el </a:t>
-            </a:r>
-            <a:r>
-              <a:rPr lang="es-UY" sz="2000" dirty="0" err="1">
-                <a:latin typeface="Rubik" panose="020B0604020202020204" charset="-79"/>
-                <a:cs typeface="Rubik" panose="020B0604020202020204" charset="-79"/>
-              </a:rPr>
-              <a:t>iniciator</a:t>
-            </a:r>
-            <a:r>
-              <a:rPr lang="es-UY" sz="2000" dirty="0">
-                <a:latin typeface="Rubik" panose="020B0604020202020204" charset="-79"/>
-                <a:cs typeface="Rubik" panose="020B0604020202020204" charset="-79"/>
-              </a:rPr>
-              <a:t> que comienza una conversación y un target y los mensajes que cada rol usará </a:t>
-            </a:r>
-          </a:p>
-          <a:p>
-            <a:pPr marL="342900" indent="-342900">
-              <a:buFont typeface="Arial" panose="020B0604020202020204" pitchFamily="34" charset="0"/>
-              <a:buChar char="•"/>
-            </a:pPr>
-            <a:r>
-              <a:rPr lang="es-UY" sz="2000" dirty="0">
-                <a:latin typeface="Rubik" panose="020B0604020202020204" charset="-79"/>
-                <a:cs typeface="Rubik" panose="020B0604020202020204" charset="-79"/>
-              </a:rPr>
-              <a:t>Más de un contrato puede usar el mismo tipo de mensajes</a:t>
-            </a:r>
-          </a:p>
-          <a:p>
-            <a:pPr marL="342900" indent="-342900">
-              <a:buFont typeface="Arial" panose="020B0604020202020204" pitchFamily="34" charset="0"/>
-              <a:buChar char="•"/>
-            </a:pPr>
-            <a:r>
-              <a:rPr lang="es-UY" sz="2000" dirty="0">
-                <a:latin typeface="Rubik" panose="020B0604020202020204" charset="-79"/>
-                <a:cs typeface="Rubik" panose="020B0604020202020204" charset="-79"/>
-              </a:rPr>
-              <a:t>Son inmutables y se deben crear nuevos en caso de querer cambiar la lógica del mismo</a:t>
-            </a:r>
-          </a:p>
-          <a:p>
-            <a:pPr marL="342900" lvl="1" indent="-342900">
-              <a:buFontTx/>
-              <a:buChar char="-"/>
-            </a:pPr>
-            <a:endParaRPr lang="es-UY" sz="2000" dirty="0">
-              <a:latin typeface="Rubik" panose="020B0604020202020204" charset="-79"/>
-              <a:cs typeface="Rubik" panose="020B0604020202020204" charset="-79"/>
-            </a:endParaRPr>
-          </a:p>
-        </p:txBody>
-      </p:sp>
-    </p:spTree>
-    <p:extLst>
-      <p:ext uri="{BB962C8B-B14F-4D97-AF65-F5344CB8AC3E}">
-        <p14:creationId xmlns:p14="http://schemas.microsoft.com/office/powerpoint/2010/main" val="4010858987"/>
-      </p:ext>
-    </p:extLst>
-  </p:cSld>
-  <p:clrMapOvr>
-    <a:masterClrMapping/>
-  </p:clrMapOvr>
-</p:sld>
-</file>
-
 <file path=ppt/slides/slide9.xml><?xml version="1.0" encoding="utf-8"?>
 <p:sld xmlns:a="http://schemas.openxmlformats.org/drawingml/2006/main" xmlns:r="http://schemas.openxmlformats.org/officeDocument/2006/relationships" xmlns:p="http://schemas.openxmlformats.org/presentationml/2006/main">
   <p:cSld>
@@ -13308,7 +14007,7 @@
         <p:spPr>
           <a:xfrm>
             <a:off x="898050" y="1631899"/>
-            <a:ext cx="8122382" cy="1938992"/>
+            <a:ext cx="8122382" cy="2554545"/>
           </a:xfrm>
           <a:prstGeom prst="rect">
             <a:avLst/>
@@ -13320,73 +14019,269 @@
           </a:bodyPr>
           <a:lstStyle/>
           <a:p>
-            <a:r>
-              <a:rPr lang="es-UY" sz="2000" b="1" dirty="0" err="1">
-                <a:latin typeface="Rubik" panose="020B0604020202020204" charset="-79"/>
-                <a:cs typeface="Rubik" panose="020B0604020202020204" charset="-79"/>
-              </a:rPr>
-              <a:t>Queues</a:t>
-            </a:r>
-            <a:r>
-              <a:rPr lang="es-UY" sz="2000" b="1" dirty="0">
-                <a:latin typeface="Rubik" panose="020B0604020202020204" charset="-79"/>
-                <a:cs typeface="Rubik" panose="020B0604020202020204" charset="-79"/>
-              </a:rPr>
-              <a:t> (Colas)</a:t>
-            </a:r>
-          </a:p>
-          <a:p>
             <a:pPr marL="342900" indent="-342900">
               <a:buFont typeface="Arial" panose="020B0604020202020204" pitchFamily="34" charset="0"/>
               <a:buChar char="•"/>
             </a:pPr>
             <a:r>
-              <a:rPr lang="es-UY" sz="2000" dirty="0">
-                <a:latin typeface="Rubik" panose="020B0604020202020204" charset="-79"/>
-                <a:cs typeface="Rubik" panose="020B0604020202020204" charset="-79"/>
-              </a:rPr>
-              <a:t>Almacenan los mensajes que serán procesados por SSB</a:t>
-            </a:r>
-          </a:p>
-          <a:p>
-            <a:pPr marL="342900" indent="-342900">
+              <a:rPr lang="en-US" sz="2000" dirty="0" err="1">
+                <a:latin typeface="Rubik" panose="020B0604020202020204" charset="-79"/>
+                <a:cs typeface="Rubik" panose="020B0604020202020204" charset="-79"/>
+              </a:rPr>
+              <a:t>Tipos</a:t>
+            </a:r>
+            <a:r>
+              <a:rPr lang="en-US" sz="2000" dirty="0">
+                <a:latin typeface="Rubik" panose="020B0604020202020204" charset="-79"/>
+                <a:cs typeface="Rubik" panose="020B0604020202020204" charset="-79"/>
+              </a:rPr>
+              <a:t> de </a:t>
+            </a:r>
+            <a:r>
+              <a:rPr lang="en-US" sz="2000" dirty="0" err="1">
+                <a:latin typeface="Rubik" panose="020B0604020202020204" charset="-79"/>
+                <a:cs typeface="Rubik" panose="020B0604020202020204" charset="-79"/>
+              </a:rPr>
+              <a:t>mensaje</a:t>
+            </a:r>
+            <a:endParaRPr lang="en-US" sz="2000" dirty="0">
+              <a:latin typeface="Rubik" panose="020B0604020202020204" charset="-79"/>
+              <a:cs typeface="Rubik" panose="020B0604020202020204" charset="-79"/>
+            </a:endParaRPr>
+          </a:p>
+          <a:p>
+            <a:pPr marL="342900" lvl="4" indent="-342900">
               <a:buFont typeface="Arial" panose="020B0604020202020204" pitchFamily="34" charset="0"/>
               <a:buChar char="•"/>
             </a:pPr>
             <a:r>
-              <a:rPr lang="es-UY" sz="2000" dirty="0" err="1">
-                <a:latin typeface="Rubik" panose="020B0604020202020204" charset="-79"/>
-                <a:cs typeface="Rubik" panose="020B0604020202020204" charset="-79"/>
-              </a:rPr>
-              <a:t>Almacenandos</a:t>
-            </a:r>
-            <a:r>
-              <a:rPr lang="es-UY" sz="2000" dirty="0">
-                <a:latin typeface="Rubik" panose="020B0604020202020204" charset="-79"/>
-                <a:cs typeface="Rubik" panose="020B0604020202020204" charset="-79"/>
-              </a:rPr>
-              <a:t> en la base como tablas internas, cuentan con vistas para consultar su contenido</a:t>
-            </a:r>
-          </a:p>
-          <a:p>
-            <a:pPr marL="342900" indent="-342900">
+              <a:rPr lang="en-US" sz="2000" dirty="0">
+                <a:latin typeface="Rubik" panose="020B0604020202020204" charset="-79"/>
+                <a:cs typeface="Rubik" panose="020B0604020202020204" charset="-79"/>
+              </a:rPr>
+              <a:t>Define el </a:t>
+            </a:r>
+            <a:r>
+              <a:rPr lang="en-US" sz="2000" dirty="0" err="1">
+                <a:latin typeface="Rubik" panose="020B0604020202020204" charset="-79"/>
+                <a:cs typeface="Rubik" panose="020B0604020202020204" charset="-79"/>
+              </a:rPr>
+              <a:t>nombre</a:t>
+            </a:r>
+            <a:r>
+              <a:rPr lang="en-US" sz="2000" dirty="0">
+                <a:latin typeface="Rubik" panose="020B0604020202020204" charset="-79"/>
+                <a:cs typeface="Rubik" panose="020B0604020202020204" charset="-79"/>
+              </a:rPr>
+              <a:t> de los </a:t>
+            </a:r>
+            <a:r>
+              <a:rPr lang="en-US" sz="2000" dirty="0" err="1">
+                <a:latin typeface="Rubik" panose="020B0604020202020204" charset="-79"/>
+                <a:cs typeface="Rubik" panose="020B0604020202020204" charset="-79"/>
+              </a:rPr>
+              <a:t>mensajes</a:t>
+            </a:r>
+            <a:r>
+              <a:rPr lang="en-US" sz="2000" dirty="0">
+                <a:latin typeface="Rubik" panose="020B0604020202020204" charset="-79"/>
+                <a:cs typeface="Rubik" panose="020B0604020202020204" charset="-79"/>
+              </a:rPr>
+              <a:t> y </a:t>
+            </a:r>
+            <a:r>
+              <a:rPr lang="en-US" sz="2000" dirty="0" err="1">
+                <a:latin typeface="Rubik" panose="020B0604020202020204" charset="-79"/>
+                <a:cs typeface="Rubik" panose="020B0604020202020204" charset="-79"/>
+              </a:rPr>
+              <a:t>su</a:t>
+            </a:r>
+            <a:r>
+              <a:rPr lang="en-US" sz="2000" dirty="0">
+                <a:latin typeface="Rubik" panose="020B0604020202020204" charset="-79"/>
+                <a:cs typeface="Rubik" panose="020B0604020202020204" charset="-79"/>
+              </a:rPr>
+              <a:t> </a:t>
+            </a:r>
+            <a:r>
+              <a:rPr lang="en-US" sz="2000" dirty="0" err="1">
+                <a:latin typeface="Rubik" panose="020B0604020202020204" charset="-79"/>
+                <a:cs typeface="Rubik" panose="020B0604020202020204" charset="-79"/>
+              </a:rPr>
+              <a:t>tipo</a:t>
+            </a:r>
+            <a:r>
+              <a:rPr lang="en-US" sz="2000" dirty="0">
+                <a:latin typeface="Rubik" panose="020B0604020202020204" charset="-79"/>
+                <a:cs typeface="Rubik" panose="020B0604020202020204" charset="-79"/>
+              </a:rPr>
+              <a:t> de </a:t>
+            </a:r>
+            <a:r>
+              <a:rPr lang="en-US" sz="2000" dirty="0" err="1">
+                <a:latin typeface="Rubik" panose="020B0604020202020204" charset="-79"/>
+                <a:cs typeface="Rubik" panose="020B0604020202020204" charset="-79"/>
+              </a:rPr>
+              <a:t>datos</a:t>
+            </a:r>
+            <a:r>
+              <a:rPr lang="en-US" sz="2000" dirty="0">
+                <a:latin typeface="Rubik" panose="020B0604020202020204" charset="-79"/>
+                <a:cs typeface="Rubik" panose="020B0604020202020204" charset="-79"/>
+              </a:rPr>
+              <a:t> (XML,XML </a:t>
+            </a:r>
+            <a:r>
+              <a:rPr lang="en-US" sz="2000" dirty="0" err="1">
+                <a:latin typeface="Rubik" panose="020B0604020202020204" charset="-79"/>
+                <a:cs typeface="Rubik" panose="020B0604020202020204" charset="-79"/>
+              </a:rPr>
+              <a:t>basados</a:t>
+            </a:r>
+            <a:r>
+              <a:rPr lang="en-US" sz="2000" dirty="0">
+                <a:latin typeface="Rubik" panose="020B0604020202020204" charset="-79"/>
+                <a:cs typeface="Rubik" panose="020B0604020202020204" charset="-79"/>
+              </a:rPr>
+              <a:t> </a:t>
+            </a:r>
+            <a:r>
+              <a:rPr lang="en-US" sz="2000" dirty="0" err="1">
+                <a:latin typeface="Rubik" panose="020B0604020202020204" charset="-79"/>
+                <a:cs typeface="Rubik" panose="020B0604020202020204" charset="-79"/>
+              </a:rPr>
+              <a:t>en</a:t>
+            </a:r>
+            <a:r>
+              <a:rPr lang="en-US" sz="2000" dirty="0">
+                <a:latin typeface="Rubik" panose="020B0604020202020204" charset="-79"/>
+                <a:cs typeface="Rubik" panose="020B0604020202020204" charset="-79"/>
+              </a:rPr>
+              <a:t> un </a:t>
+            </a:r>
+            <a:r>
+              <a:rPr lang="en-US" sz="2000" dirty="0" err="1">
+                <a:latin typeface="Rubik" panose="020B0604020202020204" charset="-79"/>
+                <a:cs typeface="Rubik" panose="020B0604020202020204" charset="-79"/>
+              </a:rPr>
+              <a:t>esquema</a:t>
+            </a:r>
+            <a:r>
+              <a:rPr lang="en-US" sz="2000" dirty="0">
+                <a:latin typeface="Rubik" panose="020B0604020202020204" charset="-79"/>
+                <a:cs typeface="Rubik" panose="020B0604020202020204" charset="-79"/>
+              </a:rPr>
+              <a:t>, </a:t>
+            </a:r>
+            <a:r>
+              <a:rPr lang="en-US" sz="2000" dirty="0" err="1">
+                <a:latin typeface="Rubik" panose="020B0604020202020204" charset="-79"/>
+                <a:cs typeface="Rubik" panose="020B0604020202020204" charset="-79"/>
+              </a:rPr>
+              <a:t>vacios</a:t>
+            </a:r>
+            <a:r>
+              <a:rPr lang="en-US" sz="2000" dirty="0">
+                <a:latin typeface="Rubik" panose="020B0604020202020204" charset="-79"/>
+                <a:cs typeface="Rubik" panose="020B0604020202020204" charset="-79"/>
+              </a:rPr>
+              <a:t> o sin </a:t>
+            </a:r>
+            <a:r>
+              <a:rPr lang="en-US" sz="2000" dirty="0" err="1">
+                <a:latin typeface="Rubik" panose="020B0604020202020204" charset="-79"/>
+                <a:cs typeface="Rubik" panose="020B0604020202020204" charset="-79"/>
+              </a:rPr>
+              <a:t>definir</a:t>
+            </a:r>
+            <a:r>
+              <a:rPr lang="en-US" sz="2000" dirty="0">
+                <a:latin typeface="Rubik" panose="020B0604020202020204" charset="-79"/>
+                <a:cs typeface="Rubik" panose="020B0604020202020204" charset="-79"/>
+              </a:rPr>
+              <a:t>)</a:t>
+            </a:r>
+          </a:p>
+          <a:p>
+            <a:pPr marL="342900" lvl="4" indent="-342900">
               <a:buFont typeface="Arial" panose="020B0604020202020204" pitchFamily="34" charset="0"/>
               <a:buChar char="•"/>
             </a:pPr>
             <a:r>
-              <a:rPr lang="es-UY" sz="2000" dirty="0">
-                <a:latin typeface="Rubik" panose="020B0604020202020204" charset="-79"/>
-                <a:cs typeface="Rubik" panose="020B0604020202020204" charset="-79"/>
-              </a:rPr>
-              <a:t>Los servicios son asociados a una sola cola</a:t>
-            </a:r>
-          </a:p>
-          <a:p>
-            <a:pPr marL="342900" indent="-342900">
+              <a:rPr lang="en-US" sz="2000" dirty="0" err="1">
+                <a:latin typeface="Rubik" panose="020B0604020202020204" charset="-79"/>
+                <a:cs typeface="Rubik" panose="020B0604020202020204" charset="-79"/>
+              </a:rPr>
+              <a:t>Mensajes</a:t>
+            </a:r>
+            <a:r>
+              <a:rPr lang="en-US" sz="2000" dirty="0">
+                <a:latin typeface="Rubik" panose="020B0604020202020204" charset="-79"/>
+                <a:cs typeface="Rubik" panose="020B0604020202020204" charset="-79"/>
+              </a:rPr>
+              <a:t> del Sistema</a:t>
+            </a:r>
+          </a:p>
+          <a:p>
+            <a:pPr marL="342900" lvl="7" indent="-342900">
               <a:buFont typeface="Arial" panose="020B0604020202020204" pitchFamily="34" charset="0"/>
               <a:buChar char="•"/>
             </a:pPr>
-            <a:endParaRPr lang="es-UY" sz="2000" dirty="0">
+            <a:r>
+              <a:rPr lang="en-US" sz="2000" dirty="0">
+                <a:latin typeface="Rubik" panose="020B0604020202020204" charset="-79"/>
+                <a:cs typeface="Rubik" panose="020B0604020202020204" charset="-79"/>
+                <a:hlinkClick r:id="rId4"/>
+              </a:rPr>
+              <a:t>http://schemas.microsoft.com/SQL/ServiceBroker/Error</a:t>
+            </a:r>
+            <a:endParaRPr lang="en-US" sz="2000" dirty="0">
+              <a:latin typeface="Rubik" panose="020B0604020202020204" charset="-79"/>
+              <a:cs typeface="Rubik" panose="020B0604020202020204" charset="-79"/>
+            </a:endParaRPr>
+          </a:p>
+          <a:p>
+            <a:pPr marL="342900" lvl="8" indent="-342900">
+              <a:buFont typeface="Arial" panose="020B0604020202020204" pitchFamily="34" charset="0"/>
+              <a:buChar char="•"/>
+            </a:pPr>
+            <a:r>
+              <a:rPr lang="en-US" sz="2000" dirty="0">
+                <a:latin typeface="Rubik" panose="020B0604020202020204" charset="-79"/>
+                <a:cs typeface="Rubik" panose="020B0604020202020204" charset="-79"/>
+                <a:hlinkClick r:id="rId5"/>
+              </a:rPr>
+              <a:t>http://schemas.microsoft.com/SQL/ServiceBroker/EndDialog</a:t>
+            </a:r>
+            <a:endParaRPr lang="en-US" sz="2000" dirty="0">
+              <a:latin typeface="Rubik" panose="020B0604020202020204" charset="-79"/>
+              <a:cs typeface="Rubik" panose="020B0604020202020204" charset="-79"/>
+            </a:endParaRPr>
+          </a:p>
+          <a:p>
+            <a:pPr marL="342900" lvl="8" indent="-342900">
+              <a:buFont typeface="Arial" panose="020B0604020202020204" pitchFamily="34" charset="0"/>
+              <a:buChar char="•"/>
+            </a:pPr>
+            <a:r>
+              <a:rPr lang="en-US" sz="2000" dirty="0">
+                <a:latin typeface="Rubik" panose="020B0604020202020204" charset="-79"/>
+                <a:cs typeface="Rubik" panose="020B0604020202020204" charset="-79"/>
+                <a:hlinkClick r:id="rId6"/>
+              </a:rPr>
+              <a:t>http://schemas.microsoft.com/SQL/ServiceBroker/DialogTimer</a:t>
+            </a:r>
+            <a:endParaRPr lang="en-US" sz="2000" dirty="0">
+              <a:latin typeface="Rubik" panose="020B0604020202020204" charset="-79"/>
+              <a:cs typeface="Rubik" panose="020B0604020202020204" charset="-79"/>
+            </a:endParaRPr>
+          </a:p>
+          <a:p>
+            <a:pPr marL="342900" lvl="1" indent="-342900">
+              <a:buFontTx/>
+              <a:buChar char="-"/>
+            </a:pPr>
+            <a:endParaRPr lang="en-US" sz="2000" dirty="0">
               <a:latin typeface="Rubik" panose="020B0604020202020204" charset="-79"/>
               <a:cs typeface="Rubik" panose="020B0604020202020204" charset="-79"/>
             </a:endParaRPr>
@@ -13396,7 +14291,7 @@
     </p:spTree>
     <p:extLst>
       <p:ext uri="{BB962C8B-B14F-4D97-AF65-F5344CB8AC3E}">
-        <p14:creationId xmlns:p14="http://schemas.microsoft.com/office/powerpoint/2010/main" val="1075234714"/>
+        <p14:creationId xmlns:p14="http://schemas.microsoft.com/office/powerpoint/2010/main" val="2184309556"/>
       </p:ext>
     </p:extLst>
   </p:cSld>
